--- a/Team3 ML Slides.pptx
+++ b/Team3 ML Slides.pptx
@@ -276,7 +276,7 @@
           <a:p>
             <a:fld id="{7060C84B-AE9D-4532-9BA2-C886236C9AE4}" type="datetimeFigureOut">
               <a:rPr lang="en-US" smtClean="0"/>
-              <a:t>5/29/2021</a:t>
+              <a:t>5/30/2021</a:t>
             </a:fld>
             <a:endParaRPr lang="en-US"/>
           </a:p>
@@ -474,7 +474,7 @@
           <a:p>
             <a:fld id="{7060C84B-AE9D-4532-9BA2-C886236C9AE4}" type="datetimeFigureOut">
               <a:rPr lang="en-US" smtClean="0"/>
-              <a:t>5/29/2021</a:t>
+              <a:t>5/30/2021</a:t>
             </a:fld>
             <a:endParaRPr lang="en-US"/>
           </a:p>
@@ -682,7 +682,7 @@
           <a:p>
             <a:fld id="{7060C84B-AE9D-4532-9BA2-C886236C9AE4}" type="datetimeFigureOut">
               <a:rPr lang="en-US" smtClean="0"/>
-              <a:t>5/29/2021</a:t>
+              <a:t>5/30/2021</a:t>
             </a:fld>
             <a:endParaRPr lang="en-US"/>
           </a:p>
@@ -880,7 +880,7 @@
           <a:p>
             <a:fld id="{7060C84B-AE9D-4532-9BA2-C886236C9AE4}" type="datetimeFigureOut">
               <a:rPr lang="en-US" smtClean="0"/>
-              <a:t>5/29/2021</a:t>
+              <a:t>5/30/2021</a:t>
             </a:fld>
             <a:endParaRPr lang="en-US"/>
           </a:p>
@@ -1155,7 +1155,7 @@
           <a:p>
             <a:fld id="{7060C84B-AE9D-4532-9BA2-C886236C9AE4}" type="datetimeFigureOut">
               <a:rPr lang="en-US" smtClean="0"/>
-              <a:t>5/29/2021</a:t>
+              <a:t>5/30/2021</a:t>
             </a:fld>
             <a:endParaRPr lang="en-US"/>
           </a:p>
@@ -1420,7 +1420,7 @@
           <a:p>
             <a:fld id="{7060C84B-AE9D-4532-9BA2-C886236C9AE4}" type="datetimeFigureOut">
               <a:rPr lang="en-US" smtClean="0"/>
-              <a:t>5/29/2021</a:t>
+              <a:t>5/30/2021</a:t>
             </a:fld>
             <a:endParaRPr lang="en-US"/>
           </a:p>
@@ -1832,7 +1832,7 @@
           <a:p>
             <a:fld id="{7060C84B-AE9D-4532-9BA2-C886236C9AE4}" type="datetimeFigureOut">
               <a:rPr lang="en-US" smtClean="0"/>
-              <a:t>5/29/2021</a:t>
+              <a:t>5/30/2021</a:t>
             </a:fld>
             <a:endParaRPr lang="en-US"/>
           </a:p>
@@ -1973,7 +1973,7 @@
           <a:p>
             <a:fld id="{7060C84B-AE9D-4532-9BA2-C886236C9AE4}" type="datetimeFigureOut">
               <a:rPr lang="en-US" smtClean="0"/>
-              <a:t>5/29/2021</a:t>
+              <a:t>5/30/2021</a:t>
             </a:fld>
             <a:endParaRPr lang="en-US"/>
           </a:p>
@@ -2086,7 +2086,7 @@
           <a:p>
             <a:fld id="{7060C84B-AE9D-4532-9BA2-C886236C9AE4}" type="datetimeFigureOut">
               <a:rPr lang="en-US" smtClean="0"/>
-              <a:t>5/29/2021</a:t>
+              <a:t>5/30/2021</a:t>
             </a:fld>
             <a:endParaRPr lang="en-US"/>
           </a:p>
@@ -2397,7 +2397,7 @@
           <a:p>
             <a:fld id="{7060C84B-AE9D-4532-9BA2-C886236C9AE4}" type="datetimeFigureOut">
               <a:rPr lang="en-US" smtClean="0"/>
-              <a:t>5/29/2021</a:t>
+              <a:t>5/30/2021</a:t>
             </a:fld>
             <a:endParaRPr lang="en-US"/>
           </a:p>
@@ -2685,7 +2685,7 @@
           <a:p>
             <a:fld id="{7060C84B-AE9D-4532-9BA2-C886236C9AE4}" type="datetimeFigureOut">
               <a:rPr lang="en-US" smtClean="0"/>
-              <a:t>5/29/2021</a:t>
+              <a:t>5/30/2021</a:t>
             </a:fld>
             <a:endParaRPr lang="en-US"/>
           </a:p>
@@ -2926,7 +2926,7 @@
           <a:p>
             <a:fld id="{7060C84B-AE9D-4532-9BA2-C886236C9AE4}" type="datetimeFigureOut">
               <a:rPr lang="en-US" smtClean="0"/>
-              <a:t>5/29/2021</a:t>
+              <a:t>5/30/2021</a:t>
             </a:fld>
             <a:endParaRPr lang="en-US"/>
           </a:p>
@@ -16879,15 +16879,8 @@
                 <a:ea typeface="Yu Mincho" panose="02020400000000000000" pitchFamily="18" charset="-128"/>
                 <a:cs typeface="Calibri" panose="020F0502020204030204" pitchFamily="34" charset="0"/>
               </a:rPr>
-              <a:t>Compared to other team’s works on kaggle.com using much more advanced model, our model can also attain similar result.</a:t>
+              <a:t>Compared to other teams’ works on kaggle.com, our models’ performances are on par with other complex models using more advanced libraries and algorithms.</a:t>
             </a:r>
-          </a:p>
-          <a:p>
-            <a:pPr marL="514350" indent="-514350">
-              <a:buFont typeface="+mj-lt"/>
-              <a:buAutoNum type="arabicPeriod"/>
-            </a:pPr>
-            <a:endParaRPr lang="en-US" dirty="0"/>
           </a:p>
         </p:txBody>
       </p:sp>

--- a/Team3 ML Slides.pptx
+++ b/Team3 ML Slides.pptx
@@ -276,7 +276,7 @@
           <a:p>
             <a:fld id="{7060C84B-AE9D-4532-9BA2-C886236C9AE4}" type="datetimeFigureOut">
               <a:rPr lang="en-US" smtClean="0"/>
-              <a:t>5/30/2021</a:t>
+              <a:t>5/31/2021</a:t>
             </a:fld>
             <a:endParaRPr lang="en-US"/>
           </a:p>
@@ -474,7 +474,7 @@
           <a:p>
             <a:fld id="{7060C84B-AE9D-4532-9BA2-C886236C9AE4}" type="datetimeFigureOut">
               <a:rPr lang="en-US" smtClean="0"/>
-              <a:t>5/30/2021</a:t>
+              <a:t>5/31/2021</a:t>
             </a:fld>
             <a:endParaRPr lang="en-US"/>
           </a:p>
@@ -682,7 +682,7 @@
           <a:p>
             <a:fld id="{7060C84B-AE9D-4532-9BA2-C886236C9AE4}" type="datetimeFigureOut">
               <a:rPr lang="en-US" smtClean="0"/>
-              <a:t>5/30/2021</a:t>
+              <a:t>5/31/2021</a:t>
             </a:fld>
             <a:endParaRPr lang="en-US"/>
           </a:p>
@@ -880,7 +880,7 @@
           <a:p>
             <a:fld id="{7060C84B-AE9D-4532-9BA2-C886236C9AE4}" type="datetimeFigureOut">
               <a:rPr lang="en-US" smtClean="0"/>
-              <a:t>5/30/2021</a:t>
+              <a:t>5/31/2021</a:t>
             </a:fld>
             <a:endParaRPr lang="en-US"/>
           </a:p>
@@ -1155,7 +1155,7 @@
           <a:p>
             <a:fld id="{7060C84B-AE9D-4532-9BA2-C886236C9AE4}" type="datetimeFigureOut">
               <a:rPr lang="en-US" smtClean="0"/>
-              <a:t>5/30/2021</a:t>
+              <a:t>5/31/2021</a:t>
             </a:fld>
             <a:endParaRPr lang="en-US"/>
           </a:p>
@@ -1420,7 +1420,7 @@
           <a:p>
             <a:fld id="{7060C84B-AE9D-4532-9BA2-C886236C9AE4}" type="datetimeFigureOut">
               <a:rPr lang="en-US" smtClean="0"/>
-              <a:t>5/30/2021</a:t>
+              <a:t>5/31/2021</a:t>
             </a:fld>
             <a:endParaRPr lang="en-US"/>
           </a:p>
@@ -1832,7 +1832,7 @@
           <a:p>
             <a:fld id="{7060C84B-AE9D-4532-9BA2-C886236C9AE4}" type="datetimeFigureOut">
               <a:rPr lang="en-US" smtClean="0"/>
-              <a:t>5/30/2021</a:t>
+              <a:t>5/31/2021</a:t>
             </a:fld>
             <a:endParaRPr lang="en-US"/>
           </a:p>
@@ -1973,7 +1973,7 @@
           <a:p>
             <a:fld id="{7060C84B-AE9D-4532-9BA2-C886236C9AE4}" type="datetimeFigureOut">
               <a:rPr lang="en-US" smtClean="0"/>
-              <a:t>5/30/2021</a:t>
+              <a:t>5/31/2021</a:t>
             </a:fld>
             <a:endParaRPr lang="en-US"/>
           </a:p>
@@ -2086,7 +2086,7 @@
           <a:p>
             <a:fld id="{7060C84B-AE9D-4532-9BA2-C886236C9AE4}" type="datetimeFigureOut">
               <a:rPr lang="en-US" smtClean="0"/>
-              <a:t>5/30/2021</a:t>
+              <a:t>5/31/2021</a:t>
             </a:fld>
             <a:endParaRPr lang="en-US"/>
           </a:p>
@@ -2397,7 +2397,7 @@
           <a:p>
             <a:fld id="{7060C84B-AE9D-4532-9BA2-C886236C9AE4}" type="datetimeFigureOut">
               <a:rPr lang="en-US" smtClean="0"/>
-              <a:t>5/30/2021</a:t>
+              <a:t>5/31/2021</a:t>
             </a:fld>
             <a:endParaRPr lang="en-US"/>
           </a:p>
@@ -2685,7 +2685,7 @@
           <a:p>
             <a:fld id="{7060C84B-AE9D-4532-9BA2-C886236C9AE4}" type="datetimeFigureOut">
               <a:rPr lang="en-US" smtClean="0"/>
-              <a:t>5/30/2021</a:t>
+              <a:t>5/31/2021</a:t>
             </a:fld>
             <a:endParaRPr lang="en-US"/>
           </a:p>
@@ -2926,7 +2926,7 @@
           <a:p>
             <a:fld id="{7060C84B-AE9D-4532-9BA2-C886236C9AE4}" type="datetimeFigureOut">
               <a:rPr lang="en-US" smtClean="0"/>
-              <a:t>5/30/2021</a:t>
+              <a:t>5/31/2021</a:t>
             </a:fld>
             <a:endParaRPr lang="en-US"/>
           </a:p>
@@ -14889,7 +14889,7 @@
                         </a:tabLst>
                       </a:pPr>
                       <a:r>
-                        <a:rPr lang="en-US" sz="1800" b="1">
+                        <a:rPr lang="en-US" sz="1800" b="1" dirty="0">
                           <a:solidFill>
                             <a:srgbClr val="009900"/>
                           </a:solidFill>
@@ -14897,7 +14897,7 @@
                         </a:rPr>
                         <a:t>0.80</a:t>
                       </a:r>
-                      <a:endParaRPr lang="en-US" sz="1600" b="1">
+                      <a:endParaRPr lang="en-US" sz="1600" b="1" dirty="0">
                         <a:solidFill>
                           <a:srgbClr val="009900"/>
                         </a:solidFill>
@@ -15053,7 +15053,7 @@
                         </a:tabLst>
                       </a:pPr>
                       <a:r>
-                        <a:rPr lang="en-US" sz="1800" b="1">
+                        <a:rPr lang="en-US" sz="1800" b="1" dirty="0">
                           <a:solidFill>
                             <a:srgbClr val="009900"/>
                           </a:solidFill>
@@ -15061,7 +15061,7 @@
                         </a:rPr>
                         <a:t>0.77</a:t>
                       </a:r>
-                      <a:endParaRPr lang="en-US" sz="1600" b="1">
+                      <a:endParaRPr lang="en-US" sz="1600" b="1" dirty="0">
                         <a:solidFill>
                           <a:srgbClr val="009900"/>
                         </a:solidFill>
@@ -15381,7 +15381,7 @@
                         </a:tabLst>
                       </a:pPr>
                       <a:r>
-                        <a:rPr lang="en-US" sz="1800" b="1">
+                        <a:rPr lang="en-US" sz="1800" b="1" dirty="0">
                           <a:solidFill>
                             <a:srgbClr val="009900"/>
                           </a:solidFill>
@@ -15389,7 +15389,7 @@
                         </a:rPr>
                         <a:t>0.66</a:t>
                       </a:r>
-                      <a:endParaRPr lang="en-US" sz="1600" b="1">
+                      <a:endParaRPr lang="en-US" sz="1600" b="1" dirty="0">
                         <a:solidFill>
                           <a:srgbClr val="009900"/>
                         </a:solidFill>
@@ -15580,7 +15580,7 @@
                         </a:tabLst>
                       </a:pPr>
                       <a:r>
-                        <a:rPr lang="en-US" sz="1800" b="1">
+                        <a:rPr lang="en-US" sz="1800" b="1" dirty="0">
                           <a:solidFill>
                             <a:srgbClr val="0070C0"/>
                           </a:solidFill>
@@ -15588,7 +15588,7 @@
                         </a:rPr>
                         <a:t>0.76</a:t>
                       </a:r>
-                      <a:endParaRPr lang="en-US" sz="1600" b="1">
+                      <a:endParaRPr lang="en-US" sz="1600" b="1" dirty="0">
                         <a:solidFill>
                           <a:srgbClr val="0070C0"/>
                         </a:solidFill>
@@ -15744,7 +15744,7 @@
                         </a:tabLst>
                       </a:pPr>
                       <a:r>
-                        <a:rPr lang="en-US" sz="1800" b="1">
+                        <a:rPr lang="en-US" sz="1800" b="1" dirty="0">
                           <a:solidFill>
                             <a:srgbClr val="FF0000"/>
                           </a:solidFill>
@@ -15752,7 +15752,7 @@
                         </a:rPr>
                         <a:t>0.74</a:t>
                       </a:r>
-                      <a:endParaRPr lang="en-US" sz="1600" b="1">
+                      <a:endParaRPr lang="en-US" sz="1600" b="1" dirty="0">
                         <a:solidFill>
                           <a:srgbClr val="FF0000"/>
                         </a:solidFill>
@@ -15902,7 +15902,7 @@
                         </a:tabLst>
                       </a:pPr>
                       <a:r>
-                        <a:rPr lang="en-US" sz="1800" b="1" kern="1200">
+                        <a:rPr lang="en-US" sz="1800" b="1" kern="1200" dirty="0">
                           <a:solidFill>
                             <a:srgbClr val="0070C0"/>
                           </a:solidFill>
@@ -16060,7 +16060,7 @@
                         </a:tabLst>
                       </a:pPr>
                       <a:r>
-                        <a:rPr lang="en-US" sz="1800" b="1">
+                        <a:rPr lang="en-US" sz="1800" b="1" dirty="0">
                           <a:solidFill>
                             <a:srgbClr val="FF0000"/>
                           </a:solidFill>
@@ -16068,7 +16068,7 @@
                         </a:rPr>
                         <a:t>0.61</a:t>
                       </a:r>
-                      <a:endParaRPr lang="en-US" sz="1600" b="1">
+                      <a:endParaRPr lang="en-US" sz="1600" b="1" dirty="0">
                         <a:solidFill>
                           <a:srgbClr val="FF0000"/>
                         </a:solidFill>
@@ -16259,7 +16259,7 @@
                         </a:tabLst>
                       </a:pPr>
                       <a:r>
-                        <a:rPr lang="en-US" sz="1800" b="1">
+                        <a:rPr lang="en-US" sz="1800" b="1" dirty="0">
                           <a:solidFill>
                             <a:srgbClr val="009900"/>
                           </a:solidFill>
@@ -16267,7 +16267,7 @@
                         </a:rPr>
                         <a:t>0.78</a:t>
                       </a:r>
-                      <a:endParaRPr lang="en-US" sz="1600" b="1">
+                      <a:endParaRPr lang="en-US" sz="1600" b="1" dirty="0">
                         <a:solidFill>
                           <a:srgbClr val="009900"/>
                         </a:solidFill>
@@ -16417,7 +16417,7 @@
                         </a:tabLst>
                       </a:pPr>
                       <a:r>
-                        <a:rPr lang="en-US" sz="1800" b="1" kern="1200">
+                        <a:rPr lang="en-US" sz="1800" b="1" kern="1200" dirty="0">
                           <a:solidFill>
                             <a:srgbClr val="0070C0"/>
                           </a:solidFill>
@@ -16575,7 +16575,7 @@
                         </a:tabLst>
                       </a:pPr>
                       <a:r>
-                        <a:rPr lang="en-US" sz="1800" b="1">
+                        <a:rPr lang="en-US" sz="1800" b="1" dirty="0">
                           <a:solidFill>
                             <a:srgbClr val="009900"/>
                           </a:solidFill>
@@ -16583,7 +16583,7 @@
                         </a:rPr>
                         <a:t>0.54</a:t>
                       </a:r>
-                      <a:endParaRPr lang="en-US" sz="1600" b="1">
+                      <a:endParaRPr lang="en-US" sz="1600" b="1" dirty="0">
                         <a:solidFill>
                           <a:srgbClr val="009900"/>
                         </a:solidFill>
@@ -16739,7 +16739,7 @@
                         </a:tabLst>
                       </a:pPr>
                       <a:r>
-                        <a:rPr lang="en-US" sz="1800" b="1">
+                        <a:rPr lang="en-US" sz="1800" b="1" dirty="0">
                           <a:solidFill>
                             <a:srgbClr val="009900"/>
                           </a:solidFill>
@@ -16747,7 +16747,7 @@
                         </a:rPr>
                         <a:t>0.64</a:t>
                       </a:r>
-                      <a:endParaRPr lang="en-US" sz="1600" b="1">
+                      <a:endParaRPr lang="en-US" sz="1600" b="1" dirty="0">
                         <a:solidFill>
                           <a:srgbClr val="009900"/>
                         </a:solidFill>
@@ -16786,6 +16786,14 @@
 <file path=ppt/slides/slide17.xml><?xml version="1.0" encoding="utf-8"?>
 <p:sld xmlns:a="http://schemas.openxmlformats.org/drawingml/2006/main" xmlns:r="http://schemas.openxmlformats.org/officeDocument/2006/relationships" xmlns:p="http://schemas.openxmlformats.org/presentationml/2006/main">
   <p:cSld>
+    <p:bg>
+      <p:bgPr>
+        <a:solidFill>
+          <a:schemeClr val="bg1"/>
+        </a:solidFill>
+        <a:effectLst/>
+      </p:bgPr>
+    </p:bg>
     <p:spTree>
       <p:nvGrpSpPr>
         <p:cNvPr id="1" name=""/>
@@ -16800,6 +16808,528 @@
           <a:chExt cx="0" cy="0"/>
         </a:xfrm>
       </p:grpSpPr>
+      <p:sp useBgFill="1">
+        <p:nvSpPr>
+          <p:cNvPr id="8" name="Rectangle 7">
+            <a:extLst>
+              <a:ext uri="{FF2B5EF4-FFF2-40B4-BE49-F238E27FC236}">
+                <a16:creationId xmlns:a16="http://schemas.microsoft.com/office/drawing/2014/main" id="{827B839B-9ADE-406B-8590-F1CAEDED45A1}"/>
+              </a:ext>
+              <a:ext uri="{C183D7F6-B498-43B3-948B-1728B52AA6E4}">
+                <adec:decorative xmlns:adec="http://schemas.microsoft.com/office/drawing/2017/decorative" val="1"/>
+              </a:ext>
+            </a:extLst>
+          </p:cNvPr>
+          <p:cNvSpPr>
+            <a:spLocks noGrp="1" noRot="1" noChangeAspect="1" noMove="1" noResize="1" noEditPoints="1" noAdjustHandles="1" noChangeArrowheads="1" noChangeShapeType="1" noTextEdit="1"/>
+          </p:cNvSpPr>
+          <p:nvPr>
+            <p:extLst>
+              <p:ext uri="{386F3935-93C4-4BCD-93E2-E3B085C9AB24}">
+                <p16:designElem xmlns:p16="http://schemas.microsoft.com/office/powerpoint/2015/main" val="1"/>
+              </p:ext>
+            </p:extLst>
+          </p:nvPr>
+        </p:nvSpPr>
+        <p:spPr>
+          <a:xfrm>
+            <a:off x="0" y="0"/>
+            <a:ext cx="12188952" cy="6858000"/>
+          </a:xfrm>
+          <a:prstGeom prst="rect">
+            <a:avLst/>
+          </a:prstGeom>
+          <a:ln>
+            <a:noFill/>
+          </a:ln>
+        </p:spPr>
+        <p:style>
+          <a:lnRef idx="2">
+            <a:schemeClr val="accent1">
+              <a:shade val="50000"/>
+            </a:schemeClr>
+          </a:lnRef>
+          <a:fillRef idx="1">
+            <a:schemeClr val="accent1"/>
+          </a:fillRef>
+          <a:effectRef idx="0">
+            <a:schemeClr val="accent1"/>
+          </a:effectRef>
+          <a:fontRef idx="minor">
+            <a:schemeClr val="lt1"/>
+          </a:fontRef>
+        </p:style>
+        <p:txBody>
+          <a:bodyPr rtlCol="0" anchor="ctr"/>
+          <a:lstStyle/>
+          <a:p>
+            <a:pPr algn="ctr"/>
+            <a:endParaRPr lang="en-US"/>
+          </a:p>
+        </p:txBody>
+      </p:sp>
+      <p:sp>
+        <p:nvSpPr>
+          <p:cNvPr id="10" name="Freeform 45">
+            <a:extLst>
+              <a:ext uri="{FF2B5EF4-FFF2-40B4-BE49-F238E27FC236}">
+                <a16:creationId xmlns:a16="http://schemas.microsoft.com/office/drawing/2014/main" id="{CFE45BF0-46DB-408C-B5F7-7B11716805D4}"/>
+              </a:ext>
+              <a:ext uri="{C183D7F6-B498-43B3-948B-1728B52AA6E4}">
+                <adec:decorative xmlns:adec="http://schemas.microsoft.com/office/drawing/2017/decorative" val="1"/>
+              </a:ext>
+            </a:extLst>
+          </p:cNvPr>
+          <p:cNvSpPr>
+            <a:spLocks noGrp="1" noRot="1" noChangeAspect="1" noMove="1" noResize="1" noEditPoints="1" noAdjustHandles="1" noChangeArrowheads="1" noChangeShapeType="1" noTextEdit="1"/>
+          </p:cNvSpPr>
+          <p:nvPr>
+            <p:extLst>
+              <p:ext uri="{386F3935-93C4-4BCD-93E2-E3B085C9AB24}">
+                <p16:designElem xmlns:p16="http://schemas.microsoft.com/office/powerpoint/2015/main" val="1"/>
+              </p:ext>
+            </p:extLst>
+          </p:nvPr>
+        </p:nvSpPr>
+        <p:spPr bwMode="auto">
+          <a:xfrm>
+            <a:off x="409710" y="1022350"/>
+            <a:ext cx="709612" cy="2095501"/>
+          </a:xfrm>
+          <a:custGeom>
+            <a:avLst/>
+            <a:gdLst>
+              <a:gd name="T0" fmla="*/ 447 w 447"/>
+              <a:gd name="T1" fmla="*/ 1363 h 1363"/>
+              <a:gd name="T2" fmla="*/ 0 w 447"/>
+              <a:gd name="T3" fmla="*/ 987 h 1363"/>
+              <a:gd name="T4" fmla="*/ 0 w 447"/>
+              <a:gd name="T5" fmla="*/ 0 h 1363"/>
+              <a:gd name="T6" fmla="*/ 447 w 447"/>
+              <a:gd name="T7" fmla="*/ 376 h 1363"/>
+              <a:gd name="T8" fmla="*/ 447 w 447"/>
+              <a:gd name="T9" fmla="*/ 1363 h 1363"/>
+            </a:gdLst>
+            <a:ahLst/>
+            <a:cxnLst>
+              <a:cxn ang="0">
+                <a:pos x="T0" y="T1"/>
+              </a:cxn>
+              <a:cxn ang="0">
+                <a:pos x="T2" y="T3"/>
+              </a:cxn>
+              <a:cxn ang="0">
+                <a:pos x="T4" y="T5"/>
+              </a:cxn>
+              <a:cxn ang="0">
+                <a:pos x="T6" y="T7"/>
+              </a:cxn>
+              <a:cxn ang="0">
+                <a:pos x="T8" y="T9"/>
+              </a:cxn>
+            </a:cxnLst>
+            <a:rect l="0" t="0" r="r" b="b"/>
+            <a:pathLst>
+              <a:path w="447" h="1363">
+                <a:moveTo>
+                  <a:pt x="447" y="1363"/>
+                </a:moveTo>
+                <a:lnTo>
+                  <a:pt x="0" y="987"/>
+                </a:lnTo>
+                <a:lnTo>
+                  <a:pt x="0" y="0"/>
+                </a:lnTo>
+                <a:lnTo>
+                  <a:pt x="447" y="376"/>
+                </a:lnTo>
+                <a:lnTo>
+                  <a:pt x="447" y="1363"/>
+                </a:lnTo>
+                <a:close/>
+              </a:path>
+            </a:pathLst>
+          </a:custGeom>
+          <a:solidFill>
+            <a:schemeClr val="accent1">
+              <a:lumMod val="50000"/>
+            </a:schemeClr>
+          </a:solidFill>
+          <a:ln>
+            <a:noFill/>
+          </a:ln>
+        </p:spPr>
+        <p:txBody>
+          <a:bodyPr vert="horz" wrap="square" lIns="91440" tIns="45720" rIns="91440" bIns="45720" numCol="1" anchor="t" anchorCtr="0" compatLnSpc="1">
+            <a:prstTxWarp prst="textNoShape">
+              <a:avLst/>
+            </a:prstTxWarp>
+          </a:bodyPr>
+          <a:lstStyle/>
+          <a:p>
+            <a:endParaRPr lang="en-US"/>
+          </a:p>
+        </p:txBody>
+      </p:sp>
+      <p:sp>
+        <p:nvSpPr>
+          <p:cNvPr id="12" name="Freeform 46">
+            <a:extLst>
+              <a:ext uri="{FF2B5EF4-FFF2-40B4-BE49-F238E27FC236}">
+                <a16:creationId xmlns:a16="http://schemas.microsoft.com/office/drawing/2014/main" id="{2AEBC8F2-97B1-41B4-93F1-2D289E197FBA}"/>
+              </a:ext>
+              <a:ext uri="{C183D7F6-B498-43B3-948B-1728B52AA6E4}">
+                <adec:decorative xmlns:adec="http://schemas.microsoft.com/office/drawing/2017/decorative" val="1"/>
+              </a:ext>
+            </a:extLst>
+          </p:cNvPr>
+          <p:cNvSpPr>
+            <a:spLocks noGrp="1" noRot="1" noChangeAspect="1" noMove="1" noResize="1" noEditPoints="1" noAdjustHandles="1" noChangeArrowheads="1" noChangeShapeType="1" noTextEdit="1"/>
+          </p:cNvSpPr>
+          <p:nvPr>
+            <p:extLst>
+              <p:ext uri="{386F3935-93C4-4BCD-93E2-E3B085C9AB24}">
+                <p16:designElem xmlns:p16="http://schemas.microsoft.com/office/powerpoint/2015/main" val="1"/>
+              </p:ext>
+            </p:extLst>
+          </p:nvPr>
+        </p:nvSpPr>
+        <p:spPr bwMode="auto">
+          <a:xfrm>
+            <a:off x="409710" y="837744"/>
+            <a:ext cx="403225" cy="1705431"/>
+          </a:xfrm>
+          <a:custGeom>
+            <a:avLst/>
+            <a:gdLst>
+              <a:gd name="T0" fmla="*/ 254 w 254"/>
+              <a:gd name="T1" fmla="*/ 987 h 1109"/>
+              <a:gd name="T2" fmla="*/ 0 w 254"/>
+              <a:gd name="T3" fmla="*/ 1109 h 1109"/>
+              <a:gd name="T4" fmla="*/ 0 w 254"/>
+              <a:gd name="T5" fmla="*/ 119 h 1109"/>
+              <a:gd name="T6" fmla="*/ 254 w 254"/>
+              <a:gd name="T7" fmla="*/ 0 h 1109"/>
+              <a:gd name="T8" fmla="*/ 254 w 254"/>
+              <a:gd name="T9" fmla="*/ 987 h 1109"/>
+            </a:gdLst>
+            <a:ahLst/>
+            <a:cxnLst>
+              <a:cxn ang="0">
+                <a:pos x="T0" y="T1"/>
+              </a:cxn>
+              <a:cxn ang="0">
+                <a:pos x="T2" y="T3"/>
+              </a:cxn>
+              <a:cxn ang="0">
+                <a:pos x="T4" y="T5"/>
+              </a:cxn>
+              <a:cxn ang="0">
+                <a:pos x="T6" y="T7"/>
+              </a:cxn>
+              <a:cxn ang="0">
+                <a:pos x="T8" y="T9"/>
+              </a:cxn>
+            </a:cxnLst>
+            <a:rect l="0" t="0" r="r" b="b"/>
+            <a:pathLst>
+              <a:path w="254" h="1109">
+                <a:moveTo>
+                  <a:pt x="254" y="987"/>
+                </a:moveTo>
+                <a:lnTo>
+                  <a:pt x="0" y="1109"/>
+                </a:lnTo>
+                <a:lnTo>
+                  <a:pt x="0" y="119"/>
+                </a:lnTo>
+                <a:lnTo>
+                  <a:pt x="254" y="0"/>
+                </a:lnTo>
+                <a:lnTo>
+                  <a:pt x="254" y="987"/>
+                </a:lnTo>
+                <a:close/>
+              </a:path>
+            </a:pathLst>
+          </a:custGeom>
+          <a:solidFill>
+            <a:schemeClr val="accent1">
+              <a:lumMod val="75000"/>
+            </a:schemeClr>
+          </a:solidFill>
+          <a:ln>
+            <a:noFill/>
+          </a:ln>
+        </p:spPr>
+        <p:txBody>
+          <a:bodyPr vert="horz" wrap="square" lIns="91440" tIns="45720" rIns="91440" bIns="45720" numCol="1" anchor="t" anchorCtr="0" compatLnSpc="1">
+            <a:prstTxWarp prst="textNoShape">
+              <a:avLst/>
+            </a:prstTxWarp>
+          </a:bodyPr>
+          <a:lstStyle/>
+          <a:p>
+            <a:endParaRPr lang="en-US"/>
+          </a:p>
+        </p:txBody>
+      </p:sp>
+      <p:sp>
+        <p:nvSpPr>
+          <p:cNvPr id="14" name="Freeform 47">
+            <a:extLst>
+              <a:ext uri="{FF2B5EF4-FFF2-40B4-BE49-F238E27FC236}">
+                <a16:creationId xmlns:a16="http://schemas.microsoft.com/office/drawing/2014/main" id="{472E3A19-F5D5-48FC-BB9C-48C2F68F598B}"/>
+              </a:ext>
+              <a:ext uri="{C183D7F6-B498-43B3-948B-1728B52AA6E4}">
+                <adec:decorative xmlns:adec="http://schemas.microsoft.com/office/drawing/2017/decorative" val="1"/>
+              </a:ext>
+            </a:extLst>
+          </p:cNvPr>
+          <p:cNvSpPr>
+            <a:spLocks noGrp="1" noRot="1" noChangeAspect="1" noMove="1" noResize="1" noEditPoints="1" noAdjustHandles="1" noChangeArrowheads="1" noChangeShapeType="1" noTextEdit="1"/>
+          </p:cNvSpPr>
+          <p:nvPr>
+            <p:extLst>
+              <p:ext uri="{386F3935-93C4-4BCD-93E2-E3B085C9AB24}">
+                <p16:designElem xmlns:p16="http://schemas.microsoft.com/office/powerpoint/2015/main" val="1"/>
+              </p:ext>
+            </p:extLst>
+          </p:nvPr>
+        </p:nvSpPr>
+        <p:spPr bwMode="auto">
+          <a:xfrm>
+            <a:off x="644660" y="640894"/>
+            <a:ext cx="168275" cy="1713195"/>
+          </a:xfrm>
+          <a:custGeom>
+            <a:avLst/>
+            <a:gdLst>
+              <a:gd name="T0" fmla="*/ 106 w 106"/>
+              <a:gd name="T1" fmla="*/ 1114 h 1114"/>
+              <a:gd name="T2" fmla="*/ 0 w 106"/>
+              <a:gd name="T3" fmla="*/ 1005 h 1114"/>
+              <a:gd name="T4" fmla="*/ 0 w 106"/>
+              <a:gd name="T5" fmla="*/ 0 h 1114"/>
+              <a:gd name="T6" fmla="*/ 106 w 106"/>
+              <a:gd name="T7" fmla="*/ 110 h 1114"/>
+              <a:gd name="T8" fmla="*/ 106 w 106"/>
+              <a:gd name="T9" fmla="*/ 1114 h 1114"/>
+            </a:gdLst>
+            <a:ahLst/>
+            <a:cxnLst>
+              <a:cxn ang="0">
+                <a:pos x="T0" y="T1"/>
+              </a:cxn>
+              <a:cxn ang="0">
+                <a:pos x="T2" y="T3"/>
+              </a:cxn>
+              <a:cxn ang="0">
+                <a:pos x="T4" y="T5"/>
+              </a:cxn>
+              <a:cxn ang="0">
+                <a:pos x="T6" y="T7"/>
+              </a:cxn>
+              <a:cxn ang="0">
+                <a:pos x="T8" y="T9"/>
+              </a:cxn>
+            </a:cxnLst>
+            <a:rect l="0" t="0" r="r" b="b"/>
+            <a:pathLst>
+              <a:path w="106" h="1114">
+                <a:moveTo>
+                  <a:pt x="106" y="1114"/>
+                </a:moveTo>
+                <a:lnTo>
+                  <a:pt x="0" y="1005"/>
+                </a:lnTo>
+                <a:lnTo>
+                  <a:pt x="0" y="0"/>
+                </a:lnTo>
+                <a:lnTo>
+                  <a:pt x="106" y="110"/>
+                </a:lnTo>
+                <a:lnTo>
+                  <a:pt x="106" y="1114"/>
+                </a:lnTo>
+                <a:close/>
+              </a:path>
+            </a:pathLst>
+          </a:custGeom>
+          <a:solidFill>
+            <a:schemeClr val="accent1">
+              <a:lumMod val="50000"/>
+            </a:schemeClr>
+          </a:solidFill>
+          <a:ln>
+            <a:noFill/>
+          </a:ln>
+        </p:spPr>
+        <p:txBody>
+          <a:bodyPr vert="horz" wrap="square" lIns="91440" tIns="45720" rIns="91440" bIns="45720" numCol="1" anchor="t" anchorCtr="0" compatLnSpc="1">
+            <a:prstTxWarp prst="textNoShape">
+              <a:avLst/>
+            </a:prstTxWarp>
+          </a:bodyPr>
+          <a:lstStyle/>
+          <a:p>
+            <a:endParaRPr lang="en-US"/>
+          </a:p>
+        </p:txBody>
+      </p:sp>
+      <p:sp>
+        <p:nvSpPr>
+          <p:cNvPr id="16" name="Freeform 44">
+            <a:extLst>
+              <a:ext uri="{FF2B5EF4-FFF2-40B4-BE49-F238E27FC236}">
+                <a16:creationId xmlns:a16="http://schemas.microsoft.com/office/drawing/2014/main" id="{7A62E32F-BB65-43A8-8EB5-92346890E549}"/>
+              </a:ext>
+              <a:ext uri="{C183D7F6-B498-43B3-948B-1728B52AA6E4}">
+                <adec:decorative xmlns:adec="http://schemas.microsoft.com/office/drawing/2017/decorative" val="1"/>
+              </a:ext>
+            </a:extLst>
+          </p:cNvPr>
+          <p:cNvSpPr>
+            <a:spLocks noGrp="1" noRot="1" noChangeAspect="1" noMove="1" noResize="1" noEditPoints="1" noAdjustHandles="1" noChangeArrowheads="1" noChangeShapeType="1" noTextEdit="1"/>
+          </p:cNvSpPr>
+          <p:nvPr>
+            <p:extLst>
+              <p:ext uri="{386F3935-93C4-4BCD-93E2-E3B085C9AB24}">
+                <p16:designElem xmlns:p16="http://schemas.microsoft.com/office/powerpoint/2015/main" val="1"/>
+              </p:ext>
+            </p:extLst>
+          </p:nvPr>
+        </p:nvSpPr>
+        <p:spPr bwMode="auto">
+          <a:xfrm>
+            <a:off x="11223203" y="635716"/>
+            <a:ext cx="328612" cy="1742360"/>
+          </a:xfrm>
+          <a:custGeom>
+            <a:avLst/>
+            <a:gdLst>
+              <a:gd name="T0" fmla="*/ 207 w 207"/>
+              <a:gd name="T1" fmla="*/ 987 h 1114"/>
+              <a:gd name="T2" fmla="*/ 0 w 207"/>
+              <a:gd name="T3" fmla="*/ 1114 h 1114"/>
+              <a:gd name="T4" fmla="*/ 0 w 207"/>
+              <a:gd name="T5" fmla="*/ 127 h 1114"/>
+              <a:gd name="T6" fmla="*/ 207 w 207"/>
+              <a:gd name="T7" fmla="*/ 0 h 1114"/>
+              <a:gd name="T8" fmla="*/ 207 w 207"/>
+              <a:gd name="T9" fmla="*/ 987 h 1114"/>
+            </a:gdLst>
+            <a:ahLst/>
+            <a:cxnLst>
+              <a:cxn ang="0">
+                <a:pos x="T0" y="T1"/>
+              </a:cxn>
+              <a:cxn ang="0">
+                <a:pos x="T2" y="T3"/>
+              </a:cxn>
+              <a:cxn ang="0">
+                <a:pos x="T4" y="T5"/>
+              </a:cxn>
+              <a:cxn ang="0">
+                <a:pos x="T6" y="T7"/>
+              </a:cxn>
+              <a:cxn ang="0">
+                <a:pos x="T8" y="T9"/>
+              </a:cxn>
+            </a:cxnLst>
+            <a:rect l="0" t="0" r="r" b="b"/>
+            <a:pathLst>
+              <a:path w="207" h="1114">
+                <a:moveTo>
+                  <a:pt x="207" y="987"/>
+                </a:moveTo>
+                <a:lnTo>
+                  <a:pt x="0" y="1114"/>
+                </a:lnTo>
+                <a:lnTo>
+                  <a:pt x="0" y="127"/>
+                </a:lnTo>
+                <a:lnTo>
+                  <a:pt x="207" y="0"/>
+                </a:lnTo>
+                <a:lnTo>
+                  <a:pt x="207" y="987"/>
+                </a:lnTo>
+                <a:close/>
+              </a:path>
+            </a:pathLst>
+          </a:custGeom>
+          <a:solidFill>
+            <a:schemeClr val="accent1">
+              <a:lumMod val="50000"/>
+            </a:schemeClr>
+          </a:solidFill>
+          <a:ln>
+            <a:noFill/>
+          </a:ln>
+        </p:spPr>
+        <p:txBody>
+          <a:bodyPr vert="horz" wrap="square" lIns="91440" tIns="45720" rIns="91440" bIns="45720" numCol="1" anchor="t" anchorCtr="0" compatLnSpc="1">
+            <a:prstTxWarp prst="textNoShape">
+              <a:avLst/>
+            </a:prstTxWarp>
+          </a:bodyPr>
+          <a:lstStyle/>
+          <a:p>
+            <a:endParaRPr lang="en-US"/>
+          </a:p>
+        </p:txBody>
+      </p:sp>
+      <p:sp>
+        <p:nvSpPr>
+          <p:cNvPr id="18" name="Rectangle 17">
+            <a:extLst>
+              <a:ext uri="{FF2B5EF4-FFF2-40B4-BE49-F238E27FC236}">
+                <a16:creationId xmlns:a16="http://schemas.microsoft.com/office/drawing/2014/main" id="{14E91B64-9FCC-451E-AFB4-A827D6329367}"/>
+              </a:ext>
+              <a:ext uri="{C183D7F6-B498-43B3-948B-1728B52AA6E4}">
+                <adec:decorative xmlns:adec="http://schemas.microsoft.com/office/drawing/2017/decorative" val="1"/>
+              </a:ext>
+            </a:extLst>
+          </p:cNvPr>
+          <p:cNvSpPr>
+            <a:spLocks noGrp="1" noRot="1" noChangeAspect="1" noMove="1" noResize="1" noEditPoints="1" noAdjustHandles="1" noChangeArrowheads="1" noChangeShapeType="1" noTextEdit="1"/>
+          </p:cNvSpPr>
+          <p:nvPr>
+            <p:extLst>
+              <p:ext uri="{386F3935-93C4-4BCD-93E2-E3B085C9AB24}">
+                <p16:designElem xmlns:p16="http://schemas.microsoft.com/office/powerpoint/2015/main" val="1"/>
+              </p:ext>
+            </p:extLst>
+          </p:nvPr>
+        </p:nvSpPr>
+        <p:spPr bwMode="auto">
+          <a:xfrm>
+            <a:off x="644055" y="635715"/>
+            <a:ext cx="10907863" cy="1541457"/>
+          </a:xfrm>
+          <a:prstGeom prst="rect">
+            <a:avLst/>
+          </a:prstGeom>
+          <a:solidFill>
+            <a:schemeClr val="accent1"/>
+          </a:solidFill>
+          <a:ln>
+            <a:noFill/>
+          </a:ln>
+        </p:spPr>
+        <p:txBody>
+          <a:bodyPr vert="horz" wrap="square" lIns="91440" tIns="45720" rIns="91440" bIns="45720" numCol="1" anchor="t" anchorCtr="0" compatLnSpc="1">
+            <a:prstTxWarp prst="textNoShape">
+              <a:avLst/>
+            </a:prstTxWarp>
+          </a:bodyPr>
+          <a:lstStyle/>
+          <a:p>
+            <a:endParaRPr lang="en-US"/>
+          </a:p>
+        </p:txBody>
+      </p:sp>
       <p:sp>
         <p:nvSpPr>
           <p:cNvPr id="2" name="Title 1">
@@ -16816,13 +17346,24 @@
             <p:ph type="title"/>
           </p:nvPr>
         </p:nvSpPr>
-        <p:spPr/>
+        <p:spPr>
+          <a:xfrm>
+            <a:off x="958506" y="800392"/>
+            <a:ext cx="10264697" cy="1212102"/>
+          </a:xfrm>
+        </p:spPr>
         <p:txBody>
-          <a:bodyPr/>
+          <a:bodyPr>
+            <a:normAutofit/>
+          </a:bodyPr>
           <a:lstStyle/>
           <a:p>
             <a:r>
-              <a:rPr lang="en-US" dirty="0"/>
+              <a:rPr lang="en-US" sz="4000">
+                <a:solidFill>
+                  <a:srgbClr val="FFFFFF"/>
+                </a:solidFill>
+              </a:rPr>
               <a:t>Discussion and Improvement</a:t>
             </a:r>
           </a:p>
@@ -16844,9 +17385,16 @@
             <p:ph idx="1"/>
           </p:nvPr>
         </p:nvSpPr>
-        <p:spPr/>
+        <p:spPr>
+          <a:xfrm>
+            <a:off x="1367624" y="2490436"/>
+            <a:ext cx="9708995" cy="3567173"/>
+          </a:xfrm>
+        </p:spPr>
         <p:txBody>
-          <a:bodyPr/>
+          <a:bodyPr anchor="ctr">
+            <a:normAutofit/>
+          </a:bodyPr>
           <a:lstStyle/>
           <a:p>
             <a:pPr marL="342900" indent="-342900">
@@ -16854,26 +17402,55 @@
               <a:buAutoNum type="arabicPeriod"/>
             </a:pPr>
             <a:r>
-              <a:rPr lang="en-US" dirty="0"/>
+              <a:rPr lang="en-US" sz="2400" dirty="0"/>
               <a:t>Discussion</a:t>
             </a:r>
           </a:p>
           <a:p>
             <a:pPr lvl="1"/>
             <a:r>
-              <a:rPr lang="en-US" sz="2000" dirty="0">
+              <a:rPr lang="en-US" dirty="0">
                 <a:effectLst/>
                 <a:latin typeface="Calibri" panose="020F0502020204030204" pitchFamily="34" charset="0"/>
                 <a:ea typeface="Yu Mincho" panose="02020400000000000000" pitchFamily="18" charset="-128"/>
                 <a:cs typeface="Calibri" panose="020F0502020204030204" pitchFamily="34" charset="0"/>
               </a:rPr>
-              <a:t>SVM only performs slightly better than logistic regression, however the training time and time taken to predict is much longer. In conclusion, for this problem, logistic regression is preferred.</a:t>
+              <a:t>SVM only performs slightly better than logistic regression, however the training time and time taken to predict is much longer. </a:t>
+            </a:r>
+            <a:endParaRPr lang="vi-VN" dirty="0">
+              <a:effectLst/>
+              <a:latin typeface="Calibri" panose="020F0502020204030204" pitchFamily="34" charset="0"/>
+              <a:ea typeface="Yu Mincho" panose="02020400000000000000" pitchFamily="18" charset="-128"/>
+              <a:cs typeface="Calibri" panose="020F0502020204030204" pitchFamily="34" charset="0"/>
+            </a:endParaRPr>
+          </a:p>
+          <a:p>
+            <a:pPr marL="457200" lvl="1" indent="0" algn="ctr">
+              <a:buNone/>
+            </a:pPr>
+            <a:r>
+              <a:rPr lang="vi-VN" dirty="0">
+                <a:effectLst/>
+                <a:latin typeface="Calibri" panose="020F0502020204030204" pitchFamily="34" charset="0"/>
+                <a:ea typeface="Yu Mincho" panose="02020400000000000000" pitchFamily="18" charset="-128"/>
+                <a:cs typeface="Calibri" panose="020F0502020204030204" pitchFamily="34" charset="0"/>
+              </a:rPr>
+              <a:t>=&gt; For </a:t>
+            </a:r>
+            <a:r>
+              <a:rPr lang="en-US" dirty="0">
+                <a:effectLst/>
+                <a:latin typeface="Calibri" panose="020F0502020204030204" pitchFamily="34" charset="0"/>
+                <a:ea typeface="Yu Mincho" panose="02020400000000000000" pitchFamily="18" charset="-128"/>
+                <a:cs typeface="Calibri" panose="020F0502020204030204" pitchFamily="34" charset="0"/>
+              </a:rPr>
+              <a:t>this problem, logistic regression is preferred.</a:t>
             </a:r>
           </a:p>
           <a:p>
             <a:pPr lvl="1"/>
             <a:r>
-              <a:rPr lang="en-US" sz="2000" dirty="0">
+              <a:rPr lang="en-US" dirty="0">
                 <a:effectLst/>
                 <a:latin typeface="Calibri" panose="020F0502020204030204" pitchFamily="34" charset="0"/>
                 <a:ea typeface="Yu Mincho" panose="02020400000000000000" pitchFamily="18" charset="-128"/>
@@ -16900,6 +17477,14 @@
 <file path=ppt/slides/slide18.xml><?xml version="1.0" encoding="utf-8"?>
 <p:sld xmlns:a="http://schemas.openxmlformats.org/drawingml/2006/main" xmlns:r="http://schemas.openxmlformats.org/officeDocument/2006/relationships" xmlns:p="http://schemas.openxmlformats.org/presentationml/2006/main">
   <p:cSld>
+    <p:bg>
+      <p:bgPr>
+        <a:solidFill>
+          <a:schemeClr val="bg1"/>
+        </a:solidFill>
+        <a:effectLst/>
+      </p:bgPr>
+    </p:bg>
     <p:spTree>
       <p:nvGrpSpPr>
         <p:cNvPr id="1" name=""/>
@@ -16914,6 +17499,560 @@
           <a:chExt cx="0" cy="0"/>
         </a:xfrm>
       </p:grpSpPr>
+      <p:sp useBgFill="1">
+        <p:nvSpPr>
+          <p:cNvPr id="21" name="Rectangle 20">
+            <a:extLst>
+              <a:ext uri="{FF2B5EF4-FFF2-40B4-BE49-F238E27FC236}">
+                <a16:creationId xmlns:a16="http://schemas.microsoft.com/office/drawing/2014/main" id="{DD38EE57-B708-47C9-A4A4-E25F09FAB029}"/>
+              </a:ext>
+              <a:ext uri="{C183D7F6-B498-43B3-948B-1728B52AA6E4}">
+                <adec:decorative xmlns:adec="http://schemas.microsoft.com/office/drawing/2017/decorative" val="1"/>
+              </a:ext>
+            </a:extLst>
+          </p:cNvPr>
+          <p:cNvSpPr>
+            <a:spLocks noGrp="1" noRot="1" noChangeAspect="1" noMove="1" noResize="1" noEditPoints="1" noAdjustHandles="1" noChangeArrowheads="1" noChangeShapeType="1" noTextEdit="1"/>
+          </p:cNvSpPr>
+          <p:nvPr>
+            <p:extLst>
+              <p:ext uri="{386F3935-93C4-4BCD-93E2-E3B085C9AB24}">
+                <p16:designElem xmlns:p16="http://schemas.microsoft.com/office/powerpoint/2015/main" val="1"/>
+              </p:ext>
+            </p:extLst>
+          </p:nvPr>
+        </p:nvSpPr>
+        <p:spPr>
+          <a:xfrm>
+            <a:off x="0" y="0"/>
+            <a:ext cx="12188952" cy="6858000"/>
+          </a:xfrm>
+          <a:prstGeom prst="rect">
+            <a:avLst/>
+          </a:prstGeom>
+          <a:ln>
+            <a:noFill/>
+          </a:ln>
+        </p:spPr>
+        <p:style>
+          <a:lnRef idx="2">
+            <a:schemeClr val="accent1">
+              <a:shade val="50000"/>
+            </a:schemeClr>
+          </a:lnRef>
+          <a:fillRef idx="1">
+            <a:schemeClr val="accent1"/>
+          </a:fillRef>
+          <a:effectRef idx="0">
+            <a:schemeClr val="accent1"/>
+          </a:effectRef>
+          <a:fontRef idx="minor">
+            <a:schemeClr val="lt1"/>
+          </a:fontRef>
+        </p:style>
+        <p:txBody>
+          <a:bodyPr rtlCol="0" anchor="ctr"/>
+          <a:lstStyle/>
+          <a:p>
+            <a:pPr algn="ctr"/>
+            <a:endParaRPr lang="en-US"/>
+          </a:p>
+        </p:txBody>
+      </p:sp>
+      <p:grpSp>
+        <p:nvGrpSpPr>
+          <p:cNvPr id="23" name="Group 22">
+            <a:extLst>
+              <a:ext uri="{FF2B5EF4-FFF2-40B4-BE49-F238E27FC236}">
+                <a16:creationId xmlns:a16="http://schemas.microsoft.com/office/drawing/2014/main" id="{57A28182-58A5-4DBB-8F64-BD944BCA8154}"/>
+              </a:ext>
+              <a:ext uri="{C183D7F6-B498-43B3-948B-1728B52AA6E4}">
+                <adec:decorative xmlns:adec="http://schemas.microsoft.com/office/drawing/2017/decorative" val="1"/>
+              </a:ext>
+            </a:extLst>
+          </p:cNvPr>
+          <p:cNvGrpSpPr>
+            <a:grpSpLocks noGrp="1" noUngrp="1" noRot="1" noChangeAspect="1" noMove="1" noResize="1"/>
+          </p:cNvGrpSpPr>
+          <p:nvPr>
+            <p:extLst>
+              <p:ext uri="{386F3935-93C4-4BCD-93E2-E3B085C9AB24}">
+                <p16:designElem xmlns:p16="http://schemas.microsoft.com/office/powerpoint/2015/main" val="1"/>
+              </p:ext>
+            </p:extLst>
+          </p:nvPr>
+        </p:nvGrpSpPr>
+        <p:grpSpPr>
+          <a:xfrm>
+            <a:off x="409710" y="635715"/>
+            <a:ext cx="11142208" cy="2482136"/>
+            <a:chOff x="409710" y="635715"/>
+            <a:chExt cx="11142208" cy="2482136"/>
+          </a:xfrm>
+        </p:grpSpPr>
+        <p:sp>
+          <p:nvSpPr>
+            <p:cNvPr id="24" name="Freeform 44">
+              <a:extLst>
+                <a:ext uri="{FF2B5EF4-FFF2-40B4-BE49-F238E27FC236}">
+                  <a16:creationId xmlns:a16="http://schemas.microsoft.com/office/drawing/2014/main" id="{E4A9080E-7BA6-45FC-8677-8B9D5F4DAFE0}"/>
+                </a:ext>
+                <a:ext uri="{C183D7F6-B498-43B3-948B-1728B52AA6E4}">
+                  <adec:decorative xmlns:adec="http://schemas.microsoft.com/office/drawing/2017/decorative" val="1"/>
+                </a:ext>
+              </a:extLst>
+            </p:cNvPr>
+            <p:cNvSpPr>
+              <a:spLocks/>
+            </p:cNvSpPr>
+            <p:nvPr>
+              <p:extLst>
+                <p:ext uri="{386F3935-93C4-4BCD-93E2-E3B085C9AB24}">
+                  <p16:designElem xmlns:p16="http://schemas.microsoft.com/office/powerpoint/2015/main" val="1"/>
+                </p:ext>
+              </p:extLst>
+            </p:nvPr>
+          </p:nvSpPr>
+          <p:spPr bwMode="auto">
+            <a:xfrm>
+              <a:off x="11223203" y="635716"/>
+              <a:ext cx="328612" cy="1742360"/>
+            </a:xfrm>
+            <a:custGeom>
+              <a:avLst/>
+              <a:gdLst>
+                <a:gd name="T0" fmla="*/ 207 w 207"/>
+                <a:gd name="T1" fmla="*/ 987 h 1114"/>
+                <a:gd name="T2" fmla="*/ 0 w 207"/>
+                <a:gd name="T3" fmla="*/ 1114 h 1114"/>
+                <a:gd name="T4" fmla="*/ 0 w 207"/>
+                <a:gd name="T5" fmla="*/ 127 h 1114"/>
+                <a:gd name="T6" fmla="*/ 207 w 207"/>
+                <a:gd name="T7" fmla="*/ 0 h 1114"/>
+                <a:gd name="T8" fmla="*/ 207 w 207"/>
+                <a:gd name="T9" fmla="*/ 987 h 1114"/>
+              </a:gdLst>
+              <a:ahLst/>
+              <a:cxnLst>
+                <a:cxn ang="0">
+                  <a:pos x="T0" y="T1"/>
+                </a:cxn>
+                <a:cxn ang="0">
+                  <a:pos x="T2" y="T3"/>
+                </a:cxn>
+                <a:cxn ang="0">
+                  <a:pos x="T4" y="T5"/>
+                </a:cxn>
+                <a:cxn ang="0">
+                  <a:pos x="T6" y="T7"/>
+                </a:cxn>
+                <a:cxn ang="0">
+                  <a:pos x="T8" y="T9"/>
+                </a:cxn>
+              </a:cxnLst>
+              <a:rect l="0" t="0" r="r" b="b"/>
+              <a:pathLst>
+                <a:path w="207" h="1114">
+                  <a:moveTo>
+                    <a:pt x="207" y="987"/>
+                  </a:moveTo>
+                  <a:lnTo>
+                    <a:pt x="0" y="1114"/>
+                  </a:lnTo>
+                  <a:lnTo>
+                    <a:pt x="0" y="127"/>
+                  </a:lnTo>
+                  <a:lnTo>
+                    <a:pt x="207" y="0"/>
+                  </a:lnTo>
+                  <a:lnTo>
+                    <a:pt x="207" y="987"/>
+                  </a:lnTo>
+                  <a:close/>
+                </a:path>
+              </a:pathLst>
+            </a:custGeom>
+            <a:solidFill>
+              <a:schemeClr val="accent1">
+                <a:lumMod val="50000"/>
+              </a:schemeClr>
+            </a:solidFill>
+            <a:ln>
+              <a:noFill/>
+            </a:ln>
+          </p:spPr>
+          <p:txBody>
+            <a:bodyPr vert="horz" wrap="square" lIns="91440" tIns="45720" rIns="91440" bIns="45720" numCol="1" anchor="t" anchorCtr="0" compatLnSpc="1">
+              <a:prstTxWarp prst="textNoShape">
+                <a:avLst/>
+              </a:prstTxWarp>
+            </a:bodyPr>
+            <a:lstStyle/>
+            <a:p>
+              <a:endParaRPr lang="en-US"/>
+            </a:p>
+          </p:txBody>
+        </p:sp>
+        <p:sp>
+          <p:nvSpPr>
+            <p:cNvPr id="25" name="Freeform 45">
+              <a:extLst>
+                <a:ext uri="{FF2B5EF4-FFF2-40B4-BE49-F238E27FC236}">
+                  <a16:creationId xmlns:a16="http://schemas.microsoft.com/office/drawing/2014/main" id="{2163D516-75D4-4DE0-AC27-63719125AE52}"/>
+                </a:ext>
+                <a:ext uri="{C183D7F6-B498-43B3-948B-1728B52AA6E4}">
+                  <adec:decorative xmlns:adec="http://schemas.microsoft.com/office/drawing/2017/decorative" val="1"/>
+                </a:ext>
+              </a:extLst>
+            </p:cNvPr>
+            <p:cNvSpPr>
+              <a:spLocks/>
+            </p:cNvSpPr>
+            <p:nvPr>
+              <p:extLst>
+                <p:ext uri="{386F3935-93C4-4BCD-93E2-E3B085C9AB24}">
+                  <p16:designElem xmlns:p16="http://schemas.microsoft.com/office/powerpoint/2015/main" val="1"/>
+                </p:ext>
+              </p:extLst>
+            </p:nvPr>
+          </p:nvSpPr>
+          <p:spPr bwMode="auto">
+            <a:xfrm>
+              <a:off x="409710" y="1022350"/>
+              <a:ext cx="709612" cy="2095501"/>
+            </a:xfrm>
+            <a:custGeom>
+              <a:avLst/>
+              <a:gdLst>
+                <a:gd name="T0" fmla="*/ 447 w 447"/>
+                <a:gd name="T1" fmla="*/ 1363 h 1363"/>
+                <a:gd name="T2" fmla="*/ 0 w 447"/>
+                <a:gd name="T3" fmla="*/ 987 h 1363"/>
+                <a:gd name="T4" fmla="*/ 0 w 447"/>
+                <a:gd name="T5" fmla="*/ 0 h 1363"/>
+                <a:gd name="T6" fmla="*/ 447 w 447"/>
+                <a:gd name="T7" fmla="*/ 376 h 1363"/>
+                <a:gd name="T8" fmla="*/ 447 w 447"/>
+                <a:gd name="T9" fmla="*/ 1363 h 1363"/>
+              </a:gdLst>
+              <a:ahLst/>
+              <a:cxnLst>
+                <a:cxn ang="0">
+                  <a:pos x="T0" y="T1"/>
+                </a:cxn>
+                <a:cxn ang="0">
+                  <a:pos x="T2" y="T3"/>
+                </a:cxn>
+                <a:cxn ang="0">
+                  <a:pos x="T4" y="T5"/>
+                </a:cxn>
+                <a:cxn ang="0">
+                  <a:pos x="T6" y="T7"/>
+                </a:cxn>
+                <a:cxn ang="0">
+                  <a:pos x="T8" y="T9"/>
+                </a:cxn>
+              </a:cxnLst>
+              <a:rect l="0" t="0" r="r" b="b"/>
+              <a:pathLst>
+                <a:path w="447" h="1363">
+                  <a:moveTo>
+                    <a:pt x="447" y="1363"/>
+                  </a:moveTo>
+                  <a:lnTo>
+                    <a:pt x="0" y="987"/>
+                  </a:lnTo>
+                  <a:lnTo>
+                    <a:pt x="0" y="0"/>
+                  </a:lnTo>
+                  <a:lnTo>
+                    <a:pt x="447" y="376"/>
+                  </a:lnTo>
+                  <a:lnTo>
+                    <a:pt x="447" y="1363"/>
+                  </a:lnTo>
+                  <a:close/>
+                </a:path>
+              </a:pathLst>
+            </a:custGeom>
+            <a:solidFill>
+              <a:schemeClr val="accent1">
+                <a:lumMod val="50000"/>
+              </a:schemeClr>
+            </a:solidFill>
+            <a:ln>
+              <a:noFill/>
+            </a:ln>
+          </p:spPr>
+          <p:txBody>
+            <a:bodyPr vert="horz" wrap="square" lIns="91440" tIns="45720" rIns="91440" bIns="45720" numCol="1" anchor="t" anchorCtr="0" compatLnSpc="1">
+              <a:prstTxWarp prst="textNoShape">
+                <a:avLst/>
+              </a:prstTxWarp>
+            </a:bodyPr>
+            <a:lstStyle/>
+            <a:p>
+              <a:endParaRPr lang="en-US"/>
+            </a:p>
+          </p:txBody>
+        </p:sp>
+        <p:sp>
+          <p:nvSpPr>
+            <p:cNvPr id="26" name="Freeform 46">
+              <a:extLst>
+                <a:ext uri="{FF2B5EF4-FFF2-40B4-BE49-F238E27FC236}">
+                  <a16:creationId xmlns:a16="http://schemas.microsoft.com/office/drawing/2014/main" id="{E74A26A5-C23A-46D4-B0FF-155FB3834621}"/>
+                </a:ext>
+                <a:ext uri="{C183D7F6-B498-43B3-948B-1728B52AA6E4}">
+                  <adec:decorative xmlns:adec="http://schemas.microsoft.com/office/drawing/2017/decorative" val="1"/>
+                </a:ext>
+              </a:extLst>
+            </p:cNvPr>
+            <p:cNvSpPr>
+              <a:spLocks/>
+            </p:cNvSpPr>
+            <p:nvPr>
+              <p:extLst>
+                <p:ext uri="{386F3935-93C4-4BCD-93E2-E3B085C9AB24}">
+                  <p16:designElem xmlns:p16="http://schemas.microsoft.com/office/powerpoint/2015/main" val="1"/>
+                </p:ext>
+              </p:extLst>
+            </p:nvPr>
+          </p:nvSpPr>
+          <p:spPr bwMode="auto">
+            <a:xfrm>
+              <a:off x="409710" y="837744"/>
+              <a:ext cx="403225" cy="1705431"/>
+            </a:xfrm>
+            <a:custGeom>
+              <a:avLst/>
+              <a:gdLst>
+                <a:gd name="T0" fmla="*/ 254 w 254"/>
+                <a:gd name="T1" fmla="*/ 987 h 1109"/>
+                <a:gd name="T2" fmla="*/ 0 w 254"/>
+                <a:gd name="T3" fmla="*/ 1109 h 1109"/>
+                <a:gd name="T4" fmla="*/ 0 w 254"/>
+                <a:gd name="T5" fmla="*/ 119 h 1109"/>
+                <a:gd name="T6" fmla="*/ 254 w 254"/>
+                <a:gd name="T7" fmla="*/ 0 h 1109"/>
+                <a:gd name="T8" fmla="*/ 254 w 254"/>
+                <a:gd name="T9" fmla="*/ 987 h 1109"/>
+              </a:gdLst>
+              <a:ahLst/>
+              <a:cxnLst>
+                <a:cxn ang="0">
+                  <a:pos x="T0" y="T1"/>
+                </a:cxn>
+                <a:cxn ang="0">
+                  <a:pos x="T2" y="T3"/>
+                </a:cxn>
+                <a:cxn ang="0">
+                  <a:pos x="T4" y="T5"/>
+                </a:cxn>
+                <a:cxn ang="0">
+                  <a:pos x="T6" y="T7"/>
+                </a:cxn>
+                <a:cxn ang="0">
+                  <a:pos x="T8" y="T9"/>
+                </a:cxn>
+              </a:cxnLst>
+              <a:rect l="0" t="0" r="r" b="b"/>
+              <a:pathLst>
+                <a:path w="254" h="1109">
+                  <a:moveTo>
+                    <a:pt x="254" y="987"/>
+                  </a:moveTo>
+                  <a:lnTo>
+                    <a:pt x="0" y="1109"/>
+                  </a:lnTo>
+                  <a:lnTo>
+                    <a:pt x="0" y="119"/>
+                  </a:lnTo>
+                  <a:lnTo>
+                    <a:pt x="254" y="0"/>
+                  </a:lnTo>
+                  <a:lnTo>
+                    <a:pt x="254" y="987"/>
+                  </a:lnTo>
+                  <a:close/>
+                </a:path>
+              </a:pathLst>
+            </a:custGeom>
+            <a:solidFill>
+              <a:schemeClr val="accent1">
+                <a:lumMod val="75000"/>
+              </a:schemeClr>
+            </a:solidFill>
+            <a:ln>
+              <a:noFill/>
+            </a:ln>
+          </p:spPr>
+          <p:txBody>
+            <a:bodyPr vert="horz" wrap="square" lIns="91440" tIns="45720" rIns="91440" bIns="45720" numCol="1" anchor="t" anchorCtr="0" compatLnSpc="1">
+              <a:prstTxWarp prst="textNoShape">
+                <a:avLst/>
+              </a:prstTxWarp>
+            </a:bodyPr>
+            <a:lstStyle/>
+            <a:p>
+              <a:endParaRPr lang="en-US"/>
+            </a:p>
+          </p:txBody>
+        </p:sp>
+        <p:sp>
+          <p:nvSpPr>
+            <p:cNvPr id="27" name="Freeform 47">
+              <a:extLst>
+                <a:ext uri="{FF2B5EF4-FFF2-40B4-BE49-F238E27FC236}">
+                  <a16:creationId xmlns:a16="http://schemas.microsoft.com/office/drawing/2014/main" id="{08E0243F-1062-43C6-AD04-130DFF66840E}"/>
+                </a:ext>
+                <a:ext uri="{C183D7F6-B498-43B3-948B-1728B52AA6E4}">
+                  <adec:decorative xmlns:adec="http://schemas.microsoft.com/office/drawing/2017/decorative" val="1"/>
+                </a:ext>
+              </a:extLst>
+            </p:cNvPr>
+            <p:cNvSpPr>
+              <a:spLocks/>
+            </p:cNvSpPr>
+            <p:nvPr>
+              <p:extLst>
+                <p:ext uri="{386F3935-93C4-4BCD-93E2-E3B085C9AB24}">
+                  <p16:designElem xmlns:p16="http://schemas.microsoft.com/office/powerpoint/2015/main" val="1"/>
+                </p:ext>
+              </p:extLst>
+            </p:nvPr>
+          </p:nvSpPr>
+          <p:spPr bwMode="auto">
+            <a:xfrm>
+              <a:off x="644660" y="640894"/>
+              <a:ext cx="168275" cy="1713195"/>
+            </a:xfrm>
+            <a:custGeom>
+              <a:avLst/>
+              <a:gdLst>
+                <a:gd name="T0" fmla="*/ 106 w 106"/>
+                <a:gd name="T1" fmla="*/ 1114 h 1114"/>
+                <a:gd name="T2" fmla="*/ 0 w 106"/>
+                <a:gd name="T3" fmla="*/ 1005 h 1114"/>
+                <a:gd name="T4" fmla="*/ 0 w 106"/>
+                <a:gd name="T5" fmla="*/ 0 h 1114"/>
+                <a:gd name="T6" fmla="*/ 106 w 106"/>
+                <a:gd name="T7" fmla="*/ 110 h 1114"/>
+                <a:gd name="T8" fmla="*/ 106 w 106"/>
+                <a:gd name="T9" fmla="*/ 1114 h 1114"/>
+              </a:gdLst>
+              <a:ahLst/>
+              <a:cxnLst>
+                <a:cxn ang="0">
+                  <a:pos x="T0" y="T1"/>
+                </a:cxn>
+                <a:cxn ang="0">
+                  <a:pos x="T2" y="T3"/>
+                </a:cxn>
+                <a:cxn ang="0">
+                  <a:pos x="T4" y="T5"/>
+                </a:cxn>
+                <a:cxn ang="0">
+                  <a:pos x="T6" y="T7"/>
+                </a:cxn>
+                <a:cxn ang="0">
+                  <a:pos x="T8" y="T9"/>
+                </a:cxn>
+              </a:cxnLst>
+              <a:rect l="0" t="0" r="r" b="b"/>
+              <a:pathLst>
+                <a:path w="106" h="1114">
+                  <a:moveTo>
+                    <a:pt x="106" y="1114"/>
+                  </a:moveTo>
+                  <a:lnTo>
+                    <a:pt x="0" y="1005"/>
+                  </a:lnTo>
+                  <a:lnTo>
+                    <a:pt x="0" y="0"/>
+                  </a:lnTo>
+                  <a:lnTo>
+                    <a:pt x="106" y="110"/>
+                  </a:lnTo>
+                  <a:lnTo>
+                    <a:pt x="106" y="1114"/>
+                  </a:lnTo>
+                  <a:close/>
+                </a:path>
+              </a:pathLst>
+            </a:custGeom>
+            <a:solidFill>
+              <a:schemeClr val="accent1">
+                <a:lumMod val="50000"/>
+              </a:schemeClr>
+            </a:solidFill>
+            <a:ln>
+              <a:noFill/>
+            </a:ln>
+          </p:spPr>
+          <p:txBody>
+            <a:bodyPr vert="horz" wrap="square" lIns="91440" tIns="45720" rIns="91440" bIns="45720" numCol="1" anchor="t" anchorCtr="0" compatLnSpc="1">
+              <a:prstTxWarp prst="textNoShape">
+                <a:avLst/>
+              </a:prstTxWarp>
+            </a:bodyPr>
+            <a:lstStyle/>
+            <a:p>
+              <a:endParaRPr lang="en-US"/>
+            </a:p>
+          </p:txBody>
+        </p:sp>
+        <p:sp>
+          <p:nvSpPr>
+            <p:cNvPr id="28" name="Rectangle 27">
+              <a:extLst>
+                <a:ext uri="{FF2B5EF4-FFF2-40B4-BE49-F238E27FC236}">
+                  <a16:creationId xmlns:a16="http://schemas.microsoft.com/office/drawing/2014/main" id="{94C5517B-1B0F-47AA-93A5-36718996986F}"/>
+                </a:ext>
+                <a:ext uri="{C183D7F6-B498-43B3-948B-1728B52AA6E4}">
+                  <adec:decorative xmlns:adec="http://schemas.microsoft.com/office/drawing/2017/decorative" val="1"/>
+                </a:ext>
+              </a:extLst>
+            </p:cNvPr>
+            <p:cNvSpPr>
+              <a:spLocks noChangeArrowheads="1"/>
+            </p:cNvSpPr>
+            <p:nvPr>
+              <p:extLst>
+                <p:ext uri="{386F3935-93C4-4BCD-93E2-E3B085C9AB24}">
+                  <p16:designElem xmlns:p16="http://schemas.microsoft.com/office/powerpoint/2015/main" val="1"/>
+                </p:ext>
+              </p:extLst>
+            </p:nvPr>
+          </p:nvSpPr>
+          <p:spPr bwMode="auto">
+            <a:xfrm>
+              <a:off x="644055" y="635715"/>
+              <a:ext cx="10907863" cy="1541457"/>
+            </a:xfrm>
+            <a:prstGeom prst="rect">
+              <a:avLst/>
+            </a:prstGeom>
+            <a:solidFill>
+              <a:schemeClr val="accent1"/>
+            </a:solidFill>
+            <a:ln>
+              <a:noFill/>
+            </a:ln>
+          </p:spPr>
+          <p:txBody>
+            <a:bodyPr vert="horz" wrap="square" lIns="91440" tIns="45720" rIns="91440" bIns="45720" numCol="1" anchor="t" anchorCtr="0" compatLnSpc="1">
+              <a:prstTxWarp prst="textNoShape">
+                <a:avLst/>
+              </a:prstTxWarp>
+            </a:bodyPr>
+            <a:lstStyle/>
+            <a:p>
+              <a:endParaRPr lang="en-US"/>
+            </a:p>
+          </p:txBody>
+        </p:sp>
+      </p:grpSp>
       <p:sp>
         <p:nvSpPr>
           <p:cNvPr id="2" name="Title 1">
@@ -16930,13 +18069,24 @@
             <p:ph type="title"/>
           </p:nvPr>
         </p:nvSpPr>
-        <p:spPr/>
+        <p:spPr>
+          <a:xfrm>
+            <a:off x="1047280" y="759805"/>
+            <a:ext cx="10306520" cy="1325563"/>
+          </a:xfrm>
+        </p:spPr>
         <p:txBody>
-          <a:bodyPr/>
+          <a:bodyPr>
+            <a:normAutofit/>
+          </a:bodyPr>
           <a:lstStyle/>
           <a:p>
             <a:r>
-              <a:rPr lang="en-US" dirty="0"/>
+              <a:rPr lang="en-US" sz="4000">
+                <a:solidFill>
+                  <a:srgbClr val="FFFFFF"/>
+                </a:solidFill>
+              </a:rPr>
               <a:t>Discussion and Improvement</a:t>
             </a:r>
           </a:p>
@@ -16960,35 +18110,55 @@
         </p:nvSpPr>
         <p:spPr>
           <a:xfrm>
-            <a:off x="838200" y="1825625"/>
-            <a:ext cx="6175549" cy="4351338"/>
+            <a:off x="1424904" y="2494450"/>
+            <a:ext cx="4053545" cy="3563159"/>
           </a:xfrm>
         </p:spPr>
         <p:txBody>
-          <a:bodyPr/>
+          <a:bodyPr>
+            <a:normAutofit/>
+          </a:bodyPr>
           <a:lstStyle/>
           <a:p>
             <a:pPr marL="0" indent="0">
               <a:buNone/>
             </a:pPr>
             <a:r>
-              <a:rPr lang="en-US" dirty="0"/>
+              <a:rPr lang="en-US" sz="2400" dirty="0"/>
               <a:t>2. Improvement</a:t>
             </a:r>
           </a:p>
           <a:p>
             <a:pPr lvl="1"/>
             <a:r>
-              <a:rPr lang="en-US" sz="2000" dirty="0">
+              <a:rPr lang="en-US" sz="1600" dirty="0">
                 <a:effectLst/>
                 <a:latin typeface="Calibri" panose="020F0502020204030204" pitchFamily="34" charset="0"/>
                 <a:ea typeface="Yu Mincho" panose="02020400000000000000" pitchFamily="18" charset="-128"/>
                 <a:cs typeface="Calibri" panose="020F0502020204030204" pitchFamily="34" charset="0"/>
               </a:rPr>
-              <a:t>Collect more data: When exploring data, </a:t>
+              <a:t>Collect more data:</a:t>
+            </a:r>
+            <a:endParaRPr lang="vi-VN" sz="1600" dirty="0">
+              <a:effectLst/>
+              <a:latin typeface="Calibri" panose="020F0502020204030204" pitchFamily="34" charset="0"/>
+              <a:ea typeface="Yu Mincho" panose="02020400000000000000" pitchFamily="18" charset="-128"/>
+              <a:cs typeface="Calibri" panose="020F0502020204030204" pitchFamily="34" charset="0"/>
+            </a:endParaRPr>
+          </a:p>
+          <a:p>
+            <a:pPr lvl="2"/>
+            <a:r>
+              <a:rPr lang="en-US" sz="1600" dirty="0">
+                <a:effectLst/>
+                <a:latin typeface="Calibri" panose="020F0502020204030204" pitchFamily="34" charset="0"/>
+                <a:ea typeface="Yu Mincho" panose="02020400000000000000" pitchFamily="18" charset="-128"/>
+                <a:cs typeface="Calibri" panose="020F0502020204030204" pitchFamily="34" charset="0"/>
+              </a:rPr>
+              <a:t> </a:t>
             </a:r>
             <a:r>
-              <a:rPr lang="en-US" sz="2000" dirty="0" err="1">
+              <a:rPr lang="en-US" sz="1600" dirty="0" err="1">
                 <a:effectLst/>
                 <a:latin typeface="Calibri" panose="020F0502020204030204" pitchFamily="34" charset="0"/>
                 <a:ea typeface="Yu Mincho" panose="02020400000000000000" pitchFamily="18" charset="-128"/>
@@ -16997,19 +18167,43 @@
               <a:t>city_development_index</a:t>
             </a:r>
             <a:r>
-              <a:rPr lang="en-US" sz="2000" dirty="0">
+              <a:rPr lang="en-US" sz="1600" dirty="0">
                 <a:effectLst/>
                 <a:latin typeface="Calibri" panose="020F0502020204030204" pitchFamily="34" charset="0"/>
                 <a:ea typeface="Yu Mincho" panose="02020400000000000000" pitchFamily="18" charset="-128"/>
                 <a:cs typeface="Calibri" panose="020F0502020204030204" pitchFamily="34" charset="0"/>
               </a:rPr>
-              <a:t> is an important factor to the outcome of the problem. However, with the current distribution of the data, it is impractical to perform stratified split along this attributes. In the future, if we can collect more data, we believe that the model can perform better.</a:t>
+              <a:t> is an important factor to the outcome of the problem. </a:t>
             </a:r>
+            <a:endParaRPr lang="vi-VN" sz="1600" dirty="0">
+              <a:effectLst/>
+              <a:latin typeface="Calibri" panose="020F0502020204030204" pitchFamily="34" charset="0"/>
+              <a:ea typeface="Yu Mincho" panose="02020400000000000000" pitchFamily="18" charset="-128"/>
+              <a:cs typeface="Calibri" panose="020F0502020204030204" pitchFamily="34" charset="0"/>
+            </a:endParaRPr>
+          </a:p>
+          <a:p>
+            <a:pPr lvl="2"/>
+            <a:r>
+              <a:rPr lang="en-US" sz="1600" dirty="0">
+                <a:effectLst/>
+                <a:latin typeface="Calibri" panose="020F0502020204030204" pitchFamily="34" charset="0"/>
+                <a:ea typeface="Yu Mincho" panose="02020400000000000000" pitchFamily="18" charset="-128"/>
+                <a:cs typeface="Calibri" panose="020F0502020204030204" pitchFamily="34" charset="0"/>
+              </a:rPr>
+              <a:t>with the current distribution of the data, it is impractical to perform stratified split along this attributes. </a:t>
+            </a:r>
+            <a:endParaRPr lang="vi-VN" sz="1600" dirty="0">
+              <a:effectLst/>
+              <a:latin typeface="Calibri" panose="020F0502020204030204" pitchFamily="34" charset="0"/>
+              <a:ea typeface="Yu Mincho" panose="02020400000000000000" pitchFamily="18" charset="-128"/>
+              <a:cs typeface="Calibri" panose="020F0502020204030204" pitchFamily="34" charset="0"/>
+            </a:endParaRPr>
           </a:p>
           <a:p>
             <a:pPr lvl="1"/>
             <a:r>
-              <a:rPr lang="en-US" sz="2000" dirty="0">
+              <a:rPr lang="en-US" sz="1600" dirty="0">
                 <a:latin typeface="Calibri" panose="020F0502020204030204" pitchFamily="34" charset="0"/>
                 <a:ea typeface="Yu Mincho" panose="02020400000000000000" pitchFamily="18" charset="-128"/>
                 <a:cs typeface="Calibri" panose="020F0502020204030204" pitchFamily="34" charset="0"/>
@@ -17022,7 +18216,7 @@
               <a:buFont typeface="+mj-lt"/>
               <a:buAutoNum type="arabicPeriod"/>
             </a:pPr>
-            <a:endParaRPr lang="en-US" dirty="0"/>
+            <a:endParaRPr lang="en-US" sz="1500" dirty="0"/>
           </a:p>
         </p:txBody>
       </p:sp>
@@ -17052,8 +18246,8 @@
         </p:blipFill>
         <p:spPr>
           <a:xfrm>
-            <a:off x="7233447" y="1825625"/>
-            <a:ext cx="4839335" cy="3150235"/>
+            <a:off x="6098892" y="2711075"/>
+            <a:ext cx="4802404" cy="3125974"/>
           </a:xfrm>
           <a:prstGeom prst="rect">
             <a:avLst/>

--- a/Team3 ML Slides.pptx
+++ b/Team3 ML Slides.pptx
@@ -6,7 +6,7 @@
   </p:sldMasterIdLst>
   <p:sldIdLst>
     <p:sldId id="256" r:id="rId2"/>
-    <p:sldId id="257" r:id="rId3"/>
+    <p:sldId id="275" r:id="rId3"/>
     <p:sldId id="258" r:id="rId4"/>
     <p:sldId id="259" r:id="rId5"/>
     <p:sldId id="264" r:id="rId6"/>
@@ -14,15 +14,13 @@
     <p:sldId id="260" r:id="rId8"/>
     <p:sldId id="263" r:id="rId9"/>
     <p:sldId id="269" r:id="rId10"/>
-    <p:sldId id="270" r:id="rId11"/>
-    <p:sldId id="268" r:id="rId12"/>
-    <p:sldId id="265" r:id="rId13"/>
-    <p:sldId id="266" r:id="rId14"/>
-    <p:sldId id="267" r:id="rId15"/>
-    <p:sldId id="272" r:id="rId16"/>
-    <p:sldId id="271" r:id="rId17"/>
-    <p:sldId id="274" r:id="rId18"/>
-    <p:sldId id="273" r:id="rId19"/>
+    <p:sldId id="268" r:id="rId11"/>
+    <p:sldId id="265" r:id="rId12"/>
+    <p:sldId id="267" r:id="rId13"/>
+    <p:sldId id="272" r:id="rId14"/>
+    <p:sldId id="271" r:id="rId15"/>
+    <p:sldId id="274" r:id="rId16"/>
+    <p:sldId id="273" r:id="rId17"/>
   </p:sldIdLst>
   <p:sldSz cx="12192000" cy="6858000"/>
   <p:notesSz cx="6858000" cy="9144000"/>
@@ -276,7 +274,7 @@
           <a:p>
             <a:fld id="{7060C84B-AE9D-4532-9BA2-C886236C9AE4}" type="datetimeFigureOut">
               <a:rPr lang="en-US" smtClean="0"/>
-              <a:t>5/31/2021</a:t>
+              <a:t>6/1/2021</a:t>
             </a:fld>
             <a:endParaRPr lang="en-US"/>
           </a:p>
@@ -474,7 +472,7 @@
           <a:p>
             <a:fld id="{7060C84B-AE9D-4532-9BA2-C886236C9AE4}" type="datetimeFigureOut">
               <a:rPr lang="en-US" smtClean="0"/>
-              <a:t>5/31/2021</a:t>
+              <a:t>6/1/2021</a:t>
             </a:fld>
             <a:endParaRPr lang="en-US"/>
           </a:p>
@@ -682,7 +680,7 @@
           <a:p>
             <a:fld id="{7060C84B-AE9D-4532-9BA2-C886236C9AE4}" type="datetimeFigureOut">
               <a:rPr lang="en-US" smtClean="0"/>
-              <a:t>5/31/2021</a:t>
+              <a:t>6/1/2021</a:t>
             </a:fld>
             <a:endParaRPr lang="en-US"/>
           </a:p>
@@ -880,7 +878,7 @@
           <a:p>
             <a:fld id="{7060C84B-AE9D-4532-9BA2-C886236C9AE4}" type="datetimeFigureOut">
               <a:rPr lang="en-US" smtClean="0"/>
-              <a:t>5/31/2021</a:t>
+              <a:t>6/1/2021</a:t>
             </a:fld>
             <a:endParaRPr lang="en-US"/>
           </a:p>
@@ -1155,7 +1153,7 @@
           <a:p>
             <a:fld id="{7060C84B-AE9D-4532-9BA2-C886236C9AE4}" type="datetimeFigureOut">
               <a:rPr lang="en-US" smtClean="0"/>
-              <a:t>5/31/2021</a:t>
+              <a:t>6/1/2021</a:t>
             </a:fld>
             <a:endParaRPr lang="en-US"/>
           </a:p>
@@ -1420,7 +1418,7 @@
           <a:p>
             <a:fld id="{7060C84B-AE9D-4532-9BA2-C886236C9AE4}" type="datetimeFigureOut">
               <a:rPr lang="en-US" smtClean="0"/>
-              <a:t>5/31/2021</a:t>
+              <a:t>6/1/2021</a:t>
             </a:fld>
             <a:endParaRPr lang="en-US"/>
           </a:p>
@@ -1832,7 +1830,7 @@
           <a:p>
             <a:fld id="{7060C84B-AE9D-4532-9BA2-C886236C9AE4}" type="datetimeFigureOut">
               <a:rPr lang="en-US" smtClean="0"/>
-              <a:t>5/31/2021</a:t>
+              <a:t>6/1/2021</a:t>
             </a:fld>
             <a:endParaRPr lang="en-US"/>
           </a:p>
@@ -1973,7 +1971,7 @@
           <a:p>
             <a:fld id="{7060C84B-AE9D-4532-9BA2-C886236C9AE4}" type="datetimeFigureOut">
               <a:rPr lang="en-US" smtClean="0"/>
-              <a:t>5/31/2021</a:t>
+              <a:t>6/1/2021</a:t>
             </a:fld>
             <a:endParaRPr lang="en-US"/>
           </a:p>
@@ -2086,7 +2084,7 @@
           <a:p>
             <a:fld id="{7060C84B-AE9D-4532-9BA2-C886236C9AE4}" type="datetimeFigureOut">
               <a:rPr lang="en-US" smtClean="0"/>
-              <a:t>5/31/2021</a:t>
+              <a:t>6/1/2021</a:t>
             </a:fld>
             <a:endParaRPr lang="en-US"/>
           </a:p>
@@ -2397,7 +2395,7 @@
           <a:p>
             <a:fld id="{7060C84B-AE9D-4532-9BA2-C886236C9AE4}" type="datetimeFigureOut">
               <a:rPr lang="en-US" smtClean="0"/>
-              <a:t>5/31/2021</a:t>
+              <a:t>6/1/2021</a:t>
             </a:fld>
             <a:endParaRPr lang="en-US"/>
           </a:p>
@@ -2685,7 +2683,7 @@
           <a:p>
             <a:fld id="{7060C84B-AE9D-4532-9BA2-C886236C9AE4}" type="datetimeFigureOut">
               <a:rPr lang="en-US" smtClean="0"/>
-              <a:t>5/31/2021</a:t>
+              <a:t>6/1/2021</a:t>
             </a:fld>
             <a:endParaRPr lang="en-US"/>
           </a:p>
@@ -2926,7 +2924,7 @@
           <a:p>
             <a:fld id="{7060C84B-AE9D-4532-9BA2-C886236C9AE4}" type="datetimeFigureOut">
               <a:rPr lang="en-US" smtClean="0"/>
-              <a:t>5/31/2021</a:t>
+              <a:t>6/1/2021</a:t>
             </a:fld>
             <a:endParaRPr lang="en-US"/>
           </a:p>
@@ -3880,1624 +3878,6 @@
       </p:grpSpPr>
       <p:sp>
         <p:nvSpPr>
-          <p:cNvPr id="48" name="Rectangle 47">
-            <a:extLst>
-              <a:ext uri="{FF2B5EF4-FFF2-40B4-BE49-F238E27FC236}">
-                <a16:creationId xmlns:a16="http://schemas.microsoft.com/office/drawing/2014/main" id="{2B566528-1B12-4246-9431-5C2D7D081168}"/>
-              </a:ext>
-              <a:ext uri="{C183D7F6-B498-43B3-948B-1728B52AA6E4}">
-                <adec:decorative xmlns:adec="http://schemas.microsoft.com/office/drawing/2017/decorative" val="1"/>
-              </a:ext>
-            </a:extLst>
-          </p:cNvPr>
-          <p:cNvSpPr>
-            <a:spLocks noGrp="1" noRot="1" noChangeAspect="1" noMove="1" noResize="1" noEditPoints="1" noAdjustHandles="1" noChangeArrowheads="1" noChangeShapeType="1" noTextEdit="1"/>
-          </p:cNvSpPr>
-          <p:nvPr>
-            <p:extLst>
-              <p:ext uri="{386F3935-93C4-4BCD-93E2-E3B085C9AB24}">
-                <p16:designElem xmlns:p16="http://schemas.microsoft.com/office/powerpoint/2015/main" val="1"/>
-              </p:ext>
-            </p:extLst>
-          </p:nvPr>
-        </p:nvSpPr>
-        <p:spPr>
-          <a:xfrm>
-            <a:off x="0" y="0"/>
-            <a:ext cx="12192000" cy="6858000"/>
-          </a:xfrm>
-          <a:prstGeom prst="rect">
-            <a:avLst/>
-          </a:prstGeom>
-          <a:solidFill>
-            <a:schemeClr val="bg1"/>
-          </a:solidFill>
-          <a:ln>
-            <a:noFill/>
-          </a:ln>
-        </p:spPr>
-        <p:style>
-          <a:lnRef idx="2">
-            <a:schemeClr val="accent1">
-              <a:shade val="50000"/>
-            </a:schemeClr>
-          </a:lnRef>
-          <a:fillRef idx="1">
-            <a:schemeClr val="accent1"/>
-          </a:fillRef>
-          <a:effectRef idx="0">
-            <a:schemeClr val="accent1"/>
-          </a:effectRef>
-          <a:fontRef idx="minor">
-            <a:schemeClr val="lt1"/>
-          </a:fontRef>
-        </p:style>
-        <p:txBody>
-          <a:bodyPr rtlCol="0" anchor="ctr"/>
-          <a:lstStyle/>
-          <a:p>
-            <a:pPr algn="ctr"/>
-            <a:endParaRPr lang="en-US" dirty="0"/>
-          </a:p>
-        </p:txBody>
-      </p:sp>
-      <p:grpSp>
-        <p:nvGrpSpPr>
-          <p:cNvPr id="50" name="Group 49">
-            <a:extLst>
-              <a:ext uri="{FF2B5EF4-FFF2-40B4-BE49-F238E27FC236}">
-                <a16:creationId xmlns:a16="http://schemas.microsoft.com/office/drawing/2014/main" id="{FA366754-A2F4-475B-8217-AB06F5F15F36}"/>
-              </a:ext>
-              <a:ext uri="{C183D7F6-B498-43B3-948B-1728B52AA6E4}">
-                <adec:decorative xmlns:adec="http://schemas.microsoft.com/office/drawing/2017/decorative" val="1"/>
-              </a:ext>
-            </a:extLst>
-          </p:cNvPr>
-          <p:cNvGrpSpPr>
-            <a:grpSpLocks noGrp="1" noUngrp="1" noRot="1" noChangeAspect="1" noMove="1" noResize="1"/>
-          </p:cNvGrpSpPr>
-          <p:nvPr>
-            <p:extLst>
-              <p:ext uri="{386F3935-93C4-4BCD-93E2-E3B085C9AB24}">
-                <p16:designElem xmlns:p16="http://schemas.microsoft.com/office/powerpoint/2015/main" val="1"/>
-              </p:ext>
-            </p:extLst>
-          </p:nvPr>
-        </p:nvGrpSpPr>
-        <p:grpSpPr>
-          <a:xfrm>
-            <a:off x="11219290" y="1"/>
-            <a:ext cx="972709" cy="1935307"/>
-            <a:chOff x="10918968" y="713127"/>
-            <a:chExt cx="1273032" cy="2532832"/>
-          </a:xfrm>
-        </p:grpSpPr>
-        <p:sp>
-          <p:nvSpPr>
-            <p:cNvPr id="51" name="Rectangle 50">
-              <a:extLst>
-                <a:ext uri="{FF2B5EF4-FFF2-40B4-BE49-F238E27FC236}">
-                  <a16:creationId xmlns:a16="http://schemas.microsoft.com/office/drawing/2014/main" id="{322BF2F0-5264-48F8-8780-73D64DE8487C}"/>
-                </a:ext>
-                <a:ext uri="{C183D7F6-B498-43B3-948B-1728B52AA6E4}">
-                  <adec:decorative xmlns:adec="http://schemas.microsoft.com/office/drawing/2017/decorative" val="1"/>
-                </a:ext>
-              </a:extLst>
-            </p:cNvPr>
-            <p:cNvSpPr/>
-            <p:nvPr>
-              <p:extLst>
-                <p:ext uri="{386F3935-93C4-4BCD-93E2-E3B085C9AB24}">
-                  <p16:designElem xmlns:p16="http://schemas.microsoft.com/office/powerpoint/2015/main" val="1"/>
-                </p:ext>
-              </p:extLst>
-            </p:nvPr>
-          </p:nvSpPr>
-          <p:spPr>
-            <a:xfrm rot="2700000">
-              <a:off x="11052629" y="2120024"/>
-              <a:ext cx="645368" cy="645368"/>
-            </a:xfrm>
-            <a:prstGeom prst="rect">
-              <a:avLst/>
-            </a:prstGeom>
-            <a:solidFill>
-              <a:schemeClr val="accent4">
-                <a:alpha val="30000"/>
-              </a:schemeClr>
-            </a:solidFill>
-            <a:ln>
-              <a:noFill/>
-            </a:ln>
-          </p:spPr>
-          <p:style>
-            <a:lnRef idx="2">
-              <a:schemeClr val="accent1">
-                <a:shade val="50000"/>
-              </a:schemeClr>
-            </a:lnRef>
-            <a:fillRef idx="1">
-              <a:schemeClr val="accent1"/>
-            </a:fillRef>
-            <a:effectRef idx="0">
-              <a:schemeClr val="accent1"/>
-            </a:effectRef>
-            <a:fontRef idx="minor">
-              <a:schemeClr val="lt1"/>
-            </a:fontRef>
-          </p:style>
-          <p:txBody>
-            <a:bodyPr rtlCol="0" anchor="ctr"/>
-            <a:lstStyle/>
-            <a:p>
-              <a:pPr algn="ctr"/>
-              <a:endParaRPr lang="en-US"/>
-            </a:p>
-          </p:txBody>
-        </p:sp>
-        <p:sp>
-          <p:nvSpPr>
-            <p:cNvPr id="52" name="Isosceles Triangle 51">
-              <a:extLst>
-                <a:ext uri="{FF2B5EF4-FFF2-40B4-BE49-F238E27FC236}">
-                  <a16:creationId xmlns:a16="http://schemas.microsoft.com/office/drawing/2014/main" id="{7DC5FF32-A8FD-4F1B-B8D3-3D226716C078}"/>
-                </a:ext>
-                <a:ext uri="{C183D7F6-B498-43B3-948B-1728B52AA6E4}">
-                  <adec:decorative xmlns:adec="http://schemas.microsoft.com/office/drawing/2017/decorative" val="1"/>
-                </a:ext>
-              </a:extLst>
-            </p:cNvPr>
-            <p:cNvSpPr/>
-            <p:nvPr>
-              <p:extLst>
-                <p:ext uri="{386F3935-93C4-4BCD-93E2-E3B085C9AB24}">
-                  <p16:designElem xmlns:p16="http://schemas.microsoft.com/office/powerpoint/2015/main" val="1"/>
-                </p:ext>
-              </p:extLst>
-            </p:nvPr>
-          </p:nvSpPr>
-          <p:spPr>
-            <a:xfrm rot="16200000">
-              <a:off x="10289068" y="1343027"/>
-              <a:ext cx="2532832" cy="1273032"/>
-            </a:xfrm>
-            <a:prstGeom prst="triangle">
-              <a:avLst>
-                <a:gd name="adj" fmla="val 50000"/>
-              </a:avLst>
-            </a:prstGeom>
-            <a:solidFill>
-              <a:schemeClr val="accent4">
-                <a:alpha val="30000"/>
-              </a:schemeClr>
-            </a:solidFill>
-            <a:ln>
-              <a:noFill/>
-            </a:ln>
-          </p:spPr>
-          <p:style>
-            <a:lnRef idx="2">
-              <a:schemeClr val="accent1">
-                <a:shade val="50000"/>
-              </a:schemeClr>
-            </a:lnRef>
-            <a:fillRef idx="1">
-              <a:schemeClr val="accent1"/>
-            </a:fillRef>
-            <a:effectRef idx="0">
-              <a:schemeClr val="accent1"/>
-            </a:effectRef>
-            <a:fontRef idx="minor">
-              <a:schemeClr val="lt1"/>
-            </a:fontRef>
-          </p:style>
-          <p:txBody>
-            <a:bodyPr rtlCol="0" anchor="ctr"/>
-            <a:lstStyle/>
-            <a:p>
-              <a:pPr algn="ctr"/>
-              <a:endParaRPr lang="en-US" dirty="0"/>
-            </a:p>
-          </p:txBody>
-        </p:sp>
-      </p:grpSp>
-      <p:sp>
-        <p:nvSpPr>
-          <p:cNvPr id="2" name="Title 1">
-            <a:extLst>
-              <a:ext uri="{FF2B5EF4-FFF2-40B4-BE49-F238E27FC236}">
-                <a16:creationId xmlns:a16="http://schemas.microsoft.com/office/drawing/2014/main" id="{7940BB6E-C685-4EF0-BD80-7A18D6EB0A40}"/>
-              </a:ext>
-            </a:extLst>
-          </p:cNvPr>
-          <p:cNvSpPr>
-            <a:spLocks noGrp="1"/>
-          </p:cNvSpPr>
-          <p:nvPr>
-            <p:ph type="title"/>
-          </p:nvPr>
-        </p:nvSpPr>
-        <p:spPr>
-          <a:xfrm>
-            <a:off x="507030" y="559349"/>
-            <a:ext cx="10905066" cy="1135737"/>
-          </a:xfrm>
-        </p:spPr>
-        <p:txBody>
-          <a:bodyPr>
-            <a:normAutofit/>
-          </a:bodyPr>
-          <a:lstStyle/>
-          <a:p>
-            <a:pPr marL="0" marR="0" algn="just">
-              <a:lnSpc>
-                <a:spcPct val="107000"/>
-              </a:lnSpc>
-              <a:spcBef>
-                <a:spcPts val="0"/>
-              </a:spcBef>
-              <a:spcAft>
-                <a:spcPts val="800"/>
-              </a:spcAft>
-            </a:pPr>
-            <a:r>
-              <a:rPr lang="en-US" sz="3200" dirty="0">
-                <a:effectLst/>
-                <a:latin typeface="Calibri" panose="020F0502020204030204" pitchFamily="34" charset="0"/>
-                <a:ea typeface="Yu Mincho" panose="02020400000000000000" pitchFamily="18" charset="-128"/>
-                <a:cs typeface="Calibri" panose="020F0502020204030204" pitchFamily="34" charset="0"/>
-              </a:rPr>
-              <a:t>Cost function</a:t>
-            </a:r>
-          </a:p>
-        </p:txBody>
-      </p:sp>
-      <p:grpSp>
-        <p:nvGrpSpPr>
-          <p:cNvPr id="54" name="Group 53">
-            <a:extLst>
-              <a:ext uri="{FF2B5EF4-FFF2-40B4-BE49-F238E27FC236}">
-                <a16:creationId xmlns:a16="http://schemas.microsoft.com/office/drawing/2014/main" id="{828A5161-06F1-46CF-8AD7-844680A59E13}"/>
-              </a:ext>
-              <a:ext uri="{C183D7F6-B498-43B3-948B-1728B52AA6E4}">
-                <adec:decorative xmlns:adec="http://schemas.microsoft.com/office/drawing/2017/decorative" val="1"/>
-              </a:ext>
-            </a:extLst>
-          </p:cNvPr>
-          <p:cNvGrpSpPr>
-            <a:grpSpLocks noGrp="1" noUngrp="1" noRot="1" noChangeAspect="1" noMove="1" noResize="1"/>
-          </p:cNvGrpSpPr>
-          <p:nvPr>
-            <p:extLst>
-              <p:ext uri="{386F3935-93C4-4BCD-93E2-E3B085C9AB24}">
-                <p16:designElem xmlns:p16="http://schemas.microsoft.com/office/powerpoint/2015/main" val="1"/>
-              </p:ext>
-            </p:extLst>
-          </p:nvPr>
-        </p:nvGrpSpPr>
-        <p:grpSpPr>
-          <a:xfrm>
-            <a:off x="0" y="4601497"/>
-            <a:ext cx="1014060" cy="2017580"/>
-            <a:chOff x="0" y="4601497"/>
-            <a:chExt cx="1014060" cy="2017580"/>
-          </a:xfrm>
-        </p:grpSpPr>
-        <p:sp>
-          <p:nvSpPr>
-            <p:cNvPr id="55" name="Isosceles Triangle 54">
-              <a:extLst>
-                <a:ext uri="{FF2B5EF4-FFF2-40B4-BE49-F238E27FC236}">
-                  <a16:creationId xmlns:a16="http://schemas.microsoft.com/office/drawing/2014/main" id="{D3F51FEB-38FB-4F6C-9F7B-2F2AFAB65463}"/>
-                </a:ext>
-                <a:ext uri="{C183D7F6-B498-43B3-948B-1728B52AA6E4}">
-                  <adec:decorative xmlns:adec="http://schemas.microsoft.com/office/drawing/2017/decorative" val="1"/>
-                </a:ext>
-              </a:extLst>
-            </p:cNvPr>
-            <p:cNvSpPr/>
-            <p:nvPr>
-              <p:extLst>
-                <p:ext uri="{386F3935-93C4-4BCD-93E2-E3B085C9AB24}">
-                  <p16:designElem xmlns:p16="http://schemas.microsoft.com/office/powerpoint/2015/main" val="1"/>
-                </p:ext>
-              </p:extLst>
-            </p:nvPr>
-          </p:nvSpPr>
-          <p:spPr>
-            <a:xfrm rot="5400000">
-              <a:off x="-501760" y="5103257"/>
-              <a:ext cx="2017580" cy="1014060"/>
-            </a:xfrm>
-            <a:prstGeom prst="triangle">
-              <a:avLst>
-                <a:gd name="adj" fmla="val 50000"/>
-              </a:avLst>
-            </a:prstGeom>
-            <a:solidFill>
-              <a:schemeClr val="accent1">
-                <a:alpha val="30000"/>
-              </a:schemeClr>
-            </a:solidFill>
-            <a:ln>
-              <a:noFill/>
-            </a:ln>
-          </p:spPr>
-          <p:style>
-            <a:lnRef idx="2">
-              <a:schemeClr val="accent1">
-                <a:shade val="50000"/>
-              </a:schemeClr>
-            </a:lnRef>
-            <a:fillRef idx="1">
-              <a:schemeClr val="accent1"/>
-            </a:fillRef>
-            <a:effectRef idx="0">
-              <a:schemeClr val="accent1"/>
-            </a:effectRef>
-            <a:fontRef idx="minor">
-              <a:schemeClr val="lt1"/>
-            </a:fontRef>
-          </p:style>
-          <p:txBody>
-            <a:bodyPr rtlCol="0" anchor="ctr"/>
-            <a:lstStyle/>
-            <a:p>
-              <a:pPr algn="ctr"/>
-              <a:endParaRPr lang="en-US"/>
-            </a:p>
-          </p:txBody>
-        </p:sp>
-        <p:sp>
-          <p:nvSpPr>
-            <p:cNvPr id="56" name="Rectangle 55">
-              <a:extLst>
-                <a:ext uri="{FF2B5EF4-FFF2-40B4-BE49-F238E27FC236}">
-                  <a16:creationId xmlns:a16="http://schemas.microsoft.com/office/drawing/2014/main" id="{1E547BA6-BAE0-43BB-A7CA-60F69CE252F0}"/>
-                </a:ext>
-                <a:ext uri="{C183D7F6-B498-43B3-948B-1728B52AA6E4}">
-                  <adec:decorative xmlns:adec="http://schemas.microsoft.com/office/drawing/2017/decorative" val="1"/>
-                </a:ext>
-              </a:extLst>
-            </p:cNvPr>
-            <p:cNvSpPr/>
-            <p:nvPr>
-              <p:extLst>
-                <p:ext uri="{386F3935-93C4-4BCD-93E2-E3B085C9AB24}">
-                  <p16:designElem xmlns:p16="http://schemas.microsoft.com/office/powerpoint/2015/main" val="1"/>
-                </p:ext>
-              </p:extLst>
-            </p:nvPr>
-          </p:nvSpPr>
-          <p:spPr>
-            <a:xfrm rot="2700000">
-              <a:off x="427916" y="5728708"/>
-              <a:ext cx="485578" cy="485578"/>
-            </a:xfrm>
-            <a:prstGeom prst="rect">
-              <a:avLst/>
-            </a:prstGeom>
-            <a:solidFill>
-              <a:schemeClr val="accent1">
-                <a:alpha val="30000"/>
-              </a:schemeClr>
-            </a:solidFill>
-            <a:ln>
-              <a:noFill/>
-            </a:ln>
-          </p:spPr>
-          <p:style>
-            <a:lnRef idx="2">
-              <a:schemeClr val="accent1">
-                <a:shade val="50000"/>
-              </a:schemeClr>
-            </a:lnRef>
-            <a:fillRef idx="1">
-              <a:schemeClr val="accent1"/>
-            </a:fillRef>
-            <a:effectRef idx="0">
-              <a:schemeClr val="accent1"/>
-            </a:effectRef>
-            <a:fontRef idx="minor">
-              <a:schemeClr val="lt1"/>
-            </a:fontRef>
-          </p:style>
-          <p:txBody>
-            <a:bodyPr rtlCol="0" anchor="ctr"/>
-            <a:lstStyle/>
-            <a:p>
-              <a:pPr algn="ctr"/>
-              <a:endParaRPr lang="en-US"/>
-            </a:p>
-          </p:txBody>
-        </p:sp>
-      </p:grpSp>
-      <mc:AlternateContent xmlns:mc="http://schemas.openxmlformats.org/markup-compatibility/2006" xmlns:a14="http://schemas.microsoft.com/office/drawing/2010/main">
-        <mc:Choice Requires="a14">
-          <p:sp>
-            <p:nvSpPr>
-              <p:cNvPr id="7" name="Rectangle 2">
-                <a:extLst>
-                  <a:ext uri="{FF2B5EF4-FFF2-40B4-BE49-F238E27FC236}">
-                    <a16:creationId xmlns:a16="http://schemas.microsoft.com/office/drawing/2014/main" id="{E68DB199-5652-4AB0-9188-D1AEBA0C8E45}"/>
-                  </a:ext>
-                </a:extLst>
-              </p:cNvPr>
-              <p:cNvSpPr>
-                <a:spLocks noChangeArrowheads="1"/>
-              </p:cNvSpPr>
-              <p:nvPr/>
-            </p:nvSpPr>
-            <p:spPr bwMode="auto">
-              <a:xfrm>
-                <a:off x="1014060" y="1610911"/>
-                <a:ext cx="9562500" cy="5156348"/>
-              </a:xfrm>
-              <a:prstGeom prst="rect">
-                <a:avLst/>
-              </a:prstGeom>
-              <a:noFill/>
-              <a:ln>
-                <a:noFill/>
-              </a:ln>
-              <a:effectLst/>
-              <a:extLst>
-                <a:ext uri="{909E8E84-426E-40DD-AFC4-6F175D3DCCD1}">
-                  <a14:hiddenFill>
-                    <a:solidFill>
-                      <a:schemeClr val="accent1"/>
-                    </a:solidFill>
-                  </a14:hiddenFill>
-                </a:ext>
-                <a:ext uri="{91240B29-F687-4F45-9708-019B960494DF}">
-                  <a14:hiddenLine w="9525">
-                    <a:solidFill>
-                      <a:schemeClr val="tx1"/>
-                    </a:solidFill>
-                    <a:miter lim="800000"/>
-                    <a:headEnd/>
-                    <a:tailEnd/>
-                  </a14:hiddenLine>
-                </a:ext>
-                <a:ext uri="{AF507438-7753-43E0-B8FC-AC1667EBCBE1}">
-                  <a14:hiddenEffects>
-                    <a:effectLst>
-                      <a:outerShdw dist="35921" dir="2700000" algn="ctr" rotWithShape="0">
-                        <a:schemeClr val="bg2"/>
-                      </a:outerShdw>
-                    </a:effectLst>
-                  </a14:hiddenEffects>
-                </a:ext>
-              </a:extLst>
-            </p:spPr>
-            <p:txBody>
-              <a:bodyPr vert="horz" wrap="square" lIns="91440" tIns="45720" rIns="91440" bIns="45720" numCol="1" anchor="ctr" anchorCtr="0" compatLnSpc="1">
-                <a:prstTxWarp prst="textNoShape">
-                  <a:avLst/>
-                </a:prstTxWarp>
-                <a:spAutoFit/>
-              </a:bodyPr>
-              <a:lstStyle/>
-              <a:p>
-                <a:pPr marL="0" marR="0" algn="just">
-                  <a:lnSpc>
-                    <a:spcPct val="107000"/>
-                  </a:lnSpc>
-                  <a:spcBef>
-                    <a:spcPts val="0"/>
-                  </a:spcBef>
-                  <a:spcAft>
-                    <a:spcPts val="800"/>
-                  </a:spcAft>
-                </a:pPr>
-                <a:r>
-                  <a:rPr lang="en-US" sz="1800" dirty="0">
-                    <a:effectLst/>
-                    <a:latin typeface="Calibri" panose="020F0502020204030204" pitchFamily="34" charset="0"/>
-                    <a:ea typeface="Yu Mincho" panose="02020400000000000000" pitchFamily="18" charset="-128"/>
-                    <a:cs typeface="Calibri" panose="020F0502020204030204" pitchFamily="34" charset="0"/>
-                  </a:rPr>
-                  <a:t>In our problem we apply logistic regression for imbalanced data by using </a:t>
-                </a:r>
-                <a:r>
-                  <a:rPr lang="en-US" sz="1800" dirty="0" err="1">
-                    <a:effectLst/>
-                    <a:latin typeface="Calibri" panose="020F0502020204030204" pitchFamily="34" charset="0"/>
-                    <a:ea typeface="Yu Mincho" panose="02020400000000000000" pitchFamily="18" charset="-128"/>
-                    <a:cs typeface="Calibri" panose="020F0502020204030204" pitchFamily="34" charset="0"/>
-                  </a:rPr>
-                  <a:t>class_weight</a:t>
-                </a:r>
-                <a:r>
-                  <a:rPr lang="en-US" sz="1800" dirty="0">
-                    <a:effectLst/>
-                    <a:latin typeface="Calibri" panose="020F0502020204030204" pitchFamily="34" charset="0"/>
-                    <a:ea typeface="Yu Mincho" panose="02020400000000000000" pitchFamily="18" charset="-128"/>
-                    <a:cs typeface="Calibri" panose="020F0502020204030204" pitchFamily="34" charset="0"/>
-                  </a:rPr>
-                  <a:t> = “balanced” parameter and l2 regularization. The algorithm will then try to minimize the following cost function:</a:t>
-                </a:r>
-              </a:p>
-              <a:p>
-                <a:pPr algn="just">
-                  <a:lnSpc>
-                    <a:spcPct val="107000"/>
-                  </a:lnSpc>
-                  <a:spcAft>
-                    <a:spcPts val="800"/>
-                  </a:spcAft>
-                </a:pPr>
-                <a14:m>
-                  <m:oMathPara xmlns:m="http://schemas.openxmlformats.org/officeDocument/2006/math">
-                    <m:oMathParaPr>
-                      <m:jc m:val="centerGroup"/>
-                    </m:oMathParaPr>
-                    <m:oMath xmlns:m="http://schemas.openxmlformats.org/officeDocument/2006/math">
-                      <m:r>
-                        <a:rPr lang="en-US" sz="1800" b="0" i="1" smtClean="0">
-                          <a:effectLst/>
-                          <a:latin typeface="Cambria Math" panose="02040503050406030204" pitchFamily="18" charset="0"/>
-                          <a:ea typeface="Yu Mincho" panose="02020400000000000000" pitchFamily="18" charset="-128"/>
-                          <a:cs typeface="Calibri" panose="020F0502020204030204" pitchFamily="34" charset="0"/>
-                        </a:rPr>
-                        <m:t>𝐽</m:t>
-                      </m:r>
-                      <m:r>
-                        <a:rPr lang="en-US" sz="1800" i="1" smtClean="0">
-                          <a:effectLst/>
-                          <a:latin typeface="Cambria Math" panose="02040503050406030204" pitchFamily="18" charset="0"/>
-                          <a:ea typeface="Yu Mincho" panose="02020400000000000000" pitchFamily="18" charset="-128"/>
-                          <a:cs typeface="Calibri" panose="020F0502020204030204" pitchFamily="34" charset="0"/>
-                        </a:rPr>
-                        <m:t>=−</m:t>
-                      </m:r>
-                      <m:f>
-                        <m:fPr>
-                          <m:ctrlPr>
-                            <a:rPr lang="en-US" sz="1800" i="1">
-                              <a:effectLst/>
-                              <a:latin typeface="Cambria Math" panose="02040503050406030204" pitchFamily="18" charset="0"/>
-                              <a:ea typeface="Yu Mincho" panose="02020400000000000000" pitchFamily="18" charset="-128"/>
-                              <a:cs typeface="Calibri" panose="020F0502020204030204" pitchFamily="34" charset="0"/>
-                            </a:rPr>
-                          </m:ctrlPr>
-                        </m:fPr>
-                        <m:num>
-                          <m:r>
-                            <a:rPr lang="en-US" sz="1800" i="1">
-                              <a:effectLst/>
-                              <a:latin typeface="Cambria Math" panose="02040503050406030204" pitchFamily="18" charset="0"/>
-                              <a:ea typeface="Yu Mincho" panose="02020400000000000000" pitchFamily="18" charset="-128"/>
-                              <a:cs typeface="Calibri" panose="020F0502020204030204" pitchFamily="34" charset="0"/>
-                            </a:rPr>
-                            <m:t>1</m:t>
-                          </m:r>
-                        </m:num>
-                        <m:den>
-                          <m:r>
-                            <a:rPr lang="en-US" sz="1800" i="1">
-                              <a:effectLst/>
-                              <a:latin typeface="Cambria Math" panose="02040503050406030204" pitchFamily="18" charset="0"/>
-                              <a:ea typeface="Yu Mincho" panose="02020400000000000000" pitchFamily="18" charset="-128"/>
-                              <a:cs typeface="Calibri" panose="020F0502020204030204" pitchFamily="34" charset="0"/>
-                            </a:rPr>
-                            <m:t>𝑚</m:t>
-                          </m:r>
-                        </m:den>
-                      </m:f>
-                      <m:nary>
-                        <m:naryPr>
-                          <m:chr m:val="∑"/>
-                          <m:limLoc m:val="undOvr"/>
-                          <m:subHide m:val="on"/>
-                          <m:supHide m:val="on"/>
-                          <m:ctrlPr>
-                            <a:rPr lang="en-US" sz="1800" i="1">
-                              <a:effectLst/>
-                              <a:latin typeface="Cambria Math" panose="02040503050406030204" pitchFamily="18" charset="0"/>
-                              <a:ea typeface="Yu Mincho" panose="02020400000000000000" pitchFamily="18" charset="-128"/>
-                              <a:cs typeface="Calibri" panose="020F0502020204030204" pitchFamily="34" charset="0"/>
-                            </a:rPr>
-                          </m:ctrlPr>
-                        </m:naryPr>
-                        <m:sub/>
-                        <m:sup/>
-                        <m:e>
-                          <m:r>
-                            <a:rPr lang="en-US" sz="1800" i="1">
-                              <a:effectLst/>
-                              <a:latin typeface="Cambria Math" panose="02040503050406030204" pitchFamily="18" charset="0"/>
-                              <a:ea typeface="Yu Mincho" panose="02020400000000000000" pitchFamily="18" charset="-128"/>
-                              <a:cs typeface="Calibri" panose="020F0502020204030204" pitchFamily="34" charset="0"/>
-                            </a:rPr>
-                            <m:t>[</m:t>
-                          </m:r>
-                          <m:sSub>
-                            <m:sSubPr>
-                              <m:ctrlPr>
-                                <a:rPr lang="en-US" sz="1800" i="1">
-                                  <a:effectLst/>
-                                  <a:latin typeface="Cambria Math" panose="02040503050406030204" pitchFamily="18" charset="0"/>
-                                  <a:ea typeface="Yu Mincho" panose="02020400000000000000" pitchFamily="18" charset="-128"/>
-                                  <a:cs typeface="Calibri" panose="020F0502020204030204" pitchFamily="34" charset="0"/>
-                                </a:rPr>
-                              </m:ctrlPr>
-                            </m:sSubPr>
-                            <m:e>
-                              <m:r>
-                                <a:rPr lang="en-US" sz="1800" i="1">
-                                  <a:effectLst/>
-                                  <a:latin typeface="Cambria Math" panose="02040503050406030204" pitchFamily="18" charset="0"/>
-                                  <a:ea typeface="Yu Mincho" panose="02020400000000000000" pitchFamily="18" charset="-128"/>
-                                  <a:cs typeface="Calibri" panose="020F0502020204030204" pitchFamily="34" charset="0"/>
-                                </a:rPr>
-                                <m:t>𝑤</m:t>
-                              </m:r>
-                            </m:e>
-                            <m:sub>
-                              <m:r>
-                                <a:rPr lang="en-US" sz="1800" i="1">
-                                  <a:effectLst/>
-                                  <a:latin typeface="Cambria Math" panose="02040503050406030204" pitchFamily="18" charset="0"/>
-                                  <a:ea typeface="Yu Mincho" panose="02020400000000000000" pitchFamily="18" charset="-128"/>
-                                  <a:cs typeface="Calibri" panose="020F0502020204030204" pitchFamily="34" charset="0"/>
-                                </a:rPr>
-                                <m:t>0</m:t>
-                              </m:r>
-                            </m:sub>
-                          </m:sSub>
-                        </m:e>
-                      </m:nary>
-                      <m:r>
-                        <a:rPr lang="en-US" sz="1800" i="1">
-                          <a:effectLst/>
-                          <a:latin typeface="Cambria Math" panose="02040503050406030204" pitchFamily="18" charset="0"/>
-                          <a:ea typeface="Yu Mincho" panose="02020400000000000000" pitchFamily="18" charset="-128"/>
-                          <a:cs typeface="Calibri" panose="020F0502020204030204" pitchFamily="34" charset="0"/>
-                        </a:rPr>
-                        <m:t>∗</m:t>
-                      </m:r>
-                      <m:r>
-                        <m:rPr>
-                          <m:sty m:val="p"/>
-                        </m:rPr>
-                        <a:rPr lang="en-US" sz="1800">
-                          <a:effectLst/>
-                          <a:latin typeface="Cambria Math" panose="02040503050406030204" pitchFamily="18" charset="0"/>
-                          <a:ea typeface="Yu Mincho" panose="02020400000000000000" pitchFamily="18" charset="-128"/>
-                          <a:cs typeface="Calibri" panose="020F0502020204030204" pitchFamily="34" charset="0"/>
-                        </a:rPr>
-                        <m:t>log</m:t>
-                      </m:r>
-                      <m:r>
-                        <a:rPr lang="en-US" sz="1800">
-                          <a:effectLst/>
-                          <a:latin typeface="Cambria Math" panose="02040503050406030204" pitchFamily="18" charset="0"/>
-                          <a:ea typeface="Yu Mincho" panose="02020400000000000000" pitchFamily="18" charset="-128"/>
-                          <a:cs typeface="Calibri" panose="020F0502020204030204" pitchFamily="34" charset="0"/>
-                        </a:rPr>
-                        <m:t>⁡</m:t>
-                      </m:r>
-                      <m:r>
-                        <a:rPr lang="en-US" sz="1800" i="1">
-                          <a:effectLst/>
-                          <a:latin typeface="Cambria Math" panose="02040503050406030204" pitchFamily="18" charset="0"/>
-                          <a:ea typeface="Yu Mincho" panose="02020400000000000000" pitchFamily="18" charset="-128"/>
-                          <a:cs typeface="Calibri" panose="020F0502020204030204" pitchFamily="34" charset="0"/>
-                        </a:rPr>
-                        <m:t>(</m:t>
-                      </m:r>
-                      <m:r>
-                        <a:rPr lang="en-US" sz="1800" i="1">
-                          <a:effectLst/>
-                          <a:latin typeface="Cambria Math" panose="02040503050406030204" pitchFamily="18" charset="0"/>
-                          <a:ea typeface="Yu Mincho" panose="02020400000000000000" pitchFamily="18" charset="-128"/>
-                          <a:cs typeface="Calibri" panose="020F0502020204030204" pitchFamily="34" charset="0"/>
-                        </a:rPr>
-                        <m:t>h</m:t>
-                      </m:r>
-                      <m:d>
-                        <m:dPr>
-                          <m:ctrlPr>
-                            <a:rPr lang="en-US" sz="1800" i="1">
-                              <a:effectLst/>
-                              <a:latin typeface="Cambria Math" panose="02040503050406030204" pitchFamily="18" charset="0"/>
-                              <a:ea typeface="Yu Mincho" panose="02020400000000000000" pitchFamily="18" charset="-128"/>
-                              <a:cs typeface="Calibri" panose="020F0502020204030204" pitchFamily="34" charset="0"/>
-                            </a:rPr>
-                          </m:ctrlPr>
-                        </m:dPr>
-                        <m:e>
-                          <m:sSup>
-                            <m:sSupPr>
-                              <m:ctrlPr>
-                                <a:rPr lang="en-US" sz="1800" i="1">
-                                  <a:effectLst/>
-                                  <a:latin typeface="Cambria Math" panose="02040503050406030204" pitchFamily="18" charset="0"/>
-                                  <a:ea typeface="Yu Mincho" panose="02020400000000000000" pitchFamily="18" charset="-128"/>
-                                  <a:cs typeface="Calibri" panose="020F0502020204030204" pitchFamily="34" charset="0"/>
-                                </a:rPr>
-                              </m:ctrlPr>
-                            </m:sSupPr>
-                            <m:e>
-                              <m:r>
-                                <a:rPr lang="en-US" sz="1800" i="1">
-                                  <a:effectLst/>
-                                  <a:latin typeface="Cambria Math" panose="02040503050406030204" pitchFamily="18" charset="0"/>
-                                  <a:ea typeface="Yu Mincho" panose="02020400000000000000" pitchFamily="18" charset="-128"/>
-                                  <a:cs typeface="Calibri" panose="020F0502020204030204" pitchFamily="34" charset="0"/>
-                                </a:rPr>
-                                <m:t>𝑥</m:t>
-                              </m:r>
-                            </m:e>
-                            <m:sup>
-                              <m:d>
-                                <m:dPr>
-                                  <m:ctrlPr>
-                                    <a:rPr lang="en-US" sz="1800" i="1">
-                                      <a:effectLst/>
-                                      <a:latin typeface="Cambria Math" panose="02040503050406030204" pitchFamily="18" charset="0"/>
-                                      <a:ea typeface="Yu Mincho" panose="02020400000000000000" pitchFamily="18" charset="-128"/>
-                                      <a:cs typeface="Calibri" panose="020F0502020204030204" pitchFamily="34" charset="0"/>
-                                    </a:rPr>
-                                  </m:ctrlPr>
-                                </m:dPr>
-                                <m:e>
-                                  <m:r>
-                                    <a:rPr lang="en-US" sz="1800" i="1">
-                                      <a:effectLst/>
-                                      <a:latin typeface="Cambria Math" panose="02040503050406030204" pitchFamily="18" charset="0"/>
-                                      <a:ea typeface="Yu Mincho" panose="02020400000000000000" pitchFamily="18" charset="-128"/>
-                                      <a:cs typeface="Calibri" panose="020F0502020204030204" pitchFamily="34" charset="0"/>
-                                    </a:rPr>
-                                    <m:t>𝑖</m:t>
-                                  </m:r>
-                                </m:e>
-                              </m:d>
-                            </m:sup>
-                          </m:sSup>
-                        </m:e>
-                      </m:d>
-                      <m:r>
-                        <a:rPr lang="en-US" sz="1800" i="1">
-                          <a:effectLst/>
-                          <a:latin typeface="Cambria Math" panose="02040503050406030204" pitchFamily="18" charset="0"/>
-                          <a:ea typeface="Yu Mincho" panose="02020400000000000000" pitchFamily="18" charset="-128"/>
-                          <a:cs typeface="Calibri" panose="020F0502020204030204" pitchFamily="34" charset="0"/>
-                        </a:rPr>
-                        <m:t>∗</m:t>
-                      </m:r>
-                      <m:sSup>
-                        <m:sSupPr>
-                          <m:ctrlPr>
-                            <a:rPr lang="en-US" sz="1800" i="1">
-                              <a:effectLst/>
-                              <a:latin typeface="Cambria Math" panose="02040503050406030204" pitchFamily="18" charset="0"/>
-                              <a:ea typeface="Yu Mincho" panose="02020400000000000000" pitchFamily="18" charset="-128"/>
-                              <a:cs typeface="Calibri" panose="020F0502020204030204" pitchFamily="34" charset="0"/>
-                            </a:rPr>
-                          </m:ctrlPr>
-                        </m:sSupPr>
-                        <m:e>
-                          <m:r>
-                            <a:rPr lang="en-US" sz="1800" i="1">
-                              <a:effectLst/>
-                              <a:latin typeface="Cambria Math" panose="02040503050406030204" pitchFamily="18" charset="0"/>
-                              <a:ea typeface="Yu Mincho" panose="02020400000000000000" pitchFamily="18" charset="-128"/>
-                              <a:cs typeface="Calibri" panose="020F0502020204030204" pitchFamily="34" charset="0"/>
-                            </a:rPr>
-                            <m:t>𝑦</m:t>
-                          </m:r>
-                        </m:e>
-                        <m:sup>
-                          <m:d>
-                            <m:dPr>
-                              <m:ctrlPr>
-                                <a:rPr lang="en-US" sz="1800" i="1">
-                                  <a:effectLst/>
-                                  <a:latin typeface="Cambria Math" panose="02040503050406030204" pitchFamily="18" charset="0"/>
-                                  <a:ea typeface="Yu Mincho" panose="02020400000000000000" pitchFamily="18" charset="-128"/>
-                                  <a:cs typeface="Calibri" panose="020F0502020204030204" pitchFamily="34" charset="0"/>
-                                </a:rPr>
-                              </m:ctrlPr>
-                            </m:dPr>
-                            <m:e>
-                              <m:r>
-                                <a:rPr lang="en-US" sz="1800" i="1">
-                                  <a:effectLst/>
-                                  <a:latin typeface="Cambria Math" panose="02040503050406030204" pitchFamily="18" charset="0"/>
-                                  <a:ea typeface="Yu Mincho" panose="02020400000000000000" pitchFamily="18" charset="-128"/>
-                                  <a:cs typeface="Calibri" panose="020F0502020204030204" pitchFamily="34" charset="0"/>
-                                </a:rPr>
-                                <m:t>𝑖</m:t>
-                              </m:r>
-                            </m:e>
-                          </m:d>
-                        </m:sup>
-                      </m:sSup>
-                      <m:r>
-                        <a:rPr lang="en-US" sz="1800" i="1">
-                          <a:effectLst/>
-                          <a:latin typeface="Cambria Math" panose="02040503050406030204" pitchFamily="18" charset="0"/>
-                          <a:ea typeface="Yu Mincho" panose="02020400000000000000" pitchFamily="18" charset="-128"/>
-                          <a:cs typeface="Calibri" panose="020F0502020204030204" pitchFamily="34" charset="0"/>
-                        </a:rPr>
-                        <m:t>+</m:t>
-                      </m:r>
-                      <m:sSub>
-                        <m:sSubPr>
-                          <m:ctrlPr>
-                            <a:rPr lang="en-US" sz="1800" i="1">
-                              <a:effectLst/>
-                              <a:latin typeface="Cambria Math" panose="02040503050406030204" pitchFamily="18" charset="0"/>
-                              <a:ea typeface="Yu Mincho" panose="02020400000000000000" pitchFamily="18" charset="-128"/>
-                              <a:cs typeface="Calibri" panose="020F0502020204030204" pitchFamily="34" charset="0"/>
-                            </a:rPr>
-                          </m:ctrlPr>
-                        </m:sSubPr>
-                        <m:e>
-                          <m:r>
-                            <a:rPr lang="en-US" sz="1800" i="1">
-                              <a:effectLst/>
-                              <a:latin typeface="Cambria Math" panose="02040503050406030204" pitchFamily="18" charset="0"/>
-                              <a:ea typeface="Yu Mincho" panose="02020400000000000000" pitchFamily="18" charset="-128"/>
-                              <a:cs typeface="Calibri" panose="020F0502020204030204" pitchFamily="34" charset="0"/>
-                            </a:rPr>
-                            <m:t>𝑤</m:t>
-                          </m:r>
-                        </m:e>
-                        <m:sub>
-                          <m:r>
-                            <a:rPr lang="en-US" sz="1800" i="1">
-                              <a:effectLst/>
-                              <a:latin typeface="Cambria Math" panose="02040503050406030204" pitchFamily="18" charset="0"/>
-                              <a:ea typeface="Yu Mincho" panose="02020400000000000000" pitchFamily="18" charset="-128"/>
-                              <a:cs typeface="Calibri" panose="020F0502020204030204" pitchFamily="34" charset="0"/>
-                            </a:rPr>
-                            <m:t>1</m:t>
-                          </m:r>
-                        </m:sub>
-                      </m:sSub>
-                      <m:r>
-                        <a:rPr lang="en-US" sz="1800" i="1">
-                          <a:effectLst/>
-                          <a:latin typeface="Cambria Math" panose="02040503050406030204" pitchFamily="18" charset="0"/>
-                          <a:ea typeface="Yu Mincho" panose="02020400000000000000" pitchFamily="18" charset="-128"/>
-                          <a:cs typeface="Calibri" panose="020F0502020204030204" pitchFamily="34" charset="0"/>
-                        </a:rPr>
-                        <m:t>∗</m:t>
-                      </m:r>
-                      <m:d>
-                        <m:dPr>
-                          <m:ctrlPr>
-                            <a:rPr lang="en-US" sz="1800" i="1">
-                              <a:effectLst/>
-                              <a:latin typeface="Cambria Math" panose="02040503050406030204" pitchFamily="18" charset="0"/>
-                              <a:ea typeface="Yu Mincho" panose="02020400000000000000" pitchFamily="18" charset="-128"/>
-                              <a:cs typeface="Calibri" panose="020F0502020204030204" pitchFamily="34" charset="0"/>
-                            </a:rPr>
-                          </m:ctrlPr>
-                        </m:dPr>
-                        <m:e>
-                          <m:r>
-                            <a:rPr lang="en-US" sz="1800" i="1">
-                              <a:effectLst/>
-                              <a:latin typeface="Cambria Math" panose="02040503050406030204" pitchFamily="18" charset="0"/>
-                              <a:ea typeface="Yu Mincho" panose="02020400000000000000" pitchFamily="18" charset="-128"/>
-                              <a:cs typeface="Calibri" panose="020F0502020204030204" pitchFamily="34" charset="0"/>
-                            </a:rPr>
-                            <m:t>1−</m:t>
-                          </m:r>
-                          <m:sSup>
-                            <m:sSupPr>
-                              <m:ctrlPr>
-                                <a:rPr lang="en-US" sz="1800" i="1">
-                                  <a:effectLst/>
-                                  <a:latin typeface="Cambria Math" panose="02040503050406030204" pitchFamily="18" charset="0"/>
-                                  <a:ea typeface="Yu Mincho" panose="02020400000000000000" pitchFamily="18" charset="-128"/>
-                                  <a:cs typeface="Calibri" panose="020F0502020204030204" pitchFamily="34" charset="0"/>
-                                </a:rPr>
-                              </m:ctrlPr>
-                            </m:sSupPr>
-                            <m:e>
-                              <m:r>
-                                <a:rPr lang="en-US" sz="1800" i="1">
-                                  <a:effectLst/>
-                                  <a:latin typeface="Cambria Math" panose="02040503050406030204" pitchFamily="18" charset="0"/>
-                                  <a:ea typeface="Yu Mincho" panose="02020400000000000000" pitchFamily="18" charset="-128"/>
-                                  <a:cs typeface="Calibri" panose="020F0502020204030204" pitchFamily="34" charset="0"/>
-                                </a:rPr>
-                                <m:t>𝑦</m:t>
-                              </m:r>
-                            </m:e>
-                            <m:sup>
-                              <m:d>
-                                <m:dPr>
-                                  <m:ctrlPr>
-                                    <a:rPr lang="en-US" sz="1800" i="1">
-                                      <a:effectLst/>
-                                      <a:latin typeface="Cambria Math" panose="02040503050406030204" pitchFamily="18" charset="0"/>
-                                      <a:ea typeface="Yu Mincho" panose="02020400000000000000" pitchFamily="18" charset="-128"/>
-                                      <a:cs typeface="Calibri" panose="020F0502020204030204" pitchFamily="34" charset="0"/>
-                                    </a:rPr>
-                                  </m:ctrlPr>
-                                </m:dPr>
-                                <m:e>
-                                  <m:r>
-                                    <a:rPr lang="en-US" sz="1800" i="1">
-                                      <a:effectLst/>
-                                      <a:latin typeface="Cambria Math" panose="02040503050406030204" pitchFamily="18" charset="0"/>
-                                      <a:ea typeface="Yu Mincho" panose="02020400000000000000" pitchFamily="18" charset="-128"/>
-                                      <a:cs typeface="Calibri" panose="020F0502020204030204" pitchFamily="34" charset="0"/>
-                                    </a:rPr>
-                                    <m:t>𝑖</m:t>
-                                  </m:r>
-                                </m:e>
-                              </m:d>
-                            </m:sup>
-                          </m:sSup>
-                        </m:e>
-                      </m:d>
-                      <m:r>
-                        <a:rPr lang="en-US" sz="1800" i="1">
-                          <a:effectLst/>
-                          <a:latin typeface="Cambria Math" panose="02040503050406030204" pitchFamily="18" charset="0"/>
-                          <a:ea typeface="Yu Mincho" panose="02020400000000000000" pitchFamily="18" charset="-128"/>
-                          <a:cs typeface="Calibri" panose="020F0502020204030204" pitchFamily="34" charset="0"/>
-                        </a:rPr>
-                        <m:t>∗</m:t>
-                      </m:r>
-                      <m:func>
-                        <m:funcPr>
-                          <m:ctrlPr>
-                            <a:rPr lang="en-US" sz="1800" i="1">
-                              <a:effectLst/>
-                              <a:latin typeface="Cambria Math" panose="02040503050406030204" pitchFamily="18" charset="0"/>
-                              <a:ea typeface="Yu Mincho" panose="02020400000000000000" pitchFamily="18" charset="-128"/>
-                              <a:cs typeface="Calibri" panose="020F0502020204030204" pitchFamily="34" charset="0"/>
-                            </a:rPr>
-                          </m:ctrlPr>
-                        </m:funcPr>
-                        <m:fName>
-                          <m:r>
-                            <m:rPr>
-                              <m:sty m:val="p"/>
-                            </m:rPr>
-                            <a:rPr lang="en-US" sz="1800">
-                              <a:effectLst/>
-                              <a:latin typeface="Cambria Math" panose="02040503050406030204" pitchFamily="18" charset="0"/>
-                              <a:ea typeface="Yu Mincho" panose="02020400000000000000" pitchFamily="18" charset="-128"/>
-                              <a:cs typeface="Calibri" panose="020F0502020204030204" pitchFamily="34" charset="0"/>
-                            </a:rPr>
-                            <m:t>log</m:t>
-                          </m:r>
-                        </m:fName>
-                        <m:e>
-                          <m:d>
-                            <m:dPr>
-                              <m:endChr m:val="]"/>
-                              <m:ctrlPr>
-                                <a:rPr lang="en-US" sz="1800" i="1">
-                                  <a:effectLst/>
-                                  <a:latin typeface="Cambria Math" panose="02040503050406030204" pitchFamily="18" charset="0"/>
-                                  <a:ea typeface="Yu Mincho" panose="02020400000000000000" pitchFamily="18" charset="-128"/>
-                                  <a:cs typeface="Calibri" panose="020F0502020204030204" pitchFamily="34" charset="0"/>
-                                </a:rPr>
-                              </m:ctrlPr>
-                            </m:dPr>
-                            <m:e>
-                              <m:r>
-                                <a:rPr lang="en-US" sz="1800" i="1">
-                                  <a:effectLst/>
-                                  <a:latin typeface="Cambria Math" panose="02040503050406030204" pitchFamily="18" charset="0"/>
-                                  <a:ea typeface="Yu Mincho" panose="02020400000000000000" pitchFamily="18" charset="-128"/>
-                                  <a:cs typeface="Calibri" panose="020F0502020204030204" pitchFamily="34" charset="0"/>
-                                </a:rPr>
-                                <m:t>1−</m:t>
-                              </m:r>
-                              <m:r>
-                                <a:rPr lang="en-US" sz="1800" i="1">
-                                  <a:effectLst/>
-                                  <a:latin typeface="Cambria Math" panose="02040503050406030204" pitchFamily="18" charset="0"/>
-                                  <a:ea typeface="Yu Mincho" panose="02020400000000000000" pitchFamily="18" charset="-128"/>
-                                  <a:cs typeface="Calibri" panose="020F0502020204030204" pitchFamily="34" charset="0"/>
-                                </a:rPr>
-                                <m:t>h</m:t>
-                              </m:r>
-                              <m:d>
-                                <m:dPr>
-                                  <m:ctrlPr>
-                                    <a:rPr lang="en-US" sz="1800" i="1">
-                                      <a:effectLst/>
-                                      <a:latin typeface="Cambria Math" panose="02040503050406030204" pitchFamily="18" charset="0"/>
-                                      <a:ea typeface="Yu Mincho" panose="02020400000000000000" pitchFamily="18" charset="-128"/>
-                                      <a:cs typeface="Calibri" panose="020F0502020204030204" pitchFamily="34" charset="0"/>
-                                    </a:rPr>
-                                  </m:ctrlPr>
-                                </m:dPr>
-                                <m:e>
-                                  <m:sSup>
-                                    <m:sSupPr>
-                                      <m:ctrlPr>
-                                        <a:rPr lang="en-US" sz="1800" i="1">
-                                          <a:effectLst/>
-                                          <a:latin typeface="Cambria Math" panose="02040503050406030204" pitchFamily="18" charset="0"/>
-                                          <a:ea typeface="Yu Mincho" panose="02020400000000000000" pitchFamily="18" charset="-128"/>
-                                          <a:cs typeface="Calibri" panose="020F0502020204030204" pitchFamily="34" charset="0"/>
-                                        </a:rPr>
-                                      </m:ctrlPr>
-                                    </m:sSupPr>
-                                    <m:e>
-                                      <m:r>
-                                        <a:rPr lang="en-US" sz="1800" i="1">
-                                          <a:effectLst/>
-                                          <a:latin typeface="Cambria Math" panose="02040503050406030204" pitchFamily="18" charset="0"/>
-                                          <a:ea typeface="Yu Mincho" panose="02020400000000000000" pitchFamily="18" charset="-128"/>
-                                          <a:cs typeface="Calibri" panose="020F0502020204030204" pitchFamily="34" charset="0"/>
-                                        </a:rPr>
-                                        <m:t>𝑥</m:t>
-                                      </m:r>
-                                    </m:e>
-                                    <m:sup>
-                                      <m:d>
-                                        <m:dPr>
-                                          <m:ctrlPr>
-                                            <a:rPr lang="en-US" sz="1800" i="1">
-                                              <a:effectLst/>
-                                              <a:latin typeface="Cambria Math" panose="02040503050406030204" pitchFamily="18" charset="0"/>
-                                              <a:ea typeface="Yu Mincho" panose="02020400000000000000" pitchFamily="18" charset="-128"/>
-                                              <a:cs typeface="Calibri" panose="020F0502020204030204" pitchFamily="34" charset="0"/>
-                                            </a:rPr>
-                                          </m:ctrlPr>
-                                        </m:dPr>
-                                        <m:e>
-                                          <m:r>
-                                            <a:rPr lang="en-US" sz="1800" i="1">
-                                              <a:effectLst/>
-                                              <a:latin typeface="Cambria Math" panose="02040503050406030204" pitchFamily="18" charset="0"/>
-                                              <a:ea typeface="Yu Mincho" panose="02020400000000000000" pitchFamily="18" charset="-128"/>
-                                              <a:cs typeface="Calibri" panose="020F0502020204030204" pitchFamily="34" charset="0"/>
-                                            </a:rPr>
-                                            <m:t>𝑖</m:t>
-                                          </m:r>
-                                        </m:e>
-                                      </m:d>
-                                    </m:sup>
-                                  </m:sSup>
-                                </m:e>
-                              </m:d>
-                            </m:e>
-                          </m:d>
-                        </m:e>
-                      </m:func>
-                      <m:r>
-                        <a:rPr lang="en-US" sz="1800" i="1">
-                          <a:effectLst/>
-                          <a:latin typeface="Cambria Math" panose="02040503050406030204" pitchFamily="18" charset="0"/>
-                          <a:ea typeface="Yu Mincho" panose="02020400000000000000" pitchFamily="18" charset="-128"/>
-                          <a:cs typeface="Calibri" panose="020F0502020204030204" pitchFamily="34" charset="0"/>
-                        </a:rPr>
-                        <m:t>+ </m:t>
-                      </m:r>
-                      <m:f>
-                        <m:fPr>
-                          <m:ctrlPr>
-                            <a:rPr lang="en-US" sz="1800" i="1">
-                              <a:effectLst/>
-                              <a:latin typeface="Cambria Math" panose="02040503050406030204" pitchFamily="18" charset="0"/>
-                              <a:ea typeface="Yu Mincho" panose="02020400000000000000" pitchFamily="18" charset="-128"/>
-                              <a:cs typeface="Calibri" panose="020F0502020204030204" pitchFamily="34" charset="0"/>
-                            </a:rPr>
-                          </m:ctrlPr>
-                        </m:fPr>
-                        <m:num>
-                          <m:r>
-                            <a:rPr lang="en-US" sz="1800" i="1">
-                              <a:effectLst/>
-                              <a:latin typeface="Cambria Math" panose="02040503050406030204" pitchFamily="18" charset="0"/>
-                              <a:ea typeface="Yu Mincho" panose="02020400000000000000" pitchFamily="18" charset="-128"/>
-                              <a:cs typeface="Calibri" panose="020F0502020204030204" pitchFamily="34" charset="0"/>
-                            </a:rPr>
-                            <m:t>𝜆</m:t>
-                          </m:r>
-                        </m:num>
-                        <m:den>
-                          <m:r>
-                            <a:rPr lang="en-US" sz="1800" i="1">
-                              <a:effectLst/>
-                              <a:latin typeface="Cambria Math" panose="02040503050406030204" pitchFamily="18" charset="0"/>
-                              <a:ea typeface="Yu Mincho" panose="02020400000000000000" pitchFamily="18" charset="-128"/>
-                              <a:cs typeface="Calibri" panose="020F0502020204030204" pitchFamily="34" charset="0"/>
-                            </a:rPr>
-                            <m:t>2</m:t>
-                          </m:r>
-                          <m:r>
-                            <a:rPr lang="en-US" sz="1800" i="1">
-                              <a:effectLst/>
-                              <a:latin typeface="Cambria Math" panose="02040503050406030204" pitchFamily="18" charset="0"/>
-                              <a:ea typeface="Yu Mincho" panose="02020400000000000000" pitchFamily="18" charset="-128"/>
-                              <a:cs typeface="Calibri" panose="020F0502020204030204" pitchFamily="34" charset="0"/>
-                            </a:rPr>
-                            <m:t>𝑚</m:t>
-                          </m:r>
-                        </m:den>
-                      </m:f>
-                      <m:sSup>
-                        <m:sSupPr>
-                          <m:ctrlPr>
-                            <a:rPr lang="en-US" sz="1800" i="1">
-                              <a:effectLst/>
-                              <a:latin typeface="Cambria Math" panose="02040503050406030204" pitchFamily="18" charset="0"/>
-                              <a:ea typeface="Yu Mincho" panose="02020400000000000000" pitchFamily="18" charset="-128"/>
-                              <a:cs typeface="Calibri" panose="020F0502020204030204" pitchFamily="34" charset="0"/>
-                            </a:rPr>
-                          </m:ctrlPr>
-                        </m:sSupPr>
-                        <m:e>
-                          <m:r>
-                            <a:rPr lang="en-US" sz="1800" i="1">
-                              <a:effectLst/>
-                              <a:latin typeface="Cambria Math" panose="02040503050406030204" pitchFamily="18" charset="0"/>
-                              <a:ea typeface="Yu Mincho" panose="02020400000000000000" pitchFamily="18" charset="-128"/>
-                              <a:cs typeface="Calibri" panose="020F0502020204030204" pitchFamily="34" charset="0"/>
-                            </a:rPr>
-                            <m:t>𝛽</m:t>
-                          </m:r>
-                        </m:e>
-                        <m:sup>
-                          <m:r>
-                            <a:rPr lang="en-US" sz="1800" i="1">
-                              <a:effectLst/>
-                              <a:latin typeface="Cambria Math" panose="02040503050406030204" pitchFamily="18" charset="0"/>
-                              <a:ea typeface="Yu Mincho" panose="02020400000000000000" pitchFamily="18" charset="-128"/>
-                              <a:cs typeface="Calibri" panose="020F0502020204030204" pitchFamily="34" charset="0"/>
-                            </a:rPr>
-                            <m:t>𝑇</m:t>
-                          </m:r>
-                        </m:sup>
-                      </m:sSup>
-                      <m:r>
-                        <a:rPr lang="en-US" sz="1800" i="1">
-                          <a:effectLst/>
-                          <a:latin typeface="Cambria Math" panose="02040503050406030204" pitchFamily="18" charset="0"/>
-                          <a:ea typeface="Yu Mincho" panose="02020400000000000000" pitchFamily="18" charset="-128"/>
-                          <a:cs typeface="Calibri" panose="020F0502020204030204" pitchFamily="34" charset="0"/>
-                        </a:rPr>
-                        <m:t>𝛽</m:t>
-                      </m:r>
-                    </m:oMath>
-                  </m:oMathPara>
-                </a14:m>
-                <a:endParaRPr lang="en-US" sz="1800" dirty="0">
-                  <a:effectLst/>
-                  <a:latin typeface="Calibri" panose="020F0502020204030204" pitchFamily="34" charset="0"/>
-                  <a:ea typeface="Yu Mincho" panose="02020400000000000000" pitchFamily="18" charset="-128"/>
-                  <a:cs typeface="Calibri" panose="020F0502020204030204" pitchFamily="34" charset="0"/>
-                </a:endParaRPr>
-              </a:p>
-              <a:p>
-                <a:pPr marL="342900" marR="0" lvl="0" indent="-342900" algn="just" fontAlgn="base">
-                  <a:lnSpc>
-                    <a:spcPct val="107000"/>
-                  </a:lnSpc>
-                  <a:spcBef>
-                    <a:spcPts val="0"/>
-                  </a:spcBef>
-                  <a:spcAft>
-                    <a:spcPts val="0"/>
-                  </a:spcAft>
-                  <a:buSzPts val="1000"/>
-                  <a:buFont typeface="Symbol" panose="05050102010706020507" pitchFamily="18" charset="2"/>
-                  <a:buChar char=""/>
-                  <a:tabLst>
-                    <a:tab pos="457200" algn="l"/>
-                  </a:tabLst>
-                </a:pPr>
-                <a:r>
-                  <a:rPr lang="en-US" sz="1800" dirty="0">
-                    <a:solidFill>
-                      <a:srgbClr val="000000"/>
-                    </a:solidFill>
-                    <a:effectLst/>
-                    <a:latin typeface="Calibri" panose="020F0502020204030204" pitchFamily="34" charset="0"/>
-                    <a:ea typeface="Yu Mincho" panose="02020400000000000000" pitchFamily="18" charset="-128"/>
-                    <a:cs typeface="Calibri" panose="020F0502020204030204" pitchFamily="34" charset="0"/>
-                  </a:rPr>
-                  <a:t>w0, w1 are the weight apply to class 0 and 1 respectively. To fix imbalanced data problem, the algorithm will assign the higher weight to the class with less data in the training set. In </a:t>
-                </a:r>
-                <a:r>
-                  <a:rPr lang="en-US" sz="1800" dirty="0" err="1">
-                    <a:solidFill>
-                      <a:srgbClr val="000000"/>
-                    </a:solidFill>
-                    <a:effectLst/>
-                    <a:latin typeface="Calibri" panose="020F0502020204030204" pitchFamily="34" charset="0"/>
-                    <a:ea typeface="Yu Mincho" panose="02020400000000000000" pitchFamily="18" charset="-128"/>
-                    <a:cs typeface="Calibri" panose="020F0502020204030204" pitchFamily="34" charset="0"/>
-                  </a:rPr>
-                  <a:t>sklearn</a:t>
-                </a:r>
-                <a:r>
-                  <a:rPr lang="en-US" sz="1800" dirty="0">
-                    <a:solidFill>
-                      <a:srgbClr val="000000"/>
-                    </a:solidFill>
-                    <a:effectLst/>
-                    <a:latin typeface="Calibri" panose="020F0502020204030204" pitchFamily="34" charset="0"/>
-                    <a:ea typeface="Yu Mincho" panose="02020400000000000000" pitchFamily="18" charset="-128"/>
-                    <a:cs typeface="Calibri" panose="020F0502020204030204" pitchFamily="34" charset="0"/>
-                  </a:rPr>
-                  <a:t>, the weight for each class when apply </a:t>
-                </a:r>
-                <a:r>
-                  <a:rPr lang="en-US" sz="1800" dirty="0" err="1">
-                    <a:solidFill>
-                      <a:srgbClr val="000000"/>
-                    </a:solidFill>
-                    <a:effectLst/>
-                    <a:latin typeface="Calibri" panose="020F0502020204030204" pitchFamily="34" charset="0"/>
-                    <a:ea typeface="Yu Mincho" panose="02020400000000000000" pitchFamily="18" charset="-128"/>
-                    <a:cs typeface="Calibri" panose="020F0502020204030204" pitchFamily="34" charset="0"/>
-                  </a:rPr>
-                  <a:t>class_weight</a:t>
-                </a:r>
-                <a:r>
-                  <a:rPr lang="en-US" sz="1800" dirty="0">
-                    <a:solidFill>
-                      <a:srgbClr val="000000"/>
-                    </a:solidFill>
-                    <a:effectLst/>
-                    <a:latin typeface="Calibri" panose="020F0502020204030204" pitchFamily="34" charset="0"/>
-                    <a:ea typeface="Yu Mincho" panose="02020400000000000000" pitchFamily="18" charset="-128"/>
-                    <a:cs typeface="Calibri" panose="020F0502020204030204" pitchFamily="34" charset="0"/>
-                  </a:rPr>
-                  <a:t> = “balanced” is calculated as: </a:t>
-                </a:r>
-              </a:p>
-              <a:p>
-                <a:pPr marR="0" lvl="0" algn="ctr" fontAlgn="base">
-                  <a:lnSpc>
-                    <a:spcPct val="107000"/>
-                  </a:lnSpc>
-                  <a:spcBef>
-                    <a:spcPts val="0"/>
-                  </a:spcBef>
-                  <a:spcAft>
-                    <a:spcPts val="0"/>
-                  </a:spcAft>
-                  <a:buSzPts val="1000"/>
-                  <a:tabLst>
-                    <a:tab pos="457200" algn="l"/>
-                  </a:tabLst>
-                </a:pPr>
-                <a:r>
-                  <a:rPr lang="en-US" sz="1800" i="1" dirty="0" err="1">
-                    <a:solidFill>
-                      <a:srgbClr val="000000"/>
-                    </a:solidFill>
-                    <a:effectLst/>
-                    <a:latin typeface="Calibri" panose="020F0502020204030204" pitchFamily="34" charset="0"/>
-                    <a:ea typeface="Times New Roman" panose="02020603050405020304" pitchFamily="18" charset="0"/>
-                    <a:cs typeface="Calibri" panose="020F0502020204030204" pitchFamily="34" charset="0"/>
-                  </a:rPr>
-                  <a:t>n_samples</a:t>
-                </a:r>
-                <a:r>
-                  <a:rPr lang="en-US" sz="1800" i="1" dirty="0">
-                    <a:solidFill>
-                      <a:srgbClr val="000000"/>
-                    </a:solidFill>
-                    <a:effectLst/>
-                    <a:latin typeface="Calibri" panose="020F0502020204030204" pitchFamily="34" charset="0"/>
-                    <a:ea typeface="Times New Roman" panose="02020603050405020304" pitchFamily="18" charset="0"/>
-                    <a:cs typeface="Calibri" panose="020F0502020204030204" pitchFamily="34" charset="0"/>
-                  </a:rPr>
-                  <a:t> / (</a:t>
-                </a:r>
-                <a:r>
-                  <a:rPr lang="en-US" sz="1800" i="1" dirty="0" err="1">
-                    <a:solidFill>
-                      <a:srgbClr val="000000"/>
-                    </a:solidFill>
-                    <a:effectLst/>
-                    <a:latin typeface="Calibri" panose="020F0502020204030204" pitchFamily="34" charset="0"/>
-                    <a:ea typeface="Times New Roman" panose="02020603050405020304" pitchFamily="18" charset="0"/>
-                    <a:cs typeface="Calibri" panose="020F0502020204030204" pitchFamily="34" charset="0"/>
-                  </a:rPr>
-                  <a:t>n_classes</a:t>
-                </a:r>
-                <a:r>
-                  <a:rPr lang="en-US" sz="1800" i="1" dirty="0">
-                    <a:solidFill>
-                      <a:srgbClr val="000000"/>
-                    </a:solidFill>
-                    <a:effectLst/>
-                    <a:latin typeface="Calibri" panose="020F0502020204030204" pitchFamily="34" charset="0"/>
-                    <a:ea typeface="Times New Roman" panose="02020603050405020304" pitchFamily="18" charset="0"/>
-                    <a:cs typeface="Calibri" panose="020F0502020204030204" pitchFamily="34" charset="0"/>
-                  </a:rPr>
-                  <a:t> * </a:t>
-                </a:r>
-                <a:r>
-                  <a:rPr lang="en-US" sz="1800" i="1" dirty="0" err="1">
-                    <a:solidFill>
-                      <a:srgbClr val="000000"/>
-                    </a:solidFill>
-                    <a:effectLst/>
-                    <a:latin typeface="Calibri" panose="020F0502020204030204" pitchFamily="34" charset="0"/>
-                    <a:ea typeface="Times New Roman" panose="02020603050405020304" pitchFamily="18" charset="0"/>
-                    <a:cs typeface="Calibri" panose="020F0502020204030204" pitchFamily="34" charset="0"/>
-                  </a:rPr>
-                  <a:t>n_samples_with_class</a:t>
-                </a:r>
-                <a:r>
-                  <a:rPr lang="en-US" sz="1800" i="1" dirty="0">
-                    <a:solidFill>
-                      <a:srgbClr val="000000"/>
-                    </a:solidFill>
-                    <a:effectLst/>
-                    <a:latin typeface="Calibri" panose="020F0502020204030204" pitchFamily="34" charset="0"/>
-                    <a:ea typeface="Times New Roman" panose="02020603050405020304" pitchFamily="18" charset="0"/>
-                    <a:cs typeface="Calibri" panose="020F0502020204030204" pitchFamily="34" charset="0"/>
-                  </a:rPr>
-                  <a:t>)</a:t>
-                </a:r>
-                <a:r>
-                  <a:rPr lang="en-US" sz="1800" dirty="0">
-                    <a:solidFill>
-                      <a:srgbClr val="000000"/>
-                    </a:solidFill>
-                    <a:effectLst/>
-                    <a:latin typeface="Calibri" panose="020F0502020204030204" pitchFamily="34" charset="0"/>
-                    <a:ea typeface="Times New Roman" panose="02020603050405020304" pitchFamily="18" charset="0"/>
-                    <a:cs typeface="Calibri" panose="020F0502020204030204" pitchFamily="34" charset="0"/>
-                  </a:rPr>
-                  <a:t>.</a:t>
-                </a:r>
-              </a:p>
-              <a:p>
-                <a:pPr marR="0" lvl="0" algn="ctr" fontAlgn="base">
-                  <a:lnSpc>
-                    <a:spcPct val="107000"/>
-                  </a:lnSpc>
-                  <a:spcBef>
-                    <a:spcPts val="0"/>
-                  </a:spcBef>
-                  <a:spcAft>
-                    <a:spcPts val="0"/>
-                  </a:spcAft>
-                  <a:buSzPts val="1000"/>
-                  <a:tabLst>
-                    <a:tab pos="457200" algn="l"/>
-                  </a:tabLst>
-                </a:pPr>
-                <a:endParaRPr lang="en-US" sz="1800" dirty="0">
-                  <a:effectLst/>
-                  <a:latin typeface="Calibri" panose="020F0502020204030204" pitchFamily="34" charset="0"/>
-                  <a:ea typeface="Yu Mincho" panose="02020400000000000000" pitchFamily="18" charset="-128"/>
-                  <a:cs typeface="Calibri" panose="020F0502020204030204" pitchFamily="34" charset="0"/>
-                </a:endParaRPr>
-              </a:p>
-              <a:p>
-                <a:pPr marL="342900" marR="0" lvl="0" indent="-342900" algn="just" fontAlgn="base">
-                  <a:lnSpc>
-                    <a:spcPct val="107000"/>
-                  </a:lnSpc>
-                  <a:spcBef>
-                    <a:spcPts val="0"/>
-                  </a:spcBef>
-                  <a:spcAft>
-                    <a:spcPts val="800"/>
-                  </a:spcAft>
-                  <a:buSzPts val="1000"/>
-                  <a:buFont typeface="Symbol" panose="05050102010706020507" pitchFamily="18" charset="2"/>
-                  <a:buChar char=""/>
-                  <a:tabLst>
-                    <a:tab pos="457200" algn="l"/>
-                  </a:tabLst>
-                </a:pPr>
-                <a:r>
-                  <a:rPr lang="en-US" sz="1800" dirty="0">
-                    <a:solidFill>
-                      <a:srgbClr val="000000"/>
-                    </a:solidFill>
-                    <a:effectLst/>
-                    <a:latin typeface="Calibri" panose="020F0502020204030204" pitchFamily="34" charset="0"/>
-                    <a:ea typeface="Yu Mincho" panose="02020400000000000000" pitchFamily="18" charset="-128"/>
-                    <a:cs typeface="Calibri" panose="020F0502020204030204" pitchFamily="34" charset="0"/>
-                  </a:rPr>
-                  <a:t>λ is the regularization coefficient, larger λ will lead to a model that is less overfitted. In scikit-learn implementation, they use a coefficient C which is proportional to the inverse of λ which has the reversed effect (larger C imply higher variance).</a:t>
-                </a:r>
-                <a:endParaRPr lang="en-US" sz="1800" dirty="0">
-                  <a:effectLst/>
-                  <a:latin typeface="Calibri" panose="020F0502020204030204" pitchFamily="34" charset="0"/>
-                  <a:ea typeface="Yu Mincho" panose="02020400000000000000" pitchFamily="18" charset="-128"/>
-                  <a:cs typeface="Calibri" panose="020F0502020204030204" pitchFamily="34" charset="0"/>
-                </a:endParaRPr>
-              </a:p>
-              <a:p>
-                <a:pPr algn="just">
-                  <a:lnSpc>
-                    <a:spcPct val="107000"/>
-                  </a:lnSpc>
-                  <a:spcAft>
-                    <a:spcPts val="800"/>
-                  </a:spcAft>
-                </a:pPr>
-                <a:endParaRPr lang="en-US" sz="1800" dirty="0">
-                  <a:effectLst/>
-                  <a:latin typeface="Calibri" panose="020F0502020204030204" pitchFamily="34" charset="0"/>
-                  <a:ea typeface="Yu Mincho" panose="02020400000000000000" pitchFamily="18" charset="-128"/>
-                  <a:cs typeface="Calibri" panose="020F0502020204030204" pitchFamily="34" charset="0"/>
-                </a:endParaRPr>
-              </a:p>
-              <a:p>
-                <a:pPr marL="0" marR="0" algn="just">
-                  <a:lnSpc>
-                    <a:spcPct val="107000"/>
-                  </a:lnSpc>
-                  <a:spcBef>
-                    <a:spcPts val="0"/>
-                  </a:spcBef>
-                  <a:spcAft>
-                    <a:spcPts val="800"/>
-                  </a:spcAft>
-                </a:pPr>
-                <a:endParaRPr lang="en-US" sz="1800" dirty="0">
-                  <a:effectLst/>
-                  <a:latin typeface="Calibri" panose="020F0502020204030204" pitchFamily="34" charset="0"/>
-                  <a:ea typeface="Yu Mincho" panose="02020400000000000000" pitchFamily="18" charset="-128"/>
-                  <a:cs typeface="Calibri" panose="020F0502020204030204" pitchFamily="34" charset="0"/>
-                </a:endParaRPr>
-              </a:p>
-              <a:p>
-                <a:pPr marL="0" marR="0" lvl="0" indent="0" algn="l" defTabSz="914400" rtl="0" eaLnBrk="0" fontAlgn="base" latinLnBrk="0" hangingPunct="0">
-                  <a:lnSpc>
-                    <a:spcPct val="100000"/>
-                  </a:lnSpc>
-                  <a:spcBef>
-                    <a:spcPct val="0"/>
-                  </a:spcBef>
-                  <a:spcAft>
-                    <a:spcPct val="0"/>
-                  </a:spcAft>
-                  <a:buClrTx/>
-                  <a:buSzTx/>
-                  <a:buFontTx/>
-                  <a:buNone/>
-                  <a:tabLst/>
-                </a:pPr>
-                <a:endParaRPr kumimoji="0" lang="en-US" altLang="ja-JP" sz="1800" b="0" i="0" u="none" strike="noStrike" cap="none" normalizeH="0" baseline="0" dirty="0">
-                  <a:ln>
-                    <a:noFill/>
-                  </a:ln>
-                  <a:solidFill>
-                    <a:schemeClr val="tx1"/>
-                  </a:solidFill>
-                  <a:effectLst/>
-                  <a:latin typeface="Arial" panose="020B0604020202020204" pitchFamily="34" charset="0"/>
-                </a:endParaRPr>
-              </a:p>
-            </p:txBody>
-          </p:sp>
-        </mc:Choice>
-        <mc:Fallback xmlns="">
-          <p:sp>
-            <p:nvSpPr>
-              <p:cNvPr id="7" name="Rectangle 2">
-                <a:extLst>
-                  <a:ext uri="{FF2B5EF4-FFF2-40B4-BE49-F238E27FC236}">
-                    <a16:creationId xmlns:a16="http://schemas.microsoft.com/office/drawing/2014/main" id="{E68DB199-5652-4AB0-9188-D1AEBA0C8E45}"/>
-                  </a:ext>
-                </a:extLst>
-              </p:cNvPr>
-              <p:cNvSpPr>
-                <a:spLocks noRot="1" noChangeAspect="1" noMove="1" noResize="1" noEditPoints="1" noAdjustHandles="1" noChangeArrowheads="1" noChangeShapeType="1" noTextEdit="1"/>
-              </p:cNvSpPr>
-              <p:nvPr/>
-            </p:nvSpPr>
-            <p:spPr bwMode="auto">
-              <a:xfrm>
-                <a:off x="1014060" y="1610911"/>
-                <a:ext cx="9562500" cy="5156348"/>
-              </a:xfrm>
-              <a:prstGeom prst="rect">
-                <a:avLst/>
-              </a:prstGeom>
-              <a:blipFill>
-                <a:blip r:embed="rId2"/>
-                <a:stretch>
-                  <a:fillRect l="-510" r="-574"/>
-                </a:stretch>
-              </a:blipFill>
-              <a:ln>
-                <a:noFill/>
-              </a:ln>
-              <a:effectLst/>
-              <a:extLst>
-                <a:ext uri="{909E8E84-426E-40DD-AFC4-6F175D3DCCD1}">
-                  <a14:hiddenFill xmlns:a14="http://schemas.microsoft.com/office/drawing/2010/main">
-                    <a:solidFill>
-                      <a:schemeClr val="accent1"/>
-                    </a:solidFill>
-                  </a14:hiddenFill>
-                </a:ext>
-                <a:ext uri="{91240B29-F687-4F45-9708-019B960494DF}">
-                  <a14:hiddenLine xmlns:a14="http://schemas.microsoft.com/office/drawing/2010/main" w="9525">
-                    <a:solidFill>
-                      <a:schemeClr val="tx1"/>
-                    </a:solidFill>
-                    <a:miter lim="800000"/>
-                    <a:headEnd/>
-                    <a:tailEnd/>
-                  </a14:hiddenLine>
-                </a:ext>
-                <a:ext uri="{AF507438-7753-43E0-B8FC-AC1667EBCBE1}">
-                  <a14:hiddenEffects xmlns:a14="http://schemas.microsoft.com/office/drawing/2010/main">
-                    <a:effectLst>
-                      <a:outerShdw dist="35921" dir="2700000" algn="ctr" rotWithShape="0">
-                        <a:schemeClr val="bg2"/>
-                      </a:outerShdw>
-                    </a:effectLst>
-                  </a14:hiddenEffects>
-                </a:ext>
-              </a:extLst>
-            </p:spPr>
-            <p:txBody>
-              <a:bodyPr/>
-              <a:lstStyle/>
-              <a:p>
-                <a:r>
-                  <a:rPr lang="en-US">
-                    <a:noFill/>
-                  </a:rPr>
-                  <a:t> </a:t>
-                </a:r>
-              </a:p>
-            </p:txBody>
-          </p:sp>
-        </mc:Fallback>
-      </mc:AlternateContent>
-    </p:spTree>
-    <p:extLst>
-      <p:ext uri="{BB962C8B-B14F-4D97-AF65-F5344CB8AC3E}">
-        <p14:creationId xmlns:p14="http://schemas.microsoft.com/office/powerpoint/2010/main" val="3769394408"/>
-      </p:ext>
-    </p:extLst>
-  </p:cSld>
-  <p:clrMapOvr>
-    <a:masterClrMapping/>
-  </p:clrMapOvr>
-</p:sld>
-</file>
-
-<file path=ppt/slides/slide11.xml><?xml version="1.0" encoding="utf-8"?>
-<p:sld xmlns:a="http://schemas.openxmlformats.org/drawingml/2006/main" xmlns:r="http://schemas.openxmlformats.org/officeDocument/2006/relationships" xmlns:p="http://schemas.openxmlformats.org/presentationml/2006/main">
-  <p:cSld>
-    <p:bg>
-      <p:bgPr>
-        <a:solidFill>
-          <a:schemeClr val="bg1"/>
-        </a:solidFill>
-        <a:effectLst/>
-      </p:bgPr>
-    </p:bg>
-    <p:spTree>
-      <p:nvGrpSpPr>
-        <p:cNvPr id="1" name=""/>
-        <p:cNvGrpSpPr/>
-        <p:nvPr/>
-      </p:nvGrpSpPr>
-      <p:grpSpPr>
-        <a:xfrm>
-          <a:off x="0" y="0"/>
-          <a:ext cx="0" cy="0"/>
-          <a:chOff x="0" y="0"/>
-          <a:chExt cx="0" cy="0"/>
-        </a:xfrm>
-      </p:grpSpPr>
-      <p:sp>
-        <p:nvSpPr>
           <p:cNvPr id="9" name="Rectangle 8">
             <a:extLst>
               <a:ext uri="{FF2B5EF4-FFF2-40B4-BE49-F238E27FC236}">
@@ -5710,7 +4090,22 @@
               </a:rPr>
               <a:t>’</a:t>
             </a:r>
-            <a:endParaRPr lang="en-GB" sz="2000" dirty="0">
+          </a:p>
+          <a:p>
+            <a:pPr marL="0" indent="0">
+              <a:buNone/>
+            </a:pPr>
+            <a:r>
+              <a:rPr lang="en-GB" sz="1800" i="1" dirty="0">
+                <a:effectLst/>
+                <a:latin typeface="Calibri" panose="020F0502020204030204" pitchFamily="34" charset="0"/>
+                <a:ea typeface="Yu Mincho" panose="02020400000000000000" pitchFamily="18" charset="-128"/>
+                <a:cs typeface="Calibri" panose="020F0502020204030204" pitchFamily="34" charset="0"/>
+                <a:hlinkClick r:id="rId2"/>
+              </a:rPr>
+              <a:t>https://en.wikipedia.org/wiki/Limited-memory_BFGS</a:t>
+            </a:r>
+            <a:endParaRPr lang="en-GB" sz="1800" i="1" dirty="0">
               <a:effectLst/>
               <a:latin typeface="Calibri" panose="020F0502020204030204" pitchFamily="34" charset="0"/>
               <a:ea typeface="Yu Mincho" panose="02020400000000000000" pitchFamily="18" charset="-128"/>
@@ -7229,45 +5624,6 @@
           </a:graphicData>
         </a:graphic>
       </p:graphicFrame>
-      <p:pic>
-        <p:nvPicPr>
-          <p:cNvPr id="18" name="Picture 17">
-            <a:extLst>
-              <a:ext uri="{FF2B5EF4-FFF2-40B4-BE49-F238E27FC236}">
-                <a16:creationId xmlns:a16="http://schemas.microsoft.com/office/drawing/2014/main" id="{AB3FCA37-E858-4470-BC8C-2F9037579B66}"/>
-              </a:ext>
-            </a:extLst>
-          </p:cNvPr>
-          <p:cNvPicPr/>
-          <p:nvPr/>
-        </p:nvPicPr>
-        <p:blipFill>
-          <a:blip r:embed="rId2">
-            <a:extLst>
-              <a:ext uri="{28A0092B-C50C-407E-A947-70E740481C1C}">
-                <a14:useLocalDpi xmlns:a14="http://schemas.microsoft.com/office/drawing/2010/main" val="0"/>
-              </a:ext>
-            </a:extLst>
-          </a:blip>
-          <a:srcRect/>
-          <a:stretch>
-            <a:fillRect/>
-          </a:stretch>
-        </p:blipFill>
-        <p:spPr bwMode="auto">
-          <a:xfrm>
-            <a:off x="1245234" y="3573565"/>
-            <a:ext cx="2981325" cy="2958889"/>
-          </a:xfrm>
-          <a:prstGeom prst="rect">
-            <a:avLst/>
-          </a:prstGeom>
-          <a:noFill/>
-          <a:ln>
-            <a:noFill/>
-          </a:ln>
-        </p:spPr>
-      </p:pic>
     </p:spTree>
     <p:extLst>
       <p:ext uri="{BB962C8B-B14F-4D97-AF65-F5344CB8AC3E}">
@@ -7281,7 +5637,7 @@
 </p:sld>
 </file>
 
-<file path=ppt/slides/slide12.xml><?xml version="1.0" encoding="utf-8"?>
+<file path=ppt/slides/slide11.xml><?xml version="1.0" encoding="utf-8"?>
 <p:sld xmlns:a="http://schemas.openxmlformats.org/drawingml/2006/main" xmlns:r="http://schemas.openxmlformats.org/officeDocument/2006/relationships" xmlns:p="http://schemas.openxmlformats.org/presentationml/2006/main">
   <p:cSld>
     <p:bg>
@@ -7406,8 +5762,8 @@
           </a:p>
         </p:txBody>
       </p:sp>
-      <mc:AlternateContent xmlns:mc="http://schemas.openxmlformats.org/markup-compatibility/2006" xmlns:a14="http://schemas.microsoft.com/office/drawing/2010/main">
-        <mc:Choice Requires="a14">
+      <mc:AlternateContent xmlns:mc="http://schemas.openxmlformats.org/markup-compatibility/2006">
+        <mc:Choice xmlns:a14="http://schemas.microsoft.com/office/drawing/2010/main" Requires="a14">
           <p:sp>
             <p:nvSpPr>
               <p:cNvPr id="3" name="Content Placeholder 2">
@@ -7440,7 +5796,7 @@
                   <a:buNone/>
                 </a:pPr>
                 <a:r>
-                  <a:rPr lang="en-US" dirty="0"/>
+                  <a:rPr lang="en-US" b="1" dirty="0"/>
                   <a:t>SVM</a:t>
                 </a:r>
               </a:p>
@@ -8023,7 +6379,7 @@
             </p:txBody>
           </p:sp>
         </mc:Choice>
-        <mc:Fallback xmlns="">
+        <mc:Fallback>
           <p:sp>
             <p:nvSpPr>
               <p:cNvPr id="3" name="Content Placeholder 2">
@@ -8415,14 +6771,14 @@
           </p:txBody>
         </p:sp>
       </p:grpSp>
-      <mc:AlternateContent xmlns:mc="http://schemas.openxmlformats.org/markup-compatibility/2006" xmlns:a14="http://schemas.microsoft.com/office/drawing/2010/main">
-        <mc:Choice Requires="a14">
+      <mc:AlternateContent xmlns:mc="http://schemas.openxmlformats.org/markup-compatibility/2006">
+        <mc:Choice xmlns:a14="http://schemas.microsoft.com/office/drawing/2010/main" Requires="a14">
           <p:sp>
             <p:nvSpPr>
-              <p:cNvPr id="18" name="TextBox 17">
+              <p:cNvPr id="13" name="TextBox 12">
                 <a:extLst>
                   <a:ext uri="{FF2B5EF4-FFF2-40B4-BE49-F238E27FC236}">
-                    <a16:creationId xmlns:a16="http://schemas.microsoft.com/office/drawing/2014/main" id="{352B0145-6B73-4E71-A57B-AEB2C945CB2A}"/>
+                    <a16:creationId xmlns:a16="http://schemas.microsoft.com/office/drawing/2014/main" id="{70B31EDA-16CC-44CA-A1AC-3B876DD7C027}"/>
                   </a:ext>
                 </a:extLst>
               </p:cNvPr>
@@ -8431,8 +6787,8 @@
             </p:nvSpPr>
             <p:spPr>
               <a:xfrm>
-                <a:off x="5432988" y="4097650"/>
-                <a:ext cx="5406647" cy="2537426"/>
+                <a:off x="4878566" y="4021585"/>
+                <a:ext cx="7086721" cy="2514682"/>
               </a:xfrm>
               <a:prstGeom prst="rect">
                 <a:avLst/>
@@ -8440,42 +6796,44 @@
               <a:noFill/>
             </p:spPr>
             <p:txBody>
-              <a:bodyPr wrap="square">
-                <a:spAutoFit/>
+              <a:bodyPr wrap="square" anchor="t">
+                <a:normAutofit fontScale="85000" lnSpcReduction="10000"/>
               </a:bodyPr>
               <a:lstStyle/>
               <a:p>
-                <a:pPr marL="0" marR="0">
+                <a:pPr>
                   <a:lnSpc>
                     <a:spcPct val="107000"/>
                   </a:lnSpc>
-                  <a:spcBef>
-                    <a:spcPts val="0"/>
-                  </a:spcBef>
-                  <a:spcAft>
-                    <a:spcPts val="0"/>
-                  </a:spcAft>
                 </a:pPr>
                 <a:r>
-                  <a:rPr lang="en-US" sz="2400" b="1" dirty="0">
-                    <a:effectLst/>
+                  <a:rPr lang="en-US" sz="2600" b="1" dirty="0">
                     <a:latin typeface="Calibri" panose="020F0502020204030204" pitchFamily="34" charset="0"/>
                     <a:ea typeface="Yu Mincho" panose="02020400000000000000" pitchFamily="18" charset="-128"/>
                     <a:cs typeface="Calibri" panose="020F0502020204030204" pitchFamily="34" charset="0"/>
                   </a:rPr>
-                  <a:t>  Primal problem:</a:t>
+                  <a:t>	The dual problem:</a:t>
                 </a:r>
               </a:p>
               <a:p>
-                <a:pPr marL="0" marR="0" algn="ctr">
+                <a:pPr>
                   <a:lnSpc>
                     <a:spcPct val="107000"/>
                   </a:lnSpc>
-                  <a:spcBef>
-                    <a:spcPts val="0"/>
-                  </a:spcBef>
+                </a:pPr>
+                <a:endParaRPr lang="en-US" sz="2600" b="1" dirty="0">
+                  <a:latin typeface="Calibri" panose="020F0502020204030204" pitchFamily="34" charset="0"/>
+                  <a:ea typeface="Yu Mincho" panose="02020400000000000000" pitchFamily="18" charset="-128"/>
+                  <a:cs typeface="Calibri" panose="020F0502020204030204" pitchFamily="34" charset="0"/>
+                </a:endParaRPr>
+              </a:p>
+              <a:p>
+                <a:pPr algn="ctr">
+                  <a:lnSpc>
+                    <a:spcPct val="97000"/>
+                  </a:lnSpc>
                   <a:spcAft>
-                    <a:spcPts val="0"/>
+                    <a:spcPts val="800"/>
                   </a:spcAft>
                 </a:pPr>
                 <a14:m>
@@ -8484,129 +6842,281 @@
                       <m:jc m:val="centerGroup"/>
                     </m:oMathParaPr>
                     <m:oMath xmlns:m="http://schemas.openxmlformats.org/officeDocument/2006/math">
-                      <m:func>
-                        <m:funcPr>
+                      <m:sSub>
+                        <m:sSubPr>
                           <m:ctrlPr>
-                            <a:rPr lang="en-US" i="1">
+                            <a:rPr lang="en-US" sz="1900" i="1">
                               <a:effectLst/>
                               <a:latin typeface="Cambria Math" panose="02040503050406030204" pitchFamily="18" charset="0"/>
                               <a:ea typeface="Yu Mincho" panose="02020400000000000000" pitchFamily="18" charset="-128"/>
                               <a:cs typeface="Calibri" panose="020F0502020204030204" pitchFamily="34" charset="0"/>
                             </a:rPr>
                           </m:ctrlPr>
-                        </m:funcPr>
-                        <m:fName>
-                          <m:limLow>
-                            <m:limLowPr>
+                        </m:sSubPr>
+                        <m:e>
+                          <m:r>
+                            <a:rPr lang="en-US" sz="1900" i="1">
+                              <a:effectLst/>
+                              <a:latin typeface="Cambria Math" panose="02040503050406030204" pitchFamily="18" charset="0"/>
+                              <a:ea typeface="Yu Mincho" panose="02020400000000000000" pitchFamily="18" charset="-128"/>
+                              <a:cs typeface="Calibri" panose="020F0502020204030204" pitchFamily="34" charset="0"/>
+                            </a:rPr>
+                            <m:t>𝐿</m:t>
+                          </m:r>
+                        </m:e>
+                        <m:sub>
+                          <m:r>
+                            <a:rPr lang="en-US" sz="1900" i="1">
+                              <a:effectLst/>
+                              <a:latin typeface="Cambria Math" panose="02040503050406030204" pitchFamily="18" charset="0"/>
+                              <a:ea typeface="Yu Mincho" panose="02020400000000000000" pitchFamily="18" charset="-128"/>
+                              <a:cs typeface="Calibri" panose="020F0502020204030204" pitchFamily="34" charset="0"/>
+                            </a:rPr>
+                            <m:t>𝐷</m:t>
+                          </m:r>
+                        </m:sub>
+                      </m:sSub>
+                      <m:r>
+                        <a:rPr lang="en-US" sz="1900" i="1">
+                          <a:effectLst/>
+                          <a:latin typeface="Cambria Math" panose="02040503050406030204" pitchFamily="18" charset="0"/>
+                          <a:ea typeface="Yu Mincho" panose="02020400000000000000" pitchFamily="18" charset="-128"/>
+                          <a:cs typeface="Calibri" panose="020F0502020204030204" pitchFamily="34" charset="0"/>
+                        </a:rPr>
+                        <m:t>= </m:t>
+                      </m:r>
+                      <m:nary>
+                        <m:naryPr>
+                          <m:chr m:val="∑"/>
+                          <m:limLoc m:val="undOvr"/>
+                          <m:ctrlPr>
+                            <a:rPr lang="en-US" sz="1900" i="1">
+                              <a:effectLst/>
+                              <a:latin typeface="Cambria Math" panose="02040503050406030204" pitchFamily="18" charset="0"/>
+                              <a:ea typeface="Yu Mincho" panose="02020400000000000000" pitchFamily="18" charset="-128"/>
+                              <a:cs typeface="Calibri" panose="020F0502020204030204" pitchFamily="34" charset="0"/>
+                            </a:rPr>
+                          </m:ctrlPr>
+                        </m:naryPr>
+                        <m:sub>
+                          <m:r>
+                            <a:rPr lang="en-US" sz="1900" i="1">
+                              <a:effectLst/>
+                              <a:latin typeface="Cambria Math" panose="02040503050406030204" pitchFamily="18" charset="0"/>
+                              <a:ea typeface="Yu Mincho" panose="02020400000000000000" pitchFamily="18" charset="-128"/>
+                              <a:cs typeface="Calibri" panose="020F0502020204030204" pitchFamily="34" charset="0"/>
+                            </a:rPr>
+                            <m:t>𝑖</m:t>
+                          </m:r>
+                          <m:r>
+                            <a:rPr lang="en-US" sz="1900" i="1">
+                              <a:effectLst/>
+                              <a:latin typeface="Cambria Math" panose="02040503050406030204" pitchFamily="18" charset="0"/>
+                              <a:ea typeface="Yu Mincho" panose="02020400000000000000" pitchFamily="18" charset="-128"/>
+                              <a:cs typeface="Calibri" panose="020F0502020204030204" pitchFamily="34" charset="0"/>
+                            </a:rPr>
+                            <m:t>=1</m:t>
+                          </m:r>
+                        </m:sub>
+                        <m:sup>
+                          <m:r>
+                            <a:rPr lang="en-US" sz="1900" i="1">
+                              <a:effectLst/>
+                              <a:latin typeface="Cambria Math" panose="02040503050406030204" pitchFamily="18" charset="0"/>
+                              <a:ea typeface="Yu Mincho" panose="02020400000000000000" pitchFamily="18" charset="-128"/>
+                              <a:cs typeface="Calibri" panose="020F0502020204030204" pitchFamily="34" charset="0"/>
+                            </a:rPr>
+                            <m:t>𝑟</m:t>
+                          </m:r>
+                        </m:sup>
+                        <m:e>
+                          <m:sSub>
+                            <m:sSubPr>
                               <m:ctrlPr>
-                                <a:rPr lang="en-US" i="1">
+                                <a:rPr lang="en-US" sz="1900" i="1">
                                   <a:effectLst/>
                                   <a:latin typeface="Cambria Math" panose="02040503050406030204" pitchFamily="18" charset="0"/>
                                   <a:ea typeface="Yu Mincho" panose="02020400000000000000" pitchFamily="18" charset="-128"/>
                                   <a:cs typeface="Calibri" panose="020F0502020204030204" pitchFamily="34" charset="0"/>
                                 </a:rPr>
                               </m:ctrlPr>
-                            </m:limLowPr>
+                            </m:sSubPr>
                             <m:e>
                               <m:r>
-                                <m:rPr>
-                                  <m:sty m:val="p"/>
-                                </m:rPr>
-                                <a:rPr lang="en-US">
+                                <a:rPr lang="en-US" sz="1900" i="1">
                                   <a:effectLst/>
                                   <a:latin typeface="Cambria Math" panose="02040503050406030204" pitchFamily="18" charset="0"/>
                                   <a:ea typeface="Yu Mincho" panose="02020400000000000000" pitchFamily="18" charset="-128"/>
                                   <a:cs typeface="Calibri" panose="020F0502020204030204" pitchFamily="34" charset="0"/>
                                 </a:rPr>
-                                <m:t>min</m:t>
+                                <m:t>𝑎</m:t>
                               </m:r>
                             </m:e>
-                            <m:lim>
+                            <m:sub>
                               <m:r>
-                                <a:rPr lang="en-US" i="1">
+                                <a:rPr lang="en-US" sz="1900" i="1">
                                   <a:effectLst/>
                                   <a:latin typeface="Cambria Math" panose="02040503050406030204" pitchFamily="18" charset="0"/>
                                   <a:ea typeface="Yu Mincho" panose="02020400000000000000" pitchFamily="18" charset="-128"/>
                                   <a:cs typeface="Calibri" panose="020F0502020204030204" pitchFamily="34" charset="0"/>
                                 </a:rPr>
-                                <m:t>𝜔</m:t>
+                                <m:t>𝑖</m:t>
                               </m:r>
-                              <m:r>
-                                <a:rPr lang="en-US" i="1">
-                                  <a:effectLst/>
-                                  <a:latin typeface="Cambria Math" panose="02040503050406030204" pitchFamily="18" charset="0"/>
-                                  <a:ea typeface="Yu Mincho" panose="02020400000000000000" pitchFamily="18" charset="-128"/>
-                                  <a:cs typeface="Calibri" panose="020F0502020204030204" pitchFamily="34" charset="0"/>
-                                </a:rPr>
-                                <m:t>,</m:t>
-                              </m:r>
-                              <m:r>
-                                <a:rPr lang="en-US" i="1">
-                                  <a:effectLst/>
-                                  <a:latin typeface="Cambria Math" panose="02040503050406030204" pitchFamily="18" charset="0"/>
-                                  <a:ea typeface="Yu Mincho" panose="02020400000000000000" pitchFamily="18" charset="-128"/>
-                                  <a:cs typeface="Calibri" panose="020F0502020204030204" pitchFamily="34" charset="0"/>
-                                </a:rPr>
-                                <m:t>𝑏</m:t>
-                              </m:r>
-                              <m:r>
-                                <a:rPr lang="en-US" i="1">
-                                  <a:effectLst/>
-                                  <a:latin typeface="Cambria Math" panose="02040503050406030204" pitchFamily="18" charset="0"/>
-                                  <a:ea typeface="Yu Mincho" panose="02020400000000000000" pitchFamily="18" charset="-128"/>
-                                  <a:cs typeface="Calibri" panose="020F0502020204030204" pitchFamily="34" charset="0"/>
-                                </a:rPr>
-                                <m:t>,</m:t>
-                              </m:r>
-                              <m:r>
-                                <a:rPr lang="en-US" i="1">
-                                  <a:effectLst/>
-                                  <a:latin typeface="Cambria Math" panose="02040503050406030204" pitchFamily="18" charset="0"/>
-                                  <a:ea typeface="Yu Mincho" panose="02020400000000000000" pitchFamily="18" charset="-128"/>
-                                  <a:cs typeface="Calibri" panose="020F0502020204030204" pitchFamily="34" charset="0"/>
-                                </a:rPr>
-                                <m:t>𝜁</m:t>
-                              </m:r>
-                            </m:lim>
-                          </m:limLow>
-                        </m:fName>
+                            </m:sub>
+                          </m:sSub>
+                        </m:e>
+                      </m:nary>
+                      <m:r>
+                        <a:rPr lang="en-US" sz="1900" i="1">
+                          <a:effectLst/>
+                          <a:latin typeface="Cambria Math" panose="02040503050406030204" pitchFamily="18" charset="0"/>
+                          <a:ea typeface="Yu Mincho" panose="02020400000000000000" pitchFamily="18" charset="-128"/>
+                          <a:cs typeface="Calibri" panose="020F0502020204030204" pitchFamily="34" charset="0"/>
+                        </a:rPr>
+                        <m:t>−</m:t>
+                      </m:r>
+                      <m:f>
+                        <m:fPr>
+                          <m:ctrlPr>
+                            <a:rPr lang="en-US" sz="1900" i="1">
+                              <a:effectLst/>
+                              <a:latin typeface="Cambria Math" panose="02040503050406030204" pitchFamily="18" charset="0"/>
+                              <a:ea typeface="Yu Mincho" panose="02020400000000000000" pitchFamily="18" charset="-128"/>
+                              <a:cs typeface="Calibri" panose="020F0502020204030204" pitchFamily="34" charset="0"/>
+                            </a:rPr>
+                          </m:ctrlPr>
+                        </m:fPr>
+                        <m:num>
+                          <m:r>
+                            <a:rPr lang="en-US" sz="1900" i="1">
+                              <a:effectLst/>
+                              <a:latin typeface="Cambria Math" panose="02040503050406030204" pitchFamily="18" charset="0"/>
+                              <a:ea typeface="Yu Mincho" panose="02020400000000000000" pitchFamily="18" charset="-128"/>
+                              <a:cs typeface="Calibri" panose="020F0502020204030204" pitchFamily="34" charset="0"/>
+                            </a:rPr>
+                            <m:t>1</m:t>
+                          </m:r>
+                        </m:num>
+                        <m:den>
+                          <m:r>
+                            <a:rPr lang="en-US" sz="1900" i="1">
+                              <a:effectLst/>
+                              <a:latin typeface="Cambria Math" panose="02040503050406030204" pitchFamily="18" charset="0"/>
+                              <a:ea typeface="Yu Mincho" panose="02020400000000000000" pitchFamily="18" charset="-128"/>
+                              <a:cs typeface="Calibri" panose="020F0502020204030204" pitchFamily="34" charset="0"/>
+                            </a:rPr>
+                            <m:t>2</m:t>
+                          </m:r>
+                        </m:den>
+                      </m:f>
+                      <m:r>
+                        <a:rPr lang="en-US" sz="1900" i="1">
+                          <a:effectLst/>
+                          <a:latin typeface="Cambria Math" panose="02040503050406030204" pitchFamily="18" charset="0"/>
+                          <a:ea typeface="Yu Mincho" panose="02020400000000000000" pitchFamily="18" charset="-128"/>
+                          <a:cs typeface="Calibri" panose="020F0502020204030204" pitchFamily="34" charset="0"/>
+                        </a:rPr>
+                        <m:t> </m:t>
+                      </m:r>
+                      <m:nary>
+                        <m:naryPr>
+                          <m:chr m:val="∑"/>
+                          <m:limLoc m:val="undOvr"/>
+                          <m:ctrlPr>
+                            <a:rPr lang="en-US" sz="1900" i="1">
+                              <a:effectLst/>
+                              <a:latin typeface="Cambria Math" panose="02040503050406030204" pitchFamily="18" charset="0"/>
+                              <a:ea typeface="Yu Mincho" panose="02020400000000000000" pitchFamily="18" charset="-128"/>
+                              <a:cs typeface="Calibri" panose="020F0502020204030204" pitchFamily="34" charset="0"/>
+                            </a:rPr>
+                          </m:ctrlPr>
+                        </m:naryPr>
+                        <m:sub>
+                          <m:r>
+                            <a:rPr lang="en-US" sz="1900" i="1">
+                              <a:effectLst/>
+                              <a:latin typeface="Cambria Math" panose="02040503050406030204" pitchFamily="18" charset="0"/>
+                              <a:ea typeface="Yu Mincho" panose="02020400000000000000" pitchFamily="18" charset="-128"/>
+                              <a:cs typeface="Calibri" panose="020F0502020204030204" pitchFamily="34" charset="0"/>
+                            </a:rPr>
+                            <m:t>𝑖</m:t>
+                          </m:r>
+                          <m:r>
+                            <a:rPr lang="en-US" sz="1900" i="1">
+                              <a:effectLst/>
+                              <a:latin typeface="Cambria Math" panose="02040503050406030204" pitchFamily="18" charset="0"/>
+                              <a:ea typeface="Yu Mincho" panose="02020400000000000000" pitchFamily="18" charset="-128"/>
+                              <a:cs typeface="Calibri" panose="020F0502020204030204" pitchFamily="34" charset="0"/>
+                            </a:rPr>
+                            <m:t>, </m:t>
+                          </m:r>
+                          <m:r>
+                            <a:rPr lang="en-US" sz="1900" i="1">
+                              <a:effectLst/>
+                              <a:latin typeface="Cambria Math" panose="02040503050406030204" pitchFamily="18" charset="0"/>
+                              <a:ea typeface="Yu Mincho" panose="02020400000000000000" pitchFamily="18" charset="-128"/>
+                              <a:cs typeface="Calibri" panose="020F0502020204030204" pitchFamily="34" charset="0"/>
+                            </a:rPr>
+                            <m:t>𝑗</m:t>
+                          </m:r>
+                          <m:r>
+                            <a:rPr lang="en-US" sz="1900" i="1">
+                              <a:effectLst/>
+                              <a:latin typeface="Cambria Math" panose="02040503050406030204" pitchFamily="18" charset="0"/>
+                              <a:ea typeface="Yu Mincho" panose="02020400000000000000" pitchFamily="18" charset="-128"/>
+                              <a:cs typeface="Calibri" panose="020F0502020204030204" pitchFamily="34" charset="0"/>
+                            </a:rPr>
+                            <m:t>=1</m:t>
+                          </m:r>
+                        </m:sub>
+                        <m:sup>
+                          <m:r>
+                            <a:rPr lang="en-US" sz="1900" i="1">
+                              <a:effectLst/>
+                              <a:latin typeface="Cambria Math" panose="02040503050406030204" pitchFamily="18" charset="0"/>
+                              <a:ea typeface="Yu Mincho" panose="02020400000000000000" pitchFamily="18" charset="-128"/>
+                              <a:cs typeface="Calibri" panose="020F0502020204030204" pitchFamily="34" charset="0"/>
+                            </a:rPr>
+                            <m:t>𝑟</m:t>
+                          </m:r>
+                        </m:sup>
                         <m:e>
-                          <m:f>
-                            <m:fPr>
+                          <m:sSub>
+                            <m:sSubPr>
                               <m:ctrlPr>
-                                <a:rPr lang="en-US" i="1">
+                                <a:rPr lang="en-US" sz="1900" i="1">
                                   <a:effectLst/>
                                   <a:latin typeface="Cambria Math" panose="02040503050406030204" pitchFamily="18" charset="0"/>
                                   <a:ea typeface="Yu Mincho" panose="02020400000000000000" pitchFamily="18" charset="-128"/>
                                   <a:cs typeface="Calibri" panose="020F0502020204030204" pitchFamily="34" charset="0"/>
                                 </a:rPr>
                               </m:ctrlPr>
-                            </m:fPr>
-                            <m:num>
+                            </m:sSubPr>
+                            <m:e>
                               <m:r>
-                                <a:rPr lang="en-US" i="1">
+                                <a:rPr lang="en-US" sz="1900" i="1">
                                   <a:effectLst/>
                                   <a:latin typeface="Cambria Math" panose="02040503050406030204" pitchFamily="18" charset="0"/>
                                   <a:ea typeface="Yu Mincho" panose="02020400000000000000" pitchFamily="18" charset="-128"/>
                                   <a:cs typeface="Calibri" panose="020F0502020204030204" pitchFamily="34" charset="0"/>
                                 </a:rPr>
-                                <m:t>1</m:t>
+                                <m:t>𝑎</m:t>
                               </m:r>
-                            </m:num>
-                            <m:den>
+                            </m:e>
+                            <m:sub>
                               <m:r>
-                                <a:rPr lang="en-US" i="1">
+                                <a:rPr lang="en-US" sz="1900" i="1">
                                   <a:effectLst/>
                                   <a:latin typeface="Cambria Math" panose="02040503050406030204" pitchFamily="18" charset="0"/>
                                   <a:ea typeface="Yu Mincho" panose="02020400000000000000" pitchFamily="18" charset="-128"/>
                                   <a:cs typeface="Calibri" panose="020F0502020204030204" pitchFamily="34" charset="0"/>
                                 </a:rPr>
-                                <m:t>2</m:t>
+                                <m:t>𝑖</m:t>
                               </m:r>
-                            </m:den>
-                          </m:f>
+                            </m:sub>
+                          </m:sSub>
                           <m:r>
-                            <a:rPr lang="en-US" i="1">
+                            <a:rPr lang="en-US" sz="1900" i="1">
                               <a:effectLst/>
                               <a:latin typeface="Cambria Math" panose="02040503050406030204" pitchFamily="18" charset="0"/>
                               <a:ea typeface="Yu Mincho" panose="02020400000000000000" pitchFamily="18" charset="-128"/>
@@ -8614,69 +7124,128 @@
                             </a:rPr>
                             <m:t> </m:t>
                           </m:r>
-                          <m:sSup>
-                            <m:sSupPr>
+                          <m:sSub>
+                            <m:sSubPr>
                               <m:ctrlPr>
-                                <a:rPr lang="en-US" i="1">
+                                <a:rPr lang="en-US" sz="1900" i="1">
                                   <a:effectLst/>
                                   <a:latin typeface="Cambria Math" panose="02040503050406030204" pitchFamily="18" charset="0"/>
                                   <a:ea typeface="Yu Mincho" panose="02020400000000000000" pitchFamily="18" charset="-128"/>
                                   <a:cs typeface="Calibri" panose="020F0502020204030204" pitchFamily="34" charset="0"/>
                                 </a:rPr>
                               </m:ctrlPr>
-                            </m:sSupPr>
+                            </m:sSubPr>
                             <m:e>
                               <m:r>
-                                <a:rPr lang="en-US" i="1">
+                                <a:rPr lang="en-US" sz="1900" i="1">
                                   <a:effectLst/>
                                   <a:latin typeface="Cambria Math" panose="02040503050406030204" pitchFamily="18" charset="0"/>
                                   <a:ea typeface="Yu Mincho" panose="02020400000000000000" pitchFamily="18" charset="-128"/>
                                   <a:cs typeface="Calibri" panose="020F0502020204030204" pitchFamily="34" charset="0"/>
                                 </a:rPr>
-                                <m:t>𝜔</m:t>
+                                <m:t>𝑎</m:t>
                               </m:r>
                             </m:e>
-                            <m:sup>
+                            <m:sub>
                               <m:r>
-                                <a:rPr lang="en-US" i="1">
+                                <a:rPr lang="en-US" sz="1900" i="1">
                                   <a:effectLst/>
                                   <a:latin typeface="Cambria Math" panose="02040503050406030204" pitchFamily="18" charset="0"/>
                                   <a:ea typeface="Yu Mincho" panose="02020400000000000000" pitchFamily="18" charset="-128"/>
                                   <a:cs typeface="Calibri" panose="020F0502020204030204" pitchFamily="34" charset="0"/>
                                 </a:rPr>
-                                <m:t>𝑇</m:t>
+                                <m:t>𝑗</m:t>
                               </m:r>
-                            </m:sup>
-                          </m:sSup>
+                            </m:sub>
+                          </m:sSub>
+                          <m:sSub>
+                            <m:sSubPr>
+                              <m:ctrlPr>
+                                <a:rPr lang="en-US" sz="1900" i="1">
+                                  <a:effectLst/>
+                                  <a:latin typeface="Cambria Math" panose="02040503050406030204" pitchFamily="18" charset="0"/>
+                                  <a:ea typeface="Yu Mincho" panose="02020400000000000000" pitchFamily="18" charset="-128"/>
+                                  <a:cs typeface="Calibri" panose="020F0502020204030204" pitchFamily="34" charset="0"/>
+                                </a:rPr>
+                              </m:ctrlPr>
+                            </m:sSubPr>
+                            <m:e>
+                              <m:r>
+                                <a:rPr lang="en-US" sz="1900" i="1">
+                                  <a:effectLst/>
+                                  <a:latin typeface="Cambria Math" panose="02040503050406030204" pitchFamily="18" charset="0"/>
+                                  <a:ea typeface="Yu Mincho" panose="02020400000000000000" pitchFamily="18" charset="-128"/>
+                                  <a:cs typeface="Calibri" panose="020F0502020204030204" pitchFamily="34" charset="0"/>
+                                </a:rPr>
+                                <m:t> </m:t>
+                              </m:r>
+                              <m:r>
+                                <a:rPr lang="en-US" sz="1900" i="1">
+                                  <a:effectLst/>
+                                  <a:latin typeface="Cambria Math" panose="02040503050406030204" pitchFamily="18" charset="0"/>
+                                  <a:ea typeface="Yu Mincho" panose="02020400000000000000" pitchFamily="18" charset="-128"/>
+                                  <a:cs typeface="Calibri" panose="020F0502020204030204" pitchFamily="34" charset="0"/>
+                                </a:rPr>
+                                <m:t>𝑦</m:t>
+                              </m:r>
+                            </m:e>
+                            <m:sub>
+                              <m:r>
+                                <a:rPr lang="en-US" sz="1900" i="1">
+                                  <a:effectLst/>
+                                  <a:latin typeface="Cambria Math" panose="02040503050406030204" pitchFamily="18" charset="0"/>
+                                  <a:ea typeface="Yu Mincho" panose="02020400000000000000" pitchFamily="18" charset="-128"/>
+                                  <a:cs typeface="Calibri" panose="020F0502020204030204" pitchFamily="34" charset="0"/>
+                                </a:rPr>
+                                <m:t>𝑖</m:t>
+                              </m:r>
+                            </m:sub>
+                          </m:sSub>
+                          <m:sSub>
+                            <m:sSubPr>
+                              <m:ctrlPr>
+                                <a:rPr lang="en-US" sz="1900" i="1">
+                                  <a:effectLst/>
+                                  <a:latin typeface="Cambria Math" panose="02040503050406030204" pitchFamily="18" charset="0"/>
+                                  <a:ea typeface="Yu Mincho" panose="02020400000000000000" pitchFamily="18" charset="-128"/>
+                                  <a:cs typeface="Calibri" panose="020F0502020204030204" pitchFamily="34" charset="0"/>
+                                </a:rPr>
+                              </m:ctrlPr>
+                            </m:sSubPr>
+                            <m:e>
+                              <m:r>
+                                <a:rPr lang="en-US" sz="1900" i="1">
+                                  <a:effectLst/>
+                                  <a:latin typeface="Cambria Math" panose="02040503050406030204" pitchFamily="18" charset="0"/>
+                                  <a:ea typeface="Yu Mincho" panose="02020400000000000000" pitchFamily="18" charset="-128"/>
+                                  <a:cs typeface="Calibri" panose="020F0502020204030204" pitchFamily="34" charset="0"/>
+                                </a:rPr>
+                                <m:t> </m:t>
+                              </m:r>
+                              <m:r>
+                                <a:rPr lang="en-US" sz="1900" i="1">
+                                  <a:effectLst/>
+                                  <a:latin typeface="Cambria Math" panose="02040503050406030204" pitchFamily="18" charset="0"/>
+                                  <a:ea typeface="Yu Mincho" panose="02020400000000000000" pitchFamily="18" charset="-128"/>
+                                  <a:cs typeface="Calibri" panose="020F0502020204030204" pitchFamily="34" charset="0"/>
+                                </a:rPr>
+                                <m:t>𝑦</m:t>
+                              </m:r>
+                            </m:e>
+                            <m:sub>
+                              <m:r>
+                                <a:rPr lang="en-US" sz="1900" i="1">
+                                  <a:effectLst/>
+                                  <a:latin typeface="Cambria Math" panose="02040503050406030204" pitchFamily="18" charset="0"/>
+                                  <a:ea typeface="Yu Mincho" panose="02020400000000000000" pitchFamily="18" charset="-128"/>
+                                  <a:cs typeface="Calibri" panose="020F0502020204030204" pitchFamily="34" charset="0"/>
+                                </a:rPr>
+                                <m:t>𝑗</m:t>
+                              </m:r>
+                            </m:sub>
+                          </m:sSub>
                           <m:r>
-                            <a:rPr lang="en-US" i="1">
-                              <a:effectLst/>
-                              <a:latin typeface="Cambria Math" panose="02040503050406030204" pitchFamily="18" charset="0"/>
-                              <a:ea typeface="Yu Mincho" panose="02020400000000000000" pitchFamily="18" charset="-128"/>
-                              <a:cs typeface="Calibri" panose="020F0502020204030204" pitchFamily="34" charset="0"/>
-                            </a:rPr>
-                            <m:t>𝜔</m:t>
-                          </m:r>
-                          <m:r>
-                            <a:rPr lang="en-US" i="1">
-                              <a:effectLst/>
-                              <a:latin typeface="Cambria Math" panose="02040503050406030204" pitchFamily="18" charset="0"/>
-                              <a:ea typeface="Yu Mincho" panose="02020400000000000000" pitchFamily="18" charset="-128"/>
-                              <a:cs typeface="Calibri" panose="020F0502020204030204" pitchFamily="34" charset="0"/>
-                            </a:rPr>
-                            <m:t>+</m:t>
-                          </m:r>
-                          <m:r>
-                            <a:rPr lang="en-US" i="1">
-                              <a:effectLst/>
-                              <a:latin typeface="Cambria Math" panose="02040503050406030204" pitchFamily="18" charset="0"/>
-                              <a:ea typeface="Yu Mincho" panose="02020400000000000000" pitchFamily="18" charset="-128"/>
-                              <a:cs typeface="Calibri" panose="020F0502020204030204" pitchFamily="34" charset="0"/>
-                            </a:rPr>
-                            <m:t>𝐶</m:t>
-                          </m:r>
-                          <m:r>
-                            <a:rPr lang="en-US" i="1">
+                            <a:rPr lang="en-US" sz="1900" i="1">
                               <a:effectLst/>
                               <a:latin typeface="Cambria Math" panose="02040503050406030204" pitchFamily="18" charset="0"/>
                               <a:ea typeface="Yu Mincho" panose="02020400000000000000" pitchFamily="18" charset="-128"/>
@@ -8684,112 +7253,172 @@
                             </a:rPr>
                             <m:t> </m:t>
                           </m:r>
-                          <m:nary>
-                            <m:naryPr>
-                              <m:chr m:val="∑"/>
-                              <m:limLoc m:val="undOvr"/>
+                          <m:d>
+                            <m:dPr>
+                              <m:begChr m:val="〈"/>
+                              <m:endChr m:val="〉"/>
                               <m:ctrlPr>
-                                <a:rPr lang="en-US" i="1">
+                                <a:rPr lang="en-US" sz="1900" i="1">
                                   <a:effectLst/>
                                   <a:latin typeface="Cambria Math" panose="02040503050406030204" pitchFamily="18" charset="0"/>
                                   <a:ea typeface="Yu Mincho" panose="02020400000000000000" pitchFamily="18" charset="-128"/>
                                   <a:cs typeface="Calibri" panose="020F0502020204030204" pitchFamily="34" charset="0"/>
                                 </a:rPr>
                               </m:ctrlPr>
-                            </m:naryPr>
-                            <m:sub>
+                            </m:dPr>
+                            <m:e>
                               <m:r>
-                                <a:rPr lang="en-US" i="1">
+                                <a:rPr lang="vi-VN" sz="1900" i="1">
+                                  <a:solidFill>
+                                    <a:srgbClr val="212529"/>
+                                  </a:solidFill>
                                   <a:effectLst/>
                                   <a:latin typeface="Cambria Math" panose="02040503050406030204" pitchFamily="18" charset="0"/>
                                   <a:ea typeface="Yu Mincho" panose="02020400000000000000" pitchFamily="18" charset="-128"/>
                                   <a:cs typeface="Calibri" panose="020F0502020204030204" pitchFamily="34" charset="0"/>
                                 </a:rPr>
-                                <m:t>𝑖</m:t>
+                                <m:t>∅</m:t>
                               </m:r>
-                              <m:r>
-                                <a:rPr lang="en-US" i="1">
-                                  <a:effectLst/>
-                                  <a:latin typeface="Cambria Math" panose="02040503050406030204" pitchFamily="18" charset="0"/>
-                                  <a:ea typeface="Yu Mincho" panose="02020400000000000000" pitchFamily="18" charset="-128"/>
-                                  <a:cs typeface="Calibri" panose="020F0502020204030204" pitchFamily="34" charset="0"/>
-                                </a:rPr>
-                                <m:t>=1</m:t>
-                              </m:r>
-                            </m:sub>
-                            <m:sup>
-                              <m:r>
-                                <a:rPr lang="en-US" i="1">
-                                  <a:effectLst/>
-                                  <a:latin typeface="Cambria Math" panose="02040503050406030204" pitchFamily="18" charset="0"/>
-                                  <a:ea typeface="Yu Mincho" panose="02020400000000000000" pitchFamily="18" charset="-128"/>
-                                  <a:cs typeface="Calibri" panose="020F0502020204030204" pitchFamily="34" charset="0"/>
-                                </a:rPr>
-                                <m:t>𝑛</m:t>
-                              </m:r>
-                            </m:sup>
-                            <m:e>
-                              <m:sSub>
-                                <m:sSubPr>
+                              <m:d>
+                                <m:dPr>
                                   <m:ctrlPr>
-                                    <a:rPr lang="en-US" i="1">
+                                    <a:rPr lang="en-US" sz="1900" i="1">
+                                      <a:solidFill>
+                                        <a:srgbClr val="212529"/>
+                                      </a:solidFill>
                                       <a:effectLst/>
                                       <a:latin typeface="Cambria Math" panose="02040503050406030204" pitchFamily="18" charset="0"/>
                                       <a:ea typeface="Yu Mincho" panose="02020400000000000000" pitchFamily="18" charset="-128"/>
                                       <a:cs typeface="Calibri" panose="020F0502020204030204" pitchFamily="34" charset="0"/>
                                     </a:rPr>
                                   </m:ctrlPr>
-                                </m:sSubPr>
+                                </m:dPr>
                                 <m:e>
-                                  <m:r>
-                                    <a:rPr lang="en-US" i="1">
+                                  <m:sSub>
+                                    <m:sSubPr>
+                                      <m:ctrlPr>
+                                        <a:rPr lang="en-US" sz="1900" i="1">
+                                          <a:solidFill>
+                                            <a:srgbClr val="212529"/>
+                                          </a:solidFill>
+                                          <a:effectLst/>
+                                          <a:latin typeface="Cambria Math" panose="02040503050406030204" pitchFamily="18" charset="0"/>
+                                          <a:ea typeface="Yu Mincho" panose="02020400000000000000" pitchFamily="18" charset="-128"/>
+                                          <a:cs typeface="Calibri" panose="020F0502020204030204" pitchFamily="34" charset="0"/>
+                                        </a:rPr>
+                                      </m:ctrlPr>
+                                    </m:sSubPr>
+                                    <m:e>
+                                      <m:r>
+                                        <a:rPr lang="vi-VN" sz="1900" i="1">
+                                          <a:solidFill>
+                                            <a:srgbClr val="212529"/>
+                                          </a:solidFill>
+                                          <a:effectLst/>
+                                          <a:latin typeface="Cambria Math" panose="02040503050406030204" pitchFamily="18" charset="0"/>
+                                          <a:ea typeface="Yu Mincho" panose="02020400000000000000" pitchFamily="18" charset="-128"/>
+                                          <a:cs typeface="Calibri" panose="020F0502020204030204" pitchFamily="34" charset="0"/>
+                                        </a:rPr>
+                                        <m:t>𝑥</m:t>
+                                      </m:r>
+                                    </m:e>
+                                    <m:sub>
+                                      <m:r>
+                                        <a:rPr lang="vi-VN" sz="1900" i="1">
+                                          <a:solidFill>
+                                            <a:srgbClr val="212529"/>
+                                          </a:solidFill>
+                                          <a:effectLst/>
+                                          <a:latin typeface="Cambria Math" panose="02040503050406030204" pitchFamily="18" charset="0"/>
+                                          <a:ea typeface="Yu Mincho" panose="02020400000000000000" pitchFamily="18" charset="-128"/>
+                                          <a:cs typeface="Calibri" panose="020F0502020204030204" pitchFamily="34" charset="0"/>
+                                        </a:rPr>
+                                        <m:t>𝑖</m:t>
+                                      </m:r>
+                                    </m:sub>
+                                  </m:sSub>
+                                </m:e>
+                              </m:d>
+                              <m:r>
+                                <a:rPr lang="vi-VN" sz="1900" i="1">
+                                  <a:solidFill>
+                                    <a:srgbClr val="212529"/>
+                                  </a:solidFill>
+                                  <a:effectLst/>
+                                  <a:latin typeface="Cambria Math" panose="02040503050406030204" pitchFamily="18" charset="0"/>
+                                  <a:ea typeface="Yu Mincho" panose="02020400000000000000" pitchFamily="18" charset="-128"/>
+                                  <a:cs typeface="Calibri" panose="020F0502020204030204" pitchFamily="34" charset="0"/>
+                                </a:rPr>
+                                <m:t>.∅</m:t>
+                              </m:r>
+                              <m:d>
+                                <m:dPr>
+                                  <m:ctrlPr>
+                                    <a:rPr lang="en-US" sz="1900" i="1">
+                                      <a:solidFill>
+                                        <a:srgbClr val="212529"/>
+                                      </a:solidFill>
                                       <a:effectLst/>
                                       <a:latin typeface="Cambria Math" panose="02040503050406030204" pitchFamily="18" charset="0"/>
                                       <a:ea typeface="Yu Mincho" panose="02020400000000000000" pitchFamily="18" charset="-128"/>
                                       <a:cs typeface="Calibri" panose="020F0502020204030204" pitchFamily="34" charset="0"/>
                                     </a:rPr>
-                                    <m:t>𝜁</m:t>
-                                  </m:r>
+                                  </m:ctrlPr>
+                                </m:dPr>
+                                <m:e>
+                                  <m:sSub>
+                                    <m:sSubPr>
+                                      <m:ctrlPr>
+                                        <a:rPr lang="en-US" sz="1900" i="1">
+                                          <a:solidFill>
+                                            <a:srgbClr val="212529"/>
+                                          </a:solidFill>
+                                          <a:effectLst/>
+                                          <a:latin typeface="Cambria Math" panose="02040503050406030204" pitchFamily="18" charset="0"/>
+                                          <a:ea typeface="Yu Mincho" panose="02020400000000000000" pitchFamily="18" charset="-128"/>
+                                          <a:cs typeface="Calibri" panose="020F0502020204030204" pitchFamily="34" charset="0"/>
+                                        </a:rPr>
+                                      </m:ctrlPr>
+                                    </m:sSubPr>
+                                    <m:e>
+                                      <m:r>
+                                        <a:rPr lang="vi-VN" sz="1900" i="1">
+                                          <a:solidFill>
+                                            <a:srgbClr val="212529"/>
+                                          </a:solidFill>
+                                          <a:effectLst/>
+                                          <a:latin typeface="Cambria Math" panose="02040503050406030204" pitchFamily="18" charset="0"/>
+                                          <a:ea typeface="Yu Mincho" panose="02020400000000000000" pitchFamily="18" charset="-128"/>
+                                          <a:cs typeface="Calibri" panose="020F0502020204030204" pitchFamily="34" charset="0"/>
+                                        </a:rPr>
+                                        <m:t>𝑥</m:t>
+                                      </m:r>
+                                    </m:e>
+                                    <m:sub>
+                                      <m:r>
+                                        <a:rPr lang="vi-VN" sz="1900" i="1">
+                                          <a:solidFill>
+                                            <a:srgbClr val="212529"/>
+                                          </a:solidFill>
+                                          <a:effectLst/>
+                                          <a:latin typeface="Cambria Math" panose="02040503050406030204" pitchFamily="18" charset="0"/>
+                                          <a:ea typeface="Yu Mincho" panose="02020400000000000000" pitchFamily="18" charset="-128"/>
+                                          <a:cs typeface="Calibri" panose="020F0502020204030204" pitchFamily="34" charset="0"/>
+                                        </a:rPr>
+                                        <m:t>𝑗</m:t>
+                                      </m:r>
+                                    </m:sub>
+                                  </m:sSub>
                                 </m:e>
-                                <m:sub>
-                                  <m:r>
-                                    <a:rPr lang="en-US" i="1">
-                                      <a:effectLst/>
-                                      <a:latin typeface="Cambria Math" panose="02040503050406030204" pitchFamily="18" charset="0"/>
-                                      <a:ea typeface="Yu Mincho" panose="02020400000000000000" pitchFamily="18" charset="-128"/>
-                                      <a:cs typeface="Calibri" panose="020F0502020204030204" pitchFamily="34" charset="0"/>
-                                    </a:rPr>
-                                    <m:t>𝑖</m:t>
-                                  </m:r>
-                                </m:sub>
-                              </m:sSub>
+                              </m:d>
                             </m:e>
-                          </m:nary>
+                          </m:d>
                         </m:e>
-                      </m:func>
+                      </m:nary>
                     </m:oMath>
                   </m:oMathPara>
                 </a14:m>
-                <a:endParaRPr lang="en-US" dirty="0">
-                  <a:effectLst/>
-                  <a:latin typeface="Calibri" panose="020F0502020204030204" pitchFamily="34" charset="0"/>
-                  <a:ea typeface="Yu Mincho" panose="02020400000000000000" pitchFamily="18" charset="-128"/>
-                  <a:cs typeface="Calibri" panose="020F0502020204030204" pitchFamily="34" charset="0"/>
-                </a:endParaRPr>
-              </a:p>
-              <a:p>
-                <a:pPr marL="0" marR="0" algn="ctr">
-                  <a:lnSpc>
-                    <a:spcPct val="107000"/>
-                  </a:lnSpc>
-                  <a:spcBef>
-                    <a:spcPts val="0"/>
-                  </a:spcBef>
-                  <a:spcAft>
-                    <a:spcPts val="0"/>
-                  </a:spcAft>
-                </a:pPr>
-                <a:endParaRPr lang="en-US" dirty="0">
+                <a:endParaRPr lang="en-US" sz="1900" dirty="0">
                   <a:effectLst/>
                   <a:latin typeface="Calibri" panose="020F0502020204030204" pitchFamily="34" charset="0"/>
                   <a:ea typeface="Yu Mincho" panose="02020400000000000000" pitchFamily="18" charset="-128"/>
@@ -8799,17 +7428,20 @@
               <a:p>
                 <a:pPr algn="ctr">
                   <a:lnSpc>
-                    <a:spcPct val="107000"/>
+                    <a:spcPct val="97000"/>
                   </a:lnSpc>
+                  <a:spcAft>
+                    <a:spcPts val="800"/>
+                  </a:spcAft>
                 </a:pPr>
                 <a:r>
-                  <a:rPr lang="en-US" dirty="0">
+                  <a:rPr lang="en-US" sz="1900" dirty="0">
                     <a:effectLst/>
                     <a:latin typeface="Calibri" panose="020F0502020204030204" pitchFamily="34" charset="0"/>
                     <a:ea typeface="Yu Mincho" panose="02020400000000000000" pitchFamily="18" charset="-128"/>
                     <a:cs typeface="Calibri" panose="020F0502020204030204" pitchFamily="34" charset="0"/>
                   </a:rPr>
-                  <a:t>	subject to:     </a:t>
+                  <a:t>subject to: </a:t>
                 </a:r>
                 <a14:m>
                   <m:oMath xmlns:m="http://schemas.openxmlformats.org/officeDocument/2006/math">
@@ -8818,7 +7450,7 @@
                         <m:begChr m:val="{"/>
                         <m:endChr m:val=""/>
                         <m:ctrlPr>
-                          <a:rPr lang="en-US" i="1" smtClean="0">
+                          <a:rPr lang="en-US" sz="1900" i="1">
                             <a:effectLst/>
                             <a:latin typeface="Cambria Math" panose="02040503050406030204" pitchFamily="18" charset="0"/>
                             <a:ea typeface="Yu Mincho" panose="02020400000000000000" pitchFamily="18" charset="-128"/>
@@ -8830,7 +7462,7 @@
                         <m:eqArr>
                           <m:eqArrPr>
                             <m:ctrlPr>
-                              <a:rPr lang="en-US" i="1" smtClean="0">
+                              <a:rPr lang="en-US" sz="1900" i="1">
                                 <a:effectLst/>
                                 <a:latin typeface="Cambria Math" panose="02040503050406030204" pitchFamily="18" charset="0"/>
                                 <a:ea typeface="Yu Mincho" panose="02020400000000000000" pitchFamily="18" charset="-128"/>
@@ -8839,10 +7471,146 @@
                             </m:ctrlPr>
                           </m:eqArrPr>
                           <m:e>
+                            <m:nary>
+                              <m:naryPr>
+                                <m:chr m:val="∑"/>
+                                <m:limLoc m:val="undOvr"/>
+                                <m:ctrlPr>
+                                  <a:rPr lang="en-US" sz="1900" i="1">
+                                    <a:effectLst/>
+                                    <a:latin typeface="Cambria Math" panose="02040503050406030204" pitchFamily="18" charset="0"/>
+                                    <a:ea typeface="Yu Mincho" panose="02020400000000000000" pitchFamily="18" charset="-128"/>
+                                    <a:cs typeface="Calibri" panose="020F0502020204030204" pitchFamily="34" charset="0"/>
+                                  </a:rPr>
+                                </m:ctrlPr>
+                              </m:naryPr>
+                              <m:sub>
+                                <m:r>
+                                  <a:rPr lang="en-US" sz="1900" i="1">
+                                    <a:effectLst/>
+                                    <a:latin typeface="Cambria Math" panose="02040503050406030204" pitchFamily="18" charset="0"/>
+                                    <a:ea typeface="Yu Mincho" panose="02020400000000000000" pitchFamily="18" charset="-128"/>
+                                    <a:cs typeface="Calibri" panose="020F0502020204030204" pitchFamily="34" charset="0"/>
+                                  </a:rPr>
+                                  <m:t>𝑖</m:t>
+                                </m:r>
+                                <m:r>
+                                  <a:rPr lang="en-US" sz="1900" i="1">
+                                    <a:effectLst/>
+                                    <a:latin typeface="Cambria Math" panose="02040503050406030204" pitchFamily="18" charset="0"/>
+                                    <a:ea typeface="Yu Mincho" panose="02020400000000000000" pitchFamily="18" charset="-128"/>
+                                    <a:cs typeface="Calibri" panose="020F0502020204030204" pitchFamily="34" charset="0"/>
+                                  </a:rPr>
+                                  <m:t>=1</m:t>
+                                </m:r>
+                              </m:sub>
+                              <m:sup>
+                                <m:r>
+                                  <a:rPr lang="en-US" sz="1900" i="1">
+                                    <a:effectLst/>
+                                    <a:latin typeface="Cambria Math" panose="02040503050406030204" pitchFamily="18" charset="0"/>
+                                    <a:ea typeface="Yu Mincho" panose="02020400000000000000" pitchFamily="18" charset="-128"/>
+                                    <a:cs typeface="Calibri" panose="020F0502020204030204" pitchFamily="34" charset="0"/>
+                                  </a:rPr>
+                                  <m:t>𝑟</m:t>
+                                </m:r>
+                              </m:sup>
+                              <m:e>
+                                <m:sSub>
+                                  <m:sSubPr>
+                                    <m:ctrlPr>
+                                      <a:rPr lang="en-US" sz="1900" i="1">
+                                        <a:effectLst/>
+                                        <a:latin typeface="Cambria Math" panose="02040503050406030204" pitchFamily="18" charset="0"/>
+                                        <a:ea typeface="Yu Mincho" panose="02020400000000000000" pitchFamily="18" charset="-128"/>
+                                        <a:cs typeface="Calibri" panose="020F0502020204030204" pitchFamily="34" charset="0"/>
+                                      </a:rPr>
+                                    </m:ctrlPr>
+                                  </m:sSubPr>
+                                  <m:e>
+                                    <m:r>
+                                      <a:rPr lang="en-US" sz="1900" i="1">
+                                        <a:effectLst/>
+                                        <a:latin typeface="Cambria Math" panose="02040503050406030204" pitchFamily="18" charset="0"/>
+                                        <a:ea typeface="Yu Mincho" panose="02020400000000000000" pitchFamily="18" charset="-128"/>
+                                        <a:cs typeface="Calibri" panose="020F0502020204030204" pitchFamily="34" charset="0"/>
+                                      </a:rPr>
+                                      <m:t>𝑎</m:t>
+                                    </m:r>
+                                  </m:e>
+                                  <m:sub>
+                                    <m:r>
+                                      <a:rPr lang="en-US" sz="1900" i="1">
+                                        <a:effectLst/>
+                                        <a:latin typeface="Cambria Math" panose="02040503050406030204" pitchFamily="18" charset="0"/>
+                                        <a:ea typeface="Yu Mincho" panose="02020400000000000000" pitchFamily="18" charset="-128"/>
+                                        <a:cs typeface="Calibri" panose="020F0502020204030204" pitchFamily="34" charset="0"/>
+                                      </a:rPr>
+                                      <m:t>𝑖</m:t>
+                                    </m:r>
+                                  </m:sub>
+                                </m:sSub>
+                                <m:sSub>
+                                  <m:sSubPr>
+                                    <m:ctrlPr>
+                                      <a:rPr lang="en-US" sz="1900" i="1">
+                                        <a:effectLst/>
+                                        <a:latin typeface="Cambria Math" panose="02040503050406030204" pitchFamily="18" charset="0"/>
+                                        <a:ea typeface="Yu Mincho" panose="02020400000000000000" pitchFamily="18" charset="-128"/>
+                                        <a:cs typeface="Calibri" panose="020F0502020204030204" pitchFamily="34" charset="0"/>
+                                      </a:rPr>
+                                    </m:ctrlPr>
+                                  </m:sSubPr>
+                                  <m:e>
+                                    <m:r>
+                                      <a:rPr lang="en-US" sz="1900" i="1">
+                                        <a:effectLst/>
+                                        <a:latin typeface="Cambria Math" panose="02040503050406030204" pitchFamily="18" charset="0"/>
+                                        <a:ea typeface="Yu Mincho" panose="02020400000000000000" pitchFamily="18" charset="-128"/>
+                                        <a:cs typeface="Calibri" panose="020F0502020204030204" pitchFamily="34" charset="0"/>
+                                      </a:rPr>
+                                      <m:t>𝑦</m:t>
+                                    </m:r>
+                                  </m:e>
+                                  <m:sub>
+                                    <m:r>
+                                      <a:rPr lang="en-US" sz="1900" i="1">
+                                        <a:effectLst/>
+                                        <a:latin typeface="Cambria Math" panose="02040503050406030204" pitchFamily="18" charset="0"/>
+                                        <a:ea typeface="Yu Mincho" panose="02020400000000000000" pitchFamily="18" charset="-128"/>
+                                        <a:cs typeface="Calibri" panose="020F0502020204030204" pitchFamily="34" charset="0"/>
+                                      </a:rPr>
+                                      <m:t>𝑖</m:t>
+                                    </m:r>
+                                  </m:sub>
+                                </m:sSub>
+                              </m:e>
+                            </m:nary>
+                            <m:r>
+                              <a:rPr lang="en-US" sz="1900" i="1">
+                                <a:effectLst/>
+                                <a:latin typeface="Cambria Math" panose="02040503050406030204" pitchFamily="18" charset="0"/>
+                                <a:ea typeface="Yu Mincho" panose="02020400000000000000" pitchFamily="18" charset="-128"/>
+                                <a:cs typeface="Calibri" panose="020F0502020204030204" pitchFamily="34" charset="0"/>
+                              </a:rPr>
+                              <m:t> =0</m:t>
+                            </m:r>
+                          </m:e>
+                          <m:e>
+                            <m:r>
+                              <a:rPr lang="en-US" sz="1900" i="1">
+                                <a:effectLst/>
+                                <a:latin typeface="Cambria Math" panose="02040503050406030204" pitchFamily="18" charset="0"/>
+                                <a:ea typeface="Yu Mincho" panose="02020400000000000000" pitchFamily="18" charset="-128"/>
+                                <a:cs typeface="Calibri" panose="020F0502020204030204" pitchFamily="34" charset="0"/>
+                              </a:rPr>
+                              <m:t>0 ≤</m:t>
+                            </m:r>
                             <m:sSub>
                               <m:sSubPr>
                                 <m:ctrlPr>
-                                  <a:rPr lang="en-US" i="1">
+                                  <a:rPr lang="en-US" sz="1900" i="1">
+                                    <a:effectLst/>
                                     <a:latin typeface="Cambria Math" panose="02040503050406030204" pitchFamily="18" charset="0"/>
                                     <a:ea typeface="Yu Mincho" panose="02020400000000000000" pitchFamily="18" charset="-128"/>
                                     <a:cs typeface="Calibri" panose="020F0502020204030204" pitchFamily="34" charset="0"/>
@@ -8851,17 +7619,19 @@
                               </m:sSubPr>
                               <m:e>
                                 <m:r>
-                                  <a:rPr lang="en-US" i="1">
+                                  <a:rPr lang="en-US" sz="1900" i="1">
+                                    <a:effectLst/>
                                     <a:latin typeface="Cambria Math" panose="02040503050406030204" pitchFamily="18" charset="0"/>
                                     <a:ea typeface="Yu Mincho" panose="02020400000000000000" pitchFamily="18" charset="-128"/>
                                     <a:cs typeface="Calibri" panose="020F0502020204030204" pitchFamily="34" charset="0"/>
                                   </a:rPr>
-                                  <m:t>𝑦</m:t>
+                                  <m:t>𝑎</m:t>
                                 </m:r>
                               </m:e>
                               <m:sub>
                                 <m:r>
-                                  <a:rPr lang="en-US" i="1">
+                                  <a:rPr lang="en-US" sz="1900" i="1">
+                                    <a:effectLst/>
                                     <a:latin typeface="Cambria Math" panose="02040503050406030204" pitchFamily="18" charset="0"/>
                                     <a:ea typeface="Yu Mincho" panose="02020400000000000000" pitchFamily="18" charset="-128"/>
                                     <a:cs typeface="Calibri" panose="020F0502020204030204" pitchFamily="34" charset="0"/>
@@ -8871,221 +7641,17 @@
                               </m:sub>
                             </m:sSub>
                             <m:r>
-                              <a:rPr lang="en-US" i="1">
+                              <a:rPr lang="en-US" sz="1900" i="1">
+                                <a:effectLst/>
                                 <a:latin typeface="Cambria Math" panose="02040503050406030204" pitchFamily="18" charset="0"/>
                                 <a:ea typeface="Yu Mincho" panose="02020400000000000000" pitchFamily="18" charset="-128"/>
                                 <a:cs typeface="Calibri" panose="020F0502020204030204" pitchFamily="34" charset="0"/>
                               </a:rPr>
-                              <m:t>(</m:t>
-                            </m:r>
-                            <m:sSup>
-                              <m:sSupPr>
-                                <m:ctrlPr>
-                                  <a:rPr lang="en-US" i="1">
-                                    <a:latin typeface="Cambria Math" panose="02040503050406030204" pitchFamily="18" charset="0"/>
-                                    <a:ea typeface="Yu Mincho" panose="02020400000000000000" pitchFamily="18" charset="-128"/>
-                                    <a:cs typeface="Calibri" panose="020F0502020204030204" pitchFamily="34" charset="0"/>
-                                  </a:rPr>
-                                </m:ctrlPr>
-                              </m:sSupPr>
-                              <m:e>
-                                <m:r>
-                                  <a:rPr lang="en-US" i="1">
-                                    <a:latin typeface="Cambria Math" panose="02040503050406030204" pitchFamily="18" charset="0"/>
-                                    <a:ea typeface="Yu Mincho" panose="02020400000000000000" pitchFamily="18" charset="-128"/>
-                                    <a:cs typeface="Calibri" panose="020F0502020204030204" pitchFamily="34" charset="0"/>
-                                  </a:rPr>
-                                  <m:t>𝜔</m:t>
-                                </m:r>
-                              </m:e>
-                              <m:sup>
-                                <m:r>
-                                  <a:rPr lang="en-US" i="1">
-                                    <a:latin typeface="Cambria Math" panose="02040503050406030204" pitchFamily="18" charset="0"/>
-                                    <a:ea typeface="Yu Mincho" panose="02020400000000000000" pitchFamily="18" charset="-128"/>
-                                    <a:cs typeface="Calibri" panose="020F0502020204030204" pitchFamily="34" charset="0"/>
-                                  </a:rPr>
-                                  <m:t>𝑇</m:t>
-                                </m:r>
-                              </m:sup>
-                            </m:sSup>
-                            <m:r>
-                              <a:rPr lang="en-US" i="1">
-                                <a:latin typeface="Cambria Math" panose="02040503050406030204" pitchFamily="18" charset="0"/>
-                                <a:ea typeface="Yu Mincho" panose="02020400000000000000" pitchFamily="18" charset="-128"/>
-                                <a:cs typeface="Calibri" panose="020F0502020204030204" pitchFamily="34" charset="0"/>
-                              </a:rPr>
-                              <m:t>∅</m:t>
-                            </m:r>
-                            <m:d>
-                              <m:dPr>
-                                <m:ctrlPr>
-                                  <a:rPr lang="en-US" i="1">
-                                    <a:latin typeface="Cambria Math" panose="02040503050406030204" pitchFamily="18" charset="0"/>
-                                    <a:ea typeface="Yu Mincho" panose="02020400000000000000" pitchFamily="18" charset="-128"/>
-                                    <a:cs typeface="Calibri" panose="020F0502020204030204" pitchFamily="34" charset="0"/>
-                                  </a:rPr>
-                                </m:ctrlPr>
-                              </m:dPr>
-                              <m:e>
-                                <m:sSub>
-                                  <m:sSubPr>
-                                    <m:ctrlPr>
-                                      <a:rPr lang="en-US" i="1">
-                                        <a:latin typeface="Cambria Math" panose="02040503050406030204" pitchFamily="18" charset="0"/>
-                                        <a:ea typeface="Yu Mincho" panose="02020400000000000000" pitchFamily="18" charset="-128"/>
-                                        <a:cs typeface="Calibri" panose="020F0502020204030204" pitchFamily="34" charset="0"/>
-                                      </a:rPr>
-                                    </m:ctrlPr>
-                                  </m:sSubPr>
-                                  <m:e>
-                                    <m:r>
-                                      <a:rPr lang="en-US" i="1">
-                                        <a:latin typeface="Cambria Math" panose="02040503050406030204" pitchFamily="18" charset="0"/>
-                                        <a:ea typeface="Yu Mincho" panose="02020400000000000000" pitchFamily="18" charset="-128"/>
-                                        <a:cs typeface="Calibri" panose="020F0502020204030204" pitchFamily="34" charset="0"/>
-                                      </a:rPr>
-                                      <m:t>𝑥</m:t>
-                                    </m:r>
-                                  </m:e>
-                                  <m:sub>
-                                    <m:r>
-                                      <a:rPr lang="en-US" i="1">
-                                        <a:latin typeface="Cambria Math" panose="02040503050406030204" pitchFamily="18" charset="0"/>
-                                        <a:ea typeface="Yu Mincho" panose="02020400000000000000" pitchFamily="18" charset="-128"/>
-                                        <a:cs typeface="Calibri" panose="020F0502020204030204" pitchFamily="34" charset="0"/>
-                                      </a:rPr>
-                                      <m:t>𝑖</m:t>
-                                    </m:r>
-                                  </m:sub>
-                                </m:sSub>
-                                <m:r>
-                                  <a:rPr lang="en-US" i="1">
-                                    <a:latin typeface="Cambria Math" panose="02040503050406030204" pitchFamily="18" charset="0"/>
-                                    <a:ea typeface="Yu Mincho" panose="02020400000000000000" pitchFamily="18" charset="-128"/>
-                                    <a:cs typeface="Calibri" panose="020F0502020204030204" pitchFamily="34" charset="0"/>
-                                  </a:rPr>
-                                  <m:t>+</m:t>
-                                </m:r>
-                                <m:r>
-                                  <a:rPr lang="en-US" i="1">
-                                    <a:latin typeface="Cambria Math" panose="02040503050406030204" pitchFamily="18" charset="0"/>
-                                    <a:ea typeface="Yu Mincho" panose="02020400000000000000" pitchFamily="18" charset="-128"/>
-                                    <a:cs typeface="Calibri" panose="020F0502020204030204" pitchFamily="34" charset="0"/>
-                                  </a:rPr>
-                                  <m:t>𝑏</m:t>
-                                </m:r>
-                              </m:e>
-                            </m:d>
-                            <m:r>
-                              <a:rPr lang="en-US" i="1">
-                                <a:latin typeface="Cambria Math" panose="02040503050406030204" pitchFamily="18" charset="0"/>
-                                <a:ea typeface="Yu Mincho" panose="02020400000000000000" pitchFamily="18" charset="-128"/>
-                                <a:cs typeface="Calibri" panose="020F0502020204030204" pitchFamily="34" charset="0"/>
-                              </a:rPr>
-                              <m:t>≥1− </m:t>
-                            </m:r>
-                            <m:sSub>
-                              <m:sSubPr>
-                                <m:ctrlPr>
-                                  <a:rPr lang="en-US" i="1">
-                                    <a:latin typeface="Cambria Math" panose="02040503050406030204" pitchFamily="18" charset="0"/>
-                                    <a:ea typeface="Yu Mincho" panose="02020400000000000000" pitchFamily="18" charset="-128"/>
-                                    <a:cs typeface="Calibri" panose="020F0502020204030204" pitchFamily="34" charset="0"/>
-                                  </a:rPr>
-                                </m:ctrlPr>
-                              </m:sSubPr>
-                              <m:e>
-                                <m:r>
-                                  <a:rPr lang="en-US" i="1">
-                                    <a:latin typeface="Cambria Math" panose="02040503050406030204" pitchFamily="18" charset="0"/>
-                                    <a:ea typeface="Yu Mincho" panose="02020400000000000000" pitchFamily="18" charset="-128"/>
-                                    <a:cs typeface="Calibri" panose="020F0502020204030204" pitchFamily="34" charset="0"/>
-                                  </a:rPr>
-                                  <m:t>𝜁</m:t>
-                                </m:r>
-                              </m:e>
-                              <m:sub>
-                                <m:r>
-                                  <a:rPr lang="en-US" i="1">
-                                    <a:latin typeface="Cambria Math" panose="02040503050406030204" pitchFamily="18" charset="0"/>
-                                    <a:ea typeface="Yu Mincho" panose="02020400000000000000" pitchFamily="18" charset="-128"/>
-                                    <a:cs typeface="Calibri" panose="020F0502020204030204" pitchFamily="34" charset="0"/>
-                                  </a:rPr>
-                                  <m:t>𝑖</m:t>
-                                </m:r>
-                              </m:sub>
-                            </m:sSub>
-                            <m:r>
-                              <a:rPr lang="en-US" i="1">
-                                <a:latin typeface="Cambria Math" panose="02040503050406030204" pitchFamily="18" charset="0"/>
-                                <a:ea typeface="Yu Mincho" panose="02020400000000000000" pitchFamily="18" charset="-128"/>
-                                <a:cs typeface="Calibri" panose="020F0502020204030204" pitchFamily="34" charset="0"/>
-                              </a:rPr>
-                              <m:t>,</m:t>
+                              <m:t> , </m:t>
                             </m:r>
                             <m:r>
-                              <m:rPr>
-                                <m:nor/>
-                              </m:rPr>
-                              <a:rPr lang="en-US" dirty="0">
-                                <a:latin typeface="Calibri" panose="020F0502020204030204" pitchFamily="34" charset="0"/>
-                                <a:ea typeface="Yu Mincho" panose="02020400000000000000" pitchFamily="18" charset="-128"/>
-                                <a:cs typeface="Calibri" panose="020F0502020204030204" pitchFamily="34" charset="0"/>
-                              </a:rPr>
-                              <m:t> </m:t>
-                            </m:r>
-                          </m:e>
-                          <m:e>
-                            <m:sSub>
-                              <m:sSubPr>
-                                <m:ctrlPr>
-                                  <a:rPr lang="en-US" i="1">
-                                    <a:latin typeface="Cambria Math" panose="02040503050406030204" pitchFamily="18" charset="0"/>
-                                    <a:ea typeface="Yu Mincho" panose="02020400000000000000" pitchFamily="18" charset="-128"/>
-                                    <a:cs typeface="Calibri" panose="020F0502020204030204" pitchFamily="34" charset="0"/>
-                                  </a:rPr>
-                                </m:ctrlPr>
-                              </m:sSubPr>
-                              <m:e>
-                                <m:r>
-                                  <a:rPr lang="en-US" i="1">
-                                    <a:latin typeface="Cambria Math" panose="02040503050406030204" pitchFamily="18" charset="0"/>
-                                    <a:ea typeface="Yu Mincho" panose="02020400000000000000" pitchFamily="18" charset="-128"/>
-                                    <a:cs typeface="Calibri" panose="020F0502020204030204" pitchFamily="34" charset="0"/>
-                                  </a:rPr>
-                                  <m:t>𝜁</m:t>
-                                </m:r>
-                              </m:e>
-                              <m:sub>
-                                <m:r>
-                                  <a:rPr lang="en-US" i="1">
-                                    <a:latin typeface="Cambria Math" panose="02040503050406030204" pitchFamily="18" charset="0"/>
-                                    <a:ea typeface="Yu Mincho" panose="02020400000000000000" pitchFamily="18" charset="-128"/>
-                                    <a:cs typeface="Calibri" panose="020F0502020204030204" pitchFamily="34" charset="0"/>
-                                  </a:rPr>
-                                  <m:t>𝑖</m:t>
-                                </m:r>
-                                <m:r>
-                                  <a:rPr lang="en-US" i="1">
-                                    <a:latin typeface="Cambria Math" panose="02040503050406030204" pitchFamily="18" charset="0"/>
-                                    <a:ea typeface="Yu Mincho" panose="02020400000000000000" pitchFamily="18" charset="-128"/>
-                                    <a:cs typeface="Calibri" panose="020F0502020204030204" pitchFamily="34" charset="0"/>
-                                  </a:rPr>
-                                  <m:t> </m:t>
-                                </m:r>
-                              </m:sub>
-                            </m:sSub>
-                            <m:r>
-                              <a:rPr lang="en-US" i="1">
-                                <a:latin typeface="Cambria Math" panose="02040503050406030204" pitchFamily="18" charset="0"/>
-                                <a:ea typeface="Yu Mincho" panose="02020400000000000000" pitchFamily="18" charset="-128"/>
-                                <a:cs typeface="Calibri" panose="020F0502020204030204" pitchFamily="34" charset="0"/>
-                              </a:rPr>
-                              <m:t>≥0, </m:t>
-                            </m:r>
-                            <m:r>
-                              <a:rPr lang="en-US" i="1">
+                              <a:rPr lang="en-US" sz="1900" i="1">
+                                <a:effectLst/>
                                 <a:latin typeface="Cambria Math" panose="02040503050406030204" pitchFamily="18" charset="0"/>
                                 <a:ea typeface="Yu Mincho" panose="02020400000000000000" pitchFamily="18" charset="-128"/>
                                 <a:cs typeface="Calibri" panose="020F0502020204030204" pitchFamily="34" charset="0"/>
@@ -9093,7 +7659,8 @@
                               <m:t>𝑖</m:t>
                             </m:r>
                             <m:r>
-                              <a:rPr lang="en-US" i="1">
+                              <a:rPr lang="en-US" sz="1900" i="1">
+                                <a:effectLst/>
                                 <a:latin typeface="Cambria Math" panose="02040503050406030204" pitchFamily="18" charset="0"/>
                                 <a:ea typeface="Yu Mincho" panose="02020400000000000000" pitchFamily="18" charset="-128"/>
                                 <a:cs typeface="Calibri" panose="020F0502020204030204" pitchFamily="34" charset="0"/>
@@ -9101,7 +7668,8 @@
                               <m:t>=1,…, </m:t>
                             </m:r>
                             <m:r>
-                              <a:rPr lang="en-US" i="1">
+                              <a:rPr lang="en-US" sz="1900" i="1">
+                                <a:effectLst/>
                                 <a:latin typeface="Cambria Math" panose="02040503050406030204" pitchFamily="18" charset="0"/>
                                 <a:ea typeface="Yu Mincho" panose="02020400000000000000" pitchFamily="18" charset="-128"/>
                                 <a:cs typeface="Calibri" panose="020F0502020204030204" pitchFamily="34" charset="0"/>
@@ -9114,7 +7682,7 @@
                     </m:d>
                   </m:oMath>
                 </a14:m>
-                <a:endParaRPr lang="en-US" dirty="0">
+                <a:endParaRPr lang="en-US" sz="1900" dirty="0">
                   <a:effectLst/>
                   <a:latin typeface="Calibri" panose="020F0502020204030204" pitchFamily="34" charset="0"/>
                   <a:ea typeface="Yu Mincho" panose="02020400000000000000" pitchFamily="18" charset="-128"/>
@@ -9122,9 +7690,75 @@
                 </a:endParaRPr>
               </a:p>
               <a:p>
-                <a:pPr marL="0" marR="0" algn="ctr">
+                <a:pPr algn="just">
                   <a:lnSpc>
-                    <a:spcPct val="107000"/>
+                    <a:spcPct val="97000"/>
+                  </a:lnSpc>
+                  <a:spcAft>
+                    <a:spcPts val="800"/>
+                  </a:spcAft>
+                </a:pPr>
+                <a:r>
+                  <a:rPr lang="en-US" sz="1900" dirty="0">
+                    <a:effectLst/>
+                    <a:latin typeface="Calibri" panose="020F0502020204030204" pitchFamily="34" charset="0"/>
+                    <a:ea typeface="Yu Mincho" panose="02020400000000000000" pitchFamily="18" charset="-128"/>
+                    <a:cs typeface="Calibri" panose="020F0502020204030204" pitchFamily="34" charset="0"/>
+                  </a:rPr>
+                  <a:t>	Where </a:t>
+                </a:r>
+                <a14:m>
+                  <m:oMath xmlns:m="http://schemas.openxmlformats.org/officeDocument/2006/math">
+                    <m:sSub>
+                      <m:sSubPr>
+                        <m:ctrlPr>
+                          <a:rPr lang="en-US" sz="1900" i="1">
+                            <a:effectLst/>
+                            <a:latin typeface="Cambria Math" panose="02040503050406030204" pitchFamily="18" charset="0"/>
+                            <a:ea typeface="Yu Mincho" panose="02020400000000000000" pitchFamily="18" charset="-128"/>
+                            <a:cs typeface="Calibri" panose="020F0502020204030204" pitchFamily="34" charset="0"/>
+                          </a:rPr>
+                        </m:ctrlPr>
+                      </m:sSubPr>
+                      <m:e>
+                        <m:r>
+                          <a:rPr lang="en-US" sz="1900" i="1">
+                            <a:effectLst/>
+                            <a:latin typeface="Cambria Math" panose="02040503050406030204" pitchFamily="18" charset="0"/>
+                            <a:ea typeface="Yu Mincho" panose="02020400000000000000" pitchFamily="18" charset="-128"/>
+                            <a:cs typeface="Calibri" panose="020F0502020204030204" pitchFamily="34" charset="0"/>
+                          </a:rPr>
+                          <m:t>𝑎</m:t>
+                        </m:r>
+                      </m:e>
+                      <m:sub>
+                        <m:r>
+                          <a:rPr lang="en-US" sz="1900" i="1">
+                            <a:effectLst/>
+                            <a:latin typeface="Cambria Math" panose="02040503050406030204" pitchFamily="18" charset="0"/>
+                            <a:ea typeface="Yu Mincho" panose="02020400000000000000" pitchFamily="18" charset="-128"/>
+                            <a:cs typeface="Calibri" panose="020F0502020204030204" pitchFamily="34" charset="0"/>
+                          </a:rPr>
+                          <m:t>𝑖</m:t>
+                        </m:r>
+                      </m:sub>
+                    </m:sSub>
+                  </m:oMath>
+                </a14:m>
+                <a:r>
+                  <a:rPr lang="en-US" sz="1900" dirty="0">
+                    <a:effectLst/>
+                    <a:latin typeface="Calibri" panose="020F0502020204030204" pitchFamily="34" charset="0"/>
+                    <a:ea typeface="Yu Mincho" panose="02020400000000000000" pitchFamily="18" charset="-128"/>
+                    <a:cs typeface="Calibri" panose="020F0502020204030204" pitchFamily="34" charset="0"/>
+                  </a:rPr>
+                  <a:t> are called the dual coefficients, and upper-bounded by C.</a:t>
+                </a:r>
+              </a:p>
+              <a:p>
+                <a:pPr marL="0" marR="0" algn="just">
+                  <a:lnSpc>
+                    <a:spcPct val="97000"/>
                   </a:lnSpc>
                   <a:spcBef>
                     <a:spcPts val="0"/>
@@ -9133,7 +7767,7 @@
                     <a:spcPts val="800"/>
                   </a:spcAft>
                 </a:pPr>
-                <a:endParaRPr lang="en-US" dirty="0">
+                <a:endParaRPr lang="en-US" sz="1600" dirty="0">
                   <a:effectLst/>
                   <a:latin typeface="Calibri" panose="020F0502020204030204" pitchFamily="34" charset="0"/>
                   <a:ea typeface="Yu Mincho" panose="02020400000000000000" pitchFamily="18" charset="-128"/>
@@ -9143,13 +7777,13 @@
             </p:txBody>
           </p:sp>
         </mc:Choice>
-        <mc:Fallback xmlns="">
+        <mc:Fallback>
           <p:sp>
             <p:nvSpPr>
-              <p:cNvPr id="18" name="TextBox 17">
+              <p:cNvPr id="13" name="TextBox 12">
                 <a:extLst>
                   <a:ext uri="{FF2B5EF4-FFF2-40B4-BE49-F238E27FC236}">
-                    <a16:creationId xmlns:a16="http://schemas.microsoft.com/office/drawing/2014/main" id="{352B0145-6B73-4E71-A57B-AEB2C945CB2A}"/>
+                    <a16:creationId xmlns:a16="http://schemas.microsoft.com/office/drawing/2014/main" id="{70B31EDA-16CC-44CA-A1AC-3B876DD7C027}"/>
                   </a:ext>
                 </a:extLst>
               </p:cNvPr>
@@ -9160,8 +7794,8 @@
             </p:nvSpPr>
             <p:spPr>
               <a:xfrm>
-                <a:off x="5432988" y="4097650"/>
-                <a:ext cx="5406647" cy="2537426"/>
+                <a:off x="4878566" y="4021585"/>
+                <a:ext cx="7086721" cy="2514682"/>
               </a:xfrm>
               <a:prstGeom prst="rect">
                 <a:avLst/>
@@ -9169,7 +7803,7 @@
               <a:blipFill>
                 <a:blip r:embed="rId4"/>
                 <a:stretch>
-                  <a:fillRect t="-1683"/>
+                  <a:fillRect t="-2184"/>
                 </a:stretch>
               </a:blipFill>
             </p:spPr>
@@ -9201,2300 +7835,7 @@
 </p:sld>
 </file>
 
-<file path=ppt/slides/slide13.xml><?xml version="1.0" encoding="utf-8"?>
-<p:sld xmlns:a="http://schemas.openxmlformats.org/drawingml/2006/main" xmlns:r="http://schemas.openxmlformats.org/officeDocument/2006/relationships" xmlns:p="http://schemas.openxmlformats.org/presentationml/2006/main">
-  <p:cSld>
-    <p:bg>
-      <p:bgPr>
-        <a:solidFill>
-          <a:schemeClr val="bg1"/>
-        </a:solidFill>
-        <a:effectLst/>
-      </p:bgPr>
-    </p:bg>
-    <p:spTree>
-      <p:nvGrpSpPr>
-        <p:cNvPr id="1" name=""/>
-        <p:cNvGrpSpPr/>
-        <p:nvPr/>
-      </p:nvGrpSpPr>
-      <p:grpSpPr>
-        <a:xfrm>
-          <a:off x="0" y="0"/>
-          <a:ext cx="0" cy="0"/>
-          <a:chOff x="0" y="0"/>
-          <a:chExt cx="0" cy="0"/>
-        </a:xfrm>
-      </p:grpSpPr>
-      <p:sp>
-        <p:nvSpPr>
-          <p:cNvPr id="14" name="Rectangle 13">
-            <a:extLst>
-              <a:ext uri="{FF2B5EF4-FFF2-40B4-BE49-F238E27FC236}">
-                <a16:creationId xmlns:a16="http://schemas.microsoft.com/office/drawing/2014/main" id="{86FF76B9-219D-4469-AF87-0236D29032F1}"/>
-              </a:ext>
-              <a:ext uri="{C183D7F6-B498-43B3-948B-1728B52AA6E4}">
-                <adec:decorative xmlns:adec="http://schemas.microsoft.com/office/drawing/2017/decorative" val="1"/>
-              </a:ext>
-            </a:extLst>
-          </p:cNvPr>
-          <p:cNvSpPr>
-            <a:spLocks noGrp="1" noRot="1" noChangeAspect="1" noMove="1" noResize="1" noEditPoints="1" noAdjustHandles="1" noChangeArrowheads="1" noChangeShapeType="1" noTextEdit="1"/>
-          </p:cNvSpPr>
-          <p:nvPr>
-            <p:extLst>
-              <p:ext uri="{386F3935-93C4-4BCD-93E2-E3B085C9AB24}">
-                <p16:designElem xmlns:p16="http://schemas.microsoft.com/office/powerpoint/2015/main" val="1"/>
-              </p:ext>
-            </p:extLst>
-          </p:nvPr>
-        </p:nvSpPr>
-        <p:spPr>
-          <a:xfrm>
-            <a:off x="0" y="0"/>
-            <a:ext cx="12192000" cy="6858000"/>
-          </a:xfrm>
-          <a:prstGeom prst="rect">
-            <a:avLst/>
-          </a:prstGeom>
-          <a:solidFill>
-            <a:schemeClr val="bg1"/>
-          </a:solidFill>
-          <a:ln>
-            <a:noFill/>
-          </a:ln>
-        </p:spPr>
-        <p:style>
-          <a:lnRef idx="2">
-            <a:schemeClr val="accent1">
-              <a:shade val="50000"/>
-            </a:schemeClr>
-          </a:lnRef>
-          <a:fillRef idx="1">
-            <a:schemeClr val="accent1"/>
-          </a:fillRef>
-          <a:effectRef idx="0">
-            <a:schemeClr val="accent1"/>
-          </a:effectRef>
-          <a:fontRef idx="minor">
-            <a:schemeClr val="lt1"/>
-          </a:fontRef>
-        </p:style>
-        <p:txBody>
-          <a:bodyPr rtlCol="0" anchor="ctr"/>
-          <a:lstStyle/>
-          <a:p>
-            <a:pPr algn="ctr"/>
-            <a:endParaRPr lang="en-US" sz="2000" dirty="0"/>
-          </a:p>
-        </p:txBody>
-      </p:sp>
-      <p:grpSp>
-        <p:nvGrpSpPr>
-          <p:cNvPr id="16" name="Group 15">
-            <a:extLst>
-              <a:ext uri="{FF2B5EF4-FFF2-40B4-BE49-F238E27FC236}">
-                <a16:creationId xmlns:a16="http://schemas.microsoft.com/office/drawing/2014/main" id="{DB88BD78-87E1-424D-B479-C37D8E41B12E}"/>
-              </a:ext>
-              <a:ext uri="{C183D7F6-B498-43B3-948B-1728B52AA6E4}">
-                <adec:decorative xmlns:adec="http://schemas.microsoft.com/office/drawing/2017/decorative" val="1"/>
-              </a:ext>
-            </a:extLst>
-          </p:cNvPr>
-          <p:cNvGrpSpPr>
-            <a:grpSpLocks noGrp="1" noUngrp="1" noRot="1" noChangeAspect="1" noMove="1" noResize="1"/>
-          </p:cNvGrpSpPr>
-          <p:nvPr>
-            <p:extLst>
-              <p:ext uri="{386F3935-93C4-4BCD-93E2-E3B085C9AB24}">
-                <p16:designElem xmlns:p16="http://schemas.microsoft.com/office/powerpoint/2015/main" val="1"/>
-              </p:ext>
-            </p:extLst>
-          </p:nvPr>
-        </p:nvGrpSpPr>
-        <p:grpSpPr>
-          <a:xfrm flipH="1">
-            <a:off x="10964637" y="2358"/>
-            <a:ext cx="1876653" cy="1766008"/>
-            <a:chOff x="-648769" y="2358"/>
-            <a:chExt cx="1876653" cy="1766008"/>
-          </a:xfrm>
-        </p:grpSpPr>
-        <p:sp>
-          <p:nvSpPr>
-            <p:cNvPr id="17" name="Freeform: Shape 16">
-              <a:extLst>
-                <a:ext uri="{FF2B5EF4-FFF2-40B4-BE49-F238E27FC236}">
-                  <a16:creationId xmlns:a16="http://schemas.microsoft.com/office/drawing/2014/main" id="{C05EB894-9410-4B20-95E4-7A25101AB895}"/>
-                </a:ext>
-                <a:ext uri="{C183D7F6-B498-43B3-948B-1728B52AA6E4}">
-                  <adec:decorative xmlns:adec="http://schemas.microsoft.com/office/drawing/2017/decorative" val="1"/>
-                </a:ext>
-              </a:extLst>
-            </p:cNvPr>
-            <p:cNvSpPr/>
-            <p:nvPr>
-              <p:extLst>
-                <p:ext uri="{386F3935-93C4-4BCD-93E2-E3B085C9AB24}">
-                  <p16:designElem xmlns:p16="http://schemas.microsoft.com/office/powerpoint/2015/main" val="1"/>
-                </p:ext>
-              </p:extLst>
-            </p:nvPr>
-          </p:nvSpPr>
-          <p:spPr>
-            <a:xfrm rot="2700000">
-              <a:off x="-415188" y="-231223"/>
-              <a:ext cx="1409491" cy="1876653"/>
-            </a:xfrm>
-            <a:custGeom>
-              <a:avLst/>
-              <a:gdLst>
-                <a:gd name="connsiteX0" fmla="*/ 0 w 1409491"/>
-                <a:gd name="connsiteY0" fmla="*/ 643075 h 1876653"/>
-                <a:gd name="connsiteX1" fmla="*/ 643075 w 1409491"/>
-                <a:gd name="connsiteY1" fmla="*/ 0 h 1876653"/>
-                <a:gd name="connsiteX2" fmla="*/ 1409491 w 1409491"/>
-                <a:gd name="connsiteY2" fmla="*/ 0 h 1876653"/>
-                <a:gd name="connsiteX3" fmla="*/ 1409491 w 1409491"/>
-                <a:gd name="connsiteY3" fmla="*/ 1876653 h 1876653"/>
-                <a:gd name="connsiteX4" fmla="*/ 1233578 w 1409491"/>
-                <a:gd name="connsiteY4" fmla="*/ 1876653 h 1876653"/>
-              </a:gdLst>
-              <a:ahLst/>
-              <a:cxnLst>
-                <a:cxn ang="0">
-                  <a:pos x="connsiteX0" y="connsiteY0"/>
-                </a:cxn>
-                <a:cxn ang="0">
-                  <a:pos x="connsiteX1" y="connsiteY1"/>
-                </a:cxn>
-                <a:cxn ang="0">
-                  <a:pos x="connsiteX2" y="connsiteY2"/>
-                </a:cxn>
-                <a:cxn ang="0">
-                  <a:pos x="connsiteX3" y="connsiteY3"/>
-                </a:cxn>
-                <a:cxn ang="0">
-                  <a:pos x="connsiteX4" y="connsiteY4"/>
-                </a:cxn>
-              </a:cxnLst>
-              <a:rect l="l" t="t" r="r" b="b"/>
-              <a:pathLst>
-                <a:path w="1409491" h="1876653">
-                  <a:moveTo>
-                    <a:pt x="0" y="643075"/>
-                  </a:moveTo>
-                  <a:lnTo>
-                    <a:pt x="643075" y="0"/>
-                  </a:lnTo>
-                  <a:lnTo>
-                    <a:pt x="1409491" y="0"/>
-                  </a:lnTo>
-                  <a:lnTo>
-                    <a:pt x="1409491" y="1876653"/>
-                  </a:lnTo>
-                  <a:lnTo>
-                    <a:pt x="1233578" y="1876653"/>
-                  </a:lnTo>
-                  <a:close/>
-                </a:path>
-              </a:pathLst>
-            </a:custGeom>
-            <a:solidFill>
-              <a:schemeClr val="accent1">
-                <a:alpha val="30000"/>
-              </a:schemeClr>
-            </a:solidFill>
-            <a:ln>
-              <a:noFill/>
-            </a:ln>
-          </p:spPr>
-          <p:style>
-            <a:lnRef idx="2">
-              <a:schemeClr val="accent1">
-                <a:shade val="50000"/>
-              </a:schemeClr>
-            </a:lnRef>
-            <a:fillRef idx="1">
-              <a:schemeClr val="accent1"/>
-            </a:fillRef>
-            <a:effectRef idx="0">
-              <a:schemeClr val="accent1"/>
-            </a:effectRef>
-            <a:fontRef idx="minor">
-              <a:schemeClr val="lt1"/>
-            </a:fontRef>
-          </p:style>
-          <p:txBody>
-            <a:bodyPr rtlCol="0" anchor="ctr"/>
-            <a:lstStyle/>
-            <a:p>
-              <a:pPr algn="ctr"/>
-              <a:endParaRPr lang="en-US" sz="2000"/>
-            </a:p>
-          </p:txBody>
-        </p:sp>
-        <p:sp>
-          <p:nvSpPr>
-            <p:cNvPr id="18" name="Rectangle 17">
-              <a:extLst>
-                <a:ext uri="{FF2B5EF4-FFF2-40B4-BE49-F238E27FC236}">
-                  <a16:creationId xmlns:a16="http://schemas.microsoft.com/office/drawing/2014/main" id="{166E38B6-B050-4340-8E8F-3A971DADC031}"/>
-                </a:ext>
-                <a:ext uri="{C183D7F6-B498-43B3-948B-1728B52AA6E4}">
-                  <adec:decorative xmlns:adec="http://schemas.microsoft.com/office/drawing/2017/decorative" val="1"/>
-                </a:ext>
-              </a:extLst>
-            </p:cNvPr>
-            <p:cNvSpPr/>
-            <p:nvPr>
-              <p:extLst>
-                <p:ext uri="{386F3935-93C4-4BCD-93E2-E3B085C9AB24}">
-                  <p16:designElem xmlns:p16="http://schemas.microsoft.com/office/powerpoint/2015/main" val="1"/>
-                </p:ext>
-              </p:extLst>
-            </p:nvPr>
-          </p:nvSpPr>
-          <p:spPr>
-            <a:xfrm rot="2700000">
-              <a:off x="301285" y="1282788"/>
-              <a:ext cx="485578" cy="485578"/>
-            </a:xfrm>
-            <a:prstGeom prst="rect">
-              <a:avLst/>
-            </a:prstGeom>
-            <a:solidFill>
-              <a:schemeClr val="accent1">
-                <a:alpha val="30000"/>
-              </a:schemeClr>
-            </a:solidFill>
-            <a:ln>
-              <a:noFill/>
-            </a:ln>
-          </p:spPr>
-          <p:style>
-            <a:lnRef idx="2">
-              <a:schemeClr val="accent1">
-                <a:shade val="50000"/>
-              </a:schemeClr>
-            </a:lnRef>
-            <a:fillRef idx="1">
-              <a:schemeClr val="accent1"/>
-            </a:fillRef>
-            <a:effectRef idx="0">
-              <a:schemeClr val="accent1"/>
-            </a:effectRef>
-            <a:fontRef idx="minor">
-              <a:schemeClr val="lt1"/>
-            </a:fontRef>
-          </p:style>
-          <p:txBody>
-            <a:bodyPr rtlCol="0" anchor="ctr"/>
-            <a:lstStyle/>
-            <a:p>
-              <a:pPr algn="ctr"/>
-              <a:endParaRPr lang="en-US" sz="2000"/>
-            </a:p>
-          </p:txBody>
-        </p:sp>
-      </p:grpSp>
-      <p:sp>
-        <p:nvSpPr>
-          <p:cNvPr id="20" name="Rectangle 19">
-            <a:extLst>
-              <a:ext uri="{FF2B5EF4-FFF2-40B4-BE49-F238E27FC236}">
-                <a16:creationId xmlns:a16="http://schemas.microsoft.com/office/drawing/2014/main" id="{2E80C965-DB6D-4F81-9E9E-B027384D0BD6}"/>
-              </a:ext>
-              <a:ext uri="{C183D7F6-B498-43B3-948B-1728B52AA6E4}">
-                <adec:decorative xmlns:adec="http://schemas.microsoft.com/office/drawing/2017/decorative" val="1"/>
-              </a:ext>
-            </a:extLst>
-          </p:cNvPr>
-          <p:cNvSpPr>
-            <a:spLocks noGrp="1" noRot="1" noChangeAspect="1" noMove="1" noResize="1" noEditPoints="1" noAdjustHandles="1" noChangeArrowheads="1" noChangeShapeType="1" noTextEdit="1"/>
-          </p:cNvSpPr>
-          <p:nvPr>
-            <p:extLst>
-              <p:ext uri="{386F3935-93C4-4BCD-93E2-E3B085C9AB24}">
-                <p16:designElem xmlns:p16="http://schemas.microsoft.com/office/powerpoint/2015/main" val="1"/>
-              </p:ext>
-            </p:extLst>
-          </p:nvPr>
-        </p:nvSpPr>
-        <p:spPr>
-          <a:xfrm rot="2700000">
-            <a:off x="2737196" y="6033666"/>
-            <a:ext cx="645368" cy="645368"/>
-          </a:xfrm>
-          <a:prstGeom prst="rect">
-            <a:avLst/>
-          </a:prstGeom>
-          <a:solidFill>
-            <a:schemeClr val="accent4">
-              <a:alpha val="30000"/>
-            </a:schemeClr>
-          </a:solidFill>
-          <a:ln>
-            <a:noFill/>
-          </a:ln>
-        </p:spPr>
-        <p:style>
-          <a:lnRef idx="2">
-            <a:schemeClr val="accent1">
-              <a:shade val="50000"/>
-            </a:schemeClr>
-          </a:lnRef>
-          <a:fillRef idx="1">
-            <a:schemeClr val="accent1"/>
-          </a:fillRef>
-          <a:effectRef idx="0">
-            <a:schemeClr val="accent1"/>
-          </a:effectRef>
-          <a:fontRef idx="minor">
-            <a:schemeClr val="lt1"/>
-          </a:fontRef>
-        </p:style>
-        <p:txBody>
-          <a:bodyPr rtlCol="0" anchor="ctr"/>
-          <a:lstStyle/>
-          <a:p>
-            <a:pPr algn="ctr"/>
-            <a:endParaRPr lang="en-US" sz="2000"/>
-          </a:p>
-        </p:txBody>
-      </p:sp>
-      <p:sp>
-        <p:nvSpPr>
-          <p:cNvPr id="22" name="Isosceles Triangle 21">
-            <a:extLst>
-              <a:ext uri="{FF2B5EF4-FFF2-40B4-BE49-F238E27FC236}">
-                <a16:creationId xmlns:a16="http://schemas.microsoft.com/office/drawing/2014/main" id="{633C5E46-DAC5-4661-9C87-22B08E2A512F}"/>
-              </a:ext>
-              <a:ext uri="{C183D7F6-B498-43B3-948B-1728B52AA6E4}">
-                <adec:decorative xmlns:adec="http://schemas.microsoft.com/office/drawing/2017/decorative" val="1"/>
-              </a:ext>
-            </a:extLst>
-          </p:cNvPr>
-          <p:cNvSpPr>
-            <a:spLocks noGrp="1" noRot="1" noChangeAspect="1" noMove="1" noResize="1" noEditPoints="1" noAdjustHandles="1" noChangeArrowheads="1" noChangeShapeType="1" noTextEdit="1"/>
-          </p:cNvSpPr>
-          <p:nvPr>
-            <p:extLst>
-              <p:ext uri="{386F3935-93C4-4BCD-93E2-E3B085C9AB24}">
-                <p16:designElem xmlns:p16="http://schemas.microsoft.com/office/powerpoint/2015/main" val="1"/>
-              </p:ext>
-            </p:extLst>
-          </p:nvPr>
-        </p:nvSpPr>
-        <p:spPr>
-          <a:xfrm>
-            <a:off x="1343436" y="5721108"/>
-            <a:ext cx="2261965" cy="1136891"/>
-          </a:xfrm>
-          <a:prstGeom prst="triangle">
-            <a:avLst>
-              <a:gd name="adj" fmla="val 50000"/>
-            </a:avLst>
-          </a:prstGeom>
-          <a:solidFill>
-            <a:schemeClr val="accent4">
-              <a:alpha val="30000"/>
-            </a:schemeClr>
-          </a:solidFill>
-          <a:ln>
-            <a:noFill/>
-          </a:ln>
-        </p:spPr>
-        <p:style>
-          <a:lnRef idx="2">
-            <a:schemeClr val="accent1">
-              <a:shade val="50000"/>
-            </a:schemeClr>
-          </a:lnRef>
-          <a:fillRef idx="1">
-            <a:schemeClr val="accent1"/>
-          </a:fillRef>
-          <a:effectRef idx="0">
-            <a:schemeClr val="accent1"/>
-          </a:effectRef>
-          <a:fontRef idx="minor">
-            <a:schemeClr val="lt1"/>
-          </a:fontRef>
-        </p:style>
-        <p:txBody>
-          <a:bodyPr rtlCol="0" anchor="ctr"/>
-          <a:lstStyle/>
-          <a:p>
-            <a:pPr algn="ctr"/>
-            <a:endParaRPr lang="en-US" sz="2000"/>
-          </a:p>
-        </p:txBody>
-      </p:sp>
-      <mc:AlternateContent xmlns:mc="http://schemas.openxmlformats.org/markup-compatibility/2006" xmlns:a14="http://schemas.microsoft.com/office/drawing/2010/main">
-        <mc:Choice Requires="a14">
-          <p:sp>
-            <p:nvSpPr>
-              <p:cNvPr id="7" name="TextBox 6">
-                <a:extLst>
-                  <a:ext uri="{FF2B5EF4-FFF2-40B4-BE49-F238E27FC236}">
-                    <a16:creationId xmlns:a16="http://schemas.microsoft.com/office/drawing/2014/main" id="{3B578442-E7D6-4753-A053-B9AAFCD1CE42}"/>
-                  </a:ext>
-                </a:extLst>
-              </p:cNvPr>
-              <p:cNvSpPr txBox="1"/>
-              <p:nvPr/>
-            </p:nvSpPr>
-            <p:spPr>
-              <a:xfrm>
-                <a:off x="642938" y="642938"/>
-                <a:ext cx="11315382" cy="2214563"/>
-              </a:xfrm>
-              <a:prstGeom prst="rect">
-                <a:avLst/>
-              </a:prstGeom>
-              <a:noFill/>
-            </p:spPr>
-            <p:txBody>
-              <a:bodyPr wrap="square" anchor="t">
-                <a:normAutofit fontScale="92500" lnSpcReduction="20000"/>
-              </a:bodyPr>
-              <a:lstStyle/>
-              <a:p>
-                <a:pPr>
-                  <a:lnSpc>
-                    <a:spcPct val="107000"/>
-                  </a:lnSpc>
-                </a:pPr>
-                <a:r>
-                  <a:rPr lang="en-US" sz="3000" b="1" dirty="0">
-                    <a:latin typeface="Calibri" panose="020F0502020204030204" pitchFamily="34" charset="0"/>
-                    <a:ea typeface="Yu Mincho" panose="02020400000000000000" pitchFamily="18" charset="-128"/>
-                    <a:cs typeface="Calibri" panose="020F0502020204030204" pitchFamily="34" charset="0"/>
-                  </a:rPr>
-                  <a:t>The dual problem:</a:t>
-                </a:r>
-              </a:p>
-              <a:p>
-                <a:pPr marL="0" marR="0" algn="ctr">
-                  <a:lnSpc>
-                    <a:spcPct val="97000"/>
-                  </a:lnSpc>
-                  <a:spcBef>
-                    <a:spcPts val="0"/>
-                  </a:spcBef>
-                  <a:spcAft>
-                    <a:spcPts val="800"/>
-                  </a:spcAft>
-                </a:pPr>
-                <a14:m>
-                  <m:oMathPara xmlns:m="http://schemas.openxmlformats.org/officeDocument/2006/math">
-                    <m:oMathParaPr>
-                      <m:jc m:val="centerGroup"/>
-                    </m:oMathParaPr>
-                    <m:oMath xmlns:m="http://schemas.openxmlformats.org/officeDocument/2006/math">
-                      <m:sSub>
-                        <m:sSubPr>
-                          <m:ctrlPr>
-                            <a:rPr lang="en-US" i="1">
-                              <a:effectLst/>
-                              <a:latin typeface="Cambria Math" panose="02040503050406030204" pitchFamily="18" charset="0"/>
-                              <a:ea typeface="Yu Mincho" panose="02020400000000000000" pitchFamily="18" charset="-128"/>
-                              <a:cs typeface="Calibri" panose="020F0502020204030204" pitchFamily="34" charset="0"/>
-                            </a:rPr>
-                          </m:ctrlPr>
-                        </m:sSubPr>
-                        <m:e>
-                          <m:r>
-                            <a:rPr lang="en-US" i="1">
-                              <a:effectLst/>
-                              <a:latin typeface="Cambria Math" panose="02040503050406030204" pitchFamily="18" charset="0"/>
-                              <a:ea typeface="Yu Mincho" panose="02020400000000000000" pitchFamily="18" charset="-128"/>
-                              <a:cs typeface="Calibri" panose="020F0502020204030204" pitchFamily="34" charset="0"/>
-                            </a:rPr>
-                            <m:t>𝐿</m:t>
-                          </m:r>
-                        </m:e>
-                        <m:sub>
-                          <m:r>
-                            <a:rPr lang="en-US" i="1">
-                              <a:effectLst/>
-                              <a:latin typeface="Cambria Math" panose="02040503050406030204" pitchFamily="18" charset="0"/>
-                              <a:ea typeface="Yu Mincho" panose="02020400000000000000" pitchFamily="18" charset="-128"/>
-                              <a:cs typeface="Calibri" panose="020F0502020204030204" pitchFamily="34" charset="0"/>
-                            </a:rPr>
-                            <m:t>𝐷</m:t>
-                          </m:r>
-                        </m:sub>
-                      </m:sSub>
-                      <m:r>
-                        <a:rPr lang="en-US" i="1">
-                          <a:effectLst/>
-                          <a:latin typeface="Cambria Math" panose="02040503050406030204" pitchFamily="18" charset="0"/>
-                          <a:ea typeface="Yu Mincho" panose="02020400000000000000" pitchFamily="18" charset="-128"/>
-                          <a:cs typeface="Calibri" panose="020F0502020204030204" pitchFamily="34" charset="0"/>
-                        </a:rPr>
-                        <m:t>= </m:t>
-                      </m:r>
-                      <m:nary>
-                        <m:naryPr>
-                          <m:chr m:val="∑"/>
-                          <m:limLoc m:val="undOvr"/>
-                          <m:ctrlPr>
-                            <a:rPr lang="en-US" i="1">
-                              <a:effectLst/>
-                              <a:latin typeface="Cambria Math" panose="02040503050406030204" pitchFamily="18" charset="0"/>
-                              <a:ea typeface="Yu Mincho" panose="02020400000000000000" pitchFamily="18" charset="-128"/>
-                              <a:cs typeface="Calibri" panose="020F0502020204030204" pitchFamily="34" charset="0"/>
-                            </a:rPr>
-                          </m:ctrlPr>
-                        </m:naryPr>
-                        <m:sub>
-                          <m:r>
-                            <a:rPr lang="en-US" i="1">
-                              <a:effectLst/>
-                              <a:latin typeface="Cambria Math" panose="02040503050406030204" pitchFamily="18" charset="0"/>
-                              <a:ea typeface="Yu Mincho" panose="02020400000000000000" pitchFamily="18" charset="-128"/>
-                              <a:cs typeface="Calibri" panose="020F0502020204030204" pitchFamily="34" charset="0"/>
-                            </a:rPr>
-                            <m:t>𝑖</m:t>
-                          </m:r>
-                          <m:r>
-                            <a:rPr lang="en-US" i="1">
-                              <a:effectLst/>
-                              <a:latin typeface="Cambria Math" panose="02040503050406030204" pitchFamily="18" charset="0"/>
-                              <a:ea typeface="Yu Mincho" panose="02020400000000000000" pitchFamily="18" charset="-128"/>
-                              <a:cs typeface="Calibri" panose="020F0502020204030204" pitchFamily="34" charset="0"/>
-                            </a:rPr>
-                            <m:t>=1</m:t>
-                          </m:r>
-                        </m:sub>
-                        <m:sup>
-                          <m:r>
-                            <a:rPr lang="en-US" i="1">
-                              <a:effectLst/>
-                              <a:latin typeface="Cambria Math" panose="02040503050406030204" pitchFamily="18" charset="0"/>
-                              <a:ea typeface="Yu Mincho" panose="02020400000000000000" pitchFamily="18" charset="-128"/>
-                              <a:cs typeface="Calibri" panose="020F0502020204030204" pitchFamily="34" charset="0"/>
-                            </a:rPr>
-                            <m:t>𝑟</m:t>
-                          </m:r>
-                        </m:sup>
-                        <m:e>
-                          <m:sSub>
-                            <m:sSubPr>
-                              <m:ctrlPr>
-                                <a:rPr lang="en-US" i="1">
-                                  <a:effectLst/>
-                                  <a:latin typeface="Cambria Math" panose="02040503050406030204" pitchFamily="18" charset="0"/>
-                                  <a:ea typeface="Yu Mincho" panose="02020400000000000000" pitchFamily="18" charset="-128"/>
-                                  <a:cs typeface="Calibri" panose="020F0502020204030204" pitchFamily="34" charset="0"/>
-                                </a:rPr>
-                              </m:ctrlPr>
-                            </m:sSubPr>
-                            <m:e>
-                              <m:r>
-                                <a:rPr lang="en-US" i="1">
-                                  <a:effectLst/>
-                                  <a:latin typeface="Cambria Math" panose="02040503050406030204" pitchFamily="18" charset="0"/>
-                                  <a:ea typeface="Yu Mincho" panose="02020400000000000000" pitchFamily="18" charset="-128"/>
-                                  <a:cs typeface="Calibri" panose="020F0502020204030204" pitchFamily="34" charset="0"/>
-                                </a:rPr>
-                                <m:t>𝑎</m:t>
-                              </m:r>
-                            </m:e>
-                            <m:sub>
-                              <m:r>
-                                <a:rPr lang="en-US" i="1">
-                                  <a:effectLst/>
-                                  <a:latin typeface="Cambria Math" panose="02040503050406030204" pitchFamily="18" charset="0"/>
-                                  <a:ea typeface="Yu Mincho" panose="02020400000000000000" pitchFamily="18" charset="-128"/>
-                                  <a:cs typeface="Calibri" panose="020F0502020204030204" pitchFamily="34" charset="0"/>
-                                </a:rPr>
-                                <m:t>𝑖</m:t>
-                              </m:r>
-                            </m:sub>
-                          </m:sSub>
-                        </m:e>
-                      </m:nary>
-                      <m:r>
-                        <a:rPr lang="en-US" i="1">
-                          <a:effectLst/>
-                          <a:latin typeface="Cambria Math" panose="02040503050406030204" pitchFamily="18" charset="0"/>
-                          <a:ea typeface="Yu Mincho" panose="02020400000000000000" pitchFamily="18" charset="-128"/>
-                          <a:cs typeface="Calibri" panose="020F0502020204030204" pitchFamily="34" charset="0"/>
-                        </a:rPr>
-                        <m:t>−</m:t>
-                      </m:r>
-                      <m:f>
-                        <m:fPr>
-                          <m:ctrlPr>
-                            <a:rPr lang="en-US" i="1">
-                              <a:effectLst/>
-                              <a:latin typeface="Cambria Math" panose="02040503050406030204" pitchFamily="18" charset="0"/>
-                              <a:ea typeface="Yu Mincho" panose="02020400000000000000" pitchFamily="18" charset="-128"/>
-                              <a:cs typeface="Calibri" panose="020F0502020204030204" pitchFamily="34" charset="0"/>
-                            </a:rPr>
-                          </m:ctrlPr>
-                        </m:fPr>
-                        <m:num>
-                          <m:r>
-                            <a:rPr lang="en-US" i="1">
-                              <a:effectLst/>
-                              <a:latin typeface="Cambria Math" panose="02040503050406030204" pitchFamily="18" charset="0"/>
-                              <a:ea typeface="Yu Mincho" panose="02020400000000000000" pitchFamily="18" charset="-128"/>
-                              <a:cs typeface="Calibri" panose="020F0502020204030204" pitchFamily="34" charset="0"/>
-                            </a:rPr>
-                            <m:t>1</m:t>
-                          </m:r>
-                        </m:num>
-                        <m:den>
-                          <m:r>
-                            <a:rPr lang="en-US" i="1">
-                              <a:effectLst/>
-                              <a:latin typeface="Cambria Math" panose="02040503050406030204" pitchFamily="18" charset="0"/>
-                              <a:ea typeface="Yu Mincho" panose="02020400000000000000" pitchFamily="18" charset="-128"/>
-                              <a:cs typeface="Calibri" panose="020F0502020204030204" pitchFamily="34" charset="0"/>
-                            </a:rPr>
-                            <m:t>2</m:t>
-                          </m:r>
-                        </m:den>
-                      </m:f>
-                      <m:r>
-                        <a:rPr lang="en-US" i="1">
-                          <a:effectLst/>
-                          <a:latin typeface="Cambria Math" panose="02040503050406030204" pitchFamily="18" charset="0"/>
-                          <a:ea typeface="Yu Mincho" panose="02020400000000000000" pitchFamily="18" charset="-128"/>
-                          <a:cs typeface="Calibri" panose="020F0502020204030204" pitchFamily="34" charset="0"/>
-                        </a:rPr>
-                        <m:t> </m:t>
-                      </m:r>
-                      <m:nary>
-                        <m:naryPr>
-                          <m:chr m:val="∑"/>
-                          <m:limLoc m:val="undOvr"/>
-                          <m:ctrlPr>
-                            <a:rPr lang="en-US" i="1">
-                              <a:effectLst/>
-                              <a:latin typeface="Cambria Math" panose="02040503050406030204" pitchFamily="18" charset="0"/>
-                              <a:ea typeface="Yu Mincho" panose="02020400000000000000" pitchFamily="18" charset="-128"/>
-                              <a:cs typeface="Calibri" panose="020F0502020204030204" pitchFamily="34" charset="0"/>
-                            </a:rPr>
-                          </m:ctrlPr>
-                        </m:naryPr>
-                        <m:sub>
-                          <m:r>
-                            <a:rPr lang="en-US" i="1">
-                              <a:effectLst/>
-                              <a:latin typeface="Cambria Math" panose="02040503050406030204" pitchFamily="18" charset="0"/>
-                              <a:ea typeface="Yu Mincho" panose="02020400000000000000" pitchFamily="18" charset="-128"/>
-                              <a:cs typeface="Calibri" panose="020F0502020204030204" pitchFamily="34" charset="0"/>
-                            </a:rPr>
-                            <m:t>𝑖</m:t>
-                          </m:r>
-                          <m:r>
-                            <a:rPr lang="en-US" i="1">
-                              <a:effectLst/>
-                              <a:latin typeface="Cambria Math" panose="02040503050406030204" pitchFamily="18" charset="0"/>
-                              <a:ea typeface="Yu Mincho" panose="02020400000000000000" pitchFamily="18" charset="-128"/>
-                              <a:cs typeface="Calibri" panose="020F0502020204030204" pitchFamily="34" charset="0"/>
-                            </a:rPr>
-                            <m:t>, </m:t>
-                          </m:r>
-                          <m:r>
-                            <a:rPr lang="en-US" i="1">
-                              <a:effectLst/>
-                              <a:latin typeface="Cambria Math" panose="02040503050406030204" pitchFamily="18" charset="0"/>
-                              <a:ea typeface="Yu Mincho" panose="02020400000000000000" pitchFamily="18" charset="-128"/>
-                              <a:cs typeface="Calibri" panose="020F0502020204030204" pitchFamily="34" charset="0"/>
-                            </a:rPr>
-                            <m:t>𝑗</m:t>
-                          </m:r>
-                          <m:r>
-                            <a:rPr lang="en-US" i="1">
-                              <a:effectLst/>
-                              <a:latin typeface="Cambria Math" panose="02040503050406030204" pitchFamily="18" charset="0"/>
-                              <a:ea typeface="Yu Mincho" panose="02020400000000000000" pitchFamily="18" charset="-128"/>
-                              <a:cs typeface="Calibri" panose="020F0502020204030204" pitchFamily="34" charset="0"/>
-                            </a:rPr>
-                            <m:t>=1</m:t>
-                          </m:r>
-                        </m:sub>
-                        <m:sup>
-                          <m:r>
-                            <a:rPr lang="en-US" i="1">
-                              <a:effectLst/>
-                              <a:latin typeface="Cambria Math" panose="02040503050406030204" pitchFamily="18" charset="0"/>
-                              <a:ea typeface="Yu Mincho" panose="02020400000000000000" pitchFamily="18" charset="-128"/>
-                              <a:cs typeface="Calibri" panose="020F0502020204030204" pitchFamily="34" charset="0"/>
-                            </a:rPr>
-                            <m:t>𝑟</m:t>
-                          </m:r>
-                        </m:sup>
-                        <m:e>
-                          <m:sSub>
-                            <m:sSubPr>
-                              <m:ctrlPr>
-                                <a:rPr lang="en-US" i="1">
-                                  <a:effectLst/>
-                                  <a:latin typeface="Cambria Math" panose="02040503050406030204" pitchFamily="18" charset="0"/>
-                                  <a:ea typeface="Yu Mincho" panose="02020400000000000000" pitchFamily="18" charset="-128"/>
-                                  <a:cs typeface="Calibri" panose="020F0502020204030204" pitchFamily="34" charset="0"/>
-                                </a:rPr>
-                              </m:ctrlPr>
-                            </m:sSubPr>
-                            <m:e>
-                              <m:r>
-                                <a:rPr lang="en-US" i="1">
-                                  <a:effectLst/>
-                                  <a:latin typeface="Cambria Math" panose="02040503050406030204" pitchFamily="18" charset="0"/>
-                                  <a:ea typeface="Yu Mincho" panose="02020400000000000000" pitchFamily="18" charset="-128"/>
-                                  <a:cs typeface="Calibri" panose="020F0502020204030204" pitchFamily="34" charset="0"/>
-                                </a:rPr>
-                                <m:t>𝑎</m:t>
-                              </m:r>
-                            </m:e>
-                            <m:sub>
-                              <m:r>
-                                <a:rPr lang="en-US" i="1">
-                                  <a:effectLst/>
-                                  <a:latin typeface="Cambria Math" panose="02040503050406030204" pitchFamily="18" charset="0"/>
-                                  <a:ea typeface="Yu Mincho" panose="02020400000000000000" pitchFamily="18" charset="-128"/>
-                                  <a:cs typeface="Calibri" panose="020F0502020204030204" pitchFamily="34" charset="0"/>
-                                </a:rPr>
-                                <m:t>𝑖</m:t>
-                              </m:r>
-                            </m:sub>
-                          </m:sSub>
-                          <m:r>
-                            <a:rPr lang="en-US" i="1">
-                              <a:effectLst/>
-                              <a:latin typeface="Cambria Math" panose="02040503050406030204" pitchFamily="18" charset="0"/>
-                              <a:ea typeface="Yu Mincho" panose="02020400000000000000" pitchFamily="18" charset="-128"/>
-                              <a:cs typeface="Calibri" panose="020F0502020204030204" pitchFamily="34" charset="0"/>
-                            </a:rPr>
-                            <m:t> </m:t>
-                          </m:r>
-                          <m:sSub>
-                            <m:sSubPr>
-                              <m:ctrlPr>
-                                <a:rPr lang="en-US" i="1">
-                                  <a:effectLst/>
-                                  <a:latin typeface="Cambria Math" panose="02040503050406030204" pitchFamily="18" charset="0"/>
-                                  <a:ea typeface="Yu Mincho" panose="02020400000000000000" pitchFamily="18" charset="-128"/>
-                                  <a:cs typeface="Calibri" panose="020F0502020204030204" pitchFamily="34" charset="0"/>
-                                </a:rPr>
-                              </m:ctrlPr>
-                            </m:sSubPr>
-                            <m:e>
-                              <m:r>
-                                <a:rPr lang="en-US" i="1">
-                                  <a:effectLst/>
-                                  <a:latin typeface="Cambria Math" panose="02040503050406030204" pitchFamily="18" charset="0"/>
-                                  <a:ea typeface="Yu Mincho" panose="02020400000000000000" pitchFamily="18" charset="-128"/>
-                                  <a:cs typeface="Calibri" panose="020F0502020204030204" pitchFamily="34" charset="0"/>
-                                </a:rPr>
-                                <m:t>𝑎</m:t>
-                              </m:r>
-                            </m:e>
-                            <m:sub>
-                              <m:r>
-                                <a:rPr lang="en-US" i="1">
-                                  <a:effectLst/>
-                                  <a:latin typeface="Cambria Math" panose="02040503050406030204" pitchFamily="18" charset="0"/>
-                                  <a:ea typeface="Yu Mincho" panose="02020400000000000000" pitchFamily="18" charset="-128"/>
-                                  <a:cs typeface="Calibri" panose="020F0502020204030204" pitchFamily="34" charset="0"/>
-                                </a:rPr>
-                                <m:t>𝑗</m:t>
-                              </m:r>
-                            </m:sub>
-                          </m:sSub>
-                          <m:sSub>
-                            <m:sSubPr>
-                              <m:ctrlPr>
-                                <a:rPr lang="en-US" i="1">
-                                  <a:effectLst/>
-                                  <a:latin typeface="Cambria Math" panose="02040503050406030204" pitchFamily="18" charset="0"/>
-                                  <a:ea typeface="Yu Mincho" panose="02020400000000000000" pitchFamily="18" charset="-128"/>
-                                  <a:cs typeface="Calibri" panose="020F0502020204030204" pitchFamily="34" charset="0"/>
-                                </a:rPr>
-                              </m:ctrlPr>
-                            </m:sSubPr>
-                            <m:e>
-                              <m:r>
-                                <a:rPr lang="en-US" i="1">
-                                  <a:effectLst/>
-                                  <a:latin typeface="Cambria Math" panose="02040503050406030204" pitchFamily="18" charset="0"/>
-                                  <a:ea typeface="Yu Mincho" panose="02020400000000000000" pitchFamily="18" charset="-128"/>
-                                  <a:cs typeface="Calibri" panose="020F0502020204030204" pitchFamily="34" charset="0"/>
-                                </a:rPr>
-                                <m:t> </m:t>
-                              </m:r>
-                              <m:r>
-                                <a:rPr lang="en-US" i="1">
-                                  <a:effectLst/>
-                                  <a:latin typeface="Cambria Math" panose="02040503050406030204" pitchFamily="18" charset="0"/>
-                                  <a:ea typeface="Yu Mincho" panose="02020400000000000000" pitchFamily="18" charset="-128"/>
-                                  <a:cs typeface="Calibri" panose="020F0502020204030204" pitchFamily="34" charset="0"/>
-                                </a:rPr>
-                                <m:t>𝑦</m:t>
-                              </m:r>
-                            </m:e>
-                            <m:sub>
-                              <m:r>
-                                <a:rPr lang="en-US" i="1">
-                                  <a:effectLst/>
-                                  <a:latin typeface="Cambria Math" panose="02040503050406030204" pitchFamily="18" charset="0"/>
-                                  <a:ea typeface="Yu Mincho" panose="02020400000000000000" pitchFamily="18" charset="-128"/>
-                                  <a:cs typeface="Calibri" panose="020F0502020204030204" pitchFamily="34" charset="0"/>
-                                </a:rPr>
-                                <m:t>𝑖</m:t>
-                              </m:r>
-                            </m:sub>
-                          </m:sSub>
-                          <m:sSub>
-                            <m:sSubPr>
-                              <m:ctrlPr>
-                                <a:rPr lang="en-US" i="1">
-                                  <a:effectLst/>
-                                  <a:latin typeface="Cambria Math" panose="02040503050406030204" pitchFamily="18" charset="0"/>
-                                  <a:ea typeface="Yu Mincho" panose="02020400000000000000" pitchFamily="18" charset="-128"/>
-                                  <a:cs typeface="Calibri" panose="020F0502020204030204" pitchFamily="34" charset="0"/>
-                                </a:rPr>
-                              </m:ctrlPr>
-                            </m:sSubPr>
-                            <m:e>
-                              <m:r>
-                                <a:rPr lang="en-US" i="1">
-                                  <a:effectLst/>
-                                  <a:latin typeface="Cambria Math" panose="02040503050406030204" pitchFamily="18" charset="0"/>
-                                  <a:ea typeface="Yu Mincho" panose="02020400000000000000" pitchFamily="18" charset="-128"/>
-                                  <a:cs typeface="Calibri" panose="020F0502020204030204" pitchFamily="34" charset="0"/>
-                                </a:rPr>
-                                <m:t> </m:t>
-                              </m:r>
-                              <m:r>
-                                <a:rPr lang="en-US" i="1">
-                                  <a:effectLst/>
-                                  <a:latin typeface="Cambria Math" panose="02040503050406030204" pitchFamily="18" charset="0"/>
-                                  <a:ea typeface="Yu Mincho" panose="02020400000000000000" pitchFamily="18" charset="-128"/>
-                                  <a:cs typeface="Calibri" panose="020F0502020204030204" pitchFamily="34" charset="0"/>
-                                </a:rPr>
-                                <m:t>𝑦</m:t>
-                              </m:r>
-                            </m:e>
-                            <m:sub>
-                              <m:r>
-                                <a:rPr lang="en-US" i="1">
-                                  <a:effectLst/>
-                                  <a:latin typeface="Cambria Math" panose="02040503050406030204" pitchFamily="18" charset="0"/>
-                                  <a:ea typeface="Yu Mincho" panose="02020400000000000000" pitchFamily="18" charset="-128"/>
-                                  <a:cs typeface="Calibri" panose="020F0502020204030204" pitchFamily="34" charset="0"/>
-                                </a:rPr>
-                                <m:t>𝑗</m:t>
-                              </m:r>
-                            </m:sub>
-                          </m:sSub>
-                          <m:r>
-                            <a:rPr lang="en-US" i="1">
-                              <a:effectLst/>
-                              <a:latin typeface="Cambria Math" panose="02040503050406030204" pitchFamily="18" charset="0"/>
-                              <a:ea typeface="Yu Mincho" panose="02020400000000000000" pitchFamily="18" charset="-128"/>
-                              <a:cs typeface="Calibri" panose="020F0502020204030204" pitchFamily="34" charset="0"/>
-                            </a:rPr>
-                            <m:t> </m:t>
-                          </m:r>
-                          <m:d>
-                            <m:dPr>
-                              <m:begChr m:val="〈"/>
-                              <m:endChr m:val="〉"/>
-                              <m:ctrlPr>
-                                <a:rPr lang="en-US" i="1">
-                                  <a:effectLst/>
-                                  <a:latin typeface="Cambria Math" panose="02040503050406030204" pitchFamily="18" charset="0"/>
-                                  <a:ea typeface="Yu Mincho" panose="02020400000000000000" pitchFamily="18" charset="-128"/>
-                                  <a:cs typeface="Calibri" panose="020F0502020204030204" pitchFamily="34" charset="0"/>
-                                </a:rPr>
-                              </m:ctrlPr>
-                            </m:dPr>
-                            <m:e>
-                              <m:r>
-                                <a:rPr lang="vi-VN" i="1">
-                                  <a:solidFill>
-                                    <a:srgbClr val="212529"/>
-                                  </a:solidFill>
-                                  <a:effectLst/>
-                                  <a:latin typeface="Cambria Math" panose="02040503050406030204" pitchFamily="18" charset="0"/>
-                                  <a:ea typeface="Yu Mincho" panose="02020400000000000000" pitchFamily="18" charset="-128"/>
-                                  <a:cs typeface="Calibri" panose="020F0502020204030204" pitchFamily="34" charset="0"/>
-                                </a:rPr>
-                                <m:t>∅</m:t>
-                              </m:r>
-                              <m:d>
-                                <m:dPr>
-                                  <m:ctrlPr>
-                                    <a:rPr lang="en-US" i="1">
-                                      <a:solidFill>
-                                        <a:srgbClr val="212529"/>
-                                      </a:solidFill>
-                                      <a:effectLst/>
-                                      <a:latin typeface="Cambria Math" panose="02040503050406030204" pitchFamily="18" charset="0"/>
-                                      <a:ea typeface="Yu Mincho" panose="02020400000000000000" pitchFamily="18" charset="-128"/>
-                                      <a:cs typeface="Calibri" panose="020F0502020204030204" pitchFamily="34" charset="0"/>
-                                    </a:rPr>
-                                  </m:ctrlPr>
-                                </m:dPr>
-                                <m:e>
-                                  <m:sSub>
-                                    <m:sSubPr>
-                                      <m:ctrlPr>
-                                        <a:rPr lang="en-US" i="1">
-                                          <a:solidFill>
-                                            <a:srgbClr val="212529"/>
-                                          </a:solidFill>
-                                          <a:effectLst/>
-                                          <a:latin typeface="Cambria Math" panose="02040503050406030204" pitchFamily="18" charset="0"/>
-                                          <a:ea typeface="Yu Mincho" panose="02020400000000000000" pitchFamily="18" charset="-128"/>
-                                          <a:cs typeface="Calibri" panose="020F0502020204030204" pitchFamily="34" charset="0"/>
-                                        </a:rPr>
-                                      </m:ctrlPr>
-                                    </m:sSubPr>
-                                    <m:e>
-                                      <m:r>
-                                        <a:rPr lang="vi-VN" i="1">
-                                          <a:solidFill>
-                                            <a:srgbClr val="212529"/>
-                                          </a:solidFill>
-                                          <a:effectLst/>
-                                          <a:latin typeface="Cambria Math" panose="02040503050406030204" pitchFamily="18" charset="0"/>
-                                          <a:ea typeface="Yu Mincho" panose="02020400000000000000" pitchFamily="18" charset="-128"/>
-                                          <a:cs typeface="Calibri" panose="020F0502020204030204" pitchFamily="34" charset="0"/>
-                                        </a:rPr>
-                                        <m:t>𝑥</m:t>
-                                      </m:r>
-                                    </m:e>
-                                    <m:sub>
-                                      <m:r>
-                                        <a:rPr lang="vi-VN" i="1">
-                                          <a:solidFill>
-                                            <a:srgbClr val="212529"/>
-                                          </a:solidFill>
-                                          <a:effectLst/>
-                                          <a:latin typeface="Cambria Math" panose="02040503050406030204" pitchFamily="18" charset="0"/>
-                                          <a:ea typeface="Yu Mincho" panose="02020400000000000000" pitchFamily="18" charset="-128"/>
-                                          <a:cs typeface="Calibri" panose="020F0502020204030204" pitchFamily="34" charset="0"/>
-                                        </a:rPr>
-                                        <m:t>𝑖</m:t>
-                                      </m:r>
-                                    </m:sub>
-                                  </m:sSub>
-                                </m:e>
-                              </m:d>
-                              <m:r>
-                                <a:rPr lang="vi-VN" i="1">
-                                  <a:solidFill>
-                                    <a:srgbClr val="212529"/>
-                                  </a:solidFill>
-                                  <a:effectLst/>
-                                  <a:latin typeface="Cambria Math" panose="02040503050406030204" pitchFamily="18" charset="0"/>
-                                  <a:ea typeface="Yu Mincho" panose="02020400000000000000" pitchFamily="18" charset="-128"/>
-                                  <a:cs typeface="Calibri" panose="020F0502020204030204" pitchFamily="34" charset="0"/>
-                                </a:rPr>
-                                <m:t>.∅</m:t>
-                              </m:r>
-                              <m:d>
-                                <m:dPr>
-                                  <m:ctrlPr>
-                                    <a:rPr lang="en-US" i="1">
-                                      <a:solidFill>
-                                        <a:srgbClr val="212529"/>
-                                      </a:solidFill>
-                                      <a:effectLst/>
-                                      <a:latin typeface="Cambria Math" panose="02040503050406030204" pitchFamily="18" charset="0"/>
-                                      <a:ea typeface="Yu Mincho" panose="02020400000000000000" pitchFamily="18" charset="-128"/>
-                                      <a:cs typeface="Calibri" panose="020F0502020204030204" pitchFamily="34" charset="0"/>
-                                    </a:rPr>
-                                  </m:ctrlPr>
-                                </m:dPr>
-                                <m:e>
-                                  <m:sSub>
-                                    <m:sSubPr>
-                                      <m:ctrlPr>
-                                        <a:rPr lang="en-US" i="1">
-                                          <a:solidFill>
-                                            <a:srgbClr val="212529"/>
-                                          </a:solidFill>
-                                          <a:effectLst/>
-                                          <a:latin typeface="Cambria Math" panose="02040503050406030204" pitchFamily="18" charset="0"/>
-                                          <a:ea typeface="Yu Mincho" panose="02020400000000000000" pitchFamily="18" charset="-128"/>
-                                          <a:cs typeface="Calibri" panose="020F0502020204030204" pitchFamily="34" charset="0"/>
-                                        </a:rPr>
-                                      </m:ctrlPr>
-                                    </m:sSubPr>
-                                    <m:e>
-                                      <m:r>
-                                        <a:rPr lang="vi-VN" i="1">
-                                          <a:solidFill>
-                                            <a:srgbClr val="212529"/>
-                                          </a:solidFill>
-                                          <a:effectLst/>
-                                          <a:latin typeface="Cambria Math" panose="02040503050406030204" pitchFamily="18" charset="0"/>
-                                          <a:ea typeface="Yu Mincho" panose="02020400000000000000" pitchFamily="18" charset="-128"/>
-                                          <a:cs typeface="Calibri" panose="020F0502020204030204" pitchFamily="34" charset="0"/>
-                                        </a:rPr>
-                                        <m:t>𝑥</m:t>
-                                      </m:r>
-                                    </m:e>
-                                    <m:sub>
-                                      <m:r>
-                                        <a:rPr lang="vi-VN" i="1">
-                                          <a:solidFill>
-                                            <a:srgbClr val="212529"/>
-                                          </a:solidFill>
-                                          <a:effectLst/>
-                                          <a:latin typeface="Cambria Math" panose="02040503050406030204" pitchFamily="18" charset="0"/>
-                                          <a:ea typeface="Yu Mincho" panose="02020400000000000000" pitchFamily="18" charset="-128"/>
-                                          <a:cs typeface="Calibri" panose="020F0502020204030204" pitchFamily="34" charset="0"/>
-                                        </a:rPr>
-                                        <m:t>𝑗</m:t>
-                                      </m:r>
-                                    </m:sub>
-                                  </m:sSub>
-                                </m:e>
-                              </m:d>
-                            </m:e>
-                          </m:d>
-                        </m:e>
-                      </m:nary>
-                    </m:oMath>
-                  </m:oMathPara>
-                </a14:m>
-                <a:endParaRPr lang="en-US" dirty="0">
-                  <a:effectLst/>
-                  <a:latin typeface="Calibri" panose="020F0502020204030204" pitchFamily="34" charset="0"/>
-                  <a:ea typeface="Yu Mincho" panose="02020400000000000000" pitchFamily="18" charset="-128"/>
-                  <a:cs typeface="Calibri" panose="020F0502020204030204" pitchFamily="34" charset="0"/>
-                </a:endParaRPr>
-              </a:p>
-              <a:p>
-                <a:pPr marL="0" marR="0" algn="ctr">
-                  <a:lnSpc>
-                    <a:spcPct val="97000"/>
-                  </a:lnSpc>
-                  <a:spcBef>
-                    <a:spcPts val="0"/>
-                  </a:spcBef>
-                  <a:spcAft>
-                    <a:spcPts val="800"/>
-                  </a:spcAft>
-                </a:pPr>
-                <a:r>
-                  <a:rPr lang="en-US" dirty="0">
-                    <a:effectLst/>
-                    <a:latin typeface="Calibri" panose="020F0502020204030204" pitchFamily="34" charset="0"/>
-                    <a:ea typeface="Yu Mincho" panose="02020400000000000000" pitchFamily="18" charset="-128"/>
-                    <a:cs typeface="Calibri" panose="020F0502020204030204" pitchFamily="34" charset="0"/>
-                  </a:rPr>
-                  <a:t>subject to: </a:t>
-                </a:r>
-                <a14:m>
-                  <m:oMath xmlns:m="http://schemas.openxmlformats.org/officeDocument/2006/math">
-                    <m:d>
-                      <m:dPr>
-                        <m:begChr m:val="{"/>
-                        <m:endChr m:val=""/>
-                        <m:ctrlPr>
-                          <a:rPr lang="en-US" i="1">
-                            <a:effectLst/>
-                            <a:latin typeface="Cambria Math" panose="02040503050406030204" pitchFamily="18" charset="0"/>
-                            <a:ea typeface="Yu Mincho" panose="02020400000000000000" pitchFamily="18" charset="-128"/>
-                            <a:cs typeface="Calibri" panose="020F0502020204030204" pitchFamily="34" charset="0"/>
-                          </a:rPr>
-                        </m:ctrlPr>
-                      </m:dPr>
-                      <m:e>
-                        <m:eqArr>
-                          <m:eqArrPr>
-                            <m:ctrlPr>
-                              <a:rPr lang="en-US" i="1">
-                                <a:effectLst/>
-                                <a:latin typeface="Cambria Math" panose="02040503050406030204" pitchFamily="18" charset="0"/>
-                                <a:ea typeface="Yu Mincho" panose="02020400000000000000" pitchFamily="18" charset="-128"/>
-                                <a:cs typeface="Calibri" panose="020F0502020204030204" pitchFamily="34" charset="0"/>
-                              </a:rPr>
-                            </m:ctrlPr>
-                          </m:eqArrPr>
-                          <m:e>
-                            <m:nary>
-                              <m:naryPr>
-                                <m:chr m:val="∑"/>
-                                <m:limLoc m:val="undOvr"/>
-                                <m:ctrlPr>
-                                  <a:rPr lang="en-US" i="1">
-                                    <a:effectLst/>
-                                    <a:latin typeface="Cambria Math" panose="02040503050406030204" pitchFamily="18" charset="0"/>
-                                    <a:ea typeface="Yu Mincho" panose="02020400000000000000" pitchFamily="18" charset="-128"/>
-                                    <a:cs typeface="Calibri" panose="020F0502020204030204" pitchFamily="34" charset="0"/>
-                                  </a:rPr>
-                                </m:ctrlPr>
-                              </m:naryPr>
-                              <m:sub>
-                                <m:r>
-                                  <a:rPr lang="en-US" i="1">
-                                    <a:effectLst/>
-                                    <a:latin typeface="Cambria Math" panose="02040503050406030204" pitchFamily="18" charset="0"/>
-                                    <a:ea typeface="Yu Mincho" panose="02020400000000000000" pitchFamily="18" charset="-128"/>
-                                    <a:cs typeface="Calibri" panose="020F0502020204030204" pitchFamily="34" charset="0"/>
-                                  </a:rPr>
-                                  <m:t>𝑖</m:t>
-                                </m:r>
-                                <m:r>
-                                  <a:rPr lang="en-US" i="1">
-                                    <a:effectLst/>
-                                    <a:latin typeface="Cambria Math" panose="02040503050406030204" pitchFamily="18" charset="0"/>
-                                    <a:ea typeface="Yu Mincho" panose="02020400000000000000" pitchFamily="18" charset="-128"/>
-                                    <a:cs typeface="Calibri" panose="020F0502020204030204" pitchFamily="34" charset="0"/>
-                                  </a:rPr>
-                                  <m:t>=1</m:t>
-                                </m:r>
-                              </m:sub>
-                              <m:sup>
-                                <m:r>
-                                  <a:rPr lang="en-US" i="1">
-                                    <a:effectLst/>
-                                    <a:latin typeface="Cambria Math" panose="02040503050406030204" pitchFamily="18" charset="0"/>
-                                    <a:ea typeface="Yu Mincho" panose="02020400000000000000" pitchFamily="18" charset="-128"/>
-                                    <a:cs typeface="Calibri" panose="020F0502020204030204" pitchFamily="34" charset="0"/>
-                                  </a:rPr>
-                                  <m:t>𝑟</m:t>
-                                </m:r>
-                              </m:sup>
-                              <m:e>
-                                <m:sSub>
-                                  <m:sSubPr>
-                                    <m:ctrlPr>
-                                      <a:rPr lang="en-US" i="1">
-                                        <a:effectLst/>
-                                        <a:latin typeface="Cambria Math" panose="02040503050406030204" pitchFamily="18" charset="0"/>
-                                        <a:ea typeface="Yu Mincho" panose="02020400000000000000" pitchFamily="18" charset="-128"/>
-                                        <a:cs typeface="Calibri" panose="020F0502020204030204" pitchFamily="34" charset="0"/>
-                                      </a:rPr>
-                                    </m:ctrlPr>
-                                  </m:sSubPr>
-                                  <m:e>
-                                    <m:r>
-                                      <a:rPr lang="en-US" i="1">
-                                        <a:effectLst/>
-                                        <a:latin typeface="Cambria Math" panose="02040503050406030204" pitchFamily="18" charset="0"/>
-                                        <a:ea typeface="Yu Mincho" panose="02020400000000000000" pitchFamily="18" charset="-128"/>
-                                        <a:cs typeface="Calibri" panose="020F0502020204030204" pitchFamily="34" charset="0"/>
-                                      </a:rPr>
-                                      <m:t>𝑎</m:t>
-                                    </m:r>
-                                  </m:e>
-                                  <m:sub>
-                                    <m:r>
-                                      <a:rPr lang="en-US" i="1">
-                                        <a:effectLst/>
-                                        <a:latin typeface="Cambria Math" panose="02040503050406030204" pitchFamily="18" charset="0"/>
-                                        <a:ea typeface="Yu Mincho" panose="02020400000000000000" pitchFamily="18" charset="-128"/>
-                                        <a:cs typeface="Calibri" panose="020F0502020204030204" pitchFamily="34" charset="0"/>
-                                      </a:rPr>
-                                      <m:t>𝑖</m:t>
-                                    </m:r>
-                                  </m:sub>
-                                </m:sSub>
-                                <m:sSub>
-                                  <m:sSubPr>
-                                    <m:ctrlPr>
-                                      <a:rPr lang="en-US" i="1">
-                                        <a:effectLst/>
-                                        <a:latin typeface="Cambria Math" panose="02040503050406030204" pitchFamily="18" charset="0"/>
-                                        <a:ea typeface="Yu Mincho" panose="02020400000000000000" pitchFamily="18" charset="-128"/>
-                                        <a:cs typeface="Calibri" panose="020F0502020204030204" pitchFamily="34" charset="0"/>
-                                      </a:rPr>
-                                    </m:ctrlPr>
-                                  </m:sSubPr>
-                                  <m:e>
-                                    <m:r>
-                                      <a:rPr lang="en-US" i="1">
-                                        <a:effectLst/>
-                                        <a:latin typeface="Cambria Math" panose="02040503050406030204" pitchFamily="18" charset="0"/>
-                                        <a:ea typeface="Yu Mincho" panose="02020400000000000000" pitchFamily="18" charset="-128"/>
-                                        <a:cs typeface="Calibri" panose="020F0502020204030204" pitchFamily="34" charset="0"/>
-                                      </a:rPr>
-                                      <m:t>𝑦</m:t>
-                                    </m:r>
-                                  </m:e>
-                                  <m:sub>
-                                    <m:r>
-                                      <a:rPr lang="en-US" i="1">
-                                        <a:effectLst/>
-                                        <a:latin typeface="Cambria Math" panose="02040503050406030204" pitchFamily="18" charset="0"/>
-                                        <a:ea typeface="Yu Mincho" panose="02020400000000000000" pitchFamily="18" charset="-128"/>
-                                        <a:cs typeface="Calibri" panose="020F0502020204030204" pitchFamily="34" charset="0"/>
-                                      </a:rPr>
-                                      <m:t>𝑖</m:t>
-                                    </m:r>
-                                  </m:sub>
-                                </m:sSub>
-                              </m:e>
-                            </m:nary>
-                            <m:r>
-                              <a:rPr lang="en-US" i="1">
-                                <a:effectLst/>
-                                <a:latin typeface="Cambria Math" panose="02040503050406030204" pitchFamily="18" charset="0"/>
-                                <a:ea typeface="Yu Mincho" panose="02020400000000000000" pitchFamily="18" charset="-128"/>
-                                <a:cs typeface="Calibri" panose="020F0502020204030204" pitchFamily="34" charset="0"/>
-                              </a:rPr>
-                              <m:t> =0</m:t>
-                            </m:r>
-                          </m:e>
-                          <m:e>
-                            <m:r>
-                              <a:rPr lang="en-US" i="1">
-                                <a:effectLst/>
-                                <a:latin typeface="Cambria Math" panose="02040503050406030204" pitchFamily="18" charset="0"/>
-                                <a:ea typeface="Yu Mincho" panose="02020400000000000000" pitchFamily="18" charset="-128"/>
-                                <a:cs typeface="Calibri" panose="020F0502020204030204" pitchFamily="34" charset="0"/>
-                              </a:rPr>
-                              <m:t>0 ≤</m:t>
-                            </m:r>
-                            <m:sSub>
-                              <m:sSubPr>
-                                <m:ctrlPr>
-                                  <a:rPr lang="en-US" i="1">
-                                    <a:effectLst/>
-                                    <a:latin typeface="Cambria Math" panose="02040503050406030204" pitchFamily="18" charset="0"/>
-                                    <a:ea typeface="Yu Mincho" panose="02020400000000000000" pitchFamily="18" charset="-128"/>
-                                    <a:cs typeface="Calibri" panose="020F0502020204030204" pitchFamily="34" charset="0"/>
-                                  </a:rPr>
-                                </m:ctrlPr>
-                              </m:sSubPr>
-                              <m:e>
-                                <m:r>
-                                  <a:rPr lang="en-US" i="1">
-                                    <a:effectLst/>
-                                    <a:latin typeface="Cambria Math" panose="02040503050406030204" pitchFamily="18" charset="0"/>
-                                    <a:ea typeface="Yu Mincho" panose="02020400000000000000" pitchFamily="18" charset="-128"/>
-                                    <a:cs typeface="Calibri" panose="020F0502020204030204" pitchFamily="34" charset="0"/>
-                                  </a:rPr>
-                                  <m:t>𝑎</m:t>
-                                </m:r>
-                              </m:e>
-                              <m:sub>
-                                <m:r>
-                                  <a:rPr lang="en-US" i="1">
-                                    <a:effectLst/>
-                                    <a:latin typeface="Cambria Math" panose="02040503050406030204" pitchFamily="18" charset="0"/>
-                                    <a:ea typeface="Yu Mincho" panose="02020400000000000000" pitchFamily="18" charset="-128"/>
-                                    <a:cs typeface="Calibri" panose="020F0502020204030204" pitchFamily="34" charset="0"/>
-                                  </a:rPr>
-                                  <m:t>𝑖</m:t>
-                                </m:r>
-                              </m:sub>
-                            </m:sSub>
-                            <m:r>
-                              <a:rPr lang="en-US" i="1">
-                                <a:effectLst/>
-                                <a:latin typeface="Cambria Math" panose="02040503050406030204" pitchFamily="18" charset="0"/>
-                                <a:ea typeface="Yu Mincho" panose="02020400000000000000" pitchFamily="18" charset="-128"/>
-                                <a:cs typeface="Calibri" panose="020F0502020204030204" pitchFamily="34" charset="0"/>
-                              </a:rPr>
-                              <m:t> , </m:t>
-                            </m:r>
-                            <m:r>
-                              <a:rPr lang="en-US" i="1">
-                                <a:effectLst/>
-                                <a:latin typeface="Cambria Math" panose="02040503050406030204" pitchFamily="18" charset="0"/>
-                                <a:ea typeface="Yu Mincho" panose="02020400000000000000" pitchFamily="18" charset="-128"/>
-                                <a:cs typeface="Calibri" panose="020F0502020204030204" pitchFamily="34" charset="0"/>
-                              </a:rPr>
-                              <m:t>𝑖</m:t>
-                            </m:r>
-                            <m:r>
-                              <a:rPr lang="en-US" i="1">
-                                <a:effectLst/>
-                                <a:latin typeface="Cambria Math" panose="02040503050406030204" pitchFamily="18" charset="0"/>
-                                <a:ea typeface="Yu Mincho" panose="02020400000000000000" pitchFamily="18" charset="-128"/>
-                                <a:cs typeface="Calibri" panose="020F0502020204030204" pitchFamily="34" charset="0"/>
-                              </a:rPr>
-                              <m:t>=1,…, </m:t>
-                            </m:r>
-                            <m:r>
-                              <a:rPr lang="en-US" i="1">
-                                <a:effectLst/>
-                                <a:latin typeface="Cambria Math" panose="02040503050406030204" pitchFamily="18" charset="0"/>
-                                <a:ea typeface="Yu Mincho" panose="02020400000000000000" pitchFamily="18" charset="-128"/>
-                                <a:cs typeface="Calibri" panose="020F0502020204030204" pitchFamily="34" charset="0"/>
-                              </a:rPr>
-                              <m:t>𝑛</m:t>
-                            </m:r>
-                          </m:e>
-                        </m:eqArr>
-                      </m:e>
-                    </m:d>
-                  </m:oMath>
-                </a14:m>
-                <a:endParaRPr lang="en-US" dirty="0">
-                  <a:effectLst/>
-                  <a:latin typeface="Calibri" panose="020F0502020204030204" pitchFamily="34" charset="0"/>
-                  <a:ea typeface="Yu Mincho" panose="02020400000000000000" pitchFamily="18" charset="-128"/>
-                  <a:cs typeface="Calibri" panose="020F0502020204030204" pitchFamily="34" charset="0"/>
-                </a:endParaRPr>
-              </a:p>
-              <a:p>
-                <a:pPr lvl="4" algn="just">
-                  <a:lnSpc>
-                    <a:spcPct val="97000"/>
-                  </a:lnSpc>
-                  <a:spcAft>
-                    <a:spcPts val="800"/>
-                  </a:spcAft>
-                </a:pPr>
-                <a:r>
-                  <a:rPr lang="en-US" dirty="0">
-                    <a:effectLst/>
-                    <a:latin typeface="Calibri" panose="020F0502020204030204" pitchFamily="34" charset="0"/>
-                    <a:ea typeface="Yu Mincho" panose="02020400000000000000" pitchFamily="18" charset="-128"/>
-                    <a:cs typeface="Calibri" panose="020F0502020204030204" pitchFamily="34" charset="0"/>
-                  </a:rPr>
-                  <a:t>	Where </a:t>
-                </a:r>
-                <a14:m>
-                  <m:oMath xmlns:m="http://schemas.openxmlformats.org/officeDocument/2006/math">
-                    <m:sSub>
-                      <m:sSubPr>
-                        <m:ctrlPr>
-                          <a:rPr lang="en-US" i="1">
-                            <a:effectLst/>
-                            <a:latin typeface="Cambria Math" panose="02040503050406030204" pitchFamily="18" charset="0"/>
-                            <a:ea typeface="Yu Mincho" panose="02020400000000000000" pitchFamily="18" charset="-128"/>
-                            <a:cs typeface="Calibri" panose="020F0502020204030204" pitchFamily="34" charset="0"/>
-                          </a:rPr>
-                        </m:ctrlPr>
-                      </m:sSubPr>
-                      <m:e>
-                        <m:r>
-                          <a:rPr lang="en-US" i="1">
-                            <a:effectLst/>
-                            <a:latin typeface="Cambria Math" panose="02040503050406030204" pitchFamily="18" charset="0"/>
-                            <a:ea typeface="Yu Mincho" panose="02020400000000000000" pitchFamily="18" charset="-128"/>
-                            <a:cs typeface="Calibri" panose="020F0502020204030204" pitchFamily="34" charset="0"/>
-                          </a:rPr>
-                          <m:t>𝑎</m:t>
-                        </m:r>
-                      </m:e>
-                      <m:sub>
-                        <m:r>
-                          <a:rPr lang="en-US" i="1">
-                            <a:effectLst/>
-                            <a:latin typeface="Cambria Math" panose="02040503050406030204" pitchFamily="18" charset="0"/>
-                            <a:ea typeface="Yu Mincho" panose="02020400000000000000" pitchFamily="18" charset="-128"/>
-                            <a:cs typeface="Calibri" panose="020F0502020204030204" pitchFamily="34" charset="0"/>
-                          </a:rPr>
-                          <m:t>𝑖</m:t>
-                        </m:r>
-                      </m:sub>
-                    </m:sSub>
-                  </m:oMath>
-                </a14:m>
-                <a:r>
-                  <a:rPr lang="en-US" dirty="0">
-                    <a:effectLst/>
-                    <a:latin typeface="Calibri" panose="020F0502020204030204" pitchFamily="34" charset="0"/>
-                    <a:ea typeface="Yu Mincho" panose="02020400000000000000" pitchFamily="18" charset="-128"/>
-                    <a:cs typeface="Calibri" panose="020F0502020204030204" pitchFamily="34" charset="0"/>
-                  </a:rPr>
-                  <a:t> are called the dual coefficients, and upper-bounded by C.</a:t>
-                </a:r>
-              </a:p>
-              <a:p>
-                <a:pPr marL="0" marR="0" algn="just">
-                  <a:lnSpc>
-                    <a:spcPct val="97000"/>
-                  </a:lnSpc>
-                  <a:spcBef>
-                    <a:spcPts val="0"/>
-                  </a:spcBef>
-                  <a:spcAft>
-                    <a:spcPts val="800"/>
-                  </a:spcAft>
-                </a:pPr>
-                <a:endParaRPr lang="en-US" sz="1600" dirty="0">
-                  <a:effectLst/>
-                  <a:latin typeface="Calibri" panose="020F0502020204030204" pitchFamily="34" charset="0"/>
-                  <a:ea typeface="Yu Mincho" panose="02020400000000000000" pitchFamily="18" charset="-128"/>
-                  <a:cs typeface="Calibri" panose="020F0502020204030204" pitchFamily="34" charset="0"/>
-                </a:endParaRPr>
-              </a:p>
-            </p:txBody>
-          </p:sp>
-        </mc:Choice>
-        <mc:Fallback xmlns="">
-          <p:sp>
-            <p:nvSpPr>
-              <p:cNvPr id="7" name="TextBox 6">
-                <a:extLst>
-                  <a:ext uri="{FF2B5EF4-FFF2-40B4-BE49-F238E27FC236}">
-                    <a16:creationId xmlns:a16="http://schemas.microsoft.com/office/drawing/2014/main" id="{3B578442-E7D6-4753-A053-B9AAFCD1CE42}"/>
-                  </a:ext>
-                </a:extLst>
-              </p:cNvPr>
-              <p:cNvSpPr txBox="1">
-                <a:spLocks noRot="1" noChangeAspect="1" noMove="1" noResize="1" noEditPoints="1" noAdjustHandles="1" noChangeArrowheads="1" noChangeShapeType="1" noTextEdit="1"/>
-              </p:cNvSpPr>
-              <p:nvPr/>
-            </p:nvSpPr>
-            <p:spPr>
-              <a:xfrm>
-                <a:off x="642938" y="642938"/>
-                <a:ext cx="11315382" cy="2214563"/>
-              </a:xfrm>
-              <a:prstGeom prst="rect">
-                <a:avLst/>
-              </a:prstGeom>
-              <a:blipFill>
-                <a:blip r:embed="rId2"/>
-                <a:stretch>
-                  <a:fillRect l="-1077" t="-4945"/>
-                </a:stretch>
-              </a:blipFill>
-            </p:spPr>
-            <p:txBody>
-              <a:bodyPr/>
-              <a:lstStyle/>
-              <a:p>
-                <a:r>
-                  <a:rPr lang="en-US">
-                    <a:noFill/>
-                  </a:rPr>
-                  <a:t> </a:t>
-                </a:r>
-              </a:p>
-            </p:txBody>
-          </p:sp>
-        </mc:Fallback>
-      </mc:AlternateContent>
-      <mc:AlternateContent xmlns:mc="http://schemas.openxmlformats.org/markup-compatibility/2006" xmlns:a14="http://schemas.microsoft.com/office/drawing/2010/main">
-        <mc:Choice Requires="a14">
-          <p:sp>
-            <p:nvSpPr>
-              <p:cNvPr id="8" name="TextBox 7">
-                <a:extLst>
-                  <a:ext uri="{FF2B5EF4-FFF2-40B4-BE49-F238E27FC236}">
-                    <a16:creationId xmlns:a16="http://schemas.microsoft.com/office/drawing/2014/main" id="{B992E5E7-35CC-404F-909B-A3B67F27DBB8}"/>
-                  </a:ext>
-                </a:extLst>
-              </p:cNvPr>
-              <p:cNvSpPr txBox="1"/>
-              <p:nvPr/>
-            </p:nvSpPr>
-            <p:spPr>
-              <a:xfrm>
-                <a:off x="642938" y="3036398"/>
-                <a:ext cx="11315382" cy="1574800"/>
-              </a:xfrm>
-              <a:prstGeom prst="rect">
-                <a:avLst/>
-              </a:prstGeom>
-              <a:noFill/>
-            </p:spPr>
-            <p:txBody>
-              <a:bodyPr wrap="square" rtlCol="0" anchor="t">
-                <a:noAutofit/>
-              </a:bodyPr>
-              <a:lstStyle/>
-              <a:p>
-                <a:pPr marL="742950" lvl="1" indent="-285750" algn="just">
-                  <a:lnSpc>
-                    <a:spcPct val="97000"/>
-                  </a:lnSpc>
-                  <a:spcAft>
-                    <a:spcPts val="800"/>
-                  </a:spcAft>
-                  <a:buFont typeface="Arial" panose="020B0604020202020204" pitchFamily="34" charset="0"/>
-                  <a:buChar char="•"/>
-                </a:pPr>
-                <a:r>
-                  <a:rPr lang="en-US" dirty="0">
-                    <a:effectLst/>
-                    <a:latin typeface="Calibri" panose="020F0502020204030204" pitchFamily="34" charset="0"/>
-                    <a:ea typeface="Yu Mincho" panose="02020400000000000000" pitchFamily="18" charset="-128"/>
-                    <a:cs typeface="Calibri" panose="020F0502020204030204" pitchFamily="34" charset="0"/>
-                  </a:rPr>
-                  <a:t>If we take the derivative </a:t>
-                </a:r>
-                <a:r>
-                  <a:rPr lang="en-US" dirty="0" err="1">
-                    <a:effectLst/>
-                    <a:latin typeface="Calibri" panose="020F0502020204030204" pitchFamily="34" charset="0"/>
-                    <a:ea typeface="Yu Mincho" panose="02020400000000000000" pitchFamily="18" charset="-128"/>
-                    <a:cs typeface="Calibri" panose="020F0502020204030204" pitchFamily="34" charset="0"/>
-                  </a:rPr>
-                  <a:t>w.r.t.</a:t>
-                </a:r>
-                <a:r>
-                  <a:rPr lang="en-US" dirty="0">
-                    <a:effectLst/>
-                    <a:latin typeface="Calibri" panose="020F0502020204030204" pitchFamily="34" charset="0"/>
-                    <a:ea typeface="Yu Mincho" panose="02020400000000000000" pitchFamily="18" charset="-128"/>
-                    <a:cs typeface="Calibri" panose="020F0502020204030204" pitchFamily="34" charset="0"/>
-                  </a:rPr>
-                  <a:t> </a:t>
-                </a:r>
-                <a14:m>
-                  <m:oMath xmlns:m="http://schemas.openxmlformats.org/officeDocument/2006/math">
-                    <m:r>
-                      <a:rPr lang="en-US" i="1" smtClean="0">
-                        <a:effectLst/>
-                        <a:latin typeface="Cambria Math" panose="02040503050406030204" pitchFamily="18" charset="0"/>
-                        <a:ea typeface="Yu Mincho" panose="02020400000000000000" pitchFamily="18" charset="-128"/>
-                        <a:cs typeface="Calibri" panose="020F0502020204030204" pitchFamily="34" charset="0"/>
-                      </a:rPr>
-                      <m:t>𝑎</m:t>
-                    </m:r>
-                  </m:oMath>
-                </a14:m>
-                <a:r>
-                  <a:rPr lang="en-US" dirty="0">
-                    <a:effectLst/>
-                    <a:latin typeface="Calibri" panose="020F0502020204030204" pitchFamily="34" charset="0"/>
-                    <a:ea typeface="Yu Mincho" panose="02020400000000000000" pitchFamily="18" charset="-128"/>
-                    <a:cs typeface="Calibri" panose="020F0502020204030204" pitchFamily="34" charset="0"/>
-                  </a:rPr>
-                  <a:t> and set it equal to zero, we get the following solution, so we can solve for </a:t>
-                </a:r>
-                <a14:m>
-                  <m:oMath xmlns:m="http://schemas.openxmlformats.org/officeDocument/2006/math">
-                    <m:sSub>
-                      <m:sSubPr>
-                        <m:ctrlPr>
-                          <a:rPr lang="en-US" i="1">
-                            <a:latin typeface="Cambria Math" panose="02040503050406030204" pitchFamily="18" charset="0"/>
-                            <a:ea typeface="Yu Mincho" panose="02020400000000000000" pitchFamily="18" charset="-128"/>
-                            <a:cs typeface="Calibri" panose="020F0502020204030204" pitchFamily="34" charset="0"/>
-                          </a:rPr>
-                        </m:ctrlPr>
-                      </m:sSubPr>
-                      <m:e>
-                        <m:r>
-                          <a:rPr lang="en-US" i="1">
-                            <a:latin typeface="Cambria Math" panose="02040503050406030204" pitchFamily="18" charset="0"/>
-                            <a:ea typeface="Yu Mincho" panose="02020400000000000000" pitchFamily="18" charset="-128"/>
-                            <a:cs typeface="Calibri" panose="020F0502020204030204" pitchFamily="34" charset="0"/>
-                          </a:rPr>
-                          <m:t>𝑎</m:t>
-                        </m:r>
-                      </m:e>
-                      <m:sub>
-                        <m:r>
-                          <a:rPr lang="en-US" i="1">
-                            <a:latin typeface="Cambria Math" panose="02040503050406030204" pitchFamily="18" charset="0"/>
-                            <a:ea typeface="Yu Mincho" panose="02020400000000000000" pitchFamily="18" charset="-128"/>
-                            <a:cs typeface="Calibri" panose="020F0502020204030204" pitchFamily="34" charset="0"/>
-                          </a:rPr>
-                          <m:t>𝑖</m:t>
-                        </m:r>
-                      </m:sub>
-                    </m:sSub>
-                  </m:oMath>
-                </a14:m>
-                <a:r>
-                  <a:rPr lang="en-US" dirty="0">
-                    <a:effectLst/>
-                    <a:latin typeface="Calibri" panose="020F0502020204030204" pitchFamily="34" charset="0"/>
-                    <a:ea typeface="Yu Mincho" panose="02020400000000000000" pitchFamily="18" charset="-128"/>
-                    <a:cs typeface="Calibri" panose="020F0502020204030204" pitchFamily="34" charset="0"/>
-                  </a:rPr>
-                  <a:t> :</a:t>
-                </a:r>
-              </a:p>
-              <a:p>
-                <a:pPr marL="0" marR="0" algn="just">
-                  <a:lnSpc>
-                    <a:spcPct val="97000"/>
-                  </a:lnSpc>
-                  <a:spcBef>
-                    <a:spcPts val="0"/>
-                  </a:spcBef>
-                  <a:spcAft>
-                    <a:spcPts val="800"/>
-                  </a:spcAft>
-                </a:pPr>
-                <a14:m>
-                  <m:oMathPara xmlns:m="http://schemas.openxmlformats.org/officeDocument/2006/math">
-                    <m:oMathParaPr>
-                      <m:jc m:val="centerGroup"/>
-                    </m:oMathParaPr>
-                    <m:oMath xmlns:m="http://schemas.openxmlformats.org/officeDocument/2006/math">
-                      <m:d>
-                        <m:dPr>
-                          <m:begChr m:val="{"/>
-                          <m:endChr m:val=""/>
-                          <m:ctrlPr>
-                            <a:rPr lang="en-US" i="1">
-                              <a:effectLst/>
-                              <a:latin typeface="Cambria Math" panose="02040503050406030204" pitchFamily="18" charset="0"/>
-                              <a:ea typeface="Yu Mincho" panose="02020400000000000000" pitchFamily="18" charset="-128"/>
-                              <a:cs typeface="Calibri" panose="020F0502020204030204" pitchFamily="34" charset="0"/>
-                            </a:rPr>
-                          </m:ctrlPr>
-                        </m:dPr>
-                        <m:e>
-                          <m:eqArr>
-                            <m:eqArrPr>
-                              <m:ctrlPr>
-                                <a:rPr lang="en-US" i="1">
-                                  <a:effectLst/>
-                                  <a:latin typeface="Cambria Math" panose="02040503050406030204" pitchFamily="18" charset="0"/>
-                                  <a:ea typeface="Yu Mincho" panose="02020400000000000000" pitchFamily="18" charset="-128"/>
-                                  <a:cs typeface="Calibri" panose="020F0502020204030204" pitchFamily="34" charset="0"/>
-                                </a:rPr>
-                              </m:ctrlPr>
-                            </m:eqArrPr>
-                            <m:e>
-                              <m:nary>
-                                <m:naryPr>
-                                  <m:chr m:val="∑"/>
-                                  <m:limLoc m:val="undOvr"/>
-                                  <m:ctrlPr>
-                                    <a:rPr lang="en-US" i="1">
-                                      <a:effectLst/>
-                                      <a:latin typeface="Cambria Math" panose="02040503050406030204" pitchFamily="18" charset="0"/>
-                                      <a:ea typeface="Yu Mincho" panose="02020400000000000000" pitchFamily="18" charset="-128"/>
-                                      <a:cs typeface="Calibri" panose="020F0502020204030204" pitchFamily="34" charset="0"/>
-                                    </a:rPr>
-                                  </m:ctrlPr>
-                                </m:naryPr>
-                                <m:sub>
-                                  <m:r>
-                                    <a:rPr lang="en-US" i="1">
-                                      <a:effectLst/>
-                                      <a:latin typeface="Cambria Math" panose="02040503050406030204" pitchFamily="18" charset="0"/>
-                                      <a:ea typeface="Yu Mincho" panose="02020400000000000000" pitchFamily="18" charset="-128"/>
-                                      <a:cs typeface="Calibri" panose="020F0502020204030204" pitchFamily="34" charset="0"/>
-                                    </a:rPr>
-                                    <m:t>𝑖</m:t>
-                                  </m:r>
-                                  <m:r>
-                                    <a:rPr lang="en-US" i="1">
-                                      <a:effectLst/>
-                                      <a:latin typeface="Cambria Math" panose="02040503050406030204" pitchFamily="18" charset="0"/>
-                                      <a:ea typeface="Yu Mincho" panose="02020400000000000000" pitchFamily="18" charset="-128"/>
-                                      <a:cs typeface="Calibri" panose="020F0502020204030204" pitchFamily="34" charset="0"/>
-                                    </a:rPr>
-                                    <m:t>=1</m:t>
-                                  </m:r>
-                                </m:sub>
-                                <m:sup>
-                                  <m:r>
-                                    <a:rPr lang="en-US" i="1">
-                                      <a:effectLst/>
-                                      <a:latin typeface="Cambria Math" panose="02040503050406030204" pitchFamily="18" charset="0"/>
-                                      <a:ea typeface="Yu Mincho" panose="02020400000000000000" pitchFamily="18" charset="-128"/>
-                                      <a:cs typeface="Calibri" panose="020F0502020204030204" pitchFamily="34" charset="0"/>
-                                    </a:rPr>
-                                    <m:t>𝑟</m:t>
-                                  </m:r>
-                                </m:sup>
-                                <m:e>
-                                  <m:sSub>
-                                    <m:sSubPr>
-                                      <m:ctrlPr>
-                                        <a:rPr lang="en-US" i="1">
-                                          <a:effectLst/>
-                                          <a:latin typeface="Cambria Math" panose="02040503050406030204" pitchFamily="18" charset="0"/>
-                                          <a:ea typeface="Yu Mincho" panose="02020400000000000000" pitchFamily="18" charset="-128"/>
-                                          <a:cs typeface="Calibri" panose="020F0502020204030204" pitchFamily="34" charset="0"/>
-                                        </a:rPr>
-                                      </m:ctrlPr>
-                                    </m:sSubPr>
-                                    <m:e>
-                                      <m:r>
-                                        <a:rPr lang="en-US" i="1">
-                                          <a:effectLst/>
-                                          <a:latin typeface="Cambria Math" panose="02040503050406030204" pitchFamily="18" charset="0"/>
-                                          <a:ea typeface="Yu Mincho" panose="02020400000000000000" pitchFamily="18" charset="-128"/>
-                                          <a:cs typeface="Calibri" panose="020F0502020204030204" pitchFamily="34" charset="0"/>
-                                        </a:rPr>
-                                        <m:t>𝑎</m:t>
-                                      </m:r>
-                                    </m:e>
-                                    <m:sub>
-                                      <m:r>
-                                        <a:rPr lang="en-US" i="1">
-                                          <a:effectLst/>
-                                          <a:latin typeface="Cambria Math" panose="02040503050406030204" pitchFamily="18" charset="0"/>
-                                          <a:ea typeface="Yu Mincho" panose="02020400000000000000" pitchFamily="18" charset="-128"/>
-                                          <a:cs typeface="Calibri" panose="020F0502020204030204" pitchFamily="34" charset="0"/>
-                                        </a:rPr>
-                                        <m:t>𝑖</m:t>
-                                      </m:r>
-                                    </m:sub>
-                                  </m:sSub>
-                                  <m:sSub>
-                                    <m:sSubPr>
-                                      <m:ctrlPr>
-                                        <a:rPr lang="en-US" i="1">
-                                          <a:effectLst/>
-                                          <a:latin typeface="Cambria Math" panose="02040503050406030204" pitchFamily="18" charset="0"/>
-                                          <a:ea typeface="Yu Mincho" panose="02020400000000000000" pitchFamily="18" charset="-128"/>
-                                          <a:cs typeface="Calibri" panose="020F0502020204030204" pitchFamily="34" charset="0"/>
-                                        </a:rPr>
-                                      </m:ctrlPr>
-                                    </m:sSubPr>
-                                    <m:e>
-                                      <m:r>
-                                        <a:rPr lang="en-US" i="1">
-                                          <a:effectLst/>
-                                          <a:latin typeface="Cambria Math" panose="02040503050406030204" pitchFamily="18" charset="0"/>
-                                          <a:ea typeface="Yu Mincho" panose="02020400000000000000" pitchFamily="18" charset="-128"/>
-                                          <a:cs typeface="Calibri" panose="020F0502020204030204" pitchFamily="34" charset="0"/>
-                                        </a:rPr>
-                                        <m:t>𝑦</m:t>
-                                      </m:r>
-                                    </m:e>
-                                    <m:sub>
-                                      <m:r>
-                                        <a:rPr lang="en-US" i="1">
-                                          <a:effectLst/>
-                                          <a:latin typeface="Cambria Math" panose="02040503050406030204" pitchFamily="18" charset="0"/>
-                                          <a:ea typeface="Yu Mincho" panose="02020400000000000000" pitchFamily="18" charset="-128"/>
-                                          <a:cs typeface="Calibri" panose="020F0502020204030204" pitchFamily="34" charset="0"/>
-                                        </a:rPr>
-                                        <m:t>𝑖</m:t>
-                                      </m:r>
-                                    </m:sub>
-                                  </m:sSub>
-                                </m:e>
-                              </m:nary>
-                              <m:r>
-                                <a:rPr lang="en-US" i="1">
-                                  <a:effectLst/>
-                                  <a:latin typeface="Cambria Math" panose="02040503050406030204" pitchFamily="18" charset="0"/>
-                                  <a:ea typeface="Yu Mincho" panose="02020400000000000000" pitchFamily="18" charset="-128"/>
-                                  <a:cs typeface="Calibri" panose="020F0502020204030204" pitchFamily="34" charset="0"/>
-                                </a:rPr>
-                                <m:t> =0</m:t>
-                              </m:r>
-                            </m:e>
-                            <m:e>
-                              <m:r>
-                                <a:rPr lang="en-US" i="1">
-                                  <a:effectLst/>
-                                  <a:latin typeface="Cambria Math" panose="02040503050406030204" pitchFamily="18" charset="0"/>
-                                  <a:ea typeface="Yu Mincho" panose="02020400000000000000" pitchFamily="18" charset="-128"/>
-                                  <a:cs typeface="Calibri" panose="020F0502020204030204" pitchFamily="34" charset="0"/>
-                                </a:rPr>
-                                <m:t>0 ≤</m:t>
-                              </m:r>
-                              <m:sSub>
-                                <m:sSubPr>
-                                  <m:ctrlPr>
-                                    <a:rPr lang="en-US" i="1">
-                                      <a:effectLst/>
-                                      <a:latin typeface="Cambria Math" panose="02040503050406030204" pitchFamily="18" charset="0"/>
-                                      <a:ea typeface="Yu Mincho" panose="02020400000000000000" pitchFamily="18" charset="-128"/>
-                                      <a:cs typeface="Calibri" panose="020F0502020204030204" pitchFamily="34" charset="0"/>
-                                    </a:rPr>
-                                  </m:ctrlPr>
-                                </m:sSubPr>
-                                <m:e>
-                                  <m:r>
-                                    <a:rPr lang="en-US" i="1">
-                                      <a:effectLst/>
-                                      <a:latin typeface="Cambria Math" panose="02040503050406030204" pitchFamily="18" charset="0"/>
-                                      <a:ea typeface="Yu Mincho" panose="02020400000000000000" pitchFamily="18" charset="-128"/>
-                                      <a:cs typeface="Calibri" panose="020F0502020204030204" pitchFamily="34" charset="0"/>
-                                    </a:rPr>
-                                    <m:t>𝑎</m:t>
-                                  </m:r>
-                                </m:e>
-                                <m:sub>
-                                  <m:r>
-                                    <a:rPr lang="en-US" i="1">
-                                      <a:effectLst/>
-                                      <a:latin typeface="Cambria Math" panose="02040503050406030204" pitchFamily="18" charset="0"/>
-                                      <a:ea typeface="Yu Mincho" panose="02020400000000000000" pitchFamily="18" charset="-128"/>
-                                      <a:cs typeface="Calibri" panose="020F0502020204030204" pitchFamily="34" charset="0"/>
-                                    </a:rPr>
-                                    <m:t>𝑖</m:t>
-                                  </m:r>
-                                </m:sub>
-                              </m:sSub>
-                              <m:r>
-                                <a:rPr lang="en-US" i="1">
-                                  <a:effectLst/>
-                                  <a:latin typeface="Cambria Math" panose="02040503050406030204" pitchFamily="18" charset="0"/>
-                                  <a:ea typeface="Yu Mincho" panose="02020400000000000000" pitchFamily="18" charset="-128"/>
-                                  <a:cs typeface="Calibri" panose="020F0502020204030204" pitchFamily="34" charset="0"/>
-                                </a:rPr>
-                                <m:t> ≤</m:t>
-                              </m:r>
-                              <m:r>
-                                <a:rPr lang="en-US" i="1">
-                                  <a:effectLst/>
-                                  <a:latin typeface="Cambria Math" panose="02040503050406030204" pitchFamily="18" charset="0"/>
-                                  <a:ea typeface="Yu Mincho" panose="02020400000000000000" pitchFamily="18" charset="-128"/>
-                                  <a:cs typeface="Calibri" panose="020F0502020204030204" pitchFamily="34" charset="0"/>
-                                </a:rPr>
-                                <m:t>𝐶</m:t>
-                              </m:r>
-                              <m:r>
-                                <a:rPr lang="en-US" i="1">
-                                  <a:effectLst/>
-                                  <a:latin typeface="Cambria Math" panose="02040503050406030204" pitchFamily="18" charset="0"/>
-                                  <a:ea typeface="Yu Mincho" panose="02020400000000000000" pitchFamily="18" charset="-128"/>
-                                  <a:cs typeface="Calibri" panose="020F0502020204030204" pitchFamily="34" charset="0"/>
-                                </a:rPr>
-                                <m:t> , </m:t>
-                              </m:r>
-                              <m:r>
-                                <a:rPr lang="en-US" i="1">
-                                  <a:effectLst/>
-                                  <a:latin typeface="Cambria Math" panose="02040503050406030204" pitchFamily="18" charset="0"/>
-                                  <a:ea typeface="Yu Mincho" panose="02020400000000000000" pitchFamily="18" charset="-128"/>
-                                  <a:cs typeface="Calibri" panose="020F0502020204030204" pitchFamily="34" charset="0"/>
-                                </a:rPr>
-                                <m:t>𝑖</m:t>
-                              </m:r>
-                              <m:r>
-                                <a:rPr lang="en-US" i="1">
-                                  <a:effectLst/>
-                                  <a:latin typeface="Cambria Math" panose="02040503050406030204" pitchFamily="18" charset="0"/>
-                                  <a:ea typeface="Yu Mincho" panose="02020400000000000000" pitchFamily="18" charset="-128"/>
-                                  <a:cs typeface="Calibri" panose="020F0502020204030204" pitchFamily="34" charset="0"/>
-                                </a:rPr>
-                                <m:t>=1,…, </m:t>
-                              </m:r>
-                              <m:r>
-                                <a:rPr lang="en-US" i="1">
-                                  <a:effectLst/>
-                                  <a:latin typeface="Cambria Math" panose="02040503050406030204" pitchFamily="18" charset="0"/>
-                                  <a:ea typeface="Yu Mincho" panose="02020400000000000000" pitchFamily="18" charset="-128"/>
-                                  <a:cs typeface="Calibri" panose="020F0502020204030204" pitchFamily="34" charset="0"/>
-                                </a:rPr>
-                                <m:t>𝑛</m:t>
-                              </m:r>
-                            </m:e>
-                          </m:eqArr>
-                        </m:e>
-                      </m:d>
-                    </m:oMath>
-                  </m:oMathPara>
-                </a14:m>
-                <a:endParaRPr lang="en-US" dirty="0"/>
-              </a:p>
-            </p:txBody>
-          </p:sp>
-        </mc:Choice>
-        <mc:Fallback xmlns="">
-          <p:sp>
-            <p:nvSpPr>
-              <p:cNvPr id="8" name="TextBox 7">
-                <a:extLst>
-                  <a:ext uri="{FF2B5EF4-FFF2-40B4-BE49-F238E27FC236}">
-                    <a16:creationId xmlns:a16="http://schemas.microsoft.com/office/drawing/2014/main" id="{B992E5E7-35CC-404F-909B-A3B67F27DBB8}"/>
-                  </a:ext>
-                </a:extLst>
-              </p:cNvPr>
-              <p:cNvSpPr txBox="1">
-                <a:spLocks noRot="1" noChangeAspect="1" noMove="1" noResize="1" noEditPoints="1" noAdjustHandles="1" noChangeArrowheads="1" noChangeShapeType="1" noTextEdit="1"/>
-              </p:cNvSpPr>
-              <p:nvPr/>
-            </p:nvSpPr>
-            <p:spPr>
-              <a:xfrm>
-                <a:off x="642938" y="3036398"/>
-                <a:ext cx="11315382" cy="1574800"/>
-              </a:xfrm>
-              <a:prstGeom prst="rect">
-                <a:avLst/>
-              </a:prstGeom>
-              <a:blipFill>
-                <a:blip r:embed="rId3"/>
-                <a:stretch>
-                  <a:fillRect t="-2326" b="-3488"/>
-                </a:stretch>
-              </a:blipFill>
-            </p:spPr>
-            <p:txBody>
-              <a:bodyPr/>
-              <a:lstStyle/>
-              <a:p>
-                <a:r>
-                  <a:rPr lang="en-US">
-                    <a:noFill/>
-                  </a:rPr>
-                  <a:t> </a:t>
-                </a:r>
-              </a:p>
-            </p:txBody>
-          </p:sp>
-        </mc:Fallback>
-      </mc:AlternateContent>
-      <mc:AlternateContent xmlns:mc="http://schemas.openxmlformats.org/markup-compatibility/2006" xmlns:a14="http://schemas.microsoft.com/office/drawing/2010/main">
-        <mc:Choice Requires="a14">
-          <p:sp>
-            <p:nvSpPr>
-              <p:cNvPr id="9" name="TextBox 8">
-                <a:extLst>
-                  <a:ext uri="{FF2B5EF4-FFF2-40B4-BE49-F238E27FC236}">
-                    <a16:creationId xmlns:a16="http://schemas.microsoft.com/office/drawing/2014/main" id="{C7628CB3-9DB7-433B-9693-6060CCF5D767}"/>
-                  </a:ext>
-                </a:extLst>
-              </p:cNvPr>
-              <p:cNvSpPr txBox="1"/>
-              <p:nvPr/>
-            </p:nvSpPr>
-            <p:spPr>
-              <a:xfrm>
-                <a:off x="642938" y="5032376"/>
-                <a:ext cx="11315382" cy="1644650"/>
-              </a:xfrm>
-              <a:prstGeom prst="rect">
-                <a:avLst/>
-              </a:prstGeom>
-              <a:noFill/>
-            </p:spPr>
-            <p:txBody>
-              <a:bodyPr wrap="square" rtlCol="0" anchor="t">
-                <a:normAutofit/>
-              </a:bodyPr>
-              <a:lstStyle/>
-              <a:p>
-                <a:pPr marL="742950" lvl="1" indent="-285750" algn="just">
-                  <a:lnSpc>
-                    <a:spcPct val="90000"/>
-                  </a:lnSpc>
-                  <a:spcAft>
-                    <a:spcPts val="800"/>
-                  </a:spcAft>
-                  <a:buFont typeface="Arial" panose="020B0604020202020204" pitchFamily="34" charset="0"/>
-                  <a:buChar char="•"/>
-                </a:pPr>
-                <a:r>
-                  <a:rPr lang="en-US" dirty="0">
-                    <a:effectLst/>
-                    <a:latin typeface="Calibri" panose="020F0502020204030204" pitchFamily="34" charset="0"/>
-                    <a:ea typeface="Yu Mincho" panose="02020400000000000000" pitchFamily="18" charset="-128"/>
-                    <a:cs typeface="Calibri" panose="020F0502020204030204" pitchFamily="34" charset="0"/>
-                  </a:rPr>
-                  <a:t>Now knowing the </a:t>
-                </a:r>
-                <a14:m>
-                  <m:oMath xmlns:m="http://schemas.openxmlformats.org/officeDocument/2006/math">
-                    <m:sSub>
-                      <m:sSubPr>
-                        <m:ctrlPr>
-                          <a:rPr lang="en-US" i="1">
-                            <a:effectLst/>
-                            <a:latin typeface="Cambria Math" panose="02040503050406030204" pitchFamily="18" charset="0"/>
-                            <a:ea typeface="Yu Mincho" panose="02020400000000000000" pitchFamily="18" charset="-128"/>
-                            <a:cs typeface="Calibri" panose="020F0502020204030204" pitchFamily="34" charset="0"/>
-                          </a:rPr>
-                        </m:ctrlPr>
-                      </m:sSubPr>
-                      <m:e>
-                        <m:r>
-                          <a:rPr lang="en-US" i="1">
-                            <a:effectLst/>
-                            <a:latin typeface="Cambria Math" panose="02040503050406030204" pitchFamily="18" charset="0"/>
-                            <a:ea typeface="Yu Mincho" panose="02020400000000000000" pitchFamily="18" charset="-128"/>
-                            <a:cs typeface="Calibri" panose="020F0502020204030204" pitchFamily="34" charset="0"/>
-                          </a:rPr>
-                          <m:t>𝑎</m:t>
-                        </m:r>
-                      </m:e>
-                      <m:sub>
-                        <m:r>
-                          <a:rPr lang="en-US" i="1">
-                            <a:effectLst/>
-                            <a:latin typeface="Cambria Math" panose="02040503050406030204" pitchFamily="18" charset="0"/>
-                            <a:ea typeface="Yu Mincho" panose="02020400000000000000" pitchFamily="18" charset="-128"/>
-                            <a:cs typeface="Calibri" panose="020F0502020204030204" pitchFamily="34" charset="0"/>
-                          </a:rPr>
-                          <m:t>𝑖</m:t>
-                        </m:r>
-                      </m:sub>
-                    </m:sSub>
-                  </m:oMath>
-                </a14:m>
-                <a:r>
-                  <a:rPr lang="en-US" dirty="0">
-                    <a:effectLst/>
-                    <a:latin typeface="Calibri" panose="020F0502020204030204" pitchFamily="34" charset="0"/>
-                    <a:ea typeface="Yu Mincho" panose="02020400000000000000" pitchFamily="18" charset="-128"/>
-                    <a:cs typeface="Calibri" panose="020F0502020204030204" pitchFamily="34" charset="0"/>
-                  </a:rPr>
-                  <a:t> we can find the weights w for the maximal margin separating hyperplane:</a:t>
-                </a:r>
-              </a:p>
-              <a:p>
-                <a:pPr marL="0" marR="0" algn="just">
-                  <a:lnSpc>
-                    <a:spcPct val="90000"/>
-                  </a:lnSpc>
-                  <a:spcBef>
-                    <a:spcPts val="0"/>
-                  </a:spcBef>
-                  <a:spcAft>
-                    <a:spcPts val="800"/>
-                  </a:spcAft>
-                </a:pPr>
-                <a14:m>
-                  <m:oMathPara xmlns:m="http://schemas.openxmlformats.org/officeDocument/2006/math">
-                    <m:oMathParaPr>
-                      <m:jc m:val="centerGroup"/>
-                    </m:oMathParaPr>
-                    <m:oMath xmlns:m="http://schemas.openxmlformats.org/officeDocument/2006/math">
-                      <m:r>
-                        <a:rPr lang="en-US" i="1">
-                          <a:effectLst/>
-                          <a:latin typeface="Cambria Math" panose="02040503050406030204" pitchFamily="18" charset="0"/>
-                          <a:ea typeface="Yu Mincho" panose="02020400000000000000" pitchFamily="18" charset="-128"/>
-                          <a:cs typeface="Calibri" panose="020F0502020204030204" pitchFamily="34" charset="0"/>
-                        </a:rPr>
-                        <m:t>𝑤</m:t>
-                      </m:r>
-                      <m:r>
-                        <a:rPr lang="en-US" i="1">
-                          <a:effectLst/>
-                          <a:latin typeface="Cambria Math" panose="02040503050406030204" pitchFamily="18" charset="0"/>
-                          <a:ea typeface="Yu Mincho" panose="02020400000000000000" pitchFamily="18" charset="-128"/>
-                          <a:cs typeface="Calibri" panose="020F0502020204030204" pitchFamily="34" charset="0"/>
-                        </a:rPr>
-                        <m:t>=</m:t>
-                      </m:r>
-                      <m:nary>
-                        <m:naryPr>
-                          <m:chr m:val="∑"/>
-                          <m:limLoc m:val="undOvr"/>
-                          <m:ctrlPr>
-                            <a:rPr lang="en-US" i="1">
-                              <a:effectLst/>
-                              <a:latin typeface="Cambria Math" panose="02040503050406030204" pitchFamily="18" charset="0"/>
-                              <a:ea typeface="Yu Mincho" panose="02020400000000000000" pitchFamily="18" charset="-128"/>
-                              <a:cs typeface="Calibri" panose="020F0502020204030204" pitchFamily="34" charset="0"/>
-                            </a:rPr>
-                          </m:ctrlPr>
-                        </m:naryPr>
-                        <m:sub>
-                          <m:r>
-                            <a:rPr lang="en-US" i="1">
-                              <a:effectLst/>
-                              <a:latin typeface="Cambria Math" panose="02040503050406030204" pitchFamily="18" charset="0"/>
-                              <a:ea typeface="Yu Mincho" panose="02020400000000000000" pitchFamily="18" charset="-128"/>
-                              <a:cs typeface="Calibri" panose="020F0502020204030204" pitchFamily="34" charset="0"/>
-                            </a:rPr>
-                            <m:t>𝑖</m:t>
-                          </m:r>
-                          <m:r>
-                            <a:rPr lang="en-US" i="1">
-                              <a:effectLst/>
-                              <a:latin typeface="Cambria Math" panose="02040503050406030204" pitchFamily="18" charset="0"/>
-                              <a:ea typeface="Yu Mincho" panose="02020400000000000000" pitchFamily="18" charset="-128"/>
-                              <a:cs typeface="Calibri" panose="020F0502020204030204" pitchFamily="34" charset="0"/>
-                            </a:rPr>
-                            <m:t>=1</m:t>
-                          </m:r>
-                        </m:sub>
-                        <m:sup>
-                          <m:r>
-                            <a:rPr lang="en-US" i="1">
-                              <a:effectLst/>
-                              <a:latin typeface="Cambria Math" panose="02040503050406030204" pitchFamily="18" charset="0"/>
-                              <a:ea typeface="Yu Mincho" panose="02020400000000000000" pitchFamily="18" charset="-128"/>
-                              <a:cs typeface="Calibri" panose="020F0502020204030204" pitchFamily="34" charset="0"/>
-                            </a:rPr>
-                            <m:t>𝑟</m:t>
-                          </m:r>
-                        </m:sup>
-                        <m:e>
-                          <m:sSub>
-                            <m:sSubPr>
-                              <m:ctrlPr>
-                                <a:rPr lang="en-US" i="1">
-                                  <a:effectLst/>
-                                  <a:latin typeface="Cambria Math" panose="02040503050406030204" pitchFamily="18" charset="0"/>
-                                  <a:ea typeface="Yu Mincho" panose="02020400000000000000" pitchFamily="18" charset="-128"/>
-                                  <a:cs typeface="Calibri" panose="020F0502020204030204" pitchFamily="34" charset="0"/>
-                                </a:rPr>
-                              </m:ctrlPr>
-                            </m:sSubPr>
-                            <m:e>
-                              <m:r>
-                                <a:rPr lang="en-US" i="1">
-                                  <a:effectLst/>
-                                  <a:latin typeface="Cambria Math" panose="02040503050406030204" pitchFamily="18" charset="0"/>
-                                  <a:ea typeface="Yu Mincho" panose="02020400000000000000" pitchFamily="18" charset="-128"/>
-                                  <a:cs typeface="Calibri" panose="020F0502020204030204" pitchFamily="34" charset="0"/>
-                                </a:rPr>
-                                <m:t>𝑎</m:t>
-                              </m:r>
-                            </m:e>
-                            <m:sub>
-                              <m:r>
-                                <a:rPr lang="en-US" i="1">
-                                  <a:effectLst/>
-                                  <a:latin typeface="Cambria Math" panose="02040503050406030204" pitchFamily="18" charset="0"/>
-                                  <a:ea typeface="Yu Mincho" panose="02020400000000000000" pitchFamily="18" charset="-128"/>
-                                  <a:cs typeface="Calibri" panose="020F0502020204030204" pitchFamily="34" charset="0"/>
-                                </a:rPr>
-                                <m:t>𝑖</m:t>
-                              </m:r>
-                            </m:sub>
-                          </m:sSub>
-                          <m:sSub>
-                            <m:sSubPr>
-                              <m:ctrlPr>
-                                <a:rPr lang="en-US" i="1">
-                                  <a:effectLst/>
-                                  <a:latin typeface="Cambria Math" panose="02040503050406030204" pitchFamily="18" charset="0"/>
-                                  <a:ea typeface="Yu Mincho" panose="02020400000000000000" pitchFamily="18" charset="-128"/>
-                                  <a:cs typeface="Calibri" panose="020F0502020204030204" pitchFamily="34" charset="0"/>
-                                </a:rPr>
-                              </m:ctrlPr>
-                            </m:sSubPr>
-                            <m:e>
-                              <m:r>
-                                <a:rPr lang="en-US" i="1">
-                                  <a:effectLst/>
-                                  <a:latin typeface="Cambria Math" panose="02040503050406030204" pitchFamily="18" charset="0"/>
-                                  <a:ea typeface="Yu Mincho" panose="02020400000000000000" pitchFamily="18" charset="-128"/>
-                                  <a:cs typeface="Calibri" panose="020F0502020204030204" pitchFamily="34" charset="0"/>
-                                </a:rPr>
-                                <m:t>𝑦</m:t>
-                              </m:r>
-                            </m:e>
-                            <m:sub>
-                              <m:r>
-                                <a:rPr lang="en-US" i="1">
-                                  <a:effectLst/>
-                                  <a:latin typeface="Cambria Math" panose="02040503050406030204" pitchFamily="18" charset="0"/>
-                                  <a:ea typeface="Yu Mincho" panose="02020400000000000000" pitchFamily="18" charset="-128"/>
-                                  <a:cs typeface="Calibri" panose="020F0502020204030204" pitchFamily="34" charset="0"/>
-                                </a:rPr>
-                                <m:t>𝑖</m:t>
-                              </m:r>
-                            </m:sub>
-                          </m:sSub>
-                          <m:sSub>
-                            <m:sSubPr>
-                              <m:ctrlPr>
-                                <a:rPr lang="en-US" i="1">
-                                  <a:effectLst/>
-                                  <a:latin typeface="Cambria Math" panose="02040503050406030204" pitchFamily="18" charset="0"/>
-                                  <a:ea typeface="Yu Mincho" panose="02020400000000000000" pitchFamily="18" charset="-128"/>
-                                  <a:cs typeface="Calibri" panose="020F0502020204030204" pitchFamily="34" charset="0"/>
-                                </a:rPr>
-                              </m:ctrlPr>
-                            </m:sSubPr>
-                            <m:e>
-                              <m:r>
-                                <a:rPr lang="en-US" i="1">
-                                  <a:effectLst/>
-                                  <a:latin typeface="Cambria Math" panose="02040503050406030204" pitchFamily="18" charset="0"/>
-                                  <a:ea typeface="Yu Mincho" panose="02020400000000000000" pitchFamily="18" charset="-128"/>
-                                  <a:cs typeface="Calibri" panose="020F0502020204030204" pitchFamily="34" charset="0"/>
-                                </a:rPr>
-                                <m:t>𝑥</m:t>
-                              </m:r>
-                            </m:e>
-                            <m:sub>
-                              <m:r>
-                                <a:rPr lang="en-US" i="1">
-                                  <a:effectLst/>
-                                  <a:latin typeface="Cambria Math" panose="02040503050406030204" pitchFamily="18" charset="0"/>
-                                  <a:ea typeface="Yu Mincho" panose="02020400000000000000" pitchFamily="18" charset="-128"/>
-                                  <a:cs typeface="Calibri" panose="020F0502020204030204" pitchFamily="34" charset="0"/>
-                                </a:rPr>
-                                <m:t>𝑖</m:t>
-                              </m:r>
-                            </m:sub>
-                          </m:sSub>
-                        </m:e>
-                      </m:nary>
-                    </m:oMath>
-                  </m:oMathPara>
-                </a14:m>
-                <a:endParaRPr lang="en-US" dirty="0">
-                  <a:effectLst/>
-                  <a:latin typeface="Calibri" panose="020F0502020204030204" pitchFamily="34" charset="0"/>
-                  <a:ea typeface="Yu Mincho" panose="02020400000000000000" pitchFamily="18" charset="-128"/>
-                  <a:cs typeface="Calibri" panose="020F0502020204030204" pitchFamily="34" charset="0"/>
-                </a:endParaRPr>
-              </a:p>
-              <a:p>
-                <a:pPr>
-                  <a:lnSpc>
-                    <a:spcPct val="90000"/>
-                  </a:lnSpc>
-                </a:pPr>
-                <a:endParaRPr lang="en-US" sz="2400" dirty="0"/>
-              </a:p>
-            </p:txBody>
-          </p:sp>
-        </mc:Choice>
-        <mc:Fallback xmlns="">
-          <p:sp>
-            <p:nvSpPr>
-              <p:cNvPr id="9" name="TextBox 8">
-                <a:extLst>
-                  <a:ext uri="{FF2B5EF4-FFF2-40B4-BE49-F238E27FC236}">
-                    <a16:creationId xmlns:a16="http://schemas.microsoft.com/office/drawing/2014/main" id="{C7628CB3-9DB7-433B-9693-6060CCF5D767}"/>
-                  </a:ext>
-                </a:extLst>
-              </p:cNvPr>
-              <p:cNvSpPr txBox="1">
-                <a:spLocks noRot="1" noChangeAspect="1" noMove="1" noResize="1" noEditPoints="1" noAdjustHandles="1" noChangeArrowheads="1" noChangeShapeType="1" noTextEdit="1"/>
-              </p:cNvSpPr>
-              <p:nvPr/>
-            </p:nvSpPr>
-            <p:spPr>
-              <a:xfrm>
-                <a:off x="642938" y="5032376"/>
-                <a:ext cx="11315382" cy="1644650"/>
-              </a:xfrm>
-              <a:prstGeom prst="rect">
-                <a:avLst/>
-              </a:prstGeom>
-              <a:blipFill>
-                <a:blip r:embed="rId4"/>
-                <a:stretch>
-                  <a:fillRect t="-3717"/>
-                </a:stretch>
-              </a:blipFill>
-            </p:spPr>
-            <p:txBody>
-              <a:bodyPr/>
-              <a:lstStyle/>
-              <a:p>
-                <a:r>
-                  <a:rPr lang="en-US">
-                    <a:noFill/>
-                  </a:rPr>
-                  <a:t> </a:t>
-                </a:r>
-              </a:p>
-            </p:txBody>
-          </p:sp>
-        </mc:Fallback>
-      </mc:AlternateContent>
-    </p:spTree>
-    <p:extLst>
-      <p:ext uri="{BB962C8B-B14F-4D97-AF65-F5344CB8AC3E}">
-        <p14:creationId xmlns:p14="http://schemas.microsoft.com/office/powerpoint/2010/main" val="757530845"/>
-      </p:ext>
-    </p:extLst>
-  </p:cSld>
-  <p:clrMapOvr>
-    <a:masterClrMapping/>
-  </p:clrMapOvr>
-</p:sld>
-</file>
-
-<file path=ppt/slides/slide14.xml><?xml version="1.0" encoding="utf-8"?>
+<file path=ppt/slides/slide12.xml><?xml version="1.0" encoding="utf-8"?>
 <p:sld xmlns:a="http://schemas.openxmlformats.org/drawingml/2006/main" xmlns:r="http://schemas.openxmlformats.org/officeDocument/2006/relationships" xmlns:p="http://schemas.openxmlformats.org/presentationml/2006/main">
   <p:cSld>
     <p:bg>
@@ -12489,7 +8830,7 @@
 </p:sld>
 </file>
 
-<file path=ppt/slides/slide15.xml><?xml version="1.0" encoding="utf-8"?>
+<file path=ppt/slides/slide13.xml><?xml version="1.0" encoding="utf-8"?>
 <p:sld xmlns:a="http://schemas.openxmlformats.org/drawingml/2006/main" xmlns:r="http://schemas.openxmlformats.org/officeDocument/2006/relationships" xmlns:p="http://schemas.openxmlformats.org/presentationml/2006/main">
   <p:cSld>
     <p:bg>
@@ -14124,7 +10465,7 @@
 </p:sld>
 </file>
 
-<file path=ppt/slides/slide16.xml><?xml version="1.0" encoding="utf-8"?>
+<file path=ppt/slides/slide14.xml><?xml version="1.0" encoding="utf-8"?>
 <p:sld xmlns:a="http://schemas.openxmlformats.org/drawingml/2006/main" xmlns:r="http://schemas.openxmlformats.org/officeDocument/2006/relationships" xmlns:p="http://schemas.openxmlformats.org/presentationml/2006/main">
   <p:cSld>
     <p:bg>
@@ -14520,7 +10861,7 @@
             <p:ph idx="1"/>
             <p:extLst>
               <p:ext uri="{D42A27DB-BD31-4B8C-83A1-F6EECF244321}">
-                <p14:modId xmlns:p14="http://schemas.microsoft.com/office/powerpoint/2010/main" val="2998159099"/>
+                <p14:modId xmlns:p14="http://schemas.microsoft.com/office/powerpoint/2010/main" val="1146916610"/>
               </p:ext>
             </p:extLst>
           </p:nvPr>
@@ -14838,7 +11179,7 @@
                         </a:tabLst>
                       </a:pPr>
                       <a:r>
-                        <a:rPr lang="en-US" sz="1800" b="1">
+                        <a:rPr lang="en-US" sz="1800" b="1" dirty="0">
                           <a:solidFill>
                             <a:srgbClr val="FF0000"/>
                           </a:solidFill>
@@ -14846,7 +11187,7 @@
                         </a:rPr>
                         <a:t>0.77</a:t>
                       </a:r>
-                      <a:endParaRPr lang="en-US" sz="1600" b="1">
+                      <a:endParaRPr lang="en-US" sz="1600" b="1" dirty="0">
                         <a:solidFill>
                           <a:srgbClr val="FF0000"/>
                         </a:solidFill>
@@ -15002,7 +11343,7 @@
                         </a:tabLst>
                       </a:pPr>
                       <a:r>
-                        <a:rPr lang="en-US" sz="1800" b="1">
+                        <a:rPr lang="en-US" sz="1800" b="1" dirty="0">
                           <a:solidFill>
                             <a:srgbClr val="FF0000"/>
                           </a:solidFill>
@@ -15010,7 +11351,7 @@
                         </a:rPr>
                         <a:t>0.74</a:t>
                       </a:r>
-                      <a:endParaRPr lang="en-US" sz="1600" b="1">
+                      <a:endParaRPr lang="en-US" sz="1600" b="1" dirty="0">
                         <a:solidFill>
                           <a:srgbClr val="FF0000"/>
                         </a:solidFill>
@@ -15330,7 +11671,7 @@
                         </a:tabLst>
                       </a:pPr>
                       <a:r>
-                        <a:rPr lang="en-US" sz="1800" b="1">
+                        <a:rPr lang="en-US" sz="1800" b="1" dirty="0">
                           <a:solidFill>
                             <a:srgbClr val="FF0000"/>
                           </a:solidFill>
@@ -15338,7 +11679,7 @@
                         </a:rPr>
                         <a:t>0.61</a:t>
                       </a:r>
-                      <a:endParaRPr lang="en-US" sz="1600" b="1">
+                      <a:endParaRPr lang="en-US" sz="1600" b="1" dirty="0">
                         <a:solidFill>
                           <a:srgbClr val="FF0000"/>
                         </a:solidFill>
@@ -16783,7 +13124,7 @@
 </p:sld>
 </file>
 
-<file path=ppt/slides/slide17.xml><?xml version="1.0" encoding="utf-8"?>
+<file path=ppt/slides/slide15.xml><?xml version="1.0" encoding="utf-8"?>
 <p:sld xmlns:a="http://schemas.openxmlformats.org/drawingml/2006/main" xmlns:r="http://schemas.openxmlformats.org/officeDocument/2006/relationships" xmlns:p="http://schemas.openxmlformats.org/presentationml/2006/main">
   <p:cSld>
     <p:bg>
@@ -17402,7 +13743,7 @@
               <a:buAutoNum type="arabicPeriod"/>
             </a:pPr>
             <a:r>
-              <a:rPr lang="en-US" sz="2400" dirty="0"/>
+              <a:rPr lang="en-US" sz="3200" dirty="0"/>
               <a:t>Discussion</a:t>
             </a:r>
           </a:p>
@@ -17474,7 +13815,7 @@
 </p:sld>
 </file>
 
-<file path=ppt/slides/slide18.xml><?xml version="1.0" encoding="utf-8"?>
+<file path=ppt/slides/slide16.xml><?xml version="1.0" encoding="utf-8"?>
 <p:sld xmlns:a="http://schemas.openxmlformats.org/drawingml/2006/main" xmlns:r="http://schemas.openxmlformats.org/officeDocument/2006/relationships" xmlns:p="http://schemas.openxmlformats.org/presentationml/2006/main">
   <p:cSld>
     <p:bg>
@@ -18116,7 +14457,7 @@
         </p:spPr>
         <p:txBody>
           <a:bodyPr>
-            <a:normAutofit/>
+            <a:normAutofit lnSpcReduction="10000"/>
           </a:bodyPr>
           <a:lstStyle/>
           <a:p>
@@ -18124,14 +14465,14 @@
               <a:buNone/>
             </a:pPr>
             <a:r>
-              <a:rPr lang="en-US" sz="2400" dirty="0"/>
+              <a:rPr lang="en-US" dirty="0"/>
               <a:t>2. Improvement</a:t>
             </a:r>
           </a:p>
           <a:p>
             <a:pPr lvl="1"/>
             <a:r>
-              <a:rPr lang="en-US" sz="1600" dirty="0">
+              <a:rPr lang="en-US" sz="1800" dirty="0">
                 <a:effectLst/>
                 <a:latin typeface="Calibri" panose="020F0502020204030204" pitchFamily="34" charset="0"/>
                 <a:ea typeface="Yu Mincho" panose="02020400000000000000" pitchFamily="18" charset="-128"/>
@@ -18139,7 +14480,7 @@
               </a:rPr>
               <a:t>Collect more data:</a:t>
             </a:r>
-            <a:endParaRPr lang="vi-VN" sz="1600" dirty="0">
+            <a:endParaRPr lang="vi-VN" sz="1800" dirty="0">
               <a:effectLst/>
               <a:latin typeface="Calibri" panose="020F0502020204030204" pitchFamily="34" charset="0"/>
               <a:ea typeface="Yu Mincho" panose="02020400000000000000" pitchFamily="18" charset="-128"/>
@@ -18149,7 +14490,7 @@
           <a:p>
             <a:pPr lvl="2"/>
             <a:r>
-              <a:rPr lang="en-US" sz="1600" dirty="0">
+              <a:rPr lang="en-US" sz="1800" dirty="0">
                 <a:effectLst/>
                 <a:latin typeface="Calibri" panose="020F0502020204030204" pitchFamily="34" charset="0"/>
                 <a:ea typeface="Yu Mincho" panose="02020400000000000000" pitchFamily="18" charset="-128"/>
@@ -18158,7 +14499,7 @@
               <a:t> </a:t>
             </a:r>
             <a:r>
-              <a:rPr lang="en-US" sz="1600" dirty="0" err="1">
+              <a:rPr lang="en-US" sz="1800" dirty="0" err="1">
                 <a:effectLst/>
                 <a:latin typeface="Calibri" panose="020F0502020204030204" pitchFamily="34" charset="0"/>
                 <a:ea typeface="Yu Mincho" panose="02020400000000000000" pitchFamily="18" charset="-128"/>
@@ -18167,7 +14508,7 @@
               <a:t>city_development_index</a:t>
             </a:r>
             <a:r>
-              <a:rPr lang="en-US" sz="1600" dirty="0">
+              <a:rPr lang="en-US" sz="1800" dirty="0">
                 <a:effectLst/>
                 <a:latin typeface="Calibri" panose="020F0502020204030204" pitchFamily="34" charset="0"/>
                 <a:ea typeface="Yu Mincho" panose="02020400000000000000" pitchFamily="18" charset="-128"/>
@@ -18175,7 +14516,7 @@
               </a:rPr>
               <a:t> is an important factor to the outcome of the problem. </a:t>
             </a:r>
-            <a:endParaRPr lang="vi-VN" sz="1600" dirty="0">
+            <a:endParaRPr lang="vi-VN" sz="1800" dirty="0">
               <a:effectLst/>
               <a:latin typeface="Calibri" panose="020F0502020204030204" pitchFamily="34" charset="0"/>
               <a:ea typeface="Yu Mincho" panose="02020400000000000000" pitchFamily="18" charset="-128"/>
@@ -18185,7 +14526,7 @@
           <a:p>
             <a:pPr lvl="2"/>
             <a:r>
-              <a:rPr lang="en-US" sz="1600" dirty="0">
+              <a:rPr lang="en-US" sz="1800" dirty="0">
                 <a:effectLst/>
                 <a:latin typeface="Calibri" panose="020F0502020204030204" pitchFamily="34" charset="0"/>
                 <a:ea typeface="Yu Mincho" panose="02020400000000000000" pitchFamily="18" charset="-128"/>
@@ -18193,7 +14534,7 @@
               </a:rPr>
               <a:t>with the current distribution of the data, it is impractical to perform stratified split along this attributes. </a:t>
             </a:r>
-            <a:endParaRPr lang="vi-VN" sz="1600" dirty="0">
+            <a:endParaRPr lang="vi-VN" sz="1800" dirty="0">
               <a:effectLst/>
               <a:latin typeface="Calibri" panose="020F0502020204030204" pitchFamily="34" charset="0"/>
               <a:ea typeface="Yu Mincho" panose="02020400000000000000" pitchFamily="18" charset="-128"/>
@@ -18203,7 +14544,7 @@
           <a:p>
             <a:pPr lvl="1"/>
             <a:r>
-              <a:rPr lang="en-US" sz="1600" dirty="0">
+              <a:rPr lang="en-US" sz="1800" dirty="0">
                 <a:latin typeface="Calibri" panose="020F0502020204030204" pitchFamily="34" charset="0"/>
                 <a:ea typeface="Yu Mincho" panose="02020400000000000000" pitchFamily="18" charset="-128"/>
                 <a:cs typeface="Calibri" panose="020F0502020204030204" pitchFamily="34" charset="0"/>
@@ -18270,246 +14611,6 @@
 <file path=ppt/slides/slide2.xml><?xml version="1.0" encoding="utf-8"?>
 <p:sld xmlns:a="http://schemas.openxmlformats.org/drawingml/2006/main" xmlns:r="http://schemas.openxmlformats.org/officeDocument/2006/relationships" xmlns:p="http://schemas.openxmlformats.org/presentationml/2006/main">
   <p:cSld>
-    <p:spTree>
-      <p:nvGrpSpPr>
-        <p:cNvPr id="1" name=""/>
-        <p:cNvGrpSpPr/>
-        <p:nvPr/>
-      </p:nvGrpSpPr>
-      <p:grpSpPr>
-        <a:xfrm>
-          <a:off x="0" y="0"/>
-          <a:ext cx="0" cy="0"/>
-          <a:chOff x="0" y="0"/>
-          <a:chExt cx="0" cy="0"/>
-        </a:xfrm>
-      </p:grpSpPr>
-      <p:sp>
-        <p:nvSpPr>
-          <p:cNvPr id="2" name="Title 1">
-            <a:extLst>
-              <a:ext uri="{FF2B5EF4-FFF2-40B4-BE49-F238E27FC236}">
-                <a16:creationId xmlns:a16="http://schemas.microsoft.com/office/drawing/2014/main" id="{C7307452-A0AF-4768-999E-9BC23D262E4D}"/>
-              </a:ext>
-            </a:extLst>
-          </p:cNvPr>
-          <p:cNvSpPr>
-            <a:spLocks noGrp="1"/>
-          </p:cNvSpPr>
-          <p:nvPr>
-            <p:ph type="title"/>
-          </p:nvPr>
-        </p:nvSpPr>
-        <p:spPr/>
-        <p:txBody>
-          <a:bodyPr/>
-          <a:lstStyle/>
-          <a:p>
-            <a:r>
-              <a:rPr lang="en-US" dirty="0"/>
-              <a:t>Members &amp; Contribution</a:t>
-            </a:r>
-          </a:p>
-        </p:txBody>
-      </p:sp>
-      <p:sp>
-        <p:nvSpPr>
-          <p:cNvPr id="5" name="TextBox 4">
-            <a:extLst>
-              <a:ext uri="{FF2B5EF4-FFF2-40B4-BE49-F238E27FC236}">
-                <a16:creationId xmlns:a16="http://schemas.microsoft.com/office/drawing/2014/main" id="{FA6C0E93-4DB9-4415-9465-A67DBBA5813C}"/>
-              </a:ext>
-            </a:extLst>
-          </p:cNvPr>
-          <p:cNvSpPr txBox="1"/>
-          <p:nvPr/>
-        </p:nvSpPr>
-        <p:spPr>
-          <a:xfrm>
-            <a:off x="3520719" y="2251586"/>
-            <a:ext cx="2181046" cy="646331"/>
-          </a:xfrm>
-          <a:prstGeom prst="rect">
-            <a:avLst/>
-          </a:prstGeom>
-          <a:noFill/>
-        </p:spPr>
-        <p:txBody>
-          <a:bodyPr wrap="none" rtlCol="0">
-            <a:spAutoFit/>
-          </a:bodyPr>
-          <a:lstStyle/>
-          <a:p>
-            <a:r>
-              <a:rPr lang="vi-VN" dirty="0"/>
-              <a:t>Nguyễn Việt Hoàng</a:t>
-            </a:r>
-          </a:p>
-          <a:p>
-            <a:r>
-              <a:rPr lang="vi-VN" dirty="0"/>
-              <a:t>SID: 20194434</a:t>
-            </a:r>
-          </a:p>
-        </p:txBody>
-      </p:sp>
-      <p:sp>
-        <p:nvSpPr>
-          <p:cNvPr id="8" name="TextBox 7">
-            <a:extLst>
-              <a:ext uri="{FF2B5EF4-FFF2-40B4-BE49-F238E27FC236}">
-                <a16:creationId xmlns:a16="http://schemas.microsoft.com/office/drawing/2014/main" id="{71274F72-EF6B-4330-B159-940951C9D4C9}"/>
-              </a:ext>
-            </a:extLst>
-          </p:cNvPr>
-          <p:cNvSpPr txBox="1"/>
-          <p:nvPr/>
-        </p:nvSpPr>
-        <p:spPr>
-          <a:xfrm>
-            <a:off x="3520719" y="4598493"/>
-            <a:ext cx="2001510" cy="646331"/>
-          </a:xfrm>
-          <a:prstGeom prst="rect">
-            <a:avLst/>
-          </a:prstGeom>
-          <a:noFill/>
-        </p:spPr>
-        <p:txBody>
-          <a:bodyPr wrap="none" rtlCol="0">
-            <a:spAutoFit/>
-          </a:bodyPr>
-          <a:lstStyle/>
-          <a:p>
-            <a:r>
-              <a:rPr lang="vi-VN" dirty="0"/>
-              <a:t>Phan Đức Thắng </a:t>
-            </a:r>
-          </a:p>
-          <a:p>
-            <a:r>
-              <a:rPr lang="vi-VN" dirty="0"/>
-              <a:t>SID: 20194452</a:t>
-            </a:r>
-          </a:p>
-        </p:txBody>
-      </p:sp>
-      <p:sp>
-        <p:nvSpPr>
-          <p:cNvPr id="9" name="Rectangle 8">
-            <a:extLst>
-              <a:ext uri="{FF2B5EF4-FFF2-40B4-BE49-F238E27FC236}">
-                <a16:creationId xmlns:a16="http://schemas.microsoft.com/office/drawing/2014/main" id="{F852E86F-A853-433F-A4EA-5906F35DD12A}"/>
-              </a:ext>
-            </a:extLst>
-          </p:cNvPr>
-          <p:cNvSpPr/>
-          <p:nvPr/>
-        </p:nvSpPr>
-        <p:spPr>
-          <a:xfrm>
-            <a:off x="1201327" y="1472027"/>
-            <a:ext cx="1790351" cy="2205451"/>
-          </a:xfrm>
-          <a:prstGeom prst="rect">
-            <a:avLst/>
-          </a:prstGeom>
-        </p:spPr>
-        <p:style>
-          <a:lnRef idx="2">
-            <a:schemeClr val="accent1">
-              <a:shade val="50000"/>
-            </a:schemeClr>
-          </a:lnRef>
-          <a:fillRef idx="1">
-            <a:schemeClr val="accent1"/>
-          </a:fillRef>
-          <a:effectRef idx="0">
-            <a:schemeClr val="accent1"/>
-          </a:effectRef>
-          <a:fontRef idx="minor">
-            <a:schemeClr val="lt1"/>
-          </a:fontRef>
-        </p:style>
-        <p:txBody>
-          <a:bodyPr rtlCol="0" anchor="ctr"/>
-          <a:lstStyle/>
-          <a:p>
-            <a:pPr algn="ctr"/>
-            <a:r>
-              <a:rPr lang="vi-VN" dirty="0"/>
-              <a:t>image</a:t>
-            </a:r>
-            <a:endParaRPr lang="en-US" dirty="0"/>
-          </a:p>
-        </p:txBody>
-      </p:sp>
-      <p:sp>
-        <p:nvSpPr>
-          <p:cNvPr id="10" name="Rectangle 9">
-            <a:extLst>
-              <a:ext uri="{FF2B5EF4-FFF2-40B4-BE49-F238E27FC236}">
-                <a16:creationId xmlns:a16="http://schemas.microsoft.com/office/drawing/2014/main" id="{3C591B19-4369-4E33-8F42-583EB25599C8}"/>
-              </a:ext>
-            </a:extLst>
-          </p:cNvPr>
-          <p:cNvSpPr/>
-          <p:nvPr/>
-        </p:nvSpPr>
-        <p:spPr>
-          <a:xfrm>
-            <a:off x="1201327" y="4019758"/>
-            <a:ext cx="1790351" cy="2205451"/>
-          </a:xfrm>
-          <a:prstGeom prst="rect">
-            <a:avLst/>
-          </a:prstGeom>
-        </p:spPr>
-        <p:style>
-          <a:lnRef idx="2">
-            <a:schemeClr val="accent1">
-              <a:shade val="50000"/>
-            </a:schemeClr>
-          </a:lnRef>
-          <a:fillRef idx="1">
-            <a:schemeClr val="accent1"/>
-          </a:fillRef>
-          <a:effectRef idx="0">
-            <a:schemeClr val="accent1"/>
-          </a:effectRef>
-          <a:fontRef idx="minor">
-            <a:schemeClr val="lt1"/>
-          </a:fontRef>
-        </p:style>
-        <p:txBody>
-          <a:bodyPr rtlCol="0" anchor="ctr"/>
-          <a:lstStyle/>
-          <a:p>
-            <a:pPr algn="ctr"/>
-            <a:r>
-              <a:rPr lang="vi-VN" dirty="0"/>
-              <a:t>image</a:t>
-            </a:r>
-            <a:endParaRPr lang="en-US" dirty="0"/>
-          </a:p>
-        </p:txBody>
-      </p:sp>
-    </p:spTree>
-    <p:extLst>
-      <p:ext uri="{BB962C8B-B14F-4D97-AF65-F5344CB8AC3E}">
-        <p14:creationId xmlns:p14="http://schemas.microsoft.com/office/powerpoint/2010/main" val="4259876129"/>
-      </p:ext>
-    </p:extLst>
-  </p:cSld>
-  <p:clrMapOvr>
-    <a:masterClrMapping/>
-  </p:clrMapOvr>
-</p:sld>
-</file>
-
-<file path=ppt/slides/slide3.xml><?xml version="1.0" encoding="utf-8"?>
-<p:sld xmlns:a="http://schemas.openxmlformats.org/drawingml/2006/main" xmlns:r="http://schemas.openxmlformats.org/officeDocument/2006/relationships" xmlns:p="http://schemas.openxmlformats.org/presentationml/2006/main">
-  <p:cSld>
     <p:bg>
       <p:bgPr>
         <a:solidFill>
@@ -18532,164 +14633,6 @@
           <a:chExt cx="0" cy="0"/>
         </a:xfrm>
       </p:grpSpPr>
-      <p:sp>
-        <p:nvSpPr>
-          <p:cNvPr id="2" name="Title 1">
-            <a:extLst>
-              <a:ext uri="{FF2B5EF4-FFF2-40B4-BE49-F238E27FC236}">
-                <a16:creationId xmlns:a16="http://schemas.microsoft.com/office/drawing/2014/main" id="{466BCD54-751A-4E3A-9A68-D6DDF0F95A33}"/>
-              </a:ext>
-            </a:extLst>
-          </p:cNvPr>
-          <p:cNvSpPr>
-            <a:spLocks noGrp="1"/>
-          </p:cNvSpPr>
-          <p:nvPr>
-            <p:ph type="title"/>
-          </p:nvPr>
-        </p:nvSpPr>
-        <p:spPr>
-          <a:xfrm>
-            <a:off x="1136428" y="627564"/>
-            <a:ext cx="7474172" cy="1325563"/>
-          </a:xfrm>
-        </p:spPr>
-        <p:txBody>
-          <a:bodyPr>
-            <a:normAutofit/>
-          </a:bodyPr>
-          <a:lstStyle/>
-          <a:p>
-            <a:r>
-              <a:rPr lang="en-US"/>
-              <a:t>Problem Statement</a:t>
-            </a:r>
-          </a:p>
-        </p:txBody>
-      </p:sp>
-      <p:sp>
-        <p:nvSpPr>
-          <p:cNvPr id="3" name="Content Placeholder 2">
-            <a:extLst>
-              <a:ext uri="{FF2B5EF4-FFF2-40B4-BE49-F238E27FC236}">
-                <a16:creationId xmlns:a16="http://schemas.microsoft.com/office/drawing/2014/main" id="{AF5E65B3-E29B-4192-BCEE-0A71508F1295}"/>
-              </a:ext>
-            </a:extLst>
-          </p:cNvPr>
-          <p:cNvSpPr>
-            <a:spLocks noGrp="1"/>
-          </p:cNvSpPr>
-          <p:nvPr>
-            <p:ph idx="1"/>
-          </p:nvPr>
-        </p:nvSpPr>
-        <p:spPr>
-          <a:xfrm>
-            <a:off x="1136429" y="2278173"/>
-            <a:ext cx="6467867" cy="3450613"/>
-          </a:xfrm>
-        </p:spPr>
-        <p:txBody>
-          <a:bodyPr anchor="ctr">
-            <a:normAutofit/>
-          </a:bodyPr>
-          <a:lstStyle/>
-          <a:p>
-            <a:pPr marL="0" marR="0">
-              <a:spcBef>
-                <a:spcPts val="0"/>
-              </a:spcBef>
-              <a:spcAft>
-                <a:spcPts val="0"/>
-              </a:spcAft>
-            </a:pPr>
-            <a:r>
-              <a:rPr lang="en-US" sz="2000">
-                <a:latin typeface="Calibri" panose="020F0502020204030204" pitchFamily="34" charset="0"/>
-                <a:cs typeface="Calibri" panose="020F0502020204030204" pitchFamily="34" charset="0"/>
-              </a:rPr>
-              <a:t>Goal: Predict if a data scientist will look for a job change and evaluate which factors affect his decision. </a:t>
-            </a:r>
-          </a:p>
-          <a:p>
-            <a:pPr marL="0" marR="0" indent="0">
-              <a:spcBef>
-                <a:spcPts val="0"/>
-              </a:spcBef>
-              <a:spcAft>
-                <a:spcPts val="0"/>
-              </a:spcAft>
-              <a:buNone/>
-            </a:pPr>
-            <a:endParaRPr lang="en-US" sz="2000">
-              <a:latin typeface="Calibri" panose="020F0502020204030204" pitchFamily="34" charset="0"/>
-              <a:cs typeface="Calibri" panose="020F0502020204030204" pitchFamily="34" charset="0"/>
-            </a:endParaRPr>
-          </a:p>
-          <a:p>
-            <a:pPr marL="0">
-              <a:spcBef>
-                <a:spcPts val="0"/>
-              </a:spcBef>
-            </a:pPr>
-            <a:r>
-              <a:rPr lang="en-US" sz="2000">
-                <a:latin typeface="Calibri" panose="020F0502020204030204" pitchFamily="34" charset="0"/>
-                <a:cs typeface="Calibri" panose="020F0502020204030204" pitchFamily="34" charset="0"/>
-              </a:rPr>
-              <a:t>Use case: </a:t>
-            </a:r>
-          </a:p>
-          <a:p>
-            <a:pPr marL="457200" lvl="1">
-              <a:spcBef>
-                <a:spcPts val="0"/>
-              </a:spcBef>
-            </a:pPr>
-            <a:r>
-              <a:rPr lang="en-US" sz="2000">
-                <a:latin typeface="Calibri" panose="020F0502020204030204" pitchFamily="34" charset="0"/>
-                <a:cs typeface="Calibri" panose="020F0502020204030204" pitchFamily="34" charset="0"/>
-              </a:rPr>
-              <a:t>A company that is hiring employee can know among the candidates which one is really looking for a new job, which reduces the cost and time of finding new employees. </a:t>
-            </a:r>
-          </a:p>
-          <a:p>
-            <a:pPr marL="457200" lvl="1">
-              <a:spcBef>
-                <a:spcPts val="0"/>
-              </a:spcBef>
-              <a:spcAft>
-                <a:spcPts val="800"/>
-              </a:spcAft>
-            </a:pPr>
-            <a:r>
-              <a:rPr lang="en-US" sz="2000">
-                <a:latin typeface="Calibri" panose="020F0502020204030204" pitchFamily="34" charset="0"/>
-                <a:cs typeface="Calibri" panose="020F0502020204030204" pitchFamily="34" charset="0"/>
-              </a:rPr>
-              <a:t>Predict which employee is likely to look for a job change, and analyze which factors influent his decision.</a:t>
-            </a:r>
-          </a:p>
-          <a:p>
-            <a:pPr marL="0" marR="0">
-              <a:spcBef>
-                <a:spcPts val="0"/>
-              </a:spcBef>
-              <a:spcAft>
-                <a:spcPts val="0"/>
-              </a:spcAft>
-            </a:pPr>
-            <a:endParaRPr lang="en-US" sz="2000">
-              <a:latin typeface="Calibri" panose="020F0502020204030204" pitchFamily="34" charset="0"/>
-              <a:cs typeface="Calibri" panose="020F0502020204030204" pitchFamily="34" charset="0"/>
-            </a:endParaRPr>
-          </a:p>
-          <a:p>
-            <a:endParaRPr lang="en-US" sz="2000"/>
-          </a:p>
-        </p:txBody>
-      </p:sp>
       <p:sp>
         <p:nvSpPr>
           <p:cNvPr id="30" name="Rectangle 29">
@@ -18857,6 +14800,632 @@
           </a:prstGeom>
         </p:spPr>
       </p:pic>
+      <p:sp>
+        <p:nvSpPr>
+          <p:cNvPr id="11" name="Title 1">
+            <a:extLst>
+              <a:ext uri="{FF2B5EF4-FFF2-40B4-BE49-F238E27FC236}">
+                <a16:creationId xmlns:a16="http://schemas.microsoft.com/office/drawing/2014/main" id="{501C45EE-47B4-4682-BBA4-DD93171393B5}"/>
+              </a:ext>
+            </a:extLst>
+          </p:cNvPr>
+          <p:cNvSpPr>
+            <a:spLocks noGrp="1"/>
+          </p:cNvSpPr>
+          <p:nvPr>
+            <p:ph type="title"/>
+          </p:nvPr>
+        </p:nvSpPr>
+        <p:spPr>
+          <a:xfrm>
+            <a:off x="786522" y="619862"/>
+            <a:ext cx="10515600" cy="1325563"/>
+          </a:xfrm>
+        </p:spPr>
+        <p:txBody>
+          <a:bodyPr/>
+          <a:lstStyle/>
+          <a:p>
+            <a:r>
+              <a:rPr lang="en-US" dirty="0"/>
+              <a:t>Members &amp; Contribution</a:t>
+            </a:r>
+          </a:p>
+        </p:txBody>
+      </p:sp>
+      <p:sp>
+        <p:nvSpPr>
+          <p:cNvPr id="12" name="TextBox 11">
+            <a:extLst>
+              <a:ext uri="{FF2B5EF4-FFF2-40B4-BE49-F238E27FC236}">
+                <a16:creationId xmlns:a16="http://schemas.microsoft.com/office/drawing/2014/main" id="{905B0BCC-129E-41F8-B7E9-D085532BE266}"/>
+              </a:ext>
+            </a:extLst>
+          </p:cNvPr>
+          <p:cNvSpPr txBox="1"/>
+          <p:nvPr/>
+        </p:nvSpPr>
+        <p:spPr>
+          <a:xfrm>
+            <a:off x="786522" y="2358913"/>
+            <a:ext cx="3721788" cy="2246769"/>
+          </a:xfrm>
+          <a:prstGeom prst="rect">
+            <a:avLst/>
+          </a:prstGeom>
+          <a:noFill/>
+        </p:spPr>
+        <p:txBody>
+          <a:bodyPr wrap="none" rtlCol="0">
+            <a:spAutoFit/>
+          </a:bodyPr>
+          <a:lstStyle/>
+          <a:p>
+            <a:r>
+              <a:rPr lang="vi-VN" sz="2000" dirty="0"/>
+              <a:t>Nguyễn Việt Hoàng</a:t>
+            </a:r>
+          </a:p>
+          <a:p>
+            <a:r>
+              <a:rPr lang="vi-VN" sz="2000" dirty="0"/>
+              <a:t>SID: 20194434</a:t>
+            </a:r>
+            <a:endParaRPr lang="en-US" sz="2000" dirty="0"/>
+          </a:p>
+          <a:p>
+            <a:r>
+              <a:rPr lang="en-US" sz="2000" dirty="0">
+                <a:hlinkClick r:id="rId4"/>
+              </a:rPr>
+              <a:t>Hoang.nv194434@sis.hust.edu.vn</a:t>
+            </a:r>
+            <a:endParaRPr lang="vi-VN" sz="2000" dirty="0"/>
+          </a:p>
+          <a:p>
+            <a:endParaRPr lang="vi-VN" sz="2000" dirty="0"/>
+          </a:p>
+          <a:p>
+            <a:r>
+              <a:rPr lang="vi-VN" sz="2000" dirty="0"/>
+              <a:t>Phan Đức Thắng </a:t>
+            </a:r>
+          </a:p>
+          <a:p>
+            <a:r>
+              <a:rPr lang="vi-VN" sz="2000" dirty="0"/>
+              <a:t>SID: 20194452</a:t>
+            </a:r>
+            <a:endParaRPr lang="en-US" sz="2000" dirty="0"/>
+          </a:p>
+          <a:p>
+            <a:r>
+              <a:rPr lang="en-US" sz="2000" dirty="0">
+                <a:hlinkClick r:id="rId5"/>
+              </a:rPr>
+              <a:t>Thang.pd194452@sis.hust.edu.vn</a:t>
+            </a:r>
+            <a:endParaRPr lang="vi-VN" sz="2000" dirty="0"/>
+          </a:p>
+        </p:txBody>
+      </p:sp>
+      <p:sp>
+        <p:nvSpPr>
+          <p:cNvPr id="13" name="TextBox 12">
+            <a:extLst>
+              <a:ext uri="{FF2B5EF4-FFF2-40B4-BE49-F238E27FC236}">
+                <a16:creationId xmlns:a16="http://schemas.microsoft.com/office/drawing/2014/main" id="{1E34A1F7-3C16-42E4-94D8-DB1B164276AD}"/>
+              </a:ext>
+            </a:extLst>
+          </p:cNvPr>
+          <p:cNvSpPr txBox="1"/>
+          <p:nvPr/>
+        </p:nvSpPr>
+        <p:spPr>
+          <a:xfrm>
+            <a:off x="4906062" y="2358913"/>
+            <a:ext cx="4785065" cy="2462213"/>
+          </a:xfrm>
+          <a:prstGeom prst="rect">
+            <a:avLst/>
+          </a:prstGeom>
+          <a:noFill/>
+        </p:spPr>
+        <p:txBody>
+          <a:bodyPr wrap="square" rtlCol="0">
+            <a:spAutoFit/>
+          </a:bodyPr>
+          <a:lstStyle/>
+          <a:p>
+            <a:r>
+              <a:rPr lang="en-US" sz="2800" dirty="0"/>
+              <a:t>Tasks:</a:t>
+            </a:r>
+            <a:endParaRPr lang="vi-VN" sz="2800" dirty="0"/>
+          </a:p>
+          <a:p>
+            <a:pPr marL="285750" indent="-285750">
+              <a:buFont typeface="Arial" panose="020B0604020202020204" pitchFamily="34" charset="0"/>
+              <a:buChar char="•"/>
+            </a:pPr>
+            <a:r>
+              <a:rPr lang="vi-VN" dirty="0">
+                <a:latin typeface="Calibri" panose="020F0502020204030204" pitchFamily="34" charset="0"/>
+                <a:cs typeface="Calibri" panose="020F0502020204030204" pitchFamily="34" charset="0"/>
+              </a:rPr>
+              <a:t>Explore: Thắng</a:t>
+            </a:r>
+            <a:endParaRPr lang="en-US" dirty="0">
+              <a:latin typeface="Calibri" panose="020F0502020204030204" pitchFamily="34" charset="0"/>
+              <a:cs typeface="Calibri" panose="020F0502020204030204" pitchFamily="34" charset="0"/>
+            </a:endParaRPr>
+          </a:p>
+          <a:p>
+            <a:pPr marL="285750" indent="-285750">
+              <a:buFont typeface="Arial" panose="020B0604020202020204" pitchFamily="34" charset="0"/>
+              <a:buChar char="•"/>
+            </a:pPr>
+            <a:r>
+              <a:rPr lang="en-US" dirty="0">
+                <a:latin typeface="Calibri" panose="020F0502020204030204" pitchFamily="34" charset="0"/>
+                <a:cs typeface="Calibri" panose="020F0502020204030204" pitchFamily="34" charset="0"/>
+              </a:rPr>
+              <a:t>Preprocess: </a:t>
+            </a:r>
+            <a:r>
+              <a:rPr lang="vi-VN" dirty="0">
+                <a:latin typeface="Calibri" panose="020F0502020204030204" pitchFamily="34" charset="0"/>
+                <a:cs typeface="Calibri" panose="020F0502020204030204" pitchFamily="34" charset="0"/>
+              </a:rPr>
+              <a:t>Hoàng &amp; Thắng</a:t>
+            </a:r>
+          </a:p>
+          <a:p>
+            <a:pPr marL="285750" indent="-285750">
+              <a:buFont typeface="Arial" panose="020B0604020202020204" pitchFamily="34" charset="0"/>
+              <a:buChar char="•"/>
+            </a:pPr>
+            <a:r>
+              <a:rPr lang="vi-VN" dirty="0">
+                <a:latin typeface="Calibri" panose="020F0502020204030204" pitchFamily="34" charset="0"/>
+                <a:cs typeface="Calibri" panose="020F0502020204030204" pitchFamily="34" charset="0"/>
+              </a:rPr>
+              <a:t>Logistic Regression model: Thắng</a:t>
+            </a:r>
+          </a:p>
+          <a:p>
+            <a:pPr marL="285750" indent="-285750">
+              <a:buFont typeface="Arial" panose="020B0604020202020204" pitchFamily="34" charset="0"/>
+              <a:buChar char="•"/>
+            </a:pPr>
+            <a:r>
+              <a:rPr lang="vi-VN" dirty="0">
+                <a:latin typeface="Calibri" panose="020F0502020204030204" pitchFamily="34" charset="0"/>
+                <a:cs typeface="Calibri" panose="020F0502020204030204" pitchFamily="34" charset="0"/>
+              </a:rPr>
+              <a:t>SVM model: Hoàng</a:t>
+            </a:r>
+          </a:p>
+          <a:p>
+            <a:pPr marL="285750" indent="-285750">
+              <a:buFont typeface="Arial" panose="020B0604020202020204" pitchFamily="34" charset="0"/>
+              <a:buChar char="•"/>
+            </a:pPr>
+            <a:r>
+              <a:rPr lang="vi-VN" dirty="0">
+                <a:latin typeface="Calibri" panose="020F0502020204030204" pitchFamily="34" charset="0"/>
+                <a:cs typeface="Calibri" panose="020F0502020204030204" pitchFamily="34" charset="0"/>
+              </a:rPr>
+              <a:t>Report: Hoàng &amp; Thắng</a:t>
+            </a:r>
+          </a:p>
+          <a:p>
+            <a:pPr marL="285750" indent="-285750">
+              <a:buFont typeface="Arial" panose="020B0604020202020204" pitchFamily="34" charset="0"/>
+              <a:buChar char="•"/>
+            </a:pPr>
+            <a:r>
+              <a:rPr lang="vi-VN" dirty="0">
+                <a:latin typeface="Calibri" panose="020F0502020204030204" pitchFamily="34" charset="0"/>
+                <a:cs typeface="Calibri" panose="020F0502020204030204" pitchFamily="34" charset="0"/>
+              </a:rPr>
+              <a:t>Slides: Hoàng</a:t>
+            </a:r>
+          </a:p>
+          <a:p>
+            <a:pPr marL="285750" indent="-285750">
+              <a:buFont typeface="Arial" panose="020B0604020202020204" pitchFamily="34" charset="0"/>
+              <a:buChar char="•"/>
+            </a:pPr>
+            <a:endParaRPr lang="en-US" dirty="0"/>
+          </a:p>
+        </p:txBody>
+      </p:sp>
+    </p:spTree>
+    <p:extLst>
+      <p:ext uri="{BB962C8B-B14F-4D97-AF65-F5344CB8AC3E}">
+        <p14:creationId xmlns:p14="http://schemas.microsoft.com/office/powerpoint/2010/main" val="3067979859"/>
+      </p:ext>
+    </p:extLst>
+  </p:cSld>
+  <p:clrMapOvr>
+    <a:masterClrMapping/>
+  </p:clrMapOvr>
+</p:sld>
+</file>
+
+<file path=ppt/slides/slide3.xml><?xml version="1.0" encoding="utf-8"?>
+<p:sld xmlns:a="http://schemas.openxmlformats.org/drawingml/2006/main" xmlns:r="http://schemas.openxmlformats.org/officeDocument/2006/relationships" xmlns:p="http://schemas.openxmlformats.org/presentationml/2006/main">
+  <p:cSld>
+    <p:bg>
+      <p:bgPr>
+        <a:solidFill>
+          <a:schemeClr val="bg1"/>
+        </a:solidFill>
+        <a:effectLst/>
+      </p:bgPr>
+    </p:bg>
+    <p:spTree>
+      <p:nvGrpSpPr>
+        <p:cNvPr id="1" name=""/>
+        <p:cNvGrpSpPr/>
+        <p:nvPr/>
+      </p:nvGrpSpPr>
+      <p:grpSpPr>
+        <a:xfrm>
+          <a:off x="0" y="0"/>
+          <a:ext cx="0" cy="0"/>
+          <a:chOff x="0" y="0"/>
+          <a:chExt cx="0" cy="0"/>
+        </a:xfrm>
+      </p:grpSpPr>
+      <p:sp>
+        <p:nvSpPr>
+          <p:cNvPr id="2" name="Title 1">
+            <a:extLst>
+              <a:ext uri="{FF2B5EF4-FFF2-40B4-BE49-F238E27FC236}">
+                <a16:creationId xmlns:a16="http://schemas.microsoft.com/office/drawing/2014/main" id="{466BCD54-751A-4E3A-9A68-D6DDF0F95A33}"/>
+              </a:ext>
+            </a:extLst>
+          </p:cNvPr>
+          <p:cNvSpPr>
+            <a:spLocks noGrp="1"/>
+          </p:cNvSpPr>
+          <p:nvPr>
+            <p:ph type="title"/>
+          </p:nvPr>
+        </p:nvSpPr>
+        <p:spPr>
+          <a:xfrm>
+            <a:off x="1136428" y="627564"/>
+            <a:ext cx="7474172" cy="1325563"/>
+          </a:xfrm>
+        </p:spPr>
+        <p:txBody>
+          <a:bodyPr>
+            <a:normAutofit/>
+          </a:bodyPr>
+          <a:lstStyle/>
+          <a:p>
+            <a:r>
+              <a:rPr lang="en-US"/>
+              <a:t>Problem Statement</a:t>
+            </a:r>
+          </a:p>
+        </p:txBody>
+      </p:sp>
+      <p:sp>
+        <p:nvSpPr>
+          <p:cNvPr id="3" name="Content Placeholder 2">
+            <a:extLst>
+              <a:ext uri="{FF2B5EF4-FFF2-40B4-BE49-F238E27FC236}">
+                <a16:creationId xmlns:a16="http://schemas.microsoft.com/office/drawing/2014/main" id="{AF5E65B3-E29B-4192-BCEE-0A71508F1295}"/>
+              </a:ext>
+            </a:extLst>
+          </p:cNvPr>
+          <p:cNvSpPr>
+            <a:spLocks noGrp="1"/>
+          </p:cNvSpPr>
+          <p:nvPr>
+            <p:ph idx="1"/>
+          </p:nvPr>
+        </p:nvSpPr>
+        <p:spPr>
+          <a:xfrm>
+            <a:off x="1136429" y="2278173"/>
+            <a:ext cx="6467867" cy="3450613"/>
+          </a:xfrm>
+        </p:spPr>
+        <p:txBody>
+          <a:bodyPr anchor="ctr">
+            <a:normAutofit/>
+          </a:bodyPr>
+          <a:lstStyle/>
+          <a:p>
+            <a:pPr marL="0" marR="0">
+              <a:spcBef>
+                <a:spcPts val="0"/>
+              </a:spcBef>
+              <a:spcAft>
+                <a:spcPts val="0"/>
+              </a:spcAft>
+            </a:pPr>
+            <a:r>
+              <a:rPr lang="en-US" sz="2000" dirty="0">
+                <a:latin typeface="Calibri" panose="020F0502020204030204" pitchFamily="34" charset="0"/>
+                <a:cs typeface="Calibri" panose="020F0502020204030204" pitchFamily="34" charset="0"/>
+              </a:rPr>
+              <a:t>Goal: Predict if a data scientist will look for a job change and evaluate which factors affect his decision. </a:t>
+            </a:r>
+          </a:p>
+          <a:p>
+            <a:pPr marL="0" marR="0" indent="0">
+              <a:spcBef>
+                <a:spcPts val="0"/>
+              </a:spcBef>
+              <a:spcAft>
+                <a:spcPts val="0"/>
+              </a:spcAft>
+              <a:buNone/>
+            </a:pPr>
+            <a:endParaRPr lang="en-US" sz="2000" dirty="0">
+              <a:latin typeface="Calibri" panose="020F0502020204030204" pitchFamily="34" charset="0"/>
+              <a:cs typeface="Calibri" panose="020F0502020204030204" pitchFamily="34" charset="0"/>
+            </a:endParaRPr>
+          </a:p>
+          <a:p>
+            <a:pPr marL="0">
+              <a:spcBef>
+                <a:spcPts val="0"/>
+              </a:spcBef>
+            </a:pPr>
+            <a:r>
+              <a:rPr lang="en-US" sz="2000" dirty="0">
+                <a:latin typeface="Calibri" panose="020F0502020204030204" pitchFamily="34" charset="0"/>
+                <a:cs typeface="Calibri" panose="020F0502020204030204" pitchFamily="34" charset="0"/>
+              </a:rPr>
+              <a:t>Use case: </a:t>
+            </a:r>
+          </a:p>
+          <a:p>
+            <a:pPr marL="457200" lvl="1">
+              <a:spcBef>
+                <a:spcPts val="0"/>
+              </a:spcBef>
+            </a:pPr>
+            <a:r>
+              <a:rPr lang="en-US" sz="2000" dirty="0">
+                <a:latin typeface="Calibri" panose="020F0502020204030204" pitchFamily="34" charset="0"/>
+                <a:cs typeface="Calibri" panose="020F0502020204030204" pitchFamily="34" charset="0"/>
+              </a:rPr>
+              <a:t>A company that is hiring employee can know among the candidates which one is really looking for a new job, which reduces the cost and time of finding new employees. </a:t>
+            </a:r>
+          </a:p>
+          <a:p>
+            <a:pPr marL="457200" lvl="1">
+              <a:spcBef>
+                <a:spcPts val="0"/>
+              </a:spcBef>
+              <a:spcAft>
+                <a:spcPts val="800"/>
+              </a:spcAft>
+            </a:pPr>
+            <a:r>
+              <a:rPr lang="en-US" sz="2000" dirty="0">
+                <a:latin typeface="Calibri" panose="020F0502020204030204" pitchFamily="34" charset="0"/>
+                <a:cs typeface="Calibri" panose="020F0502020204030204" pitchFamily="34" charset="0"/>
+              </a:rPr>
+              <a:t>Predict which employee is likely to look for a job change and analyze which factors influent his decision.</a:t>
+            </a:r>
+          </a:p>
+          <a:p>
+            <a:pPr marL="0" marR="0">
+              <a:spcBef>
+                <a:spcPts val="0"/>
+              </a:spcBef>
+              <a:spcAft>
+                <a:spcPts val="0"/>
+              </a:spcAft>
+            </a:pPr>
+            <a:endParaRPr lang="en-US" sz="2000" dirty="0">
+              <a:latin typeface="Calibri" panose="020F0502020204030204" pitchFamily="34" charset="0"/>
+              <a:cs typeface="Calibri" panose="020F0502020204030204" pitchFamily="34" charset="0"/>
+            </a:endParaRPr>
+          </a:p>
+          <a:p>
+            <a:endParaRPr lang="en-US" sz="2000" dirty="0"/>
+          </a:p>
+        </p:txBody>
+      </p:sp>
+      <p:sp>
+        <p:nvSpPr>
+          <p:cNvPr id="30" name="Rectangle 29">
+            <a:extLst>
+              <a:ext uri="{FF2B5EF4-FFF2-40B4-BE49-F238E27FC236}">
+                <a16:creationId xmlns:a16="http://schemas.microsoft.com/office/drawing/2014/main" id="{59A309A7-1751-4ABE-A3C1-EEC40366AD89}"/>
+              </a:ext>
+              <a:ext uri="{C183D7F6-B498-43B3-948B-1728B52AA6E4}">
+                <adec:decorative xmlns:adec="http://schemas.microsoft.com/office/drawing/2017/decorative" val="1"/>
+              </a:ext>
+            </a:extLst>
+          </p:cNvPr>
+          <p:cNvSpPr>
+            <a:spLocks noGrp="1" noRot="1" noChangeAspect="1" noMove="1" noResize="1" noEditPoints="1" noAdjustHandles="1" noChangeArrowheads="1" noChangeShapeType="1" noTextEdit="1"/>
+          </p:cNvSpPr>
+          <p:nvPr>
+            <p:extLst>
+              <p:ext uri="{386F3935-93C4-4BCD-93E2-E3B085C9AB24}">
+                <p16:designElem xmlns:p16="http://schemas.microsoft.com/office/powerpoint/2015/main" val="1"/>
+              </p:ext>
+            </p:extLst>
+          </p:nvPr>
+        </p:nvSpPr>
+        <p:spPr>
+          <a:xfrm>
+            <a:off x="10088880" y="0"/>
+            <a:ext cx="2103120" cy="6858000"/>
+          </a:xfrm>
+          <a:prstGeom prst="rect">
+            <a:avLst/>
+          </a:prstGeom>
+          <a:solidFill>
+            <a:schemeClr val="accent1"/>
+          </a:solidFill>
+          <a:ln>
+            <a:noFill/>
+          </a:ln>
+        </p:spPr>
+        <p:style>
+          <a:lnRef idx="2">
+            <a:schemeClr val="accent1">
+              <a:shade val="50000"/>
+            </a:schemeClr>
+          </a:lnRef>
+          <a:fillRef idx="1">
+            <a:schemeClr val="accent1"/>
+          </a:fillRef>
+          <a:effectRef idx="0">
+            <a:schemeClr val="accent1"/>
+          </a:effectRef>
+          <a:fontRef idx="minor">
+            <a:schemeClr val="lt1"/>
+          </a:fontRef>
+        </p:style>
+        <p:txBody>
+          <a:bodyPr rtlCol="0" anchor="ctr"/>
+          <a:lstStyle/>
+          <a:p>
+            <a:pPr algn="ctr"/>
+            <a:endParaRPr lang="en-US"/>
+          </a:p>
+        </p:txBody>
+      </p:sp>
+      <p:sp>
+        <p:nvSpPr>
+          <p:cNvPr id="32" name="Oval 31">
+            <a:extLst>
+              <a:ext uri="{FF2B5EF4-FFF2-40B4-BE49-F238E27FC236}">
+                <a16:creationId xmlns:a16="http://schemas.microsoft.com/office/drawing/2014/main" id="{967D8EB6-EAE1-4F9C-B398-83321E287204}"/>
+              </a:ext>
+              <a:ext uri="{C183D7F6-B498-43B3-948B-1728B52AA6E4}">
+                <adec:decorative xmlns:adec="http://schemas.microsoft.com/office/drawing/2017/decorative" val="1"/>
+              </a:ext>
+            </a:extLst>
+          </p:cNvPr>
+          <p:cNvSpPr>
+            <a:spLocks noGrp="1" noRot="1" noChangeAspect="1" noMove="1" noResize="1" noEditPoints="1" noAdjustHandles="1" noChangeArrowheads="1" noChangeShapeType="1" noTextEdit="1"/>
+          </p:cNvSpPr>
+          <p:nvPr>
+            <p:extLst>
+              <p:ext uri="{386F3935-93C4-4BCD-93E2-E3B085C9AB24}">
+                <p16:designElem xmlns:p16="http://schemas.microsoft.com/office/powerpoint/2015/main" val="1"/>
+              </p:ext>
+            </p:extLst>
+          </p:nvPr>
+        </p:nvSpPr>
+        <p:spPr>
+          <a:xfrm>
+            <a:off x="8915400" y="2358913"/>
+            <a:ext cx="2140172" cy="2140172"/>
+          </a:xfrm>
+          <a:prstGeom prst="ellipse">
+            <a:avLst/>
+          </a:prstGeom>
+          <a:solidFill>
+            <a:srgbClr val="FFFFFF"/>
+          </a:solidFill>
+          <a:ln w="22225">
+            <a:solidFill>
+              <a:schemeClr val="accent1"/>
+            </a:solidFill>
+          </a:ln>
+        </p:spPr>
+        <p:style>
+          <a:lnRef idx="2">
+            <a:schemeClr val="accent1">
+              <a:shade val="50000"/>
+            </a:schemeClr>
+          </a:lnRef>
+          <a:fillRef idx="1">
+            <a:schemeClr val="accent1"/>
+          </a:fillRef>
+          <a:effectRef idx="0">
+            <a:schemeClr val="accent1"/>
+          </a:effectRef>
+          <a:fontRef idx="minor">
+            <a:schemeClr val="lt1"/>
+          </a:fontRef>
+        </p:style>
+        <p:txBody>
+          <a:bodyPr rtlCol="0" anchor="ctr"/>
+          <a:lstStyle/>
+          <a:p>
+            <a:pPr algn="ctr"/>
+            <a:endParaRPr lang="en-US"/>
+          </a:p>
+        </p:txBody>
+      </p:sp>
+      <p:sp>
+        <p:nvSpPr>
+          <p:cNvPr id="8" name="Rectangle 7" descr="Head with Gears">
+            <a:extLst>
+              <a:ext uri="{FF2B5EF4-FFF2-40B4-BE49-F238E27FC236}">
+                <a16:creationId xmlns:a16="http://schemas.microsoft.com/office/drawing/2014/main" id="{AC8A81FF-805F-4538-9E25-D82F181C05E2}"/>
+              </a:ext>
+            </a:extLst>
+          </p:cNvPr>
+          <p:cNvSpPr/>
+          <p:nvPr/>
+        </p:nvSpPr>
+        <p:spPr>
+          <a:xfrm>
+            <a:off x="9465736" y="2909249"/>
+            <a:ext cx="1039500" cy="1039500"/>
+          </a:xfrm>
+          <a:prstGeom prst="rect">
+            <a:avLst/>
+          </a:prstGeom>
+          <a:blipFill>
+            <a:blip r:embed="rId2">
+              <a:extLst>
+                <a:ext uri="{28A0092B-C50C-407E-A947-70E740481C1C}">
+                  <a14:useLocalDpi xmlns:a14="http://schemas.microsoft.com/office/drawing/2010/main" val="0"/>
+                </a:ext>
+                <a:ext uri="{96DAC541-7B7A-43D3-8B79-37D633B846F1}">
+                  <asvg:svgBlip xmlns:asvg="http://schemas.microsoft.com/office/drawing/2016/SVG/main" r:embed="rId3"/>
+                </a:ext>
+              </a:extLst>
+            </a:blip>
+            <a:stretch>
+              <a:fillRect/>
+            </a:stretch>
+          </a:blipFill>
+        </p:spPr>
+        <p:style>
+          <a:lnRef idx="2">
+            <a:schemeClr val="lt1">
+              <a:hueOff val="0"/>
+              <a:satOff val="0"/>
+              <a:lumOff val="0"/>
+              <a:alphaOff val="0"/>
+            </a:schemeClr>
+          </a:lnRef>
+          <a:fillRef idx="1">
+            <a:scrgbClr r="0" g="0" b="0"/>
+          </a:fillRef>
+          <a:effectRef idx="0">
+            <a:schemeClr val="accent1">
+              <a:hueOff val="0"/>
+              <a:satOff val="0"/>
+              <a:lumOff val="0"/>
+              <a:alphaOff val="0"/>
+            </a:schemeClr>
+          </a:effectRef>
+          <a:fontRef idx="minor">
+            <a:schemeClr val="lt1"/>
+          </a:fontRef>
+        </p:style>
+      </p:sp>
     </p:spTree>
     <p:extLst>
       <p:ext uri="{BB962C8B-B14F-4D97-AF65-F5344CB8AC3E}">
@@ -19437,7 +16006,7 @@
             <p:ph idx="1"/>
             <p:extLst>
               <p:ext uri="{D42A27DB-BD31-4B8C-83A1-F6EECF244321}">
-                <p14:modId xmlns:p14="http://schemas.microsoft.com/office/powerpoint/2010/main" val="950412649"/>
+                <p14:modId xmlns:p14="http://schemas.microsoft.com/office/powerpoint/2010/main" val="3993506784"/>
               </p:ext>
             </p:extLst>
           </p:nvPr>
@@ -19880,7 +16449,7 @@
                         </a:spcAft>
                       </a:pPr>
                       <a:r>
-                        <a:rPr lang="en-GB" sz="1050" b="0" i="0" u="none" strike="noStrike">
+                        <a:rPr lang="en-GB" sz="1050" b="0" i="0" u="none" strike="noStrike" dirty="0">
                           <a:effectLst/>
                           <a:latin typeface="Calibri" panose="020F0502020204030204" pitchFamily="34" charset="0"/>
                           <a:ea typeface="Calibri" panose="020F0502020204030204" pitchFamily="34" charset="0"/>
@@ -19888,7 +16457,7 @@
                         </a:rPr>
                         <a:t>Unique ID for candidate.</a:t>
                       </a:r>
-                      <a:endParaRPr lang="en-GB" sz="1050" b="0" i="0" u="none" strike="noStrike">
+                      <a:endParaRPr lang="en-GB" sz="1050" b="0" i="0" u="none" strike="noStrike" dirty="0">
                         <a:effectLst/>
                         <a:latin typeface="Arial" panose="020B0604020202020204" pitchFamily="34" charset="0"/>
                       </a:endParaRPr>
@@ -20132,7 +16701,7 @@
                         </a:spcAft>
                       </a:pPr>
                       <a:r>
-                        <a:rPr lang="en-GB" sz="1050" b="0" i="0" u="none" strike="noStrike">
+                        <a:rPr lang="en-GB" sz="1050" b="0" i="0" u="none" strike="noStrike" dirty="0">
                           <a:effectLst/>
                           <a:latin typeface="Calibri" panose="020F0502020204030204" pitchFamily="34" charset="0"/>
                           <a:ea typeface="Calibri" panose="020F0502020204030204" pitchFamily="34" charset="0"/>
@@ -20140,7 +16709,7 @@
                         </a:rPr>
                         <a:t>City code.</a:t>
                       </a:r>
-                      <a:endParaRPr lang="en-GB" sz="1050" b="0" i="0" u="none" strike="noStrike">
+                      <a:endParaRPr lang="en-GB" sz="1050" b="0" i="0" u="none" strike="noStrike" dirty="0">
                         <a:effectLst/>
                         <a:latin typeface="Arial" panose="020B0604020202020204" pitchFamily="34" charset="0"/>
                       </a:endParaRPr>
@@ -20381,7 +16950,7 @@
                         </a:spcAft>
                       </a:pPr>
                       <a:r>
-                        <a:rPr lang="en-GB" sz="1050" b="0" i="0" u="none" strike="noStrike">
+                        <a:rPr lang="en-GB" sz="1050" b="0" i="0" u="none" strike="noStrike" dirty="0">
                           <a:effectLst/>
                           <a:latin typeface="Calibri" panose="020F0502020204030204" pitchFamily="34" charset="0"/>
                           <a:ea typeface="Calibri" panose="020F0502020204030204" pitchFamily="34" charset="0"/>
@@ -20389,7 +16958,7 @@
                         </a:rPr>
                         <a:t>Development index of the city.</a:t>
                       </a:r>
-                      <a:endParaRPr lang="en-GB" sz="1050" b="0" i="0" u="none" strike="noStrike">
+                      <a:endParaRPr lang="en-GB" sz="1050" b="0" i="0" u="none" strike="noStrike" dirty="0">
                         <a:effectLst/>
                         <a:latin typeface="Arial" panose="020B0604020202020204" pitchFamily="34" charset="0"/>
                       </a:endParaRPr>
@@ -20654,7 +17223,7 @@
                         </a:spcAft>
                       </a:pPr>
                       <a:r>
-                        <a:rPr lang="en-GB" sz="1050" b="0" i="0" u="none" strike="noStrike">
+                        <a:rPr lang="en-GB" sz="1050" b="0" i="0" u="none" strike="noStrike" dirty="0">
                           <a:effectLst/>
                           <a:latin typeface="Calibri" panose="020F0502020204030204" pitchFamily="34" charset="0"/>
                           <a:ea typeface="Calibri" panose="020F0502020204030204" pitchFamily="34" charset="0"/>
@@ -20662,7 +17231,7 @@
                         </a:rPr>
                         <a:t>Gender of the candidate.</a:t>
                       </a:r>
-                      <a:endParaRPr lang="en-GB" sz="1050" b="0" i="0" u="none" strike="noStrike">
+                      <a:endParaRPr lang="en-GB" sz="1050" b="0" i="0" u="none" strike="noStrike" dirty="0">
                         <a:effectLst/>
                         <a:latin typeface="Arial" panose="020B0604020202020204" pitchFamily="34" charset="0"/>
                       </a:endParaRPr>
@@ -20966,15 +17535,33 @@
                         </a:spcAft>
                       </a:pPr>
                       <a:r>
-                        <a:rPr lang="en-GB" sz="1050" b="0" i="0" u="none" strike="noStrike">
+                        <a:rPr lang="en-GB" sz="1050" b="0" i="0" u="none" strike="noStrike" dirty="0">
                           <a:effectLst/>
                           <a:latin typeface="Calibri" panose="020F0502020204030204" pitchFamily="34" charset="0"/>
                           <a:ea typeface="Calibri" panose="020F0502020204030204" pitchFamily="34" charset="0"/>
                           <a:cs typeface="Times New Roman" panose="02020603050405020304" pitchFamily="18" charset="0"/>
                         </a:rPr>
-                        <a:t>Whether the candidate has relevent experience.</a:t>
+                        <a:t>Whether the candidate has </a:t>
                       </a:r>
-                      <a:endParaRPr lang="en-GB" sz="1050" b="0" i="0" u="none" strike="noStrike">
+                      <a:r>
+                        <a:rPr lang="en-GB" sz="1050" b="0" i="0" u="none" strike="noStrike" dirty="0" err="1">
+                          <a:effectLst/>
+                          <a:latin typeface="Calibri" panose="020F0502020204030204" pitchFamily="34" charset="0"/>
+                          <a:ea typeface="Calibri" panose="020F0502020204030204" pitchFamily="34" charset="0"/>
+                          <a:cs typeface="Times New Roman" panose="02020603050405020304" pitchFamily="18" charset="0"/>
+                        </a:rPr>
+                        <a:t>relevent</a:t>
+                      </a:r>
+                      <a:r>
+                        <a:rPr lang="en-GB" sz="1050" b="0" i="0" u="none" strike="noStrike" dirty="0">
+                          <a:effectLst/>
+                          <a:latin typeface="Calibri" panose="020F0502020204030204" pitchFamily="34" charset="0"/>
+                          <a:ea typeface="Calibri" panose="020F0502020204030204" pitchFamily="34" charset="0"/>
+                          <a:cs typeface="Times New Roman" panose="02020603050405020304" pitchFamily="18" charset="0"/>
+                        </a:rPr>
+                        <a:t> experience.</a:t>
+                      </a:r>
+                      <a:endParaRPr lang="en-GB" sz="1050" b="0" i="0" u="none" strike="noStrike" dirty="0">
                         <a:effectLst/>
                         <a:latin typeface="Arial" panose="020B0604020202020204" pitchFamily="34" charset="0"/>
                       </a:endParaRPr>
@@ -20992,7 +17579,7 @@
                         </a:spcAft>
                       </a:pPr>
                       <a:r>
-                        <a:rPr lang="en-GB" sz="1050" b="0" i="0" u="none" strike="noStrike">
+                        <a:rPr lang="en-GB" sz="1050" b="0" i="0" u="none" strike="noStrike" dirty="0">
                           <a:effectLst/>
                           <a:latin typeface="Calibri" panose="020F0502020204030204" pitchFamily="34" charset="0"/>
                           <a:ea typeface="Calibri" panose="020F0502020204030204" pitchFamily="34" charset="0"/>
@@ -21000,7 +17587,7 @@
                         </a:rPr>
                         <a:t> </a:t>
                       </a:r>
-                      <a:endParaRPr lang="en-GB" sz="1050" b="0" i="0" u="none" strike="noStrike">
+                      <a:endParaRPr lang="en-GB" sz="1050" b="0" i="0" u="none" strike="noStrike" dirty="0">
                         <a:effectLst/>
                         <a:latin typeface="Arial" panose="020B0604020202020204" pitchFamily="34" charset="0"/>
                       </a:endParaRPr>
@@ -21268,7 +17855,7 @@
                         </a:spcAft>
                       </a:pPr>
                       <a:r>
-                        <a:rPr lang="en-GB" sz="1050" b="0" i="0" u="none" strike="noStrike">
+                        <a:rPr lang="en-GB" sz="1050" b="0" i="0" u="none" strike="noStrike" dirty="0">
                           <a:effectLst/>
                           <a:latin typeface="Calibri" panose="020F0502020204030204" pitchFamily="34" charset="0"/>
                           <a:ea typeface="Calibri" panose="020F0502020204030204" pitchFamily="34" charset="0"/>
@@ -21276,7 +17863,7 @@
                         </a:rPr>
                         <a:t>Type of University course the candidate enrolled.</a:t>
                       </a:r>
-                      <a:endParaRPr lang="en-GB" sz="1050" b="0" i="0" u="none" strike="noStrike">
+                      <a:endParaRPr lang="en-GB" sz="1050" b="0" i="0" u="none" strike="noStrike" dirty="0">
                         <a:effectLst/>
                         <a:latin typeface="Arial" panose="020B0604020202020204" pitchFamily="34" charset="0"/>
                       </a:endParaRPr>
@@ -21418,7 +18005,7 @@
                         </a:spcAft>
                       </a:pPr>
                       <a:r>
-                        <a:rPr lang="en-GB" sz="1050" b="1" i="0" u="none" strike="noStrike">
+                        <a:rPr lang="en-GB" sz="1050" b="1" i="0" u="none" strike="noStrike" dirty="0">
                           <a:solidFill>
                             <a:srgbClr val="212121"/>
                           </a:solidFill>
@@ -21429,7 +18016,7 @@
                         </a:rPr>
                         <a:t>object</a:t>
                       </a:r>
-                      <a:endParaRPr lang="en-GB" sz="1050" b="0" i="0" u="none" strike="noStrike">
+                      <a:endParaRPr lang="en-GB" sz="1050" b="0" i="0" u="none" strike="noStrike" dirty="0">
                         <a:effectLst/>
                         <a:latin typeface="Arial" panose="020B0604020202020204" pitchFamily="34" charset="0"/>
                       </a:endParaRPr>
@@ -21447,7 +18034,7 @@
                         </a:spcAft>
                       </a:pPr>
                       <a:r>
-                        <a:rPr lang="en-GB" sz="1050" b="1" i="0" u="none" strike="noStrike">
+                        <a:rPr lang="en-GB" sz="1050" b="1" i="0" u="none" strike="noStrike" dirty="0">
                           <a:effectLst/>
                           <a:latin typeface="Calibri" panose="020F0502020204030204" pitchFamily="34" charset="0"/>
                           <a:ea typeface="Yu Mincho" panose="02020400000000000000" pitchFamily="18" charset="-128"/>
@@ -21455,7 +18042,7 @@
                         </a:rPr>
                         <a:t>Domain: </a:t>
                       </a:r>
-                      <a:endParaRPr lang="en-GB" sz="1050" b="0" i="0" u="none" strike="noStrike">
+                      <a:endParaRPr lang="en-GB" sz="1050" b="0" i="0" u="none" strike="noStrike" dirty="0">
                         <a:effectLst/>
                         <a:latin typeface="Arial" panose="020B0604020202020204" pitchFamily="34" charset="0"/>
                       </a:endParaRPr>
@@ -21473,7 +18060,7 @@
                         </a:spcAft>
                       </a:pPr>
                       <a:r>
-                        <a:rPr lang="en-GB" sz="1050" b="0" i="0" u="none" strike="noStrike">
+                        <a:rPr lang="en-GB" sz="1050" b="0" i="0" u="none" strike="noStrike" dirty="0">
                           <a:solidFill>
                             <a:srgbClr val="212121"/>
                           </a:solidFill>
@@ -21482,9 +18069,33 @@
                           <a:ea typeface="Yu Mincho" panose="02020400000000000000" pitchFamily="18" charset="-128"/>
                           <a:cs typeface="Times New Roman" panose="02020603050405020304" pitchFamily="18" charset="0"/>
                         </a:rPr>
-                        <a:t>['Graduate', 'Masters', 'High School', nan, 'Phd', 'Primary School']</a:t>
+                        <a:t>['Graduate', 'Masters', 'High School', nan, '</a:t>
                       </a:r>
-                      <a:endParaRPr lang="en-GB" sz="1050" b="0" i="0" u="none" strike="noStrike">
+                      <a:r>
+                        <a:rPr lang="en-GB" sz="1050" b="0" i="0" u="none" strike="noStrike" dirty="0" err="1">
+                          <a:solidFill>
+                            <a:srgbClr val="212121"/>
+                          </a:solidFill>
+                          <a:effectLst/>
+                          <a:latin typeface="Calibri" panose="020F0502020204030204" pitchFamily="34" charset="0"/>
+                          <a:ea typeface="Yu Mincho" panose="02020400000000000000" pitchFamily="18" charset="-128"/>
+                          <a:cs typeface="Times New Roman" panose="02020603050405020304" pitchFamily="18" charset="0"/>
+                        </a:rPr>
+                        <a:t>Phd</a:t>
+                      </a:r>
+                      <a:r>
+                        <a:rPr lang="en-GB" sz="1050" b="0" i="0" u="none" strike="noStrike" dirty="0">
+                          <a:solidFill>
+                            <a:srgbClr val="212121"/>
+                          </a:solidFill>
+                          <a:effectLst/>
+                          <a:latin typeface="Calibri" panose="020F0502020204030204" pitchFamily="34" charset="0"/>
+                          <a:ea typeface="Yu Mincho" panose="02020400000000000000" pitchFamily="18" charset="-128"/>
+                          <a:cs typeface="Times New Roman" panose="02020603050405020304" pitchFamily="18" charset="0"/>
+                        </a:rPr>
+                        <a:t>', 'Primary School']</a:t>
+                      </a:r>
+                      <a:endParaRPr lang="en-GB" sz="1050" b="0" i="0" u="none" strike="noStrike" dirty="0">
                         <a:effectLst/>
                         <a:latin typeface="Arial" panose="020B0604020202020204" pitchFamily="34" charset="0"/>
                       </a:endParaRPr>
@@ -21546,7 +18157,7 @@
                         </a:spcAft>
                       </a:pPr>
                       <a:r>
-                        <a:rPr lang="en-GB" sz="1050" b="0" i="0" u="none" strike="noStrike">
+                        <a:rPr lang="en-GB" sz="1050" b="0" i="0" u="none" strike="noStrike" dirty="0">
                           <a:effectLst/>
                           <a:latin typeface="Calibri" panose="020F0502020204030204" pitchFamily="34" charset="0"/>
                           <a:ea typeface="Calibri" panose="020F0502020204030204" pitchFamily="34" charset="0"/>
@@ -21554,7 +18165,7 @@
                         </a:rPr>
                         <a:t>Education level of the candidate t.</a:t>
                       </a:r>
-                      <a:endParaRPr lang="en-GB" sz="1050" b="0" i="0" u="none" strike="noStrike">
+                      <a:endParaRPr lang="en-GB" sz="1050" b="0" i="0" u="none" strike="noStrike" dirty="0">
                         <a:effectLst/>
                         <a:latin typeface="Arial" panose="020B0604020202020204" pitchFamily="34" charset="0"/>
                       </a:endParaRPr>
@@ -21833,7 +18444,7 @@
                         </a:spcAft>
                       </a:pPr>
                       <a:r>
-                        <a:rPr lang="en-GB" sz="1050" b="0" i="0" u="none" strike="noStrike">
+                        <a:rPr lang="en-GB" sz="1050" b="0" i="0" u="none" strike="noStrike" dirty="0">
                           <a:effectLst/>
                           <a:latin typeface="Calibri" panose="020F0502020204030204" pitchFamily="34" charset="0"/>
                           <a:ea typeface="Calibri" panose="020F0502020204030204" pitchFamily="34" charset="0"/>
@@ -21841,7 +18452,7 @@
                         </a:rPr>
                         <a:t>Education major discipline of the candidate.</a:t>
                       </a:r>
-                      <a:endParaRPr lang="en-GB" sz="1050" b="0" i="0" u="none" strike="noStrike">
+                      <a:endParaRPr lang="en-GB" sz="1050" b="0" i="0" u="none" strike="noStrike" dirty="0">
                         <a:effectLst/>
                         <a:latin typeface="Arial" panose="020B0604020202020204" pitchFamily="34" charset="0"/>
                       </a:endParaRPr>
@@ -22085,7 +18696,7 @@
                         </a:spcAft>
                       </a:pPr>
                       <a:r>
-                        <a:rPr lang="en-GB" sz="1050" b="0" i="0" u="none" strike="noStrike">
+                        <a:rPr lang="en-GB" sz="1050" b="0" i="0" u="none" strike="noStrike" dirty="0">
                           <a:effectLst/>
                           <a:latin typeface="Calibri" panose="020F0502020204030204" pitchFamily="34" charset="0"/>
                           <a:ea typeface="Calibri" panose="020F0502020204030204" pitchFamily="34" charset="0"/>
@@ -22093,7 +18704,7 @@
                         </a:rPr>
                         <a:t>Candidate’s total experience, measured in years.</a:t>
                       </a:r>
-                      <a:endParaRPr lang="en-GB" sz="1050" b="0" i="0" u="none" strike="noStrike">
+                      <a:endParaRPr lang="en-GB" sz="1050" b="0" i="0" u="none" strike="noStrike" dirty="0">
                         <a:effectLst/>
                         <a:latin typeface="Arial" panose="020B0604020202020204" pitchFamily="34" charset="0"/>
                       </a:endParaRPr>
@@ -22337,7 +18948,7 @@
                         </a:spcAft>
                       </a:pPr>
                       <a:r>
-                        <a:rPr lang="en-GB" sz="1050" b="0" i="0" u="none" strike="noStrike">
+                        <a:rPr lang="en-GB" sz="1050" b="0" i="0" u="none" strike="noStrike" dirty="0">
                           <a:effectLst/>
                           <a:latin typeface="Calibri" panose="020F0502020204030204" pitchFamily="34" charset="0"/>
                           <a:ea typeface="Calibri" panose="020F0502020204030204" pitchFamily="34" charset="0"/>
@@ -22345,7 +18956,7 @@
                         </a:rPr>
                         <a:t>Number of employees in current employer's company.</a:t>
                       </a:r>
-                      <a:endParaRPr lang="en-GB" sz="1050" b="0" i="0" u="none" strike="noStrike">
+                      <a:endParaRPr lang="en-GB" sz="1050" b="0" i="0" u="none" strike="noStrike" dirty="0">
                         <a:effectLst/>
                         <a:latin typeface="Arial" panose="020B0604020202020204" pitchFamily="34" charset="0"/>
                       </a:endParaRPr>
@@ -23915,7 +20526,7 @@
               <a:buChar char="•"/>
             </a:pPr>
             <a:r>
-              <a:rPr lang="en-US" sz="2200"/>
+              <a:rPr lang="en-US" sz="2200" dirty="0"/>
               <a:t>An assigned label of either “yes” or “no” for the question whether the candidate is looking for a new job.</a:t>
             </a:r>
           </a:p>
@@ -23930,7 +20541,7 @@
               <a:buFont typeface="Arial" panose="020B0604020202020204" pitchFamily="34" charset="0"/>
               <a:buChar char="•"/>
             </a:pPr>
-            <a:endParaRPr lang="en-US" sz="2200"/>
+            <a:endParaRPr lang="en-US" sz="2200" dirty="0"/>
           </a:p>
           <a:p>
             <a:pPr marL="285750" indent="-228600">
@@ -23944,7 +20555,7 @@
               <a:buChar char="•"/>
             </a:pPr>
             <a:r>
-              <a:rPr lang="en-US" sz="2200"/>
+              <a:rPr lang="en-US" sz="2200" dirty="0"/>
               <a:t>Values:</a:t>
             </a:r>
           </a:p>
@@ -23960,7 +20571,7 @@
               <a:buChar char="•"/>
             </a:pPr>
             <a:r>
-              <a:rPr lang="en-US" sz="2200"/>
+              <a:rPr lang="en-US" sz="2200" dirty="0"/>
               <a:t>0 – The candidate is not looking for a new job.</a:t>
             </a:r>
           </a:p>
@@ -23976,7 +20587,7 @@
               <a:buChar char="•"/>
             </a:pPr>
             <a:r>
-              <a:rPr lang="en-US" sz="2200"/>
+              <a:rPr lang="en-US" sz="2200" dirty="0"/>
               <a:t>1 – The candidate is looking for a new job.</a:t>
             </a:r>
           </a:p>
@@ -28310,10 +24921,10 @@
         </p:nvGrpSpPr>
         <p:grpSpPr>
           <a:xfrm>
-            <a:off x="507030" y="1767647"/>
-            <a:ext cx="7622841" cy="3550318"/>
-            <a:chOff x="434781" y="1389042"/>
-            <a:chExt cx="7622841" cy="3550318"/>
+            <a:off x="579279" y="1906147"/>
+            <a:ext cx="7622841" cy="2685091"/>
+            <a:chOff x="507030" y="1527542"/>
+            <a:chExt cx="7622841" cy="2685091"/>
           </a:xfrm>
         </p:grpSpPr>
         <p:sp>
@@ -28332,8 +24943,8 @@
           </p:nvSpPr>
           <p:spPr bwMode="auto">
             <a:xfrm>
-              <a:off x="507030" y="1389042"/>
-              <a:ext cx="7347508" cy="1908215"/>
+              <a:off x="507030" y="1527542"/>
+              <a:ext cx="7347508" cy="1631216"/>
             </a:xfrm>
             <a:prstGeom prst="rect">
               <a:avLst/>
@@ -28390,7 +25001,7 @@
                 </a:spcAft>
               </a:pPr>
               <a:r>
-                <a:rPr lang="en-US" sz="2800" dirty="0"/>
+                <a:rPr lang="en-US" sz="2400" b="1" dirty="0"/>
                 <a:t>Logistic Regression</a:t>
               </a:r>
             </a:p>
@@ -28411,7 +25022,7 @@
                 <a:buNone/>
                 <a:tabLst/>
               </a:pPr>
-              <a:endParaRPr kumimoji="0" lang="en-US" altLang="ja-JP" sz="2400" i="0" u="none" strike="noStrike" cap="none" normalizeH="0" baseline="0" dirty="0">
+              <a:endParaRPr kumimoji="0" lang="en-US" altLang="ja-JP" sz="2000" i="0" u="none" strike="noStrike" cap="none" normalizeH="0" baseline="0" dirty="0">
                 <a:ln>
                   <a:noFill/>
                 </a:ln>
@@ -28442,7 +25053,7 @@
                 <a:tabLst/>
               </a:pPr>
               <a:r>
-                <a:rPr kumimoji="0" lang="en-US" altLang="ja-JP" sz="2400" i="0" u="none" strike="noStrike" cap="none" normalizeH="0" baseline="0" dirty="0">
+                <a:rPr kumimoji="0" lang="en-US" altLang="ja-JP" sz="2000" i="0" u="none" strike="noStrike" cap="none" normalizeH="0" baseline="0" dirty="0">
                   <a:ln>
                     <a:noFill/>
                   </a:ln>
@@ -28457,7 +25068,7 @@
                 <a:t>Logistic regression </a:t>
               </a:r>
               <a:r>
-                <a:rPr kumimoji="0" lang="en-US" altLang="ja-JP" sz="2400" b="0" i="0" u="none" strike="noStrike" cap="none" normalizeH="0" baseline="0" dirty="0">
+                <a:rPr kumimoji="0" lang="en-US" altLang="ja-JP" sz="2000" b="0" i="0" u="none" strike="noStrike" cap="none" normalizeH="0" baseline="0" dirty="0">
                   <a:ln>
                     <a:noFill/>
                   </a:ln>
@@ -28472,7 +25083,7 @@
                 <a:t>will learn the vector </a:t>
               </a:r>
               <a:r>
-                <a:rPr kumimoji="0" lang="en-US" altLang="ja-JP" sz="2400" b="1" i="0" u="none" strike="noStrike" cap="none" normalizeH="0" baseline="0" dirty="0">
+                <a:rPr kumimoji="0" lang="en-US" altLang="ja-JP" sz="2000" b="1" i="0" u="none" strike="noStrike" cap="none" normalizeH="0" baseline="0" dirty="0">
                   <a:ln>
                     <a:noFill/>
                   </a:ln>
@@ -28487,7 +25098,7 @@
                 <a:t>β</a:t>
               </a:r>
               <a:r>
-                <a:rPr kumimoji="0" lang="en-US" altLang="ja-JP" sz="2400" b="0" i="0" u="none" strike="noStrike" cap="none" normalizeH="0" baseline="0" dirty="0">
+                <a:rPr kumimoji="0" lang="en-US" altLang="ja-JP" sz="2000" b="0" i="0" u="none" strike="noStrike" cap="none" normalizeH="0" baseline="0" dirty="0">
                   <a:ln>
                     <a:noFill/>
                   </a:ln>
@@ -28502,7 +25113,7 @@
                 <a:t> = [β</a:t>
               </a:r>
               <a:r>
-                <a:rPr kumimoji="0" lang="en-US" altLang="ja-JP" sz="2400" b="0" i="0" u="none" strike="noStrike" cap="none" normalizeH="0" baseline="-30000" dirty="0">
+                <a:rPr kumimoji="0" lang="en-US" altLang="ja-JP" sz="2000" b="0" i="0" u="none" strike="noStrike" cap="none" normalizeH="0" baseline="-30000" dirty="0">
                   <a:ln>
                     <a:noFill/>
                   </a:ln>
@@ -28517,7 +25128,7 @@
                 <a:t>0</a:t>
               </a:r>
               <a:r>
-                <a:rPr kumimoji="0" lang="en-US" altLang="ja-JP" sz="2400" b="0" i="0" u="none" strike="noStrike" cap="none" normalizeH="0" baseline="0" dirty="0">
+                <a:rPr kumimoji="0" lang="en-US" altLang="ja-JP" sz="2000" b="0" i="0" u="none" strike="noStrike" cap="none" normalizeH="0" baseline="0" dirty="0">
                   <a:ln>
                     <a:noFill/>
                   </a:ln>
@@ -28532,7 +25143,7 @@
                 <a:t>, β</a:t>
               </a:r>
               <a:r>
-                <a:rPr kumimoji="0" lang="en-US" altLang="ja-JP" sz="2400" b="0" i="0" u="none" strike="noStrike" cap="none" normalizeH="0" baseline="-30000" dirty="0">
+                <a:rPr kumimoji="0" lang="en-US" altLang="ja-JP" sz="2000" b="0" i="0" u="none" strike="noStrike" cap="none" normalizeH="0" baseline="-30000" dirty="0">
                   <a:ln>
                     <a:noFill/>
                   </a:ln>
@@ -28547,7 +25158,7 @@
                 <a:t>1</a:t>
               </a:r>
               <a:r>
-                <a:rPr kumimoji="0" lang="en-US" altLang="ja-JP" sz="2400" b="0" i="0" u="none" strike="noStrike" cap="none" normalizeH="0" baseline="0" dirty="0">
+                <a:rPr kumimoji="0" lang="en-US" altLang="ja-JP" sz="2000" b="0" i="0" u="none" strike="noStrike" cap="none" normalizeH="0" baseline="0" dirty="0">
                   <a:ln>
                     <a:noFill/>
                   </a:ln>
@@ -28562,7 +25173,7 @@
                 <a:t>, …, β</a:t>
               </a:r>
               <a:r>
-                <a:rPr kumimoji="0" lang="en-US" altLang="ja-JP" sz="2400" b="0" i="0" u="none" strike="noStrike" cap="none" normalizeH="0" baseline="-30000" dirty="0">
+                <a:rPr kumimoji="0" lang="en-US" altLang="ja-JP" sz="2000" b="0" i="0" u="none" strike="noStrike" cap="none" normalizeH="0" baseline="-30000" dirty="0">
                   <a:ln>
                     <a:noFill/>
                   </a:ln>
@@ -28577,7 +25188,7 @@
                 <a:t>n</a:t>
               </a:r>
               <a:r>
-                <a:rPr kumimoji="0" lang="en-US" altLang="ja-JP" sz="2400" b="0" i="0" u="none" strike="noStrike" cap="none" normalizeH="0" baseline="0" dirty="0">
+                <a:rPr kumimoji="0" lang="en-US" altLang="ja-JP" sz="2000" b="0" i="0" u="none" strike="noStrike" cap="none" normalizeH="0" baseline="0" dirty="0">
                   <a:ln>
                     <a:noFill/>
                   </a:ln>
@@ -28591,7 +25202,7 @@
                 </a:rPr>
                 <a:t>] correspond to the hypothesis function </a:t>
               </a:r>
-              <a:endParaRPr kumimoji="0" lang="en-US" altLang="ja-JP" sz="1100" b="0" i="0" u="none" strike="noStrike" cap="none" normalizeH="0" baseline="0" dirty="0">
+              <a:endParaRPr kumimoji="0" lang="en-US" altLang="ja-JP" sz="1050" b="0" i="0" u="none" strike="noStrike" cap="none" normalizeH="0" baseline="0" dirty="0">
                 <a:ln>
                   <a:noFill/>
                 </a:ln>
@@ -28618,7 +25229,7 @@
                 <a:buNone/>
                 <a:tabLst/>
               </a:pPr>
-              <a:endParaRPr kumimoji="0" lang="en-US" altLang="ja-JP" sz="1800" b="0" i="0" u="none" strike="noStrike" cap="none" normalizeH="0" baseline="0" dirty="0">
+              <a:endParaRPr kumimoji="0" lang="en-US" altLang="ja-JP" sz="1600" b="0" i="0" u="none" strike="noStrike" cap="none" normalizeH="0" baseline="0" dirty="0">
                 <a:ln>
                   <a:noFill/>
                 </a:ln>
@@ -28660,8 +25271,8 @@
           </p:blipFill>
           <p:spPr bwMode="auto">
             <a:xfrm>
-              <a:off x="1742263" y="3114594"/>
-              <a:ext cx="4877041" cy="1471653"/>
+              <a:off x="2369110" y="2838812"/>
+              <a:ext cx="3930538" cy="1186044"/>
             </a:xfrm>
             <a:prstGeom prst="rect">
               <a:avLst/>
@@ -28692,8 +25303,8 @@
           </p:nvSpPr>
           <p:spPr>
             <a:xfrm>
-              <a:off x="434781" y="4469360"/>
-              <a:ext cx="7622841" cy="470000"/>
+              <a:off x="507030" y="3837081"/>
+              <a:ext cx="7622841" cy="375552"/>
             </a:xfrm>
             <a:prstGeom prst="rect">
               <a:avLst/>
@@ -28718,7 +25329,7 @@
                 </a:spcAft>
               </a:pPr>
               <a:r>
-                <a:rPr lang="en-US" sz="2400" dirty="0">
+                <a:rPr lang="en-US" dirty="0">
                   <a:latin typeface="Calibri" panose="020F0502020204030204" pitchFamily="34" charset="0"/>
                   <a:ea typeface="Yu Mincho" panose="02020400000000000000" pitchFamily="18" charset="-128"/>
                   <a:cs typeface="Calibri" panose="020F0502020204030204" pitchFamily="34" charset="0"/>
@@ -28729,6 +25340,903 @@
           </p:txBody>
         </p:sp>
       </p:grpSp>
+      <mc:AlternateContent xmlns:mc="http://schemas.openxmlformats.org/markup-compatibility/2006">
+        <mc:Choice xmlns:a14="http://schemas.microsoft.com/office/drawing/2010/main" Requires="a14">
+          <p:sp>
+            <p:nvSpPr>
+              <p:cNvPr id="15" name="Rectangle 2">
+                <a:extLst>
+                  <a:ext uri="{FF2B5EF4-FFF2-40B4-BE49-F238E27FC236}">
+                    <a16:creationId xmlns:a16="http://schemas.microsoft.com/office/drawing/2014/main" id="{5FD9684A-CFAB-4C12-8D60-79B658FCDA53}"/>
+                  </a:ext>
+                </a:extLst>
+              </p:cNvPr>
+              <p:cNvSpPr>
+                <a:spLocks noChangeArrowheads="1"/>
+              </p:cNvSpPr>
+              <p:nvPr/>
+            </p:nvSpPr>
+            <p:spPr bwMode="auto">
+              <a:xfrm>
+                <a:off x="579279" y="4906214"/>
+                <a:ext cx="9562500" cy="2419445"/>
+              </a:xfrm>
+              <a:prstGeom prst="rect">
+                <a:avLst/>
+              </a:prstGeom>
+              <a:noFill/>
+              <a:ln>
+                <a:noFill/>
+              </a:ln>
+              <a:effectLst/>
+              <a:extLst>
+                <a:ext uri="{909E8E84-426E-40DD-AFC4-6F175D3DCCD1}">
+                  <a14:hiddenFill>
+                    <a:solidFill>
+                      <a:schemeClr val="accent1"/>
+                    </a:solidFill>
+                  </a14:hiddenFill>
+                </a:ext>
+                <a:ext uri="{91240B29-F687-4F45-9708-019B960494DF}">
+                  <a14:hiddenLine w="9525">
+                    <a:solidFill>
+                      <a:schemeClr val="tx1"/>
+                    </a:solidFill>
+                    <a:miter lim="800000"/>
+                    <a:headEnd/>
+                    <a:tailEnd/>
+                  </a14:hiddenLine>
+                </a:ext>
+                <a:ext uri="{AF507438-7753-43E0-B8FC-AC1667EBCBE1}">
+                  <a14:hiddenEffects>
+                    <a:effectLst>
+                      <a:outerShdw dist="35921" dir="2700000" algn="ctr" rotWithShape="0">
+                        <a:schemeClr val="bg2"/>
+                      </a:outerShdw>
+                    </a:effectLst>
+                  </a14:hiddenEffects>
+                </a:ext>
+              </a:extLst>
+            </p:spPr>
+            <p:txBody>
+              <a:bodyPr vert="horz" wrap="square" lIns="91440" tIns="45720" rIns="91440" bIns="45720" numCol="1" anchor="ctr" anchorCtr="0" compatLnSpc="1">
+                <a:prstTxWarp prst="textNoShape">
+                  <a:avLst/>
+                </a:prstTxWarp>
+                <a:spAutoFit/>
+              </a:bodyPr>
+              <a:lstStyle/>
+              <a:p>
+                <a:pPr marL="0" marR="0" algn="just">
+                  <a:lnSpc>
+                    <a:spcPct val="107000"/>
+                  </a:lnSpc>
+                  <a:spcBef>
+                    <a:spcPts val="0"/>
+                  </a:spcBef>
+                  <a:spcAft>
+                    <a:spcPts val="800"/>
+                  </a:spcAft>
+                </a:pPr>
+                <a:r>
+                  <a:rPr lang="en-US" sz="2000" b="1" dirty="0">
+                    <a:effectLst/>
+                    <a:latin typeface="Calibri" panose="020F0502020204030204" pitchFamily="34" charset="0"/>
+                    <a:ea typeface="Yu Mincho" panose="02020400000000000000" pitchFamily="18" charset="-128"/>
+                    <a:cs typeface="Calibri" panose="020F0502020204030204" pitchFamily="34" charset="0"/>
+                  </a:rPr>
+                  <a:t>Cost function:</a:t>
+                </a:r>
+                <a:endParaRPr lang="en-US" sz="1800" b="1" i="1" dirty="0">
+                  <a:effectLst/>
+                  <a:latin typeface="Cambria Math" panose="02040503050406030204" pitchFamily="18" charset="0"/>
+                  <a:ea typeface="Yu Mincho" panose="02020400000000000000" pitchFamily="18" charset="-128"/>
+                  <a:cs typeface="Calibri" panose="020F0502020204030204" pitchFamily="34" charset="0"/>
+                </a:endParaRPr>
+              </a:p>
+              <a:p>
+                <a:pPr marL="0" marR="0" algn="just">
+                  <a:lnSpc>
+                    <a:spcPct val="107000"/>
+                  </a:lnSpc>
+                  <a:spcBef>
+                    <a:spcPts val="0"/>
+                  </a:spcBef>
+                  <a:spcAft>
+                    <a:spcPts val="800"/>
+                  </a:spcAft>
+                </a:pPr>
+                <a14:m>
+                  <m:oMathPara xmlns:m="http://schemas.openxmlformats.org/officeDocument/2006/math">
+                    <m:oMathParaPr>
+                      <m:jc m:val="centerGroup"/>
+                    </m:oMathParaPr>
+                    <m:oMath xmlns:m="http://schemas.openxmlformats.org/officeDocument/2006/math">
+                      <m:r>
+                        <a:rPr lang="en-US" sz="1800" b="0" i="1" smtClean="0">
+                          <a:effectLst/>
+                          <a:latin typeface="Cambria Math" panose="02040503050406030204" pitchFamily="18" charset="0"/>
+                          <a:ea typeface="Yu Mincho" panose="02020400000000000000" pitchFamily="18" charset="-128"/>
+                          <a:cs typeface="Calibri" panose="020F0502020204030204" pitchFamily="34" charset="0"/>
+                        </a:rPr>
+                        <m:t>𝐽</m:t>
+                      </m:r>
+                      <m:r>
+                        <a:rPr lang="en-US" sz="1800" i="1" smtClean="0">
+                          <a:effectLst/>
+                          <a:latin typeface="Cambria Math" panose="02040503050406030204" pitchFamily="18" charset="0"/>
+                          <a:ea typeface="Yu Mincho" panose="02020400000000000000" pitchFamily="18" charset="-128"/>
+                          <a:cs typeface="Calibri" panose="020F0502020204030204" pitchFamily="34" charset="0"/>
+                        </a:rPr>
+                        <m:t>=−</m:t>
+                      </m:r>
+                      <m:f>
+                        <m:fPr>
+                          <m:ctrlPr>
+                            <a:rPr lang="en-US" sz="1800" i="1">
+                              <a:effectLst/>
+                              <a:latin typeface="Cambria Math" panose="02040503050406030204" pitchFamily="18" charset="0"/>
+                              <a:ea typeface="Yu Mincho" panose="02020400000000000000" pitchFamily="18" charset="-128"/>
+                              <a:cs typeface="Calibri" panose="020F0502020204030204" pitchFamily="34" charset="0"/>
+                            </a:rPr>
+                          </m:ctrlPr>
+                        </m:fPr>
+                        <m:num>
+                          <m:r>
+                            <a:rPr lang="en-US" sz="1800" i="1">
+                              <a:effectLst/>
+                              <a:latin typeface="Cambria Math" panose="02040503050406030204" pitchFamily="18" charset="0"/>
+                              <a:ea typeface="Yu Mincho" panose="02020400000000000000" pitchFamily="18" charset="-128"/>
+                              <a:cs typeface="Calibri" panose="020F0502020204030204" pitchFamily="34" charset="0"/>
+                            </a:rPr>
+                            <m:t>1</m:t>
+                          </m:r>
+                        </m:num>
+                        <m:den>
+                          <m:r>
+                            <a:rPr lang="en-US" sz="1800" i="1">
+                              <a:effectLst/>
+                              <a:latin typeface="Cambria Math" panose="02040503050406030204" pitchFamily="18" charset="0"/>
+                              <a:ea typeface="Yu Mincho" panose="02020400000000000000" pitchFamily="18" charset="-128"/>
+                              <a:cs typeface="Calibri" panose="020F0502020204030204" pitchFamily="34" charset="0"/>
+                            </a:rPr>
+                            <m:t>𝑚</m:t>
+                          </m:r>
+                        </m:den>
+                      </m:f>
+                      <m:nary>
+                        <m:naryPr>
+                          <m:chr m:val="∑"/>
+                          <m:limLoc m:val="undOvr"/>
+                          <m:subHide m:val="on"/>
+                          <m:supHide m:val="on"/>
+                          <m:ctrlPr>
+                            <a:rPr lang="en-US" sz="1800" i="1">
+                              <a:effectLst/>
+                              <a:latin typeface="Cambria Math" panose="02040503050406030204" pitchFamily="18" charset="0"/>
+                              <a:ea typeface="Yu Mincho" panose="02020400000000000000" pitchFamily="18" charset="-128"/>
+                              <a:cs typeface="Calibri" panose="020F0502020204030204" pitchFamily="34" charset="0"/>
+                            </a:rPr>
+                          </m:ctrlPr>
+                        </m:naryPr>
+                        <m:sub/>
+                        <m:sup/>
+                        <m:e>
+                          <m:r>
+                            <a:rPr lang="en-US" sz="1800" i="1">
+                              <a:effectLst/>
+                              <a:latin typeface="Cambria Math" panose="02040503050406030204" pitchFamily="18" charset="0"/>
+                              <a:ea typeface="Yu Mincho" panose="02020400000000000000" pitchFamily="18" charset="-128"/>
+                              <a:cs typeface="Calibri" panose="020F0502020204030204" pitchFamily="34" charset="0"/>
+                            </a:rPr>
+                            <m:t>[</m:t>
+                          </m:r>
+                          <m:sSub>
+                            <m:sSubPr>
+                              <m:ctrlPr>
+                                <a:rPr lang="en-US" sz="1800" i="1">
+                                  <a:effectLst/>
+                                  <a:latin typeface="Cambria Math" panose="02040503050406030204" pitchFamily="18" charset="0"/>
+                                  <a:ea typeface="Yu Mincho" panose="02020400000000000000" pitchFamily="18" charset="-128"/>
+                                  <a:cs typeface="Calibri" panose="020F0502020204030204" pitchFamily="34" charset="0"/>
+                                </a:rPr>
+                              </m:ctrlPr>
+                            </m:sSubPr>
+                            <m:e>
+                              <m:r>
+                                <a:rPr lang="en-US" sz="1800" i="1">
+                                  <a:effectLst/>
+                                  <a:latin typeface="Cambria Math" panose="02040503050406030204" pitchFamily="18" charset="0"/>
+                                  <a:ea typeface="Yu Mincho" panose="02020400000000000000" pitchFamily="18" charset="-128"/>
+                                  <a:cs typeface="Calibri" panose="020F0502020204030204" pitchFamily="34" charset="0"/>
+                                </a:rPr>
+                                <m:t>𝑤</m:t>
+                              </m:r>
+                            </m:e>
+                            <m:sub>
+                              <m:r>
+                                <a:rPr lang="en-US" sz="1800" i="1">
+                                  <a:effectLst/>
+                                  <a:latin typeface="Cambria Math" panose="02040503050406030204" pitchFamily="18" charset="0"/>
+                                  <a:ea typeface="Yu Mincho" panose="02020400000000000000" pitchFamily="18" charset="-128"/>
+                                  <a:cs typeface="Calibri" panose="020F0502020204030204" pitchFamily="34" charset="0"/>
+                                </a:rPr>
+                                <m:t>0</m:t>
+                              </m:r>
+                            </m:sub>
+                          </m:sSub>
+                        </m:e>
+                      </m:nary>
+                      <m:r>
+                        <a:rPr lang="en-US" sz="1800" i="1">
+                          <a:effectLst/>
+                          <a:latin typeface="Cambria Math" panose="02040503050406030204" pitchFamily="18" charset="0"/>
+                          <a:ea typeface="Yu Mincho" panose="02020400000000000000" pitchFamily="18" charset="-128"/>
+                          <a:cs typeface="Calibri" panose="020F0502020204030204" pitchFamily="34" charset="0"/>
+                        </a:rPr>
+                        <m:t>∗</m:t>
+                      </m:r>
+                      <m:r>
+                        <m:rPr>
+                          <m:sty m:val="p"/>
+                        </m:rPr>
+                        <a:rPr lang="en-US" sz="1800">
+                          <a:effectLst/>
+                          <a:latin typeface="Cambria Math" panose="02040503050406030204" pitchFamily="18" charset="0"/>
+                          <a:ea typeface="Yu Mincho" panose="02020400000000000000" pitchFamily="18" charset="-128"/>
+                          <a:cs typeface="Calibri" panose="020F0502020204030204" pitchFamily="34" charset="0"/>
+                        </a:rPr>
+                        <m:t>log</m:t>
+                      </m:r>
+                      <m:r>
+                        <a:rPr lang="en-US" sz="1800">
+                          <a:effectLst/>
+                          <a:latin typeface="Cambria Math" panose="02040503050406030204" pitchFamily="18" charset="0"/>
+                          <a:ea typeface="Yu Mincho" panose="02020400000000000000" pitchFamily="18" charset="-128"/>
+                          <a:cs typeface="Calibri" panose="020F0502020204030204" pitchFamily="34" charset="0"/>
+                        </a:rPr>
+                        <m:t>⁡</m:t>
+                      </m:r>
+                      <m:r>
+                        <a:rPr lang="en-US" sz="1800" i="1">
+                          <a:effectLst/>
+                          <a:latin typeface="Cambria Math" panose="02040503050406030204" pitchFamily="18" charset="0"/>
+                          <a:ea typeface="Yu Mincho" panose="02020400000000000000" pitchFamily="18" charset="-128"/>
+                          <a:cs typeface="Calibri" panose="020F0502020204030204" pitchFamily="34" charset="0"/>
+                        </a:rPr>
+                        <m:t>(</m:t>
+                      </m:r>
+                      <m:r>
+                        <a:rPr lang="en-US" sz="1800" i="1">
+                          <a:effectLst/>
+                          <a:latin typeface="Cambria Math" panose="02040503050406030204" pitchFamily="18" charset="0"/>
+                          <a:ea typeface="Yu Mincho" panose="02020400000000000000" pitchFamily="18" charset="-128"/>
+                          <a:cs typeface="Calibri" panose="020F0502020204030204" pitchFamily="34" charset="0"/>
+                        </a:rPr>
+                        <m:t>h</m:t>
+                      </m:r>
+                      <m:d>
+                        <m:dPr>
+                          <m:ctrlPr>
+                            <a:rPr lang="en-US" sz="1800" i="1">
+                              <a:effectLst/>
+                              <a:latin typeface="Cambria Math" panose="02040503050406030204" pitchFamily="18" charset="0"/>
+                              <a:ea typeface="Yu Mincho" panose="02020400000000000000" pitchFamily="18" charset="-128"/>
+                              <a:cs typeface="Calibri" panose="020F0502020204030204" pitchFamily="34" charset="0"/>
+                            </a:rPr>
+                          </m:ctrlPr>
+                        </m:dPr>
+                        <m:e>
+                          <m:sSup>
+                            <m:sSupPr>
+                              <m:ctrlPr>
+                                <a:rPr lang="en-US" sz="1800" i="1">
+                                  <a:effectLst/>
+                                  <a:latin typeface="Cambria Math" panose="02040503050406030204" pitchFamily="18" charset="0"/>
+                                  <a:ea typeface="Yu Mincho" panose="02020400000000000000" pitchFamily="18" charset="-128"/>
+                                  <a:cs typeface="Calibri" panose="020F0502020204030204" pitchFamily="34" charset="0"/>
+                                </a:rPr>
+                              </m:ctrlPr>
+                            </m:sSupPr>
+                            <m:e>
+                              <m:r>
+                                <a:rPr lang="en-US" sz="1800" i="1">
+                                  <a:effectLst/>
+                                  <a:latin typeface="Cambria Math" panose="02040503050406030204" pitchFamily="18" charset="0"/>
+                                  <a:ea typeface="Yu Mincho" panose="02020400000000000000" pitchFamily="18" charset="-128"/>
+                                  <a:cs typeface="Calibri" panose="020F0502020204030204" pitchFamily="34" charset="0"/>
+                                </a:rPr>
+                                <m:t>𝑥</m:t>
+                              </m:r>
+                            </m:e>
+                            <m:sup>
+                              <m:d>
+                                <m:dPr>
+                                  <m:ctrlPr>
+                                    <a:rPr lang="en-US" sz="1800" i="1">
+                                      <a:effectLst/>
+                                      <a:latin typeface="Cambria Math" panose="02040503050406030204" pitchFamily="18" charset="0"/>
+                                      <a:ea typeface="Yu Mincho" panose="02020400000000000000" pitchFamily="18" charset="-128"/>
+                                      <a:cs typeface="Calibri" panose="020F0502020204030204" pitchFamily="34" charset="0"/>
+                                    </a:rPr>
+                                  </m:ctrlPr>
+                                </m:dPr>
+                                <m:e>
+                                  <m:r>
+                                    <a:rPr lang="en-US" sz="1800" i="1">
+                                      <a:effectLst/>
+                                      <a:latin typeface="Cambria Math" panose="02040503050406030204" pitchFamily="18" charset="0"/>
+                                      <a:ea typeface="Yu Mincho" panose="02020400000000000000" pitchFamily="18" charset="-128"/>
+                                      <a:cs typeface="Calibri" panose="020F0502020204030204" pitchFamily="34" charset="0"/>
+                                    </a:rPr>
+                                    <m:t>𝑖</m:t>
+                                  </m:r>
+                                </m:e>
+                              </m:d>
+                            </m:sup>
+                          </m:sSup>
+                        </m:e>
+                      </m:d>
+                      <m:r>
+                        <a:rPr lang="en-US" sz="1800" i="1">
+                          <a:effectLst/>
+                          <a:latin typeface="Cambria Math" panose="02040503050406030204" pitchFamily="18" charset="0"/>
+                          <a:ea typeface="Yu Mincho" panose="02020400000000000000" pitchFamily="18" charset="-128"/>
+                          <a:cs typeface="Calibri" panose="020F0502020204030204" pitchFamily="34" charset="0"/>
+                        </a:rPr>
+                        <m:t>∗</m:t>
+                      </m:r>
+                      <m:sSup>
+                        <m:sSupPr>
+                          <m:ctrlPr>
+                            <a:rPr lang="en-US" sz="1800" i="1">
+                              <a:effectLst/>
+                              <a:latin typeface="Cambria Math" panose="02040503050406030204" pitchFamily="18" charset="0"/>
+                              <a:ea typeface="Yu Mincho" panose="02020400000000000000" pitchFamily="18" charset="-128"/>
+                              <a:cs typeface="Calibri" panose="020F0502020204030204" pitchFamily="34" charset="0"/>
+                            </a:rPr>
+                          </m:ctrlPr>
+                        </m:sSupPr>
+                        <m:e>
+                          <m:r>
+                            <a:rPr lang="en-US" sz="1800" i="1">
+                              <a:effectLst/>
+                              <a:latin typeface="Cambria Math" panose="02040503050406030204" pitchFamily="18" charset="0"/>
+                              <a:ea typeface="Yu Mincho" panose="02020400000000000000" pitchFamily="18" charset="-128"/>
+                              <a:cs typeface="Calibri" panose="020F0502020204030204" pitchFamily="34" charset="0"/>
+                            </a:rPr>
+                            <m:t>𝑦</m:t>
+                          </m:r>
+                        </m:e>
+                        <m:sup>
+                          <m:d>
+                            <m:dPr>
+                              <m:ctrlPr>
+                                <a:rPr lang="en-US" sz="1800" i="1">
+                                  <a:effectLst/>
+                                  <a:latin typeface="Cambria Math" panose="02040503050406030204" pitchFamily="18" charset="0"/>
+                                  <a:ea typeface="Yu Mincho" panose="02020400000000000000" pitchFamily="18" charset="-128"/>
+                                  <a:cs typeface="Calibri" panose="020F0502020204030204" pitchFamily="34" charset="0"/>
+                                </a:rPr>
+                              </m:ctrlPr>
+                            </m:dPr>
+                            <m:e>
+                              <m:r>
+                                <a:rPr lang="en-US" sz="1800" i="1">
+                                  <a:effectLst/>
+                                  <a:latin typeface="Cambria Math" panose="02040503050406030204" pitchFamily="18" charset="0"/>
+                                  <a:ea typeface="Yu Mincho" panose="02020400000000000000" pitchFamily="18" charset="-128"/>
+                                  <a:cs typeface="Calibri" panose="020F0502020204030204" pitchFamily="34" charset="0"/>
+                                </a:rPr>
+                                <m:t>𝑖</m:t>
+                              </m:r>
+                            </m:e>
+                          </m:d>
+                        </m:sup>
+                      </m:sSup>
+                      <m:r>
+                        <a:rPr lang="en-US" sz="1800" i="1">
+                          <a:effectLst/>
+                          <a:latin typeface="Cambria Math" panose="02040503050406030204" pitchFamily="18" charset="0"/>
+                          <a:ea typeface="Yu Mincho" panose="02020400000000000000" pitchFamily="18" charset="-128"/>
+                          <a:cs typeface="Calibri" panose="020F0502020204030204" pitchFamily="34" charset="0"/>
+                        </a:rPr>
+                        <m:t>+</m:t>
+                      </m:r>
+                      <m:sSub>
+                        <m:sSubPr>
+                          <m:ctrlPr>
+                            <a:rPr lang="en-US" sz="1800" i="1">
+                              <a:effectLst/>
+                              <a:latin typeface="Cambria Math" panose="02040503050406030204" pitchFamily="18" charset="0"/>
+                              <a:ea typeface="Yu Mincho" panose="02020400000000000000" pitchFamily="18" charset="-128"/>
+                              <a:cs typeface="Calibri" panose="020F0502020204030204" pitchFamily="34" charset="0"/>
+                            </a:rPr>
+                          </m:ctrlPr>
+                        </m:sSubPr>
+                        <m:e>
+                          <m:r>
+                            <a:rPr lang="en-US" sz="1800" i="1">
+                              <a:effectLst/>
+                              <a:latin typeface="Cambria Math" panose="02040503050406030204" pitchFamily="18" charset="0"/>
+                              <a:ea typeface="Yu Mincho" panose="02020400000000000000" pitchFamily="18" charset="-128"/>
+                              <a:cs typeface="Calibri" panose="020F0502020204030204" pitchFamily="34" charset="0"/>
+                            </a:rPr>
+                            <m:t>𝑤</m:t>
+                          </m:r>
+                        </m:e>
+                        <m:sub>
+                          <m:r>
+                            <a:rPr lang="en-US" sz="1800" i="1">
+                              <a:effectLst/>
+                              <a:latin typeface="Cambria Math" panose="02040503050406030204" pitchFamily="18" charset="0"/>
+                              <a:ea typeface="Yu Mincho" panose="02020400000000000000" pitchFamily="18" charset="-128"/>
+                              <a:cs typeface="Calibri" panose="020F0502020204030204" pitchFamily="34" charset="0"/>
+                            </a:rPr>
+                            <m:t>1</m:t>
+                          </m:r>
+                        </m:sub>
+                      </m:sSub>
+                      <m:r>
+                        <a:rPr lang="en-US" sz="1800" i="1">
+                          <a:effectLst/>
+                          <a:latin typeface="Cambria Math" panose="02040503050406030204" pitchFamily="18" charset="0"/>
+                          <a:ea typeface="Yu Mincho" panose="02020400000000000000" pitchFamily="18" charset="-128"/>
+                          <a:cs typeface="Calibri" panose="020F0502020204030204" pitchFamily="34" charset="0"/>
+                        </a:rPr>
+                        <m:t>∗</m:t>
+                      </m:r>
+                      <m:d>
+                        <m:dPr>
+                          <m:ctrlPr>
+                            <a:rPr lang="en-US" sz="1800" i="1">
+                              <a:effectLst/>
+                              <a:latin typeface="Cambria Math" panose="02040503050406030204" pitchFamily="18" charset="0"/>
+                              <a:ea typeface="Yu Mincho" panose="02020400000000000000" pitchFamily="18" charset="-128"/>
+                              <a:cs typeface="Calibri" panose="020F0502020204030204" pitchFamily="34" charset="0"/>
+                            </a:rPr>
+                          </m:ctrlPr>
+                        </m:dPr>
+                        <m:e>
+                          <m:r>
+                            <a:rPr lang="en-US" sz="1800" i="1">
+                              <a:effectLst/>
+                              <a:latin typeface="Cambria Math" panose="02040503050406030204" pitchFamily="18" charset="0"/>
+                              <a:ea typeface="Yu Mincho" panose="02020400000000000000" pitchFamily="18" charset="-128"/>
+                              <a:cs typeface="Calibri" panose="020F0502020204030204" pitchFamily="34" charset="0"/>
+                            </a:rPr>
+                            <m:t>1−</m:t>
+                          </m:r>
+                          <m:sSup>
+                            <m:sSupPr>
+                              <m:ctrlPr>
+                                <a:rPr lang="en-US" sz="1800" i="1">
+                                  <a:effectLst/>
+                                  <a:latin typeface="Cambria Math" panose="02040503050406030204" pitchFamily="18" charset="0"/>
+                                  <a:ea typeface="Yu Mincho" panose="02020400000000000000" pitchFamily="18" charset="-128"/>
+                                  <a:cs typeface="Calibri" panose="020F0502020204030204" pitchFamily="34" charset="0"/>
+                                </a:rPr>
+                              </m:ctrlPr>
+                            </m:sSupPr>
+                            <m:e>
+                              <m:r>
+                                <a:rPr lang="en-US" sz="1800" i="1">
+                                  <a:effectLst/>
+                                  <a:latin typeface="Cambria Math" panose="02040503050406030204" pitchFamily="18" charset="0"/>
+                                  <a:ea typeface="Yu Mincho" panose="02020400000000000000" pitchFamily="18" charset="-128"/>
+                                  <a:cs typeface="Calibri" panose="020F0502020204030204" pitchFamily="34" charset="0"/>
+                                </a:rPr>
+                                <m:t>𝑦</m:t>
+                              </m:r>
+                            </m:e>
+                            <m:sup>
+                              <m:d>
+                                <m:dPr>
+                                  <m:ctrlPr>
+                                    <a:rPr lang="en-US" sz="1800" i="1">
+                                      <a:effectLst/>
+                                      <a:latin typeface="Cambria Math" panose="02040503050406030204" pitchFamily="18" charset="0"/>
+                                      <a:ea typeface="Yu Mincho" panose="02020400000000000000" pitchFamily="18" charset="-128"/>
+                                      <a:cs typeface="Calibri" panose="020F0502020204030204" pitchFamily="34" charset="0"/>
+                                    </a:rPr>
+                                  </m:ctrlPr>
+                                </m:dPr>
+                                <m:e>
+                                  <m:r>
+                                    <a:rPr lang="en-US" sz="1800" i="1">
+                                      <a:effectLst/>
+                                      <a:latin typeface="Cambria Math" panose="02040503050406030204" pitchFamily="18" charset="0"/>
+                                      <a:ea typeface="Yu Mincho" panose="02020400000000000000" pitchFamily="18" charset="-128"/>
+                                      <a:cs typeface="Calibri" panose="020F0502020204030204" pitchFamily="34" charset="0"/>
+                                    </a:rPr>
+                                    <m:t>𝑖</m:t>
+                                  </m:r>
+                                </m:e>
+                              </m:d>
+                            </m:sup>
+                          </m:sSup>
+                        </m:e>
+                      </m:d>
+                      <m:r>
+                        <a:rPr lang="en-US" sz="1800" i="1">
+                          <a:effectLst/>
+                          <a:latin typeface="Cambria Math" panose="02040503050406030204" pitchFamily="18" charset="0"/>
+                          <a:ea typeface="Yu Mincho" panose="02020400000000000000" pitchFamily="18" charset="-128"/>
+                          <a:cs typeface="Calibri" panose="020F0502020204030204" pitchFamily="34" charset="0"/>
+                        </a:rPr>
+                        <m:t>∗</m:t>
+                      </m:r>
+                      <m:func>
+                        <m:funcPr>
+                          <m:ctrlPr>
+                            <a:rPr lang="en-US" sz="1800" i="1">
+                              <a:effectLst/>
+                              <a:latin typeface="Cambria Math" panose="02040503050406030204" pitchFamily="18" charset="0"/>
+                              <a:ea typeface="Yu Mincho" panose="02020400000000000000" pitchFamily="18" charset="-128"/>
+                              <a:cs typeface="Calibri" panose="020F0502020204030204" pitchFamily="34" charset="0"/>
+                            </a:rPr>
+                          </m:ctrlPr>
+                        </m:funcPr>
+                        <m:fName>
+                          <m:r>
+                            <m:rPr>
+                              <m:sty m:val="p"/>
+                            </m:rPr>
+                            <a:rPr lang="en-US" sz="1800">
+                              <a:effectLst/>
+                              <a:latin typeface="Cambria Math" panose="02040503050406030204" pitchFamily="18" charset="0"/>
+                              <a:ea typeface="Yu Mincho" panose="02020400000000000000" pitchFamily="18" charset="-128"/>
+                              <a:cs typeface="Calibri" panose="020F0502020204030204" pitchFamily="34" charset="0"/>
+                            </a:rPr>
+                            <m:t>log</m:t>
+                          </m:r>
+                        </m:fName>
+                        <m:e>
+                          <m:d>
+                            <m:dPr>
+                              <m:endChr m:val="]"/>
+                              <m:ctrlPr>
+                                <a:rPr lang="en-US" sz="1800" i="1">
+                                  <a:effectLst/>
+                                  <a:latin typeface="Cambria Math" panose="02040503050406030204" pitchFamily="18" charset="0"/>
+                                  <a:ea typeface="Yu Mincho" panose="02020400000000000000" pitchFamily="18" charset="-128"/>
+                                  <a:cs typeface="Calibri" panose="020F0502020204030204" pitchFamily="34" charset="0"/>
+                                </a:rPr>
+                              </m:ctrlPr>
+                            </m:dPr>
+                            <m:e>
+                              <m:r>
+                                <a:rPr lang="en-US" sz="1800" i="1">
+                                  <a:effectLst/>
+                                  <a:latin typeface="Cambria Math" panose="02040503050406030204" pitchFamily="18" charset="0"/>
+                                  <a:ea typeface="Yu Mincho" panose="02020400000000000000" pitchFamily="18" charset="-128"/>
+                                  <a:cs typeface="Calibri" panose="020F0502020204030204" pitchFamily="34" charset="0"/>
+                                </a:rPr>
+                                <m:t>1−</m:t>
+                              </m:r>
+                              <m:r>
+                                <a:rPr lang="en-US" sz="1800" i="1">
+                                  <a:effectLst/>
+                                  <a:latin typeface="Cambria Math" panose="02040503050406030204" pitchFamily="18" charset="0"/>
+                                  <a:ea typeface="Yu Mincho" panose="02020400000000000000" pitchFamily="18" charset="-128"/>
+                                  <a:cs typeface="Calibri" panose="020F0502020204030204" pitchFamily="34" charset="0"/>
+                                </a:rPr>
+                                <m:t>h</m:t>
+                              </m:r>
+                              <m:d>
+                                <m:dPr>
+                                  <m:ctrlPr>
+                                    <a:rPr lang="en-US" sz="1800" i="1">
+                                      <a:effectLst/>
+                                      <a:latin typeface="Cambria Math" panose="02040503050406030204" pitchFamily="18" charset="0"/>
+                                      <a:ea typeface="Yu Mincho" panose="02020400000000000000" pitchFamily="18" charset="-128"/>
+                                      <a:cs typeface="Calibri" panose="020F0502020204030204" pitchFamily="34" charset="0"/>
+                                    </a:rPr>
+                                  </m:ctrlPr>
+                                </m:dPr>
+                                <m:e>
+                                  <m:sSup>
+                                    <m:sSupPr>
+                                      <m:ctrlPr>
+                                        <a:rPr lang="en-US" sz="1800" i="1">
+                                          <a:effectLst/>
+                                          <a:latin typeface="Cambria Math" panose="02040503050406030204" pitchFamily="18" charset="0"/>
+                                          <a:ea typeface="Yu Mincho" panose="02020400000000000000" pitchFamily="18" charset="-128"/>
+                                          <a:cs typeface="Calibri" panose="020F0502020204030204" pitchFamily="34" charset="0"/>
+                                        </a:rPr>
+                                      </m:ctrlPr>
+                                    </m:sSupPr>
+                                    <m:e>
+                                      <m:r>
+                                        <a:rPr lang="en-US" sz="1800" i="1">
+                                          <a:effectLst/>
+                                          <a:latin typeface="Cambria Math" panose="02040503050406030204" pitchFamily="18" charset="0"/>
+                                          <a:ea typeface="Yu Mincho" panose="02020400000000000000" pitchFamily="18" charset="-128"/>
+                                          <a:cs typeface="Calibri" panose="020F0502020204030204" pitchFamily="34" charset="0"/>
+                                        </a:rPr>
+                                        <m:t>𝑥</m:t>
+                                      </m:r>
+                                    </m:e>
+                                    <m:sup>
+                                      <m:d>
+                                        <m:dPr>
+                                          <m:ctrlPr>
+                                            <a:rPr lang="en-US" sz="1800" i="1">
+                                              <a:effectLst/>
+                                              <a:latin typeface="Cambria Math" panose="02040503050406030204" pitchFamily="18" charset="0"/>
+                                              <a:ea typeface="Yu Mincho" panose="02020400000000000000" pitchFamily="18" charset="-128"/>
+                                              <a:cs typeface="Calibri" panose="020F0502020204030204" pitchFamily="34" charset="0"/>
+                                            </a:rPr>
+                                          </m:ctrlPr>
+                                        </m:dPr>
+                                        <m:e>
+                                          <m:r>
+                                            <a:rPr lang="en-US" sz="1800" i="1">
+                                              <a:effectLst/>
+                                              <a:latin typeface="Cambria Math" panose="02040503050406030204" pitchFamily="18" charset="0"/>
+                                              <a:ea typeface="Yu Mincho" panose="02020400000000000000" pitchFamily="18" charset="-128"/>
+                                              <a:cs typeface="Calibri" panose="020F0502020204030204" pitchFamily="34" charset="0"/>
+                                            </a:rPr>
+                                            <m:t>𝑖</m:t>
+                                          </m:r>
+                                        </m:e>
+                                      </m:d>
+                                    </m:sup>
+                                  </m:sSup>
+                                </m:e>
+                              </m:d>
+                            </m:e>
+                          </m:d>
+                        </m:e>
+                      </m:func>
+                      <m:r>
+                        <a:rPr lang="en-US" sz="1800" i="1">
+                          <a:effectLst/>
+                          <a:latin typeface="Cambria Math" panose="02040503050406030204" pitchFamily="18" charset="0"/>
+                          <a:ea typeface="Yu Mincho" panose="02020400000000000000" pitchFamily="18" charset="-128"/>
+                          <a:cs typeface="Calibri" panose="020F0502020204030204" pitchFamily="34" charset="0"/>
+                        </a:rPr>
+                        <m:t>+ </m:t>
+                      </m:r>
+                      <m:f>
+                        <m:fPr>
+                          <m:ctrlPr>
+                            <a:rPr lang="en-US" sz="1800" i="1">
+                              <a:effectLst/>
+                              <a:latin typeface="Cambria Math" panose="02040503050406030204" pitchFamily="18" charset="0"/>
+                              <a:ea typeface="Yu Mincho" panose="02020400000000000000" pitchFamily="18" charset="-128"/>
+                              <a:cs typeface="Calibri" panose="020F0502020204030204" pitchFamily="34" charset="0"/>
+                            </a:rPr>
+                          </m:ctrlPr>
+                        </m:fPr>
+                        <m:num>
+                          <m:r>
+                            <a:rPr lang="en-US" sz="1800" i="1">
+                              <a:effectLst/>
+                              <a:latin typeface="Cambria Math" panose="02040503050406030204" pitchFamily="18" charset="0"/>
+                              <a:ea typeface="Yu Mincho" panose="02020400000000000000" pitchFamily="18" charset="-128"/>
+                              <a:cs typeface="Calibri" panose="020F0502020204030204" pitchFamily="34" charset="0"/>
+                            </a:rPr>
+                            <m:t>𝜆</m:t>
+                          </m:r>
+                        </m:num>
+                        <m:den>
+                          <m:r>
+                            <a:rPr lang="en-US" sz="1800" i="1">
+                              <a:effectLst/>
+                              <a:latin typeface="Cambria Math" panose="02040503050406030204" pitchFamily="18" charset="0"/>
+                              <a:ea typeface="Yu Mincho" panose="02020400000000000000" pitchFamily="18" charset="-128"/>
+                              <a:cs typeface="Calibri" panose="020F0502020204030204" pitchFamily="34" charset="0"/>
+                            </a:rPr>
+                            <m:t>2</m:t>
+                          </m:r>
+                          <m:r>
+                            <a:rPr lang="en-US" sz="1800" i="1">
+                              <a:effectLst/>
+                              <a:latin typeface="Cambria Math" panose="02040503050406030204" pitchFamily="18" charset="0"/>
+                              <a:ea typeface="Yu Mincho" panose="02020400000000000000" pitchFamily="18" charset="-128"/>
+                              <a:cs typeface="Calibri" panose="020F0502020204030204" pitchFamily="34" charset="0"/>
+                            </a:rPr>
+                            <m:t>𝑚</m:t>
+                          </m:r>
+                        </m:den>
+                      </m:f>
+                      <m:sSup>
+                        <m:sSupPr>
+                          <m:ctrlPr>
+                            <a:rPr lang="en-US" sz="1800" i="1">
+                              <a:effectLst/>
+                              <a:latin typeface="Cambria Math" panose="02040503050406030204" pitchFamily="18" charset="0"/>
+                              <a:ea typeface="Yu Mincho" panose="02020400000000000000" pitchFamily="18" charset="-128"/>
+                              <a:cs typeface="Calibri" panose="020F0502020204030204" pitchFamily="34" charset="0"/>
+                            </a:rPr>
+                          </m:ctrlPr>
+                        </m:sSupPr>
+                        <m:e>
+                          <m:r>
+                            <a:rPr lang="en-US" sz="1800" i="1">
+                              <a:effectLst/>
+                              <a:latin typeface="Cambria Math" panose="02040503050406030204" pitchFamily="18" charset="0"/>
+                              <a:ea typeface="Yu Mincho" panose="02020400000000000000" pitchFamily="18" charset="-128"/>
+                              <a:cs typeface="Calibri" panose="020F0502020204030204" pitchFamily="34" charset="0"/>
+                            </a:rPr>
+                            <m:t>𝛽</m:t>
+                          </m:r>
+                        </m:e>
+                        <m:sup>
+                          <m:r>
+                            <a:rPr lang="en-US" sz="1800" i="1">
+                              <a:effectLst/>
+                              <a:latin typeface="Cambria Math" panose="02040503050406030204" pitchFamily="18" charset="0"/>
+                              <a:ea typeface="Yu Mincho" panose="02020400000000000000" pitchFamily="18" charset="-128"/>
+                              <a:cs typeface="Calibri" panose="020F0502020204030204" pitchFamily="34" charset="0"/>
+                            </a:rPr>
+                            <m:t>𝑇</m:t>
+                          </m:r>
+                        </m:sup>
+                      </m:sSup>
+                      <m:r>
+                        <a:rPr lang="en-US" sz="1800" i="1">
+                          <a:effectLst/>
+                          <a:latin typeface="Cambria Math" panose="02040503050406030204" pitchFamily="18" charset="0"/>
+                          <a:ea typeface="Yu Mincho" panose="02020400000000000000" pitchFamily="18" charset="-128"/>
+                          <a:cs typeface="Calibri" panose="020F0502020204030204" pitchFamily="34" charset="0"/>
+                        </a:rPr>
+                        <m:t>𝛽</m:t>
+                      </m:r>
+                    </m:oMath>
+                  </m:oMathPara>
+                </a14:m>
+                <a:endParaRPr lang="en-US" sz="1800" dirty="0">
+                  <a:effectLst/>
+                  <a:latin typeface="Calibri" panose="020F0502020204030204" pitchFamily="34" charset="0"/>
+                  <a:ea typeface="Yu Mincho" panose="02020400000000000000" pitchFamily="18" charset="-128"/>
+                  <a:cs typeface="Calibri" panose="020F0502020204030204" pitchFamily="34" charset="0"/>
+                </a:endParaRPr>
+              </a:p>
+              <a:p>
+                <a:pPr algn="just">
+                  <a:lnSpc>
+                    <a:spcPct val="107000"/>
+                  </a:lnSpc>
+                  <a:spcAft>
+                    <a:spcPts val="800"/>
+                  </a:spcAft>
+                </a:pPr>
+                <a:endParaRPr lang="en-US" sz="1800" dirty="0">
+                  <a:effectLst/>
+                  <a:latin typeface="Calibri" panose="020F0502020204030204" pitchFamily="34" charset="0"/>
+                  <a:ea typeface="Yu Mincho" panose="02020400000000000000" pitchFamily="18" charset="-128"/>
+                  <a:cs typeface="Calibri" panose="020F0502020204030204" pitchFamily="34" charset="0"/>
+                </a:endParaRPr>
+              </a:p>
+              <a:p>
+                <a:pPr marL="0" marR="0" algn="just">
+                  <a:lnSpc>
+                    <a:spcPct val="107000"/>
+                  </a:lnSpc>
+                  <a:spcBef>
+                    <a:spcPts val="0"/>
+                  </a:spcBef>
+                  <a:spcAft>
+                    <a:spcPts val="800"/>
+                  </a:spcAft>
+                </a:pPr>
+                <a:endParaRPr lang="en-US" sz="1800" dirty="0">
+                  <a:effectLst/>
+                  <a:latin typeface="Calibri" panose="020F0502020204030204" pitchFamily="34" charset="0"/>
+                  <a:ea typeface="Yu Mincho" panose="02020400000000000000" pitchFamily="18" charset="-128"/>
+                  <a:cs typeface="Calibri" panose="020F0502020204030204" pitchFamily="34" charset="0"/>
+                </a:endParaRPr>
+              </a:p>
+              <a:p>
+                <a:pPr marL="0" marR="0" lvl="0" indent="0" algn="l" defTabSz="914400" rtl="0" eaLnBrk="0" fontAlgn="base" latinLnBrk="0" hangingPunct="0">
+                  <a:lnSpc>
+                    <a:spcPct val="100000"/>
+                  </a:lnSpc>
+                  <a:spcBef>
+                    <a:spcPct val="0"/>
+                  </a:spcBef>
+                  <a:spcAft>
+                    <a:spcPct val="0"/>
+                  </a:spcAft>
+                  <a:buClrTx/>
+                  <a:buSzTx/>
+                  <a:buFontTx/>
+                  <a:buNone/>
+                  <a:tabLst/>
+                </a:pPr>
+                <a:endParaRPr kumimoji="0" lang="en-US" altLang="ja-JP" sz="1800" b="0" i="0" u="none" strike="noStrike" cap="none" normalizeH="0" baseline="0" dirty="0">
+                  <a:ln>
+                    <a:noFill/>
+                  </a:ln>
+                  <a:solidFill>
+                    <a:schemeClr val="tx1"/>
+                  </a:solidFill>
+                  <a:effectLst/>
+                  <a:latin typeface="Arial" panose="020B0604020202020204" pitchFamily="34" charset="0"/>
+                </a:endParaRPr>
+              </a:p>
+            </p:txBody>
+          </p:sp>
+        </mc:Choice>
+        <mc:Fallback>
+          <p:sp>
+            <p:nvSpPr>
+              <p:cNvPr id="15" name="Rectangle 2">
+                <a:extLst>
+                  <a:ext uri="{FF2B5EF4-FFF2-40B4-BE49-F238E27FC236}">
+                    <a16:creationId xmlns:a16="http://schemas.microsoft.com/office/drawing/2014/main" id="{5FD9684A-CFAB-4C12-8D60-79B658FCDA53}"/>
+                  </a:ext>
+                </a:extLst>
+              </p:cNvPr>
+              <p:cNvSpPr>
+                <a:spLocks noRot="1" noChangeAspect="1" noMove="1" noResize="1" noEditPoints="1" noAdjustHandles="1" noChangeArrowheads="1" noChangeShapeType="1" noTextEdit="1"/>
+              </p:cNvSpPr>
+              <p:nvPr/>
+            </p:nvSpPr>
+            <p:spPr bwMode="auto">
+              <a:xfrm>
+                <a:off x="579279" y="4906214"/>
+                <a:ext cx="9562500" cy="2419445"/>
+              </a:xfrm>
+              <a:prstGeom prst="rect">
+                <a:avLst/>
+              </a:prstGeom>
+              <a:blipFill>
+                <a:blip r:embed="rId4"/>
+                <a:stretch>
+                  <a:fillRect l="-637" t="-756"/>
+                </a:stretch>
+              </a:blipFill>
+              <a:ln>
+                <a:noFill/>
+              </a:ln>
+              <a:effectLst/>
+              <a:extLst>
+                <a:ext uri="{909E8E84-426E-40DD-AFC4-6F175D3DCCD1}">
+                  <a14:hiddenFill xmlns:a14="http://schemas.microsoft.com/office/drawing/2010/main">
+                    <a:solidFill>
+                      <a:schemeClr val="accent1"/>
+                    </a:solidFill>
+                  </a14:hiddenFill>
+                </a:ext>
+                <a:ext uri="{91240B29-F687-4F45-9708-019B960494DF}">
+                  <a14:hiddenLine xmlns:a14="http://schemas.microsoft.com/office/drawing/2010/main" w="9525">
+                    <a:solidFill>
+                      <a:schemeClr val="tx1"/>
+                    </a:solidFill>
+                    <a:miter lim="800000"/>
+                    <a:headEnd/>
+                    <a:tailEnd/>
+                  </a14:hiddenLine>
+                </a:ext>
+                <a:ext uri="{AF507438-7753-43E0-B8FC-AC1667EBCBE1}">
+                  <a14:hiddenEffects xmlns:a14="http://schemas.microsoft.com/office/drawing/2010/main">
+                    <a:effectLst>
+                      <a:outerShdw dist="35921" dir="2700000" algn="ctr" rotWithShape="0">
+                        <a:schemeClr val="bg2"/>
+                      </a:outerShdw>
+                    </a:effectLst>
+                  </a14:hiddenEffects>
+                </a:ext>
+              </a:extLst>
+            </p:spPr>
+            <p:txBody>
+              <a:bodyPr/>
+              <a:lstStyle/>
+              <a:p>
+                <a:r>
+                  <a:rPr lang="en-US">
+                    <a:noFill/>
+                  </a:rPr>
+                  <a:t> </a:t>
+                </a:r>
+              </a:p>
+            </p:txBody>
+          </p:sp>
+        </mc:Fallback>
+      </mc:AlternateContent>
     </p:spTree>
     <p:extLst>
       <p:ext uri="{BB962C8B-B14F-4D97-AF65-F5344CB8AC3E}">

--- a/Team3 ML Slides.pptx
+++ b/Team3 ML Slides.pptx
@@ -5762,8 +5762,8 @@
           </a:p>
         </p:txBody>
       </p:sp>
-      <mc:AlternateContent xmlns:mc="http://schemas.openxmlformats.org/markup-compatibility/2006">
-        <mc:Choice xmlns:a14="http://schemas.microsoft.com/office/drawing/2010/main" Requires="a14">
+      <mc:AlternateContent xmlns:mc="http://schemas.openxmlformats.org/markup-compatibility/2006" xmlns:a14="http://schemas.microsoft.com/office/drawing/2010/main">
+        <mc:Choice Requires="a14">
           <p:sp>
             <p:nvSpPr>
               <p:cNvPr id="3" name="Content Placeholder 2">
@@ -6379,7 +6379,7 @@
             </p:txBody>
           </p:sp>
         </mc:Choice>
-        <mc:Fallback>
+        <mc:Fallback xmlns="">
           <p:sp>
             <p:nvSpPr>
               <p:cNvPr id="3" name="Content Placeholder 2">
@@ -6771,8 +6771,8 @@
           </p:txBody>
         </p:sp>
       </p:grpSp>
-      <mc:AlternateContent xmlns:mc="http://schemas.openxmlformats.org/markup-compatibility/2006">
-        <mc:Choice xmlns:a14="http://schemas.microsoft.com/office/drawing/2010/main" Requires="a14">
+      <mc:AlternateContent xmlns:mc="http://schemas.openxmlformats.org/markup-compatibility/2006" xmlns:a14="http://schemas.microsoft.com/office/drawing/2010/main">
+        <mc:Choice Requires="a14">
           <p:sp>
             <p:nvSpPr>
               <p:cNvPr id="13" name="TextBox 12">
@@ -7777,7 +7777,7 @@
             </p:txBody>
           </p:sp>
         </mc:Choice>
-        <mc:Fallback>
+        <mc:Fallback xmlns="">
           <p:sp>
             <p:nvSpPr>
               <p:cNvPr id="13" name="TextBox 12">
@@ -15184,7 +15184,21 @@
                 <a:latin typeface="Calibri" panose="020F0502020204030204" pitchFamily="34" charset="0"/>
                 <a:cs typeface="Calibri" panose="020F0502020204030204" pitchFamily="34" charset="0"/>
               </a:rPr>
-              <a:t>Use case: </a:t>
+              <a:t>Use </a:t>
+            </a:r>
+            <a:r>
+              <a:rPr lang="vi-VN" sz="2000" dirty="0">
+                <a:latin typeface="Calibri" panose="020F0502020204030204" pitchFamily="34" charset="0"/>
+                <a:cs typeface="Calibri" panose="020F0502020204030204" pitchFamily="34" charset="0"/>
+              </a:rPr>
+              <a:t>cases</a:t>
+            </a:r>
+            <a:r>
+              <a:rPr lang="en-US" sz="2000" dirty="0">
+                <a:latin typeface="Calibri" panose="020F0502020204030204" pitchFamily="34" charset="0"/>
+                <a:cs typeface="Calibri" panose="020F0502020204030204" pitchFamily="34" charset="0"/>
+              </a:rPr>
+              <a:t>: </a:t>
             </a:r>
           </a:p>
           <a:p>
@@ -15960,6 +15974,15 @@
               </a:rPr>
               <a:t>2.1 Features</a:t>
             </a:r>
+            <a:endParaRPr kumimoji="0" lang="vi-VN" altLang="ja-JP" sz="2400" b="0" i="0" u="none" strike="noStrike" cap="none" normalizeH="0" baseline="0" dirty="0">
+              <a:ln>
+                <a:noFill/>
+              </a:ln>
+              <a:solidFill>
+                <a:srgbClr val="FEFFFF"/>
+              </a:solidFill>
+              <a:effectLst/>
+            </a:endParaRPr>
           </a:p>
           <a:p>
             <a:pPr lvl="1" indent="-228600" fontAlgn="base">
@@ -15976,7 +15999,39 @@
               <a:buChar char="•"/>
             </a:pPr>
             <a:r>
-              <a:rPr kumimoji="0" lang="en-US" altLang="ja-JP" sz="2400" b="0" i="0" u="none" strike="noStrike" cap="none" normalizeH="0" baseline="0" dirty="0">
+              <a:rPr lang="vi-VN" altLang="ja-JP" sz="2000" dirty="0">
+                <a:solidFill>
+                  <a:srgbClr val="FEFFFF"/>
+                </a:solidFill>
+              </a:rPr>
+              <a:t>There are 19158 examples</a:t>
+            </a:r>
+            <a:endParaRPr kumimoji="0" lang="en-US" altLang="ja-JP" sz="2000" b="0" i="0" u="none" strike="noStrike" cap="none" normalizeH="0" baseline="0" dirty="0">
+              <a:ln>
+                <a:noFill/>
+              </a:ln>
+              <a:solidFill>
+                <a:srgbClr val="FEFFFF"/>
+              </a:solidFill>
+              <a:effectLst/>
+            </a:endParaRPr>
+          </a:p>
+          <a:p>
+            <a:pPr lvl="1" indent="-228600" fontAlgn="base">
+              <a:lnSpc>
+                <a:spcPct val="90000"/>
+              </a:lnSpc>
+              <a:spcBef>
+                <a:spcPct val="0"/>
+              </a:spcBef>
+              <a:spcAft>
+                <a:spcPts val="600"/>
+              </a:spcAft>
+              <a:buFont typeface="Arial" panose="020B0604020202020204" pitchFamily="34" charset="0"/>
+              <a:buChar char="•"/>
+            </a:pPr>
+            <a:r>
+              <a:rPr kumimoji="0" lang="en-US" altLang="ja-JP" sz="2000" b="0" i="0" u="none" strike="noStrike" cap="none" normalizeH="0" baseline="0" dirty="0">
                 <a:ln>
                   <a:noFill/>
                 </a:ln>
@@ -15985,7 +16040,31 @@
                 </a:solidFill>
                 <a:effectLst/>
               </a:rPr>
-              <a:t>Each example in the dataset is a vector of 13 x 1 vector with the following features:</a:t>
+              <a:t>Each example in the dataset is a 13 x 1 </a:t>
+            </a:r>
+            <a:r>
+              <a:rPr kumimoji="0" lang="vi-VN" altLang="ja-JP" sz="2000" b="0" i="0" u="none" strike="noStrike" cap="none" normalizeH="0" baseline="0" dirty="0">
+                <a:ln>
+                  <a:noFill/>
+                </a:ln>
+                <a:solidFill>
+                  <a:srgbClr val="FEFFFF"/>
+                </a:solidFill>
+                <a:effectLst/>
+              </a:rPr>
+              <a:t> </a:t>
+            </a:r>
+            <a:r>
+              <a:rPr kumimoji="0" lang="en-US" altLang="ja-JP" sz="2000" b="0" i="0" u="none" strike="noStrike" cap="none" normalizeH="0" baseline="0" dirty="0">
+                <a:ln>
+                  <a:noFill/>
+                </a:ln>
+                <a:solidFill>
+                  <a:srgbClr val="FEFFFF"/>
+                </a:solidFill>
+                <a:effectLst/>
+              </a:rPr>
+              <a:t>vector with the following features:</a:t>
             </a:r>
           </a:p>
         </p:txBody>
@@ -16006,7 +16085,7 @@
             <p:ph idx="1"/>
             <p:extLst>
               <p:ext uri="{D42A27DB-BD31-4B8C-83A1-F6EECF244321}">
-                <p14:modId xmlns:p14="http://schemas.microsoft.com/office/powerpoint/2010/main" val="3993506784"/>
+                <p14:modId xmlns:p14="http://schemas.microsoft.com/office/powerpoint/2010/main" val="1513453836"/>
               </p:ext>
             </p:extLst>
           </p:nvPr>
@@ -18163,7 +18242,7 @@
                           <a:ea typeface="Calibri" panose="020F0502020204030204" pitchFamily="34" charset="0"/>
                           <a:cs typeface="Times New Roman" panose="02020603050405020304" pitchFamily="18" charset="0"/>
                         </a:rPr>
-                        <a:t>Education level of the candidate t.</a:t>
+                        <a:t>Education level of the candidate.</a:t>
                       </a:r>
                       <a:endParaRPr lang="en-GB" sz="1050" b="0" i="0" u="none" strike="noStrike" dirty="0">
                         <a:effectLst/>
@@ -21538,271 +21617,147 @@
           </p:nvGrpSpPr>
           <p:grpSpPr>
             <a:xfrm>
-              <a:off x="5033029" y="1891901"/>
-              <a:ext cx="5072417" cy="3330184"/>
-              <a:chOff x="5033029" y="1891901"/>
-              <a:chExt cx="5072417" cy="3330184"/>
+              <a:off x="5279624" y="2019534"/>
+              <a:ext cx="5153572" cy="3347399"/>
+              <a:chOff x="5279624" y="2019534"/>
+              <a:chExt cx="5153572" cy="3347399"/>
             </a:xfrm>
           </p:grpSpPr>
-          <p:grpSp>
-            <p:nvGrpSpPr>
-              <p:cNvPr id="21" name="Group 20">
+          <p:sp>
+            <p:nvSpPr>
+              <p:cNvPr id="25" name="Rectangle: Rounded Corners 24">
                 <a:extLst>
                   <a:ext uri="{FF2B5EF4-FFF2-40B4-BE49-F238E27FC236}">
-                    <a16:creationId xmlns:a16="http://schemas.microsoft.com/office/drawing/2014/main" id="{971B9321-BF6B-4366-BABC-669FF69303AB}"/>
+                    <a16:creationId xmlns:a16="http://schemas.microsoft.com/office/drawing/2014/main" id="{A9AFF58E-EAE3-4DD8-AAD3-AD21AC6D8C45}"/>
                   </a:ext>
                 </a:extLst>
               </p:cNvPr>
-              <p:cNvGrpSpPr/>
+              <p:cNvSpPr/>
               <p:nvPr/>
-            </p:nvGrpSpPr>
-            <p:grpSpPr>
+            </p:nvSpPr>
+            <p:spPr>
               <a:xfrm>
-                <a:off x="6719977" y="1891901"/>
-                <a:ext cx="1546813" cy="889001"/>
-                <a:chOff x="9242" y="1346949"/>
-                <a:chExt cx="2762398" cy="1657439"/>
+                <a:off x="6665046" y="2019534"/>
+                <a:ext cx="1655871" cy="745207"/>
               </a:xfrm>
-            </p:grpSpPr>
-            <p:sp>
-              <p:nvSpPr>
-                <p:cNvPr id="25" name="Rectangle: Rounded Corners 24">
-                  <a:extLst>
-                    <a:ext uri="{FF2B5EF4-FFF2-40B4-BE49-F238E27FC236}">
-                      <a16:creationId xmlns:a16="http://schemas.microsoft.com/office/drawing/2014/main" id="{A9AFF58E-EAE3-4DD8-AAD3-AD21AC6D8C45}"/>
-                    </a:ext>
-                  </a:extLst>
-                </p:cNvPr>
-                <p:cNvSpPr/>
-                <p:nvPr/>
-              </p:nvSpPr>
-              <p:spPr>
-                <a:xfrm>
-                  <a:off x="9242" y="1346949"/>
-                  <a:ext cx="2762398" cy="1657439"/>
-                </a:xfrm>
-                <a:prstGeom prst="roundRect">
-                  <a:avLst>
-                    <a:gd name="adj" fmla="val 10000"/>
-                  </a:avLst>
-                </a:prstGeom>
-              </p:spPr>
-              <p:style>
-                <a:lnRef idx="2">
-                  <a:schemeClr val="lt1">
-                    <a:hueOff val="0"/>
-                    <a:satOff val="0"/>
-                    <a:lumOff val="0"/>
-                    <a:alphaOff val="0"/>
-                  </a:schemeClr>
-                </a:lnRef>
-                <a:fillRef idx="1">
-                  <a:schemeClr val="accent1">
-                    <a:hueOff val="0"/>
-                    <a:satOff val="0"/>
-                    <a:lumOff val="0"/>
-                    <a:alphaOff val="0"/>
-                  </a:schemeClr>
-                </a:fillRef>
-                <a:effectRef idx="0">
-                  <a:schemeClr val="accent1">
-                    <a:hueOff val="0"/>
-                    <a:satOff val="0"/>
-                    <a:lumOff val="0"/>
-                    <a:alphaOff val="0"/>
-                  </a:schemeClr>
-                </a:effectRef>
-                <a:fontRef idx="minor">
-                  <a:schemeClr val="lt1"/>
-                </a:fontRef>
-              </p:style>
-            </p:sp>
-            <p:sp>
-              <p:nvSpPr>
-                <p:cNvPr id="26" name="Rectangle: Rounded Corners 4">
-                  <a:extLst>
-                    <a:ext uri="{FF2B5EF4-FFF2-40B4-BE49-F238E27FC236}">
-                      <a16:creationId xmlns:a16="http://schemas.microsoft.com/office/drawing/2014/main" id="{34F87010-94E2-40D6-AB66-435BA3DFCD96}"/>
-                    </a:ext>
-                  </a:extLst>
-                </p:cNvPr>
-                <p:cNvSpPr txBox="1"/>
-                <p:nvPr/>
-              </p:nvSpPr>
-              <p:spPr>
-                <a:xfrm>
-                  <a:off x="57787" y="1395494"/>
-                  <a:ext cx="2665308" cy="1560349"/>
-                </a:xfrm>
-                <a:prstGeom prst="rect">
-                  <a:avLst/>
-                </a:prstGeom>
-              </p:spPr>
-              <p:style>
-                <a:lnRef idx="0">
-                  <a:scrgbClr r="0" g="0" b="0"/>
-                </a:lnRef>
-                <a:fillRef idx="0">
-                  <a:scrgbClr r="0" g="0" b="0"/>
-                </a:fillRef>
-                <a:effectRef idx="0">
-                  <a:scrgbClr r="0" g="0" b="0"/>
-                </a:effectRef>
-                <a:fontRef idx="minor">
-                  <a:schemeClr val="lt1"/>
-                </a:fontRef>
-              </p:style>
-              <p:txBody>
-                <a:bodyPr spcFirstLastPara="0" vert="horz" wrap="square" lIns="247650" tIns="247650" rIns="247650" bIns="247650" numCol="1" spcCol="1270" anchor="ctr" anchorCtr="0">
-                  <a:noAutofit/>
-                </a:bodyPr>
-                <a:lstStyle/>
-                <a:p>
-                  <a:pPr marL="0" lvl="0" indent="0" algn="ctr" defTabSz="2889250">
-                    <a:lnSpc>
-                      <a:spcPct val="90000"/>
-                    </a:lnSpc>
-                    <a:spcBef>
-                      <a:spcPct val="0"/>
-                    </a:spcBef>
-                    <a:spcAft>
-                      <a:spcPct val="35000"/>
-                    </a:spcAft>
-                    <a:buNone/>
-                  </a:pPr>
-                  <a:r>
-                    <a:rPr lang="vi-VN" kern="1200" dirty="0"/>
-                    <a:t>Standard Scaler</a:t>
-                  </a:r>
-                  <a:endParaRPr lang="en-US" kern="1200" dirty="0"/>
-                </a:p>
-              </p:txBody>
-            </p:sp>
-          </p:grpSp>
-          <p:grpSp>
-            <p:nvGrpSpPr>
-              <p:cNvPr id="27" name="Group 26">
+              <a:prstGeom prst="roundRect">
+                <a:avLst>
+                  <a:gd name="adj" fmla="val 10000"/>
+                </a:avLst>
+              </a:prstGeom>
+            </p:spPr>
+            <p:style>
+              <a:lnRef idx="2">
+                <a:schemeClr val="lt1">
+                  <a:hueOff val="0"/>
+                  <a:satOff val="0"/>
+                  <a:lumOff val="0"/>
+                  <a:alphaOff val="0"/>
+                </a:schemeClr>
+              </a:lnRef>
+              <a:fillRef idx="1">
+                <a:schemeClr val="accent1">
+                  <a:hueOff val="0"/>
+                  <a:satOff val="0"/>
+                  <a:lumOff val="0"/>
+                  <a:alphaOff val="0"/>
+                </a:schemeClr>
+              </a:fillRef>
+              <a:effectRef idx="0">
+                <a:schemeClr val="accent1">
+                  <a:hueOff val="0"/>
+                  <a:satOff val="0"/>
+                  <a:lumOff val="0"/>
+                  <a:alphaOff val="0"/>
+                </a:schemeClr>
+              </a:effectRef>
+              <a:fontRef idx="minor">
+                <a:schemeClr val="lt1"/>
+              </a:fontRef>
+            </p:style>
+            <p:txBody>
+              <a:bodyPr/>
+              <a:lstStyle/>
+              <a:p>
+                <a:pPr algn="ctr"/>
+                <a:r>
+                  <a:rPr lang="vi-VN" kern="1200" dirty="0"/>
+                  <a:t>Standard Scaler</a:t>
+                </a:r>
+                <a:endParaRPr lang="en-US" kern="1200" dirty="0"/>
+              </a:p>
+              <a:p>
+                <a:endParaRPr lang="en-US" dirty="0"/>
+              </a:p>
+            </p:txBody>
+          </p:sp>
+          <p:sp>
+            <p:nvSpPr>
+              <p:cNvPr id="28" name="Rectangle: Rounded Corners 27">
                 <a:extLst>
                   <a:ext uri="{FF2B5EF4-FFF2-40B4-BE49-F238E27FC236}">
-                    <a16:creationId xmlns:a16="http://schemas.microsoft.com/office/drawing/2014/main" id="{05671A7C-3E95-41DB-AEFA-0F3893DD5F59}"/>
+                    <a16:creationId xmlns:a16="http://schemas.microsoft.com/office/drawing/2014/main" id="{61AB6040-5A47-4738-A018-A59496B46D16}"/>
                   </a:ext>
                 </a:extLst>
               </p:cNvPr>
-              <p:cNvGrpSpPr/>
+              <p:cNvSpPr/>
               <p:nvPr/>
-            </p:nvGrpSpPr>
-            <p:grpSpPr>
+            </p:nvSpPr>
+            <p:spPr>
               <a:xfrm>
-                <a:off x="6022110" y="4138740"/>
-                <a:ext cx="1742018" cy="1083345"/>
-                <a:chOff x="-433588" y="1372826"/>
-                <a:chExt cx="2288474" cy="1657439"/>
+                <a:off x="6102582" y="4143856"/>
+                <a:ext cx="1455210" cy="1223077"/>
               </a:xfrm>
-            </p:grpSpPr>
-            <p:sp>
-              <p:nvSpPr>
-                <p:cNvPr id="28" name="Rectangle: Rounded Corners 27">
-                  <a:extLst>
-                    <a:ext uri="{FF2B5EF4-FFF2-40B4-BE49-F238E27FC236}">
-                      <a16:creationId xmlns:a16="http://schemas.microsoft.com/office/drawing/2014/main" id="{61AB6040-5A47-4738-A018-A59496B46D16}"/>
-                    </a:ext>
-                  </a:extLst>
-                </p:cNvPr>
-                <p:cNvSpPr/>
-                <p:nvPr/>
-              </p:nvSpPr>
-              <p:spPr>
-                <a:xfrm>
-                  <a:off x="-368960" y="1372826"/>
-                  <a:ext cx="2175303" cy="1657439"/>
-                </a:xfrm>
-                <a:prstGeom prst="roundRect">
-                  <a:avLst>
-                    <a:gd name="adj" fmla="val 10000"/>
-                  </a:avLst>
-                </a:prstGeom>
-              </p:spPr>
-              <p:style>
-                <a:lnRef idx="2">
-                  <a:schemeClr val="lt1">
-                    <a:hueOff val="0"/>
-                    <a:satOff val="0"/>
-                    <a:lumOff val="0"/>
-                    <a:alphaOff val="0"/>
-                  </a:schemeClr>
-                </a:lnRef>
-                <a:fillRef idx="1">
-                  <a:schemeClr val="accent1">
-                    <a:hueOff val="0"/>
-                    <a:satOff val="0"/>
-                    <a:lumOff val="0"/>
-                    <a:alphaOff val="0"/>
-                  </a:schemeClr>
-                </a:fillRef>
-                <a:effectRef idx="0">
-                  <a:schemeClr val="accent1">
-                    <a:hueOff val="0"/>
-                    <a:satOff val="0"/>
-                    <a:lumOff val="0"/>
-                    <a:alphaOff val="0"/>
-                  </a:schemeClr>
-                </a:effectRef>
-                <a:fontRef idx="minor">
-                  <a:schemeClr val="lt1"/>
-                </a:fontRef>
-              </p:style>
-            </p:sp>
-            <p:sp>
-              <p:nvSpPr>
-                <p:cNvPr id="29" name="Rectangle: Rounded Corners 4">
-                  <a:extLst>
-                    <a:ext uri="{FF2B5EF4-FFF2-40B4-BE49-F238E27FC236}">
-                      <a16:creationId xmlns:a16="http://schemas.microsoft.com/office/drawing/2014/main" id="{4C257249-9D94-4C60-AF00-A50D42DC00C2}"/>
-                    </a:ext>
-                  </a:extLst>
-                </p:cNvPr>
-                <p:cNvSpPr txBox="1"/>
-                <p:nvPr/>
-              </p:nvSpPr>
-              <p:spPr>
-                <a:xfrm>
-                  <a:off x="-433588" y="1421371"/>
-                  <a:ext cx="2288474" cy="1560348"/>
-                </a:xfrm>
-                <a:prstGeom prst="rect">
-                  <a:avLst/>
-                </a:prstGeom>
-              </p:spPr>
-              <p:style>
-                <a:lnRef idx="0">
-                  <a:scrgbClr r="0" g="0" b="0"/>
-                </a:lnRef>
-                <a:fillRef idx="0">
-                  <a:scrgbClr r="0" g="0" b="0"/>
-                </a:fillRef>
-                <a:effectRef idx="0">
-                  <a:scrgbClr r="0" g="0" b="0"/>
-                </a:effectRef>
-                <a:fontRef idx="minor">
-                  <a:schemeClr val="lt1"/>
-                </a:fontRef>
-              </p:style>
-              <p:txBody>
-                <a:bodyPr spcFirstLastPara="0" vert="horz" wrap="square" lIns="247650" tIns="247650" rIns="247650" bIns="247650" numCol="1" spcCol="1270" anchor="ctr" anchorCtr="0">
-                  <a:noAutofit/>
-                </a:bodyPr>
-                <a:lstStyle/>
-                <a:p>
-                  <a:pPr lvl="0"/>
-                  <a:r>
-                    <a:rPr lang="vi-VN" sz="1400" dirty="0"/>
-                    <a:t>Fill NaN with most frequent value, add NaN_indicator attribute</a:t>
-                  </a:r>
-                  <a:endParaRPr lang="en-US" sz="1400" dirty="0"/>
-                </a:p>
-              </p:txBody>
-            </p:sp>
-          </p:grpSp>
+              <a:prstGeom prst="roundRect">
+                <a:avLst>
+                  <a:gd name="adj" fmla="val 10000"/>
+                </a:avLst>
+              </a:prstGeom>
+            </p:spPr>
+            <p:style>
+              <a:lnRef idx="2">
+                <a:schemeClr val="lt1">
+                  <a:hueOff val="0"/>
+                  <a:satOff val="0"/>
+                  <a:lumOff val="0"/>
+                  <a:alphaOff val="0"/>
+                </a:schemeClr>
+              </a:lnRef>
+              <a:fillRef idx="1">
+                <a:schemeClr val="accent1">
+                  <a:hueOff val="0"/>
+                  <a:satOff val="0"/>
+                  <a:lumOff val="0"/>
+                  <a:alphaOff val="0"/>
+                </a:schemeClr>
+              </a:fillRef>
+              <a:effectRef idx="0">
+                <a:schemeClr val="accent1">
+                  <a:hueOff val="0"/>
+                  <a:satOff val="0"/>
+                  <a:lumOff val="0"/>
+                  <a:alphaOff val="0"/>
+                </a:schemeClr>
+              </a:effectRef>
+              <a:fontRef idx="minor">
+                <a:schemeClr val="lt1"/>
+              </a:fontRef>
+            </p:style>
+            <p:txBody>
+              <a:bodyPr/>
+              <a:lstStyle/>
+              <a:p>
+                <a:r>
+                  <a:rPr lang="vi-VN" sz="1400" dirty="0"/>
+                  <a:t>Fill NaN with most frequent category, add NaN_indicator attribute</a:t>
+                </a:r>
+                <a:endParaRPr lang="en-US" sz="1400" dirty="0"/>
+              </a:p>
+              <a:p>
+                <a:endParaRPr lang="en-US" sz="1400" dirty="0"/>
+              </a:p>
+            </p:txBody>
+          </p:sp>
           <p:sp>
             <p:nvSpPr>
               <p:cNvPr id="31" name="Arrow: Right 30">
@@ -21817,7 +21772,7 @@
             </p:nvSpPr>
             <p:spPr>
               <a:xfrm>
-                <a:off x="7764690" y="4443638"/>
+                <a:off x="7617394" y="4499465"/>
                 <a:ext cx="497202" cy="345106"/>
               </a:xfrm>
               <a:prstGeom prst="rightArrow">
@@ -21860,965 +21815,424 @@
               </a:fontRef>
             </p:style>
           </p:sp>
-          <p:grpSp>
-            <p:nvGrpSpPr>
-              <p:cNvPr id="43" name="Group 42">
+          <p:sp>
+            <p:nvSpPr>
+              <p:cNvPr id="44" name="Rectangle: Rounded Corners 43">
                 <a:extLst>
                   <a:ext uri="{FF2B5EF4-FFF2-40B4-BE49-F238E27FC236}">
-                    <a16:creationId xmlns:a16="http://schemas.microsoft.com/office/drawing/2014/main" id="{72063215-6D64-443C-AE1A-E95DD3ABFB16}"/>
+                    <a16:creationId xmlns:a16="http://schemas.microsoft.com/office/drawing/2014/main" id="{99849517-620E-48DF-B8C2-FA753B199312}"/>
                   </a:ext>
                 </a:extLst>
               </p:cNvPr>
-              <p:cNvGrpSpPr/>
+              <p:cNvSpPr/>
               <p:nvPr/>
-            </p:nvGrpSpPr>
-            <p:grpSpPr>
+            </p:nvSpPr>
+            <p:spPr>
               <a:xfrm>
-                <a:off x="8125622" y="4160508"/>
-                <a:ext cx="1330129" cy="911365"/>
-                <a:chOff x="-2102370" y="1297483"/>
-                <a:chExt cx="2665308" cy="1616498"/>
+                <a:off x="7755690" y="3128362"/>
+                <a:ext cx="1255917" cy="836925"/>
               </a:xfrm>
-            </p:grpSpPr>
-            <p:sp>
-              <p:nvSpPr>
-                <p:cNvPr id="44" name="Rectangle: Rounded Corners 43">
-                  <a:extLst>
-                    <a:ext uri="{FF2B5EF4-FFF2-40B4-BE49-F238E27FC236}">
-                      <a16:creationId xmlns:a16="http://schemas.microsoft.com/office/drawing/2014/main" id="{99849517-620E-48DF-B8C2-FA753B199312}"/>
-                    </a:ext>
-                  </a:extLst>
-                </p:cNvPr>
-                <p:cNvSpPr/>
-                <p:nvPr/>
-              </p:nvSpPr>
-              <p:spPr>
-                <a:xfrm>
-                  <a:off x="-1792151" y="1558809"/>
-                  <a:ext cx="1969362" cy="1111533"/>
-                </a:xfrm>
-                <a:prstGeom prst="roundRect">
-                  <a:avLst>
-                    <a:gd name="adj" fmla="val 10000"/>
-                  </a:avLst>
-                </a:prstGeom>
-              </p:spPr>
-              <p:style>
-                <a:lnRef idx="2">
-                  <a:schemeClr val="lt1">
-                    <a:hueOff val="0"/>
-                    <a:satOff val="0"/>
-                    <a:lumOff val="0"/>
-                    <a:alphaOff val="0"/>
-                  </a:schemeClr>
-                </a:lnRef>
-                <a:fillRef idx="1">
-                  <a:schemeClr val="accent1">
-                    <a:hueOff val="0"/>
-                    <a:satOff val="0"/>
-                    <a:lumOff val="0"/>
-                    <a:alphaOff val="0"/>
-                  </a:schemeClr>
-                </a:fillRef>
-                <a:effectRef idx="0">
-                  <a:schemeClr val="accent1">
-                    <a:hueOff val="0"/>
-                    <a:satOff val="0"/>
-                    <a:lumOff val="0"/>
-                    <a:alphaOff val="0"/>
-                  </a:schemeClr>
-                </a:effectRef>
-                <a:fontRef idx="minor">
-                  <a:schemeClr val="lt1"/>
-                </a:fontRef>
-              </p:style>
-            </p:sp>
-            <p:sp>
-              <p:nvSpPr>
-                <p:cNvPr id="45" name="Rectangle: Rounded Corners 4">
-                  <a:extLst>
-                    <a:ext uri="{FF2B5EF4-FFF2-40B4-BE49-F238E27FC236}">
-                      <a16:creationId xmlns:a16="http://schemas.microsoft.com/office/drawing/2014/main" id="{A301A550-1D93-49FA-99D9-0A63F33114F0}"/>
-                    </a:ext>
-                  </a:extLst>
-                </p:cNvPr>
-                <p:cNvSpPr txBox="1"/>
-                <p:nvPr/>
-              </p:nvSpPr>
-              <p:spPr>
-                <a:xfrm>
-                  <a:off x="-2102370" y="1297483"/>
-                  <a:ext cx="2665308" cy="1616498"/>
-                </a:xfrm>
-                <a:prstGeom prst="rect">
-                  <a:avLst/>
-                </a:prstGeom>
-              </p:spPr>
-              <p:style>
-                <a:lnRef idx="0">
-                  <a:scrgbClr r="0" g="0" b="0"/>
-                </a:lnRef>
-                <a:fillRef idx="0">
-                  <a:scrgbClr r="0" g="0" b="0"/>
-                </a:fillRef>
-                <a:effectRef idx="0">
-                  <a:scrgbClr r="0" g="0" b="0"/>
-                </a:effectRef>
-                <a:fontRef idx="minor">
-                  <a:schemeClr val="lt1"/>
-                </a:fontRef>
-              </p:style>
-              <p:txBody>
-                <a:bodyPr spcFirstLastPara="0" vert="horz" wrap="square" lIns="247650" tIns="247650" rIns="247650" bIns="247650" numCol="1" spcCol="1270" anchor="ctr" anchorCtr="0">
-                  <a:noAutofit/>
-                </a:bodyPr>
-                <a:lstStyle/>
-                <a:p>
-                  <a:pPr lvl="0"/>
-                  <a:r>
-                    <a:rPr lang="vi-VN" sz="1600" dirty="0"/>
-                    <a:t>One hot encoder</a:t>
-                  </a:r>
-                </a:p>
-              </p:txBody>
-            </p:sp>
-          </p:grpSp>
-          <p:grpSp>
-            <p:nvGrpSpPr>
-              <p:cNvPr id="46" name="Group 45">
+              <a:prstGeom prst="roundRect">
+                <a:avLst>
+                  <a:gd name="adj" fmla="val 10000"/>
+                </a:avLst>
+              </a:prstGeom>
+            </p:spPr>
+            <p:style>
+              <a:lnRef idx="2">
+                <a:schemeClr val="lt1">
+                  <a:hueOff val="0"/>
+                  <a:satOff val="0"/>
+                  <a:lumOff val="0"/>
+                  <a:alphaOff val="0"/>
+                </a:schemeClr>
+              </a:lnRef>
+              <a:fillRef idx="1">
+                <a:schemeClr val="accent1">
+                  <a:hueOff val="0"/>
+                  <a:satOff val="0"/>
+                  <a:lumOff val="0"/>
+                  <a:alphaOff val="0"/>
+                </a:schemeClr>
+              </a:fillRef>
+              <a:effectRef idx="0">
+                <a:schemeClr val="accent1">
+                  <a:hueOff val="0"/>
+                  <a:satOff val="0"/>
+                  <a:lumOff val="0"/>
+                  <a:alphaOff val="0"/>
+                </a:schemeClr>
+              </a:effectRef>
+              <a:fontRef idx="minor">
+                <a:schemeClr val="lt1"/>
+              </a:fontRef>
+            </p:style>
+            <p:txBody>
+              <a:bodyPr/>
+              <a:lstStyle/>
+              <a:p>
+                <a:r>
+                  <a:rPr lang="vi-VN" sz="1400" dirty="0"/>
+                  <a:t>Ordinal categorical to numeric</a:t>
+                </a:r>
+              </a:p>
+              <a:p>
+                <a:endParaRPr lang="en-US" sz="1400" dirty="0"/>
+              </a:p>
+            </p:txBody>
+          </p:sp>
+          <p:sp>
+            <p:nvSpPr>
+              <p:cNvPr id="47" name="Rectangle: Rounded Corners 46">
                 <a:extLst>
                   <a:ext uri="{FF2B5EF4-FFF2-40B4-BE49-F238E27FC236}">
-                    <a16:creationId xmlns:a16="http://schemas.microsoft.com/office/drawing/2014/main" id="{BDD057E4-AA7B-4CC2-BD2C-365F33D307E8}"/>
+                    <a16:creationId xmlns:a16="http://schemas.microsoft.com/office/drawing/2014/main" id="{CCE9278B-0FB1-43C7-A3D8-3DF5FDF45AB9}"/>
                   </a:ext>
                 </a:extLst>
               </p:cNvPr>
-              <p:cNvGrpSpPr/>
+              <p:cNvSpPr/>
               <p:nvPr/>
-            </p:nvGrpSpPr>
-            <p:grpSpPr>
+            </p:nvSpPr>
+            <p:spPr>
               <a:xfrm>
-                <a:off x="9042249" y="3261579"/>
-                <a:ext cx="1063197" cy="577356"/>
-                <a:chOff x="3936516" y="1454274"/>
-                <a:chExt cx="1693194" cy="1096778"/>
+                <a:off x="9407535" y="3241674"/>
+                <a:ext cx="1025661" cy="557323"/>
               </a:xfrm>
-            </p:grpSpPr>
-            <p:sp>
-              <p:nvSpPr>
-                <p:cNvPr id="47" name="Rectangle: Rounded Corners 46">
-                  <a:extLst>
-                    <a:ext uri="{FF2B5EF4-FFF2-40B4-BE49-F238E27FC236}">
-                      <a16:creationId xmlns:a16="http://schemas.microsoft.com/office/drawing/2014/main" id="{CCE9278B-0FB1-43C7-A3D8-3DF5FDF45AB9}"/>
-                    </a:ext>
-                  </a:extLst>
-                </p:cNvPr>
-                <p:cNvSpPr/>
-                <p:nvPr/>
-              </p:nvSpPr>
-              <p:spPr>
-                <a:xfrm>
-                  <a:off x="3988170" y="1454274"/>
-                  <a:ext cx="1540771" cy="1058718"/>
-                </a:xfrm>
-                <a:prstGeom prst="roundRect">
-                  <a:avLst>
-                    <a:gd name="adj" fmla="val 10000"/>
-                  </a:avLst>
-                </a:prstGeom>
-              </p:spPr>
-              <p:style>
-                <a:lnRef idx="2">
-                  <a:schemeClr val="lt1">
-                    <a:hueOff val="0"/>
-                    <a:satOff val="0"/>
-                    <a:lumOff val="0"/>
-                    <a:alphaOff val="0"/>
-                  </a:schemeClr>
-                </a:lnRef>
-                <a:fillRef idx="1">
-                  <a:schemeClr val="accent1">
-                    <a:hueOff val="0"/>
-                    <a:satOff val="0"/>
-                    <a:lumOff val="0"/>
-                    <a:alphaOff val="0"/>
-                  </a:schemeClr>
-                </a:fillRef>
-                <a:effectRef idx="0">
-                  <a:schemeClr val="accent1">
-                    <a:hueOff val="0"/>
-                    <a:satOff val="0"/>
-                    <a:lumOff val="0"/>
-                    <a:alphaOff val="0"/>
-                  </a:schemeClr>
-                </a:effectRef>
-                <a:fontRef idx="minor">
-                  <a:schemeClr val="lt1"/>
-                </a:fontRef>
-              </p:style>
-              <p:txBody>
-                <a:bodyPr/>
-                <a:lstStyle/>
-                <a:p>
-                  <a:endParaRPr lang="en-US" dirty="0"/>
-                </a:p>
-              </p:txBody>
-            </p:sp>
-            <p:sp>
-              <p:nvSpPr>
-                <p:cNvPr id="48" name="Rectangle: Rounded Corners 4">
-                  <a:extLst>
-                    <a:ext uri="{FF2B5EF4-FFF2-40B4-BE49-F238E27FC236}">
-                      <a16:creationId xmlns:a16="http://schemas.microsoft.com/office/drawing/2014/main" id="{3231854E-93BD-4325-BA73-7B5C81E99F96}"/>
-                    </a:ext>
-                  </a:extLst>
-                </p:cNvPr>
-                <p:cNvSpPr txBox="1"/>
-                <p:nvPr/>
-              </p:nvSpPr>
-              <p:spPr>
-                <a:xfrm>
-                  <a:off x="3936516" y="1482678"/>
-                  <a:ext cx="1693194" cy="1068374"/>
-                </a:xfrm>
-                <a:prstGeom prst="rect">
-                  <a:avLst/>
-                </a:prstGeom>
-              </p:spPr>
-              <p:style>
-                <a:lnRef idx="0">
-                  <a:scrgbClr r="0" g="0" b="0"/>
-                </a:lnRef>
-                <a:fillRef idx="0">
-                  <a:scrgbClr r="0" g="0" b="0"/>
-                </a:fillRef>
-                <a:effectRef idx="0">
-                  <a:scrgbClr r="0" g="0" b="0"/>
-                </a:effectRef>
-                <a:fontRef idx="minor">
-                  <a:schemeClr val="lt1"/>
-                </a:fontRef>
-              </p:style>
-              <p:txBody>
-                <a:bodyPr spcFirstLastPara="0" vert="horz" wrap="square" lIns="76200" tIns="76200" rIns="76200" bIns="76200" numCol="1" spcCol="1270" anchor="ctr" anchorCtr="0">
-                  <a:noAutofit/>
-                </a:bodyPr>
-                <a:lstStyle/>
-                <a:p>
-                  <a:pPr marL="0" lvl="0" indent="0" algn="ctr" defTabSz="889000">
-                    <a:lnSpc>
-                      <a:spcPct val="90000"/>
-                    </a:lnSpc>
-                    <a:spcBef>
-                      <a:spcPct val="0"/>
-                    </a:spcBef>
-                    <a:spcAft>
-                      <a:spcPct val="35000"/>
-                    </a:spcAft>
-                    <a:buNone/>
-                  </a:pPr>
-                  <a:r>
-                    <a:rPr lang="vi-VN" sz="1600" kern="1200" dirty="0"/>
-                    <a:t>Standard Scaler</a:t>
-                  </a:r>
-                  <a:endParaRPr lang="en-US" sz="1600" kern="1200" dirty="0"/>
-                </a:p>
-              </p:txBody>
-            </p:sp>
-          </p:grpSp>
-          <p:grpSp>
-            <p:nvGrpSpPr>
-              <p:cNvPr id="49" name="Group 48">
+              <a:prstGeom prst="roundRect">
+                <a:avLst>
+                  <a:gd name="adj" fmla="val 10000"/>
+                </a:avLst>
+              </a:prstGeom>
+            </p:spPr>
+            <p:style>
+              <a:lnRef idx="2">
+                <a:schemeClr val="lt1">
+                  <a:hueOff val="0"/>
+                  <a:satOff val="0"/>
+                  <a:lumOff val="0"/>
+                  <a:alphaOff val="0"/>
+                </a:schemeClr>
+              </a:lnRef>
+              <a:fillRef idx="1">
+                <a:schemeClr val="accent1">
+                  <a:hueOff val="0"/>
+                  <a:satOff val="0"/>
+                  <a:lumOff val="0"/>
+                  <a:alphaOff val="0"/>
+                </a:schemeClr>
+              </a:fillRef>
+              <a:effectRef idx="0">
+                <a:schemeClr val="accent1">
+                  <a:hueOff val="0"/>
+                  <a:satOff val="0"/>
+                  <a:lumOff val="0"/>
+                  <a:alphaOff val="0"/>
+                </a:schemeClr>
+              </a:effectRef>
+              <a:fontRef idx="minor">
+                <a:schemeClr val="lt1"/>
+              </a:fontRef>
+            </p:style>
+            <p:txBody>
+              <a:bodyPr/>
+              <a:lstStyle/>
+              <a:p>
+                <a:pPr algn="ctr"/>
+                <a:r>
+                  <a:rPr lang="vi-VN" sz="1400" kern="1200" dirty="0"/>
+                  <a:t>Standard Scaler</a:t>
+                </a:r>
+                <a:endParaRPr lang="en-US" sz="1400" kern="1200" dirty="0"/>
+              </a:p>
+              <a:p>
+                <a:pPr algn="ctr"/>
+                <a:endParaRPr lang="en-US" sz="1400" dirty="0"/>
+              </a:p>
+            </p:txBody>
+          </p:sp>
+          <p:sp>
+            <p:nvSpPr>
+              <p:cNvPr id="59" name="Arrow: Right 58">
                 <a:extLst>
                   <a:ext uri="{FF2B5EF4-FFF2-40B4-BE49-F238E27FC236}">
-                    <a16:creationId xmlns:a16="http://schemas.microsoft.com/office/drawing/2014/main" id="{0BE9AF8A-0A8C-4B95-97B4-6AC9FF4DFEAB}"/>
+                    <a16:creationId xmlns:a16="http://schemas.microsoft.com/office/drawing/2014/main" id="{C63F0A21-CF72-446F-AA07-D722D6B7EB5B}"/>
                   </a:ext>
                 </a:extLst>
               </p:cNvPr>
-              <p:cNvGrpSpPr/>
+              <p:cNvSpPr/>
               <p:nvPr/>
-            </p:nvGrpSpPr>
-            <p:grpSpPr>
-              <a:xfrm>
-                <a:off x="8465209" y="3322990"/>
-                <a:ext cx="585628" cy="411638"/>
-                <a:chOff x="3047880" y="1833131"/>
-                <a:chExt cx="585628" cy="685074"/>
+            </p:nvSpPr>
+            <p:spPr>
+              <a:xfrm rot="19825835">
+                <a:off x="5305730" y="2601576"/>
+                <a:ext cx="1352875" cy="442462"/>
               </a:xfrm>
-            </p:grpSpPr>
-            <p:sp>
-              <p:nvSpPr>
-                <p:cNvPr id="50" name="Arrow: Right 49">
-                  <a:extLst>
-                    <a:ext uri="{FF2B5EF4-FFF2-40B4-BE49-F238E27FC236}">
-                      <a16:creationId xmlns:a16="http://schemas.microsoft.com/office/drawing/2014/main" id="{620948FE-9ECE-454C-BE73-4045B88B8518}"/>
-                    </a:ext>
-                  </a:extLst>
-                </p:cNvPr>
-                <p:cNvSpPr/>
-                <p:nvPr/>
-              </p:nvSpPr>
-              <p:spPr>
-                <a:xfrm>
-                  <a:off x="3047880" y="1833131"/>
-                  <a:ext cx="585628" cy="685074"/>
-                </a:xfrm>
-                <a:prstGeom prst="rightArrow">
-                  <a:avLst>
-                    <a:gd name="adj1" fmla="val 60000"/>
-                    <a:gd name="adj2" fmla="val 50000"/>
-                  </a:avLst>
-                </a:prstGeom>
-              </p:spPr>
-              <p:style>
-                <a:lnRef idx="0">
-                  <a:schemeClr val="accent1">
-                    <a:tint val="60000"/>
-                    <a:hueOff val="0"/>
-                    <a:satOff val="0"/>
-                    <a:lumOff val="0"/>
-                    <a:alphaOff val="0"/>
-                  </a:schemeClr>
-                </a:lnRef>
-                <a:fillRef idx="1">
-                  <a:schemeClr val="accent1">
-                    <a:tint val="60000"/>
-                    <a:hueOff val="0"/>
-                    <a:satOff val="0"/>
-                    <a:lumOff val="0"/>
-                    <a:alphaOff val="0"/>
-                  </a:schemeClr>
-                </a:fillRef>
-                <a:effectRef idx="0">
-                  <a:schemeClr val="accent1">
-                    <a:tint val="60000"/>
-                    <a:hueOff val="0"/>
-                    <a:satOff val="0"/>
-                    <a:lumOff val="0"/>
-                    <a:alphaOff val="0"/>
-                  </a:schemeClr>
-                </a:effectRef>
-                <a:fontRef idx="minor">
-                  <a:schemeClr val="lt1"/>
-                </a:fontRef>
-              </p:style>
-            </p:sp>
-            <p:sp>
-              <p:nvSpPr>
-                <p:cNvPr id="51" name="Arrow: Right 6">
-                  <a:extLst>
-                    <a:ext uri="{FF2B5EF4-FFF2-40B4-BE49-F238E27FC236}">
-                      <a16:creationId xmlns:a16="http://schemas.microsoft.com/office/drawing/2014/main" id="{836BE12B-079D-426F-B56C-A450B9E67FD1}"/>
-                    </a:ext>
-                  </a:extLst>
-                </p:cNvPr>
-                <p:cNvSpPr txBox="1"/>
-                <p:nvPr/>
-              </p:nvSpPr>
-              <p:spPr>
-                <a:xfrm>
-                  <a:off x="3047880" y="1970146"/>
-                  <a:ext cx="409940" cy="411044"/>
-                </a:xfrm>
-                <a:prstGeom prst="rect">
-                  <a:avLst/>
-                </a:prstGeom>
-              </p:spPr>
-              <p:style>
-                <a:lnRef idx="0">
-                  <a:scrgbClr r="0" g="0" b="0"/>
-                </a:lnRef>
-                <a:fillRef idx="0">
-                  <a:scrgbClr r="0" g="0" b="0"/>
-                </a:fillRef>
-                <a:effectRef idx="0">
-                  <a:scrgbClr r="0" g="0" b="0"/>
-                </a:effectRef>
-                <a:fontRef idx="minor">
-                  <a:schemeClr val="lt1"/>
-                </a:fontRef>
-              </p:style>
-              <p:txBody>
-                <a:bodyPr spcFirstLastPara="0" vert="horz" wrap="square" lIns="0" tIns="0" rIns="0" bIns="0" numCol="1" spcCol="1270" anchor="ctr" anchorCtr="0">
-                  <a:noAutofit/>
-                </a:bodyPr>
-                <a:lstStyle/>
-                <a:p>
-                  <a:pPr marL="0" lvl="0" indent="0" algn="ctr" defTabSz="1289050">
-                    <a:lnSpc>
-                      <a:spcPct val="90000"/>
-                    </a:lnSpc>
-                    <a:spcBef>
-                      <a:spcPct val="0"/>
-                    </a:spcBef>
-                    <a:spcAft>
-                      <a:spcPct val="35000"/>
-                    </a:spcAft>
-                    <a:buNone/>
-                  </a:pPr>
-                  <a:endParaRPr lang="en-US" sz="2400" kern="1200" dirty="0"/>
-                </a:p>
-              </p:txBody>
-            </p:sp>
-          </p:grpSp>
-          <p:grpSp>
-            <p:nvGrpSpPr>
-              <p:cNvPr id="58" name="Group 57">
+              <a:prstGeom prst="rightArrow">
+                <a:avLst>
+                  <a:gd name="adj1" fmla="val 60000"/>
+                  <a:gd name="adj2" fmla="val 50000"/>
+                </a:avLst>
+              </a:prstGeom>
+            </p:spPr>
+            <p:style>
+              <a:lnRef idx="0">
+                <a:schemeClr val="accent1">
+                  <a:tint val="60000"/>
+                  <a:hueOff val="0"/>
+                  <a:satOff val="0"/>
+                  <a:lumOff val="0"/>
+                  <a:alphaOff val="0"/>
+                </a:schemeClr>
+              </a:lnRef>
+              <a:fillRef idx="1">
+                <a:schemeClr val="accent1">
+                  <a:tint val="60000"/>
+                  <a:hueOff val="0"/>
+                  <a:satOff val="0"/>
+                  <a:lumOff val="0"/>
+                  <a:alphaOff val="0"/>
+                </a:schemeClr>
+              </a:fillRef>
+              <a:effectRef idx="0">
+                <a:schemeClr val="accent1">
+                  <a:tint val="60000"/>
+                  <a:hueOff val="0"/>
+                  <a:satOff val="0"/>
+                  <a:lumOff val="0"/>
+                  <a:alphaOff val="0"/>
+                </a:schemeClr>
+              </a:effectRef>
+              <a:fontRef idx="minor">
+                <a:schemeClr val="lt1"/>
+              </a:fontRef>
+            </p:style>
+            <p:txBody>
+              <a:bodyPr/>
+              <a:lstStyle/>
+              <a:p>
+                <a:r>
+                  <a:rPr lang="vi-VN" sz="1200" kern="1200" dirty="0"/>
+                  <a:t>Numerical</a:t>
+                </a:r>
+                <a:endParaRPr lang="en-US" sz="1200" kern="1200" dirty="0"/>
+              </a:p>
+              <a:p>
+                <a:endParaRPr lang="en-US" sz="1200" dirty="0"/>
+              </a:p>
+            </p:txBody>
+          </p:sp>
+          <p:sp>
+            <p:nvSpPr>
+              <p:cNvPr id="62" name="Arrow: Right 61">
                 <a:extLst>
                   <a:ext uri="{FF2B5EF4-FFF2-40B4-BE49-F238E27FC236}">
-                    <a16:creationId xmlns:a16="http://schemas.microsoft.com/office/drawing/2014/main" id="{91ECE95A-CA8B-4877-9C90-9BD0D0966284}"/>
+                    <a16:creationId xmlns:a16="http://schemas.microsoft.com/office/drawing/2014/main" id="{43B7DDE7-BEF8-4E23-A25B-0E2919AC97F2}"/>
                   </a:ext>
                 </a:extLst>
               </p:cNvPr>
-              <p:cNvGrpSpPr/>
+              <p:cNvSpPr/>
               <p:nvPr/>
-            </p:nvGrpSpPr>
-            <p:grpSpPr>
-              <a:xfrm rot="20155762">
-                <a:off x="5193349" y="2543510"/>
-                <a:ext cx="1352875" cy="442462"/>
-                <a:chOff x="2976732" y="1887047"/>
-                <a:chExt cx="689769" cy="685074"/>
+            </p:nvSpPr>
+            <p:spPr>
+              <a:xfrm>
+                <a:off x="5420343" y="3286013"/>
+                <a:ext cx="839152" cy="461845"/>
               </a:xfrm>
-            </p:grpSpPr>
-            <p:sp>
-              <p:nvSpPr>
-                <p:cNvPr id="59" name="Arrow: Right 58">
-                  <a:extLst>
-                    <a:ext uri="{FF2B5EF4-FFF2-40B4-BE49-F238E27FC236}">
-                      <a16:creationId xmlns:a16="http://schemas.microsoft.com/office/drawing/2014/main" id="{C63F0A21-CF72-446F-AA07-D722D6B7EB5B}"/>
-                    </a:ext>
-                  </a:extLst>
-                </p:cNvPr>
-                <p:cNvSpPr/>
-                <p:nvPr/>
-              </p:nvSpPr>
-              <p:spPr>
-                <a:xfrm>
-                  <a:off x="2976732" y="1887047"/>
-                  <a:ext cx="689769" cy="685074"/>
-                </a:xfrm>
-                <a:prstGeom prst="rightArrow">
-                  <a:avLst>
-                    <a:gd name="adj1" fmla="val 60000"/>
-                    <a:gd name="adj2" fmla="val 50000"/>
-                  </a:avLst>
-                </a:prstGeom>
-              </p:spPr>
-              <p:style>
-                <a:lnRef idx="0">
-                  <a:schemeClr val="accent1">
-                    <a:tint val="60000"/>
-                    <a:hueOff val="0"/>
-                    <a:satOff val="0"/>
-                    <a:lumOff val="0"/>
-                    <a:alphaOff val="0"/>
-                  </a:schemeClr>
-                </a:lnRef>
-                <a:fillRef idx="1">
-                  <a:schemeClr val="accent1">
-                    <a:tint val="60000"/>
-                    <a:hueOff val="0"/>
-                    <a:satOff val="0"/>
-                    <a:lumOff val="0"/>
-                    <a:alphaOff val="0"/>
-                  </a:schemeClr>
-                </a:fillRef>
-                <a:effectRef idx="0">
-                  <a:schemeClr val="accent1">
-                    <a:tint val="60000"/>
-                    <a:hueOff val="0"/>
-                    <a:satOff val="0"/>
-                    <a:lumOff val="0"/>
-                    <a:alphaOff val="0"/>
-                  </a:schemeClr>
-                </a:effectRef>
-                <a:fontRef idx="minor">
-                  <a:schemeClr val="lt1"/>
-                </a:fontRef>
-              </p:style>
-            </p:sp>
-            <p:sp>
-              <p:nvSpPr>
-                <p:cNvPr id="60" name="Arrow: Right 6">
-                  <a:extLst>
-                    <a:ext uri="{FF2B5EF4-FFF2-40B4-BE49-F238E27FC236}">
-                      <a16:creationId xmlns:a16="http://schemas.microsoft.com/office/drawing/2014/main" id="{3CAE86F8-DDA3-45EA-9AEA-48EEB91D6133}"/>
-                    </a:ext>
-                  </a:extLst>
-                </p:cNvPr>
-                <p:cNvSpPr txBox="1"/>
-                <p:nvPr/>
-              </p:nvSpPr>
-              <p:spPr>
-                <a:xfrm>
-                  <a:off x="3023409" y="2030270"/>
-                  <a:ext cx="457777" cy="411044"/>
-                </a:xfrm>
-                <a:prstGeom prst="rect">
-                  <a:avLst/>
-                </a:prstGeom>
-              </p:spPr>
-              <p:style>
-                <a:lnRef idx="0">
-                  <a:scrgbClr r="0" g="0" b="0"/>
-                </a:lnRef>
-                <a:fillRef idx="0">
-                  <a:scrgbClr r="0" g="0" b="0"/>
-                </a:fillRef>
-                <a:effectRef idx="0">
-                  <a:scrgbClr r="0" g="0" b="0"/>
-                </a:effectRef>
-                <a:fontRef idx="minor">
-                  <a:schemeClr val="lt1"/>
-                </a:fontRef>
-              </p:style>
-              <p:txBody>
-                <a:bodyPr spcFirstLastPara="0" vert="horz" wrap="square" lIns="0" tIns="0" rIns="0" bIns="0" numCol="1" spcCol="1270" anchor="ctr" anchorCtr="0">
-                  <a:noAutofit/>
-                </a:bodyPr>
-                <a:lstStyle/>
-                <a:p>
-                  <a:pPr marL="0" lvl="0" indent="0" algn="ctr" defTabSz="1289050">
-                    <a:lnSpc>
-                      <a:spcPct val="90000"/>
-                    </a:lnSpc>
-                    <a:spcBef>
-                      <a:spcPct val="0"/>
-                    </a:spcBef>
-                    <a:spcAft>
-                      <a:spcPct val="35000"/>
-                    </a:spcAft>
-                    <a:buNone/>
-                  </a:pPr>
-                  <a:r>
-                    <a:rPr lang="vi-VN" sz="1400" kern="1200" dirty="0"/>
-                    <a:t>Numerical</a:t>
-                  </a:r>
-                  <a:endParaRPr lang="en-US" sz="1400" kern="1200" dirty="0"/>
-                </a:p>
-              </p:txBody>
-            </p:sp>
-          </p:grpSp>
-          <p:grpSp>
-            <p:nvGrpSpPr>
-              <p:cNvPr id="61" name="Group 60">
+              <a:prstGeom prst="rightArrow">
+                <a:avLst>
+                  <a:gd name="adj1" fmla="val 60000"/>
+                  <a:gd name="adj2" fmla="val 50000"/>
+                </a:avLst>
+              </a:prstGeom>
+            </p:spPr>
+            <p:style>
+              <a:lnRef idx="0">
+                <a:schemeClr val="accent1">
+                  <a:tint val="60000"/>
+                  <a:hueOff val="0"/>
+                  <a:satOff val="0"/>
+                  <a:lumOff val="0"/>
+                  <a:alphaOff val="0"/>
+                </a:schemeClr>
+              </a:lnRef>
+              <a:fillRef idx="1">
+                <a:schemeClr val="accent1">
+                  <a:tint val="60000"/>
+                  <a:hueOff val="0"/>
+                  <a:satOff val="0"/>
+                  <a:lumOff val="0"/>
+                  <a:alphaOff val="0"/>
+                </a:schemeClr>
+              </a:fillRef>
+              <a:effectRef idx="0">
+                <a:schemeClr val="accent1">
+                  <a:tint val="60000"/>
+                  <a:hueOff val="0"/>
+                  <a:satOff val="0"/>
+                  <a:lumOff val="0"/>
+                  <a:alphaOff val="0"/>
+                </a:schemeClr>
+              </a:effectRef>
+              <a:fontRef idx="minor">
+                <a:schemeClr val="lt1"/>
+              </a:fontRef>
+            </p:style>
+            <p:txBody>
+              <a:bodyPr/>
+              <a:lstStyle/>
+              <a:p>
+                <a:r>
+                  <a:rPr lang="en-US" sz="1200" kern="1200" dirty="0"/>
+                  <a:t>Ordina</a:t>
+                </a:r>
+                <a:r>
+                  <a:rPr lang="en-US" sz="1200" dirty="0"/>
+                  <a:t>l</a:t>
+                </a:r>
+                <a:endParaRPr lang="en-US" sz="1200" kern="1200" dirty="0"/>
+              </a:p>
+              <a:p>
+                <a:endParaRPr lang="en-US" sz="1200" dirty="0"/>
+              </a:p>
+            </p:txBody>
+          </p:sp>
+          <p:sp>
+            <p:nvSpPr>
+              <p:cNvPr id="65" name="Arrow: Right 64">
                 <a:extLst>
                   <a:ext uri="{FF2B5EF4-FFF2-40B4-BE49-F238E27FC236}">
-                    <a16:creationId xmlns:a16="http://schemas.microsoft.com/office/drawing/2014/main" id="{566ED9D2-E979-4E61-99D3-526F2A2A44D5}"/>
+                    <a16:creationId xmlns:a16="http://schemas.microsoft.com/office/drawing/2014/main" id="{D501DB95-D726-4248-8935-3118E2CDE231}"/>
                   </a:ext>
                 </a:extLst>
               </p:cNvPr>
-              <p:cNvGrpSpPr/>
+              <p:cNvSpPr/>
               <p:nvPr/>
-            </p:nvGrpSpPr>
-            <p:grpSpPr>
-              <a:xfrm>
-                <a:off x="5391286" y="3285541"/>
-                <a:ext cx="1329911" cy="461845"/>
-                <a:chOff x="3047237" y="1889338"/>
-                <a:chExt cx="585628" cy="685074"/>
+            </p:nvSpPr>
+            <p:spPr>
+              <a:xfrm rot="2438080">
+                <a:off x="5279624" y="3996430"/>
+                <a:ext cx="870671" cy="406237"/>
               </a:xfrm>
-            </p:grpSpPr>
-            <p:sp>
-              <p:nvSpPr>
-                <p:cNvPr id="62" name="Arrow: Right 61">
-                  <a:extLst>
-                    <a:ext uri="{FF2B5EF4-FFF2-40B4-BE49-F238E27FC236}">
-                      <a16:creationId xmlns:a16="http://schemas.microsoft.com/office/drawing/2014/main" id="{43B7DDE7-BEF8-4E23-A25B-0E2919AC97F2}"/>
-                    </a:ext>
-                  </a:extLst>
-                </p:cNvPr>
-                <p:cNvSpPr/>
-                <p:nvPr/>
-              </p:nvSpPr>
-              <p:spPr>
-                <a:xfrm>
-                  <a:off x="3047237" y="1889338"/>
-                  <a:ext cx="585628" cy="685074"/>
-                </a:xfrm>
-                <a:prstGeom prst="rightArrow">
-                  <a:avLst>
-                    <a:gd name="adj1" fmla="val 60000"/>
-                    <a:gd name="adj2" fmla="val 50000"/>
-                  </a:avLst>
-                </a:prstGeom>
-              </p:spPr>
-              <p:style>
-                <a:lnRef idx="0">
-                  <a:schemeClr val="accent1">
-                    <a:tint val="60000"/>
-                    <a:hueOff val="0"/>
-                    <a:satOff val="0"/>
-                    <a:lumOff val="0"/>
-                    <a:alphaOff val="0"/>
-                  </a:schemeClr>
-                </a:lnRef>
-                <a:fillRef idx="1">
-                  <a:schemeClr val="accent1">
-                    <a:tint val="60000"/>
-                    <a:hueOff val="0"/>
-                    <a:satOff val="0"/>
-                    <a:lumOff val="0"/>
-                    <a:alphaOff val="0"/>
-                  </a:schemeClr>
-                </a:fillRef>
-                <a:effectRef idx="0">
-                  <a:schemeClr val="accent1">
-                    <a:tint val="60000"/>
-                    <a:hueOff val="0"/>
-                    <a:satOff val="0"/>
-                    <a:lumOff val="0"/>
-                    <a:alphaOff val="0"/>
-                  </a:schemeClr>
-                </a:effectRef>
-                <a:fontRef idx="minor">
-                  <a:schemeClr val="lt1"/>
-                </a:fontRef>
-              </p:style>
-            </p:sp>
-            <p:sp>
-              <p:nvSpPr>
-                <p:cNvPr id="63" name="Arrow: Right 6">
-                  <a:extLst>
-                    <a:ext uri="{FF2B5EF4-FFF2-40B4-BE49-F238E27FC236}">
-                      <a16:creationId xmlns:a16="http://schemas.microsoft.com/office/drawing/2014/main" id="{D4B0E8E6-E735-498D-A9B6-8B35EB6AEDCA}"/>
-                    </a:ext>
-                  </a:extLst>
-                </p:cNvPr>
-                <p:cNvSpPr txBox="1"/>
-                <p:nvPr/>
-              </p:nvSpPr>
-              <p:spPr>
-                <a:xfrm>
-                  <a:off x="3047701" y="2055815"/>
-                  <a:ext cx="409940" cy="411044"/>
-                </a:xfrm>
-                <a:prstGeom prst="rect">
-                  <a:avLst/>
-                </a:prstGeom>
-              </p:spPr>
-              <p:style>
-                <a:lnRef idx="0">
-                  <a:scrgbClr r="0" g="0" b="0"/>
-                </a:lnRef>
-                <a:fillRef idx="0">
-                  <a:scrgbClr r="0" g="0" b="0"/>
-                </a:fillRef>
-                <a:effectRef idx="0">
-                  <a:scrgbClr r="0" g="0" b="0"/>
-                </a:effectRef>
-                <a:fontRef idx="minor">
-                  <a:schemeClr val="lt1"/>
-                </a:fontRef>
-              </p:style>
-              <p:txBody>
-                <a:bodyPr spcFirstLastPara="0" vert="horz" wrap="square" lIns="0" tIns="0" rIns="0" bIns="0" numCol="1" spcCol="1270" anchor="ctr" anchorCtr="0">
-                  <a:noAutofit/>
-                </a:bodyPr>
-                <a:lstStyle/>
-                <a:p>
-                  <a:pPr marL="0" lvl="0" indent="0" algn="ctr" defTabSz="1289050">
-                    <a:lnSpc>
-                      <a:spcPct val="90000"/>
-                    </a:lnSpc>
-                    <a:spcBef>
-                      <a:spcPct val="0"/>
-                    </a:spcBef>
-                    <a:spcAft>
-                      <a:spcPct val="35000"/>
-                    </a:spcAft>
-                    <a:buNone/>
-                  </a:pPr>
-                  <a:r>
-                    <a:rPr lang="vi-VN" sz="1400" kern="1200" dirty="0"/>
-                    <a:t>Ordinal</a:t>
-                  </a:r>
-                  <a:endParaRPr lang="en-US" sz="1400" kern="1200" dirty="0"/>
-                </a:p>
-              </p:txBody>
-            </p:sp>
-          </p:grpSp>
-          <p:grpSp>
-            <p:nvGrpSpPr>
-              <p:cNvPr id="64" name="Group 63">
+              <a:prstGeom prst="rightArrow">
+                <a:avLst>
+                  <a:gd name="adj1" fmla="val 60000"/>
+                  <a:gd name="adj2" fmla="val 50000"/>
+                </a:avLst>
+              </a:prstGeom>
+            </p:spPr>
+            <p:style>
+              <a:lnRef idx="0">
+                <a:schemeClr val="accent1">
+                  <a:tint val="60000"/>
+                  <a:hueOff val="0"/>
+                  <a:satOff val="0"/>
+                  <a:lumOff val="0"/>
+                  <a:alphaOff val="0"/>
+                </a:schemeClr>
+              </a:lnRef>
+              <a:fillRef idx="1">
+                <a:schemeClr val="accent1">
+                  <a:tint val="60000"/>
+                  <a:hueOff val="0"/>
+                  <a:satOff val="0"/>
+                  <a:lumOff val="0"/>
+                  <a:alphaOff val="0"/>
+                </a:schemeClr>
+              </a:fillRef>
+              <a:effectRef idx="0">
+                <a:schemeClr val="accent1">
+                  <a:tint val="60000"/>
+                  <a:hueOff val="0"/>
+                  <a:satOff val="0"/>
+                  <a:lumOff val="0"/>
+                  <a:alphaOff val="0"/>
+                </a:schemeClr>
+              </a:effectRef>
+              <a:fontRef idx="minor">
+                <a:schemeClr val="lt1"/>
+              </a:fontRef>
+            </p:style>
+            <p:txBody>
+              <a:bodyPr/>
+              <a:lstStyle/>
+              <a:p>
+                <a:r>
+                  <a:rPr lang="en-US" sz="1200" kern="1200" dirty="0"/>
+                  <a:t>Nominal</a:t>
+                </a:r>
+              </a:p>
+              <a:p>
+                <a:endParaRPr lang="en-US" sz="1200" dirty="0"/>
+              </a:p>
+            </p:txBody>
+          </p:sp>
+          <p:sp>
+            <p:nvSpPr>
+              <p:cNvPr id="71" name="Rectangle: Rounded Corners 70">
                 <a:extLst>
                   <a:ext uri="{FF2B5EF4-FFF2-40B4-BE49-F238E27FC236}">
-                    <a16:creationId xmlns:a16="http://schemas.microsoft.com/office/drawing/2014/main" id="{AA21247E-D5C7-4A24-8215-1BD675CB58D9}"/>
+                    <a16:creationId xmlns:a16="http://schemas.microsoft.com/office/drawing/2014/main" id="{570ADCF5-3FE0-41EF-9BB3-F24C008ACEEB}"/>
                   </a:ext>
                 </a:extLst>
               </p:cNvPr>
-              <p:cNvGrpSpPr/>
+              <p:cNvSpPr/>
               <p:nvPr/>
-            </p:nvGrpSpPr>
-            <p:grpSpPr>
-              <a:xfrm rot="1988169">
-                <a:off x="5033029" y="4098035"/>
-                <a:ext cx="1108052" cy="436841"/>
-                <a:chOff x="2969275" y="2112388"/>
-                <a:chExt cx="517321" cy="640972"/>
+            </p:nvSpPr>
+            <p:spPr>
+              <a:xfrm>
+                <a:off x="6293148" y="3010349"/>
+                <a:ext cx="1042278" cy="1019889"/>
               </a:xfrm>
-            </p:grpSpPr>
-            <p:sp>
-              <p:nvSpPr>
-                <p:cNvPr id="65" name="Arrow: Right 64">
-                  <a:extLst>
-                    <a:ext uri="{FF2B5EF4-FFF2-40B4-BE49-F238E27FC236}">
-                      <a16:creationId xmlns:a16="http://schemas.microsoft.com/office/drawing/2014/main" id="{D501DB95-D726-4248-8935-3118E2CDE231}"/>
-                    </a:ext>
-                  </a:extLst>
-                </p:cNvPr>
-                <p:cNvSpPr/>
-                <p:nvPr/>
-              </p:nvSpPr>
-              <p:spPr>
-                <a:xfrm rot="449911">
-                  <a:off x="2969275" y="2112388"/>
-                  <a:ext cx="517321" cy="640972"/>
-                </a:xfrm>
-                <a:prstGeom prst="rightArrow">
-                  <a:avLst>
-                    <a:gd name="adj1" fmla="val 60000"/>
-                    <a:gd name="adj2" fmla="val 50000"/>
-                  </a:avLst>
-                </a:prstGeom>
-              </p:spPr>
-              <p:style>
-                <a:lnRef idx="0">
-                  <a:schemeClr val="accent1">
-                    <a:tint val="60000"/>
-                    <a:hueOff val="0"/>
-                    <a:satOff val="0"/>
-                    <a:lumOff val="0"/>
-                    <a:alphaOff val="0"/>
-                  </a:schemeClr>
-                </a:lnRef>
-                <a:fillRef idx="1">
-                  <a:schemeClr val="accent1">
-                    <a:tint val="60000"/>
-                    <a:hueOff val="0"/>
-                    <a:satOff val="0"/>
-                    <a:lumOff val="0"/>
-                    <a:alphaOff val="0"/>
-                  </a:schemeClr>
-                </a:fillRef>
-                <a:effectRef idx="0">
-                  <a:schemeClr val="accent1">
-                    <a:tint val="60000"/>
-                    <a:hueOff val="0"/>
-                    <a:satOff val="0"/>
-                    <a:lumOff val="0"/>
-                    <a:alphaOff val="0"/>
-                  </a:schemeClr>
-                </a:effectRef>
-                <a:fontRef idx="minor">
-                  <a:schemeClr val="lt1"/>
-                </a:fontRef>
-              </p:style>
-              <p:txBody>
-                <a:bodyPr/>
-                <a:lstStyle/>
-                <a:p>
-                  <a:endParaRPr lang="en-US" dirty="0"/>
-                </a:p>
-              </p:txBody>
-            </p:sp>
-            <p:sp>
-              <p:nvSpPr>
-                <p:cNvPr id="66" name="Arrow: Right 6">
-                  <a:extLst>
-                    <a:ext uri="{FF2B5EF4-FFF2-40B4-BE49-F238E27FC236}">
-                      <a16:creationId xmlns:a16="http://schemas.microsoft.com/office/drawing/2014/main" id="{ACBAC05D-9EB5-4101-BADA-1C793843F8D3}"/>
-                    </a:ext>
-                  </a:extLst>
-                </p:cNvPr>
-                <p:cNvSpPr txBox="1"/>
-                <p:nvPr/>
-              </p:nvSpPr>
-              <p:spPr>
-                <a:xfrm rot="423929">
-                  <a:off x="3001248" y="2246082"/>
-                  <a:ext cx="409940" cy="411043"/>
-                </a:xfrm>
-                <a:prstGeom prst="rect">
-                  <a:avLst/>
-                </a:prstGeom>
-              </p:spPr>
-              <p:style>
-                <a:lnRef idx="0">
-                  <a:scrgbClr r="0" g="0" b="0"/>
-                </a:lnRef>
-                <a:fillRef idx="0">
-                  <a:scrgbClr r="0" g="0" b="0"/>
-                </a:fillRef>
-                <a:effectRef idx="0">
-                  <a:scrgbClr r="0" g="0" b="0"/>
-                </a:effectRef>
-                <a:fontRef idx="minor">
-                  <a:schemeClr val="lt1"/>
-                </a:fontRef>
-              </p:style>
-              <p:txBody>
-                <a:bodyPr spcFirstLastPara="0" vert="horz" wrap="square" lIns="0" tIns="0" rIns="0" bIns="0" numCol="1" spcCol="1270" anchor="ctr" anchorCtr="0">
-                  <a:noAutofit/>
-                </a:bodyPr>
-                <a:lstStyle/>
-                <a:p>
-                  <a:pPr marL="0" lvl="0" indent="0" algn="ctr" defTabSz="1289050">
-                    <a:lnSpc>
-                      <a:spcPct val="90000"/>
-                    </a:lnSpc>
-                    <a:spcBef>
-                      <a:spcPct val="0"/>
-                    </a:spcBef>
-                    <a:spcAft>
-                      <a:spcPct val="35000"/>
-                    </a:spcAft>
-                    <a:buNone/>
-                  </a:pPr>
-                  <a:r>
-                    <a:rPr lang="vi-VN" sz="1200" kern="1200" dirty="0"/>
-                    <a:t>Categorical</a:t>
-                  </a:r>
-                  <a:endParaRPr lang="en-US" sz="1200" kern="1200" dirty="0"/>
-                </a:p>
-              </p:txBody>
-            </p:sp>
-          </p:grpSp>
-          <p:grpSp>
-            <p:nvGrpSpPr>
-              <p:cNvPr id="70" name="Group 69">
-                <a:extLst>
-                  <a:ext uri="{FF2B5EF4-FFF2-40B4-BE49-F238E27FC236}">
-                    <a16:creationId xmlns:a16="http://schemas.microsoft.com/office/drawing/2014/main" id="{A2CF79CF-77CF-46AD-A32A-EF1CAFE5E478}"/>
-                  </a:ext>
-                </a:extLst>
-              </p:cNvPr>
-              <p:cNvGrpSpPr/>
-              <p:nvPr/>
-            </p:nvGrpSpPr>
-            <p:grpSpPr>
-              <a:xfrm>
-                <a:off x="6801934" y="2995491"/>
-                <a:ext cx="1620502" cy="889001"/>
-                <a:chOff x="91698" y="1192080"/>
-                <a:chExt cx="2102775" cy="1471892"/>
-              </a:xfrm>
-            </p:grpSpPr>
-            <p:sp>
-              <p:nvSpPr>
-                <p:cNvPr id="71" name="Rectangle: Rounded Corners 70">
-                  <a:extLst>
-                    <a:ext uri="{FF2B5EF4-FFF2-40B4-BE49-F238E27FC236}">
-                      <a16:creationId xmlns:a16="http://schemas.microsoft.com/office/drawing/2014/main" id="{570ADCF5-3FE0-41EF-9BB3-F24C008ACEEB}"/>
-                    </a:ext>
-                  </a:extLst>
-                </p:cNvPr>
-                <p:cNvSpPr/>
-                <p:nvPr/>
-              </p:nvSpPr>
-              <p:spPr>
-                <a:xfrm>
-                  <a:off x="91698" y="1192080"/>
-                  <a:ext cx="2102775" cy="1471892"/>
-                </a:xfrm>
-                <a:prstGeom prst="roundRect">
-                  <a:avLst>
-                    <a:gd name="adj" fmla="val 10000"/>
-                  </a:avLst>
-                </a:prstGeom>
-              </p:spPr>
-              <p:style>
-                <a:lnRef idx="2">
-                  <a:schemeClr val="lt1">
-                    <a:hueOff val="0"/>
-                    <a:satOff val="0"/>
-                    <a:lumOff val="0"/>
-                    <a:alphaOff val="0"/>
-                  </a:schemeClr>
-                </a:lnRef>
-                <a:fillRef idx="1">
-                  <a:schemeClr val="accent1">
-                    <a:hueOff val="0"/>
-                    <a:satOff val="0"/>
-                    <a:lumOff val="0"/>
-                    <a:alphaOff val="0"/>
-                  </a:schemeClr>
-                </a:fillRef>
-                <a:effectRef idx="0">
-                  <a:schemeClr val="accent1">
-                    <a:hueOff val="0"/>
-                    <a:satOff val="0"/>
-                    <a:lumOff val="0"/>
-                    <a:alphaOff val="0"/>
-                  </a:schemeClr>
-                </a:effectRef>
-                <a:fontRef idx="minor">
-                  <a:schemeClr val="lt1"/>
-                </a:fontRef>
-              </p:style>
-            </p:sp>
-            <p:sp>
-              <p:nvSpPr>
-                <p:cNvPr id="72" name="Rectangle: Rounded Corners 4">
-                  <a:extLst>
-                    <a:ext uri="{FF2B5EF4-FFF2-40B4-BE49-F238E27FC236}">
-                      <a16:creationId xmlns:a16="http://schemas.microsoft.com/office/drawing/2014/main" id="{7C953C8C-6EE5-40A9-930C-E9370D4DC3CD}"/>
-                    </a:ext>
-                  </a:extLst>
-                </p:cNvPr>
-                <p:cNvSpPr txBox="1"/>
-                <p:nvPr/>
-              </p:nvSpPr>
-              <p:spPr>
-                <a:xfrm>
-                  <a:off x="134808" y="1235190"/>
-                  <a:ext cx="2016555" cy="1385672"/>
-                </a:xfrm>
-                <a:prstGeom prst="rect">
-                  <a:avLst/>
-                </a:prstGeom>
-              </p:spPr>
-              <p:style>
-                <a:lnRef idx="0">
-                  <a:scrgbClr r="0" g="0" b="0"/>
-                </a:lnRef>
-                <a:fillRef idx="0">
-                  <a:scrgbClr r="0" g="0" b="0"/>
-                </a:fillRef>
-                <a:effectRef idx="0">
-                  <a:scrgbClr r="0" g="0" b="0"/>
-                </a:effectRef>
-                <a:fontRef idx="minor">
-                  <a:schemeClr val="lt1"/>
-                </a:fontRef>
-              </p:style>
-              <p:txBody>
-                <a:bodyPr spcFirstLastPara="0" vert="horz" wrap="square" lIns="76200" tIns="76200" rIns="76200" bIns="76200" numCol="1" spcCol="1270" anchor="ctr" anchorCtr="0">
-                  <a:noAutofit/>
-                </a:bodyPr>
-                <a:lstStyle/>
-                <a:p>
-                  <a:pPr marL="0" lvl="0" indent="0" algn="ctr" defTabSz="889000">
-                    <a:lnSpc>
-                      <a:spcPct val="90000"/>
-                    </a:lnSpc>
-                    <a:spcBef>
-                      <a:spcPct val="0"/>
-                    </a:spcBef>
-                    <a:spcAft>
-                      <a:spcPct val="35000"/>
-                    </a:spcAft>
-                    <a:buNone/>
-                  </a:pPr>
-                  <a:r>
-                    <a:rPr lang="vi-VN" sz="1600" kern="1200" dirty="0"/>
-                    <a:t>Fill NaN with most frequent value</a:t>
-                  </a:r>
-                  <a:endParaRPr lang="en-US" sz="1600" kern="1200" dirty="0"/>
-                </a:p>
-              </p:txBody>
-            </p:sp>
-          </p:grpSp>
+              <a:prstGeom prst="roundRect">
+                <a:avLst>
+                  <a:gd name="adj" fmla="val 10000"/>
+                </a:avLst>
+              </a:prstGeom>
+            </p:spPr>
+            <p:style>
+              <a:lnRef idx="2">
+                <a:schemeClr val="lt1">
+                  <a:hueOff val="0"/>
+                  <a:satOff val="0"/>
+                  <a:lumOff val="0"/>
+                  <a:alphaOff val="0"/>
+                </a:schemeClr>
+              </a:lnRef>
+              <a:fillRef idx="1">
+                <a:schemeClr val="accent1">
+                  <a:hueOff val="0"/>
+                  <a:satOff val="0"/>
+                  <a:lumOff val="0"/>
+                  <a:alphaOff val="0"/>
+                </a:schemeClr>
+              </a:fillRef>
+              <a:effectRef idx="0">
+                <a:schemeClr val="accent1">
+                  <a:hueOff val="0"/>
+                  <a:satOff val="0"/>
+                  <a:lumOff val="0"/>
+                  <a:alphaOff val="0"/>
+                </a:schemeClr>
+              </a:effectRef>
+              <a:fontRef idx="minor">
+                <a:schemeClr val="lt1"/>
+              </a:fontRef>
+            </p:style>
+            <p:txBody>
+              <a:bodyPr/>
+              <a:lstStyle/>
+              <a:p>
+                <a:r>
+                  <a:rPr lang="vi-VN" sz="1400" kern="1200" dirty="0"/>
+                  <a:t>Fill NaN with most frequent value</a:t>
+                </a:r>
+                <a:endParaRPr lang="en-US" sz="1400" kern="1200" dirty="0"/>
+              </a:p>
+              <a:p>
+                <a:endParaRPr lang="en-US" sz="1400" dirty="0"/>
+              </a:p>
+            </p:txBody>
+          </p:sp>
         </p:grpSp>
       </p:grpSp>
       <p:sp>
@@ -22967,366 +22381,227 @@
           </a:p>
         </p:txBody>
       </p:sp>
-      <p:grpSp>
-        <p:nvGrpSpPr>
-          <p:cNvPr id="77" name="Group 76">
+      <p:sp>
+        <p:nvSpPr>
+          <p:cNvPr id="78" name="Rectangle: Rounded Corners 77">
             <a:extLst>
               <a:ext uri="{FF2B5EF4-FFF2-40B4-BE49-F238E27FC236}">
-                <a16:creationId xmlns:a16="http://schemas.microsoft.com/office/drawing/2014/main" id="{EDC79CB9-217D-40C0-B487-4308D49F74A9}"/>
+                <a16:creationId xmlns:a16="http://schemas.microsoft.com/office/drawing/2014/main" id="{8A486791-3AFD-48FD-B76F-E287842D04BF}"/>
               </a:ext>
             </a:extLst>
           </p:cNvPr>
-          <p:cNvGrpSpPr/>
+          <p:cNvSpPr/>
           <p:nvPr/>
-        </p:nvGrpSpPr>
-        <p:grpSpPr>
+        </p:nvSpPr>
+        <p:spPr>
           <a:xfrm>
             <a:off x="2003495" y="2685107"/>
             <a:ext cx="1198210" cy="868793"/>
-            <a:chOff x="9242" y="1346949"/>
-            <a:chExt cx="2762398" cy="1657439"/>
           </a:xfrm>
-        </p:grpSpPr>
-        <p:sp>
-          <p:nvSpPr>
-            <p:cNvPr id="78" name="Rectangle: Rounded Corners 77">
-              <a:extLst>
-                <a:ext uri="{FF2B5EF4-FFF2-40B4-BE49-F238E27FC236}">
-                  <a16:creationId xmlns:a16="http://schemas.microsoft.com/office/drawing/2014/main" id="{8A486791-3AFD-48FD-B76F-E287842D04BF}"/>
-                </a:ext>
-              </a:extLst>
-            </p:cNvPr>
-            <p:cNvSpPr/>
-            <p:nvPr/>
-          </p:nvSpPr>
-          <p:spPr>
-            <a:xfrm>
-              <a:off x="9242" y="1346949"/>
-              <a:ext cx="2762398" cy="1657439"/>
-            </a:xfrm>
-            <a:prstGeom prst="roundRect">
-              <a:avLst>
-                <a:gd name="adj" fmla="val 10000"/>
-              </a:avLst>
-            </a:prstGeom>
-          </p:spPr>
-          <p:style>
-            <a:lnRef idx="2">
-              <a:schemeClr val="accent4"/>
-            </a:lnRef>
-            <a:fillRef idx="1">
-              <a:schemeClr val="lt1"/>
-            </a:fillRef>
-            <a:effectRef idx="0">
-              <a:schemeClr val="accent4"/>
-            </a:effectRef>
-            <a:fontRef idx="minor">
-              <a:schemeClr val="dk1"/>
-            </a:fontRef>
-          </p:style>
-        </p:sp>
-        <p:sp>
-          <p:nvSpPr>
-            <p:cNvPr id="79" name="Rectangle: Rounded Corners 4">
-              <a:extLst>
-                <a:ext uri="{FF2B5EF4-FFF2-40B4-BE49-F238E27FC236}">
-                  <a16:creationId xmlns:a16="http://schemas.microsoft.com/office/drawing/2014/main" id="{CC11FBDA-0F4F-4B8F-94E5-5EC77297A23F}"/>
-                </a:ext>
-              </a:extLst>
-            </p:cNvPr>
-            <p:cNvSpPr txBox="1"/>
-            <p:nvPr/>
-          </p:nvSpPr>
-          <p:spPr>
-            <a:xfrm>
-              <a:off x="57787" y="1395494"/>
-              <a:ext cx="2665308" cy="1560349"/>
-            </a:xfrm>
-            <a:prstGeom prst="rect">
-              <a:avLst/>
-            </a:prstGeom>
-          </p:spPr>
-          <p:style>
-            <a:lnRef idx="2">
-              <a:schemeClr val="accent4"/>
-            </a:lnRef>
-            <a:fillRef idx="1">
-              <a:schemeClr val="lt1"/>
-            </a:fillRef>
-            <a:effectRef idx="0">
-              <a:schemeClr val="accent4"/>
-            </a:effectRef>
-            <a:fontRef idx="minor">
-              <a:schemeClr val="dk1"/>
-            </a:fontRef>
-          </p:style>
-          <p:txBody>
-            <a:bodyPr spcFirstLastPara="0" vert="horz" wrap="square" lIns="247650" tIns="247650" rIns="247650" bIns="247650" numCol="1" spcCol="1270" anchor="ctr" anchorCtr="0">
-              <a:noAutofit/>
-            </a:bodyPr>
-            <a:lstStyle/>
-            <a:p>
-              <a:pPr marL="0" lvl="0" indent="0" algn="ctr" defTabSz="2889250">
-                <a:lnSpc>
-                  <a:spcPct val="90000"/>
-                </a:lnSpc>
-                <a:spcBef>
-                  <a:spcPct val="0"/>
-                </a:spcBef>
-                <a:spcAft>
-                  <a:spcPct val="35000"/>
-                </a:spcAft>
-                <a:buNone/>
-              </a:pPr>
-              <a:r>
-                <a:rPr lang="vi-VN" sz="2000" kern="1200" dirty="0"/>
-                <a:t>Train set</a:t>
-              </a:r>
-              <a:endParaRPr lang="en-US" sz="2000" kern="1200" dirty="0"/>
-            </a:p>
-          </p:txBody>
-        </p:sp>
-      </p:grpSp>
-      <p:grpSp>
-        <p:nvGrpSpPr>
-          <p:cNvPr id="80" name="Group 79">
+          <a:prstGeom prst="roundRect">
+            <a:avLst>
+              <a:gd name="adj" fmla="val 10000"/>
+            </a:avLst>
+          </a:prstGeom>
+        </p:spPr>
+        <p:style>
+          <a:lnRef idx="2">
+            <a:schemeClr val="accent4"/>
+          </a:lnRef>
+          <a:fillRef idx="1">
+            <a:schemeClr val="lt1"/>
+          </a:fillRef>
+          <a:effectRef idx="0">
+            <a:schemeClr val="accent4"/>
+          </a:effectRef>
+          <a:fontRef idx="minor">
+            <a:schemeClr val="dk1"/>
+          </a:fontRef>
+        </p:style>
+        <p:txBody>
+          <a:bodyPr/>
+          <a:lstStyle/>
+          <a:p>
+            <a:pPr algn="ctr"/>
+            <a:r>
+              <a:rPr lang="vi-VN" sz="1800" kern="1200" dirty="0"/>
+              <a:t>Train set </a:t>
+            </a:r>
+            <a:r>
+              <a:rPr lang="vi-VN" sz="1600" kern="1200" dirty="0"/>
+              <a:t>(60%)</a:t>
+            </a:r>
+            <a:endParaRPr lang="en-US" sz="2400" kern="1200" dirty="0"/>
+          </a:p>
+          <a:p>
+            <a:endParaRPr lang="en-US" dirty="0"/>
+          </a:p>
+        </p:txBody>
+      </p:sp>
+      <p:sp>
+        <p:nvSpPr>
+          <p:cNvPr id="81" name="Rectangle: Rounded Corners 80">
             <a:extLst>
               <a:ext uri="{FF2B5EF4-FFF2-40B4-BE49-F238E27FC236}">
-                <a16:creationId xmlns:a16="http://schemas.microsoft.com/office/drawing/2014/main" id="{4FBBD27A-3425-4C59-9817-3D810CDA7FC6}"/>
+                <a16:creationId xmlns:a16="http://schemas.microsoft.com/office/drawing/2014/main" id="{2D137453-4556-4CD7-96B8-D5746CA67ECF}"/>
               </a:ext>
             </a:extLst>
           </p:cNvPr>
-          <p:cNvGrpSpPr/>
+          <p:cNvSpPr/>
           <p:nvPr/>
-        </p:nvGrpSpPr>
-        <p:grpSpPr>
+        </p:nvSpPr>
+        <p:spPr>
           <a:xfrm>
             <a:off x="1975826" y="3777774"/>
             <a:ext cx="1218952" cy="872997"/>
-            <a:chOff x="9242" y="1346949"/>
-            <a:chExt cx="2762398" cy="1657439"/>
           </a:xfrm>
-        </p:grpSpPr>
-        <p:sp>
-          <p:nvSpPr>
-            <p:cNvPr id="81" name="Rectangle: Rounded Corners 80">
-              <a:extLst>
-                <a:ext uri="{FF2B5EF4-FFF2-40B4-BE49-F238E27FC236}">
-                  <a16:creationId xmlns:a16="http://schemas.microsoft.com/office/drawing/2014/main" id="{2D137453-4556-4CD7-96B8-D5746CA67ECF}"/>
-                </a:ext>
-              </a:extLst>
-            </p:cNvPr>
-            <p:cNvSpPr/>
-            <p:nvPr/>
-          </p:nvSpPr>
-          <p:spPr>
-            <a:xfrm>
-              <a:off x="9242" y="1346949"/>
-              <a:ext cx="2762398" cy="1657439"/>
-            </a:xfrm>
-            <a:prstGeom prst="roundRect">
-              <a:avLst>
-                <a:gd name="adj" fmla="val 10000"/>
-              </a:avLst>
-            </a:prstGeom>
-          </p:spPr>
-          <p:style>
-            <a:lnRef idx="2">
-              <a:schemeClr val="accent4"/>
-            </a:lnRef>
-            <a:fillRef idx="1">
-              <a:schemeClr val="lt1"/>
-            </a:fillRef>
-            <a:effectRef idx="0">
-              <a:schemeClr val="accent4"/>
-            </a:effectRef>
-            <a:fontRef idx="minor">
-              <a:schemeClr val="dk1"/>
-            </a:fontRef>
-          </p:style>
-        </p:sp>
-        <p:sp>
-          <p:nvSpPr>
-            <p:cNvPr id="82" name="Rectangle: Rounded Corners 4">
-              <a:extLst>
-                <a:ext uri="{FF2B5EF4-FFF2-40B4-BE49-F238E27FC236}">
-                  <a16:creationId xmlns:a16="http://schemas.microsoft.com/office/drawing/2014/main" id="{760B5CEF-435B-4DB1-BB78-35A375AB2BC1}"/>
-                </a:ext>
-              </a:extLst>
-            </p:cNvPr>
-            <p:cNvSpPr txBox="1"/>
-            <p:nvPr/>
-          </p:nvSpPr>
-          <p:spPr>
-            <a:xfrm>
-              <a:off x="57787" y="1395494"/>
-              <a:ext cx="2665308" cy="1560349"/>
-            </a:xfrm>
-            <a:prstGeom prst="rect">
-              <a:avLst/>
-            </a:prstGeom>
-          </p:spPr>
-          <p:style>
-            <a:lnRef idx="2">
-              <a:schemeClr val="accent4"/>
-            </a:lnRef>
-            <a:fillRef idx="1">
-              <a:schemeClr val="lt1"/>
-            </a:fillRef>
-            <a:effectRef idx="0">
-              <a:schemeClr val="accent4"/>
-            </a:effectRef>
-            <a:fontRef idx="minor">
-              <a:schemeClr val="dk1"/>
-            </a:fontRef>
-          </p:style>
-          <p:txBody>
-            <a:bodyPr spcFirstLastPara="0" vert="horz" wrap="square" lIns="247650" tIns="247650" rIns="247650" bIns="247650" numCol="1" spcCol="1270" anchor="ctr" anchorCtr="0">
-              <a:noAutofit/>
-            </a:bodyPr>
-            <a:lstStyle/>
-            <a:p>
-              <a:pPr marL="0" lvl="0" indent="0" algn="ctr" defTabSz="2889250">
-                <a:lnSpc>
-                  <a:spcPct val="90000"/>
-                </a:lnSpc>
-                <a:spcBef>
-                  <a:spcPct val="0"/>
-                </a:spcBef>
-                <a:spcAft>
-                  <a:spcPct val="35000"/>
-                </a:spcAft>
-                <a:buNone/>
-              </a:pPr>
-              <a:r>
-                <a:rPr lang="vi-VN" sz="2000" kern="1200" dirty="0"/>
-                <a:t>Test set</a:t>
-              </a:r>
-              <a:endParaRPr lang="en-US" sz="2000" kern="1200" dirty="0"/>
-            </a:p>
-          </p:txBody>
-        </p:sp>
-      </p:grpSp>
-      <p:grpSp>
-        <p:nvGrpSpPr>
-          <p:cNvPr id="83" name="Group 82">
+          <a:prstGeom prst="roundRect">
+            <a:avLst>
+              <a:gd name="adj" fmla="val 10000"/>
+            </a:avLst>
+          </a:prstGeom>
+        </p:spPr>
+        <p:style>
+          <a:lnRef idx="2">
+            <a:schemeClr val="accent4"/>
+          </a:lnRef>
+          <a:fillRef idx="1">
+            <a:schemeClr val="lt1"/>
+          </a:fillRef>
+          <a:effectRef idx="0">
+            <a:schemeClr val="accent4"/>
+          </a:effectRef>
+          <a:fontRef idx="minor">
+            <a:schemeClr val="dk1"/>
+          </a:fontRef>
+        </p:style>
+        <p:txBody>
+          <a:bodyPr/>
+          <a:lstStyle/>
+          <a:p>
+            <a:pPr marL="0" lvl="0" indent="0" algn="ctr" defTabSz="2889250">
+              <a:lnSpc>
+                <a:spcPct val="90000"/>
+              </a:lnSpc>
+              <a:spcBef>
+                <a:spcPct val="0"/>
+              </a:spcBef>
+              <a:spcAft>
+                <a:spcPct val="35000"/>
+              </a:spcAft>
+              <a:buNone/>
+            </a:pPr>
+            <a:r>
+              <a:rPr lang="vi-VN" sz="1800" kern="1200" dirty="0"/>
+              <a:t>Test set</a:t>
+            </a:r>
+          </a:p>
+          <a:p>
+            <a:pPr marL="0" lvl="0" indent="0" algn="ctr" defTabSz="2889250">
+              <a:lnSpc>
+                <a:spcPct val="90000"/>
+              </a:lnSpc>
+              <a:spcBef>
+                <a:spcPct val="0"/>
+              </a:spcBef>
+              <a:spcAft>
+                <a:spcPct val="35000"/>
+              </a:spcAft>
+              <a:buNone/>
+            </a:pPr>
+            <a:r>
+              <a:rPr lang="vi-VN" sz="1600" dirty="0"/>
+              <a:t>(20%)</a:t>
+            </a:r>
+            <a:endParaRPr lang="en-US" sz="2400" kern="1200" dirty="0"/>
+          </a:p>
+          <a:p>
+            <a:endParaRPr lang="en-US" dirty="0"/>
+          </a:p>
+        </p:txBody>
+      </p:sp>
+      <p:sp>
+        <p:nvSpPr>
+          <p:cNvPr id="84" name="Rectangle: Rounded Corners 83">
             <a:extLst>
               <a:ext uri="{FF2B5EF4-FFF2-40B4-BE49-F238E27FC236}">
-                <a16:creationId xmlns:a16="http://schemas.microsoft.com/office/drawing/2014/main" id="{2633100D-F100-486C-8C47-4BDD9200D9A5}"/>
+                <a16:creationId xmlns:a16="http://schemas.microsoft.com/office/drawing/2014/main" id="{EF7DDE7C-90EE-4BDA-ABE4-98745F317FD3}"/>
               </a:ext>
             </a:extLst>
           </p:cNvPr>
-          <p:cNvGrpSpPr/>
+          <p:cNvSpPr/>
           <p:nvPr/>
-        </p:nvGrpSpPr>
-        <p:grpSpPr>
+        </p:nvSpPr>
+        <p:spPr>
           <a:xfrm>
             <a:off x="1975825" y="4870441"/>
             <a:ext cx="1218952" cy="872997"/>
-            <a:chOff x="9242" y="1346949"/>
-            <a:chExt cx="2762398" cy="1657439"/>
           </a:xfrm>
-        </p:grpSpPr>
-        <p:sp>
-          <p:nvSpPr>
-            <p:cNvPr id="84" name="Rectangle: Rounded Corners 83">
-              <a:extLst>
-                <a:ext uri="{FF2B5EF4-FFF2-40B4-BE49-F238E27FC236}">
-                  <a16:creationId xmlns:a16="http://schemas.microsoft.com/office/drawing/2014/main" id="{EF7DDE7C-90EE-4BDA-ABE4-98745F317FD3}"/>
-                </a:ext>
-              </a:extLst>
-            </p:cNvPr>
-            <p:cNvSpPr/>
-            <p:nvPr/>
-          </p:nvSpPr>
-          <p:spPr>
-            <a:xfrm>
-              <a:off x="9242" y="1346949"/>
-              <a:ext cx="2762398" cy="1657439"/>
-            </a:xfrm>
-            <a:prstGeom prst="roundRect">
-              <a:avLst>
-                <a:gd name="adj" fmla="val 10000"/>
-              </a:avLst>
-            </a:prstGeom>
-          </p:spPr>
-          <p:style>
-            <a:lnRef idx="2">
-              <a:schemeClr val="accent4"/>
-            </a:lnRef>
-            <a:fillRef idx="1">
-              <a:schemeClr val="lt1"/>
-            </a:fillRef>
-            <a:effectRef idx="0">
-              <a:schemeClr val="accent4"/>
-            </a:effectRef>
-            <a:fontRef idx="minor">
-              <a:schemeClr val="dk1"/>
-            </a:fontRef>
-          </p:style>
-        </p:sp>
-        <p:sp>
-          <p:nvSpPr>
-            <p:cNvPr id="85" name="Rectangle: Rounded Corners 4">
-              <a:extLst>
-                <a:ext uri="{FF2B5EF4-FFF2-40B4-BE49-F238E27FC236}">
-                  <a16:creationId xmlns:a16="http://schemas.microsoft.com/office/drawing/2014/main" id="{EE4FCAF7-927A-4D32-B0E3-7116F037DD39}"/>
-                </a:ext>
-              </a:extLst>
-            </p:cNvPr>
-            <p:cNvSpPr txBox="1"/>
-            <p:nvPr/>
-          </p:nvSpPr>
-          <p:spPr>
-            <a:xfrm>
-              <a:off x="57787" y="1395494"/>
-              <a:ext cx="2665308" cy="1560349"/>
-            </a:xfrm>
-            <a:prstGeom prst="rect">
-              <a:avLst/>
-            </a:prstGeom>
-          </p:spPr>
-          <p:style>
-            <a:lnRef idx="2">
-              <a:schemeClr val="accent4"/>
-            </a:lnRef>
-            <a:fillRef idx="1">
-              <a:schemeClr val="lt1"/>
-            </a:fillRef>
-            <a:effectRef idx="0">
-              <a:schemeClr val="accent4"/>
-            </a:effectRef>
-            <a:fontRef idx="minor">
-              <a:schemeClr val="dk1"/>
-            </a:fontRef>
-          </p:style>
-          <p:txBody>
-            <a:bodyPr spcFirstLastPara="0" vert="horz" wrap="square" lIns="247650" tIns="247650" rIns="247650" bIns="247650" numCol="1" spcCol="1270" anchor="ctr" anchorCtr="0">
-              <a:noAutofit/>
-            </a:bodyPr>
-            <a:lstStyle/>
-            <a:p>
-              <a:pPr marL="0" lvl="0" indent="0" algn="ctr" defTabSz="2889250">
-                <a:lnSpc>
-                  <a:spcPct val="90000"/>
-                </a:lnSpc>
-                <a:spcBef>
-                  <a:spcPct val="0"/>
-                </a:spcBef>
-                <a:spcAft>
-                  <a:spcPct val="35000"/>
-                </a:spcAft>
-                <a:buNone/>
-              </a:pPr>
-              <a:r>
-                <a:rPr lang="vi-VN" sz="2000" kern="1200" dirty="0"/>
-                <a:t>CV set</a:t>
-              </a:r>
-              <a:endParaRPr lang="en-US" sz="2000" kern="1200" dirty="0"/>
-            </a:p>
-          </p:txBody>
-        </p:sp>
-      </p:grpSp>
+          <a:prstGeom prst="roundRect">
+            <a:avLst>
+              <a:gd name="adj" fmla="val 10000"/>
+            </a:avLst>
+          </a:prstGeom>
+        </p:spPr>
+        <p:style>
+          <a:lnRef idx="2">
+            <a:schemeClr val="accent4"/>
+          </a:lnRef>
+          <a:fillRef idx="1">
+            <a:schemeClr val="lt1"/>
+          </a:fillRef>
+          <a:effectRef idx="0">
+            <a:schemeClr val="accent4"/>
+          </a:effectRef>
+          <a:fontRef idx="minor">
+            <a:schemeClr val="dk1"/>
+          </a:fontRef>
+        </p:style>
+        <p:txBody>
+          <a:bodyPr/>
+          <a:lstStyle/>
+          <a:p>
+            <a:pPr marL="0" lvl="0" indent="0" algn="ctr" defTabSz="2889250">
+              <a:lnSpc>
+                <a:spcPct val="90000"/>
+              </a:lnSpc>
+              <a:spcBef>
+                <a:spcPct val="0"/>
+              </a:spcBef>
+              <a:spcAft>
+                <a:spcPct val="35000"/>
+              </a:spcAft>
+              <a:buNone/>
+            </a:pPr>
+            <a:r>
+              <a:rPr lang="vi-VN" sz="1800" kern="1200" dirty="0"/>
+              <a:t>CV set</a:t>
+            </a:r>
+          </a:p>
+          <a:p>
+            <a:pPr marL="0" lvl="0" indent="0" algn="ctr" defTabSz="2889250">
+              <a:lnSpc>
+                <a:spcPct val="90000"/>
+              </a:lnSpc>
+              <a:spcBef>
+                <a:spcPct val="0"/>
+              </a:spcBef>
+              <a:spcAft>
+                <a:spcPct val="35000"/>
+              </a:spcAft>
+              <a:buNone/>
+            </a:pPr>
+            <a:r>
+              <a:rPr lang="vi-VN" sz="1600" dirty="0"/>
+              <a:t>(20%)</a:t>
+            </a:r>
+            <a:endParaRPr lang="en-US" sz="2400" kern="1200" dirty="0"/>
+          </a:p>
+          <a:p>
+            <a:endParaRPr lang="en-US" dirty="0"/>
+          </a:p>
+        </p:txBody>
+      </p:sp>
       <p:cxnSp>
         <p:nvCxnSpPr>
           <p:cNvPr id="90" name="Straight Arrow Connector 89">
@@ -23337,8 +22612,8 @@
             </a:extLst>
           </p:cNvPr>
           <p:cNvCxnSpPr>
+            <a:cxnSpLocks/>
             <a:stCxn id="19" idx="3"/>
-            <a:endCxn id="79" idx="1"/>
           </p:cNvCxnSpPr>
           <p:nvPr/>
         </p:nvCxnSpPr>
@@ -23381,7 +22656,6 @@
           <p:cNvCxnSpPr>
             <a:cxnSpLocks/>
             <a:stCxn id="20" idx="3"/>
-            <a:endCxn id="82" idx="1"/>
           </p:cNvCxnSpPr>
           <p:nvPr/>
         </p:nvCxnSpPr>
@@ -23424,7 +22698,6 @@
           <p:cNvCxnSpPr>
             <a:cxnSpLocks/>
             <a:stCxn id="20" idx="3"/>
-            <a:endCxn id="85" idx="1"/>
           </p:cNvCxnSpPr>
           <p:nvPr/>
         </p:nvCxnSpPr>
@@ -23589,8 +22862,8 @@
         </p:nvGrpSpPr>
         <p:grpSpPr>
           <a:xfrm rot="1758002">
-            <a:off x="3164093" y="3174030"/>
-            <a:ext cx="1092032" cy="615370"/>
+            <a:off x="3246582" y="3195593"/>
+            <a:ext cx="1003906" cy="615370"/>
             <a:chOff x="3045460" y="1833131"/>
             <a:chExt cx="588048" cy="685074"/>
           </a:xfrm>
@@ -24130,8 +23403,8 @@
         </p:nvCxnSpPr>
         <p:spPr>
           <a:xfrm>
-            <a:off x="8163467" y="2985814"/>
-            <a:ext cx="3108450" cy="758010"/>
+            <a:off x="8215188" y="3041550"/>
+            <a:ext cx="3056729" cy="702274"/>
           </a:xfrm>
           <a:prstGeom prst="straightConnector1">
             <a:avLst/>
@@ -24166,14 +23439,15 @@
           </p:cNvPr>
           <p:cNvCxnSpPr>
             <a:cxnSpLocks/>
+            <a:stCxn id="47" idx="3"/>
             <a:endCxn id="126" idx="1"/>
           </p:cNvCxnSpPr>
           <p:nvPr/>
         </p:nvCxnSpPr>
         <p:spPr>
-          <a:xfrm flipV="1">
-            <a:off x="9690675" y="4178221"/>
-            <a:ext cx="814136" cy="21797"/>
+          <a:xfrm>
+            <a:off x="10233590" y="4169748"/>
+            <a:ext cx="271221" cy="8473"/>
           </a:xfrm>
           <a:prstGeom prst="straightConnector1">
             <a:avLst/>
@@ -24211,8 +23485,8 @@
         </p:nvSpPr>
         <p:spPr>
           <a:xfrm>
-            <a:off x="9680324" y="4965867"/>
-            <a:ext cx="924489" cy="618057"/>
+            <a:off x="9845424" y="5039866"/>
+            <a:ext cx="980077" cy="558065"/>
           </a:xfrm>
           <a:prstGeom prst="roundRect">
             <a:avLst>
@@ -24249,74 +23523,72 @@
             <a:schemeClr val="lt1"/>
           </a:fontRef>
         </p:style>
+        <p:txBody>
+          <a:bodyPr/>
+          <a:lstStyle/>
+          <a:p>
+            <a:pPr algn="ctr"/>
+            <a:r>
+              <a:rPr lang="vi-VN" sz="1400" kern="1200" dirty="0"/>
+              <a:t>Standard Scaler</a:t>
+            </a:r>
+            <a:endParaRPr lang="en-US" sz="1400" kern="1200" dirty="0"/>
+          </a:p>
+          <a:p>
+            <a:pPr algn="ctr"/>
+            <a:endParaRPr lang="en-US" sz="1400" dirty="0"/>
+          </a:p>
+        </p:txBody>
       </p:sp>
-      <p:sp>
-        <p:nvSpPr>
-          <p:cNvPr id="74" name="Rectangle: Rounded Corners 4">
+      <p:cxnSp>
+        <p:nvCxnSpPr>
+          <p:cNvPr id="141" name="Straight Arrow Connector 140">
             <a:extLst>
               <a:ext uri="{FF2B5EF4-FFF2-40B4-BE49-F238E27FC236}">
-                <a16:creationId xmlns:a16="http://schemas.microsoft.com/office/drawing/2014/main" id="{B677A1C4-16A4-44A8-9B5F-8809109D0AC4}"/>
+                <a16:creationId xmlns:a16="http://schemas.microsoft.com/office/drawing/2014/main" id="{F1AB77D9-7148-4926-962B-4B87EE9E37F9}"/>
               </a:ext>
             </a:extLst>
           </p:cNvPr>
-          <p:cNvSpPr txBox="1"/>
+          <p:cNvCxnSpPr>
+            <a:cxnSpLocks/>
+            <a:stCxn id="73" idx="3"/>
+            <a:endCxn id="125" idx="2"/>
+          </p:cNvCxnSpPr>
           <p:nvPr/>
-        </p:nvSpPr>
+        </p:nvCxnSpPr>
         <p:spPr>
-          <a:xfrm>
-            <a:off x="9546184" y="4911352"/>
-            <a:ext cx="1203037" cy="768680"/>
+          <a:xfrm flipV="1">
+            <a:off x="10825501" y="4612617"/>
+            <a:ext cx="446416" cy="706282"/>
           </a:xfrm>
-          <a:prstGeom prst="rect">
+          <a:prstGeom prst="straightConnector1">
             <a:avLst/>
           </a:prstGeom>
+          <a:ln>
+            <a:tailEnd type="triangle"/>
+          </a:ln>
         </p:spPr>
         <p:style>
-          <a:lnRef idx="0">
-            <a:scrgbClr r="0" g="0" b="0"/>
+          <a:lnRef idx="3">
+            <a:schemeClr val="accent1"/>
           </a:lnRef>
           <a:fillRef idx="0">
-            <a:scrgbClr r="0" g="0" b="0"/>
+            <a:schemeClr val="accent1"/>
           </a:fillRef>
-          <a:effectRef idx="0">
-            <a:scrgbClr r="0" g="0" b="0"/>
+          <a:effectRef idx="2">
+            <a:schemeClr val="accent1"/>
           </a:effectRef>
           <a:fontRef idx="minor">
-            <a:schemeClr val="lt1"/>
+            <a:schemeClr val="tx1"/>
           </a:fontRef>
         </p:style>
-        <p:txBody>
-          <a:bodyPr spcFirstLastPara="0" vert="horz" wrap="square" lIns="76200" tIns="76200" rIns="76200" bIns="76200" numCol="1" spcCol="1270" anchor="ctr" anchorCtr="0">
-            <a:noAutofit/>
-          </a:bodyPr>
-          <a:lstStyle/>
-          <a:p>
-            <a:pPr marL="0" lvl="0" indent="0" algn="ctr" defTabSz="889000">
-              <a:lnSpc>
-                <a:spcPct val="90000"/>
-              </a:lnSpc>
-              <a:spcBef>
-                <a:spcPct val="0"/>
-              </a:spcBef>
-              <a:spcAft>
-                <a:spcPct val="35000"/>
-              </a:spcAft>
-              <a:buNone/>
-            </a:pPr>
-            <a:r>
-              <a:rPr lang="vi-VN" sz="1600" kern="1200" dirty="0"/>
-              <a:t>Standard Scaler</a:t>
-            </a:r>
-            <a:endParaRPr lang="en-US" sz="1600" kern="1200" dirty="0"/>
-          </a:p>
-        </p:txBody>
-      </p:sp>
+      </p:cxnSp>
       <p:sp>
         <p:nvSpPr>
-          <p:cNvPr id="139" name="Arrow: Right 138">
+          <p:cNvPr id="95" name="Arrow: Right 94">
             <a:extLst>
               <a:ext uri="{FF2B5EF4-FFF2-40B4-BE49-F238E27FC236}">
-                <a16:creationId xmlns:a16="http://schemas.microsoft.com/office/drawing/2014/main" id="{8F29D2AF-15D7-4352-BF4F-476AABE54F8D}"/>
+                <a16:creationId xmlns:a16="http://schemas.microsoft.com/office/drawing/2014/main" id="{C7ED2484-A01F-4FB8-9028-CF93B7936C0F}"/>
               </a:ext>
             </a:extLst>
           </p:cNvPr>
@@ -24325,7 +23597,199 @@
         </p:nvSpPr>
         <p:spPr>
           <a:xfrm>
-            <a:off x="9161945" y="5104659"/>
+            <a:off x="7287062" y="4042818"/>
+            <a:ext cx="359850" cy="310145"/>
+          </a:xfrm>
+          <a:prstGeom prst="rightArrow">
+            <a:avLst>
+              <a:gd name="adj1" fmla="val 60000"/>
+              <a:gd name="adj2" fmla="val 50000"/>
+            </a:avLst>
+          </a:prstGeom>
+        </p:spPr>
+        <p:style>
+          <a:lnRef idx="0">
+            <a:schemeClr val="accent1">
+              <a:tint val="60000"/>
+              <a:hueOff val="0"/>
+              <a:satOff val="0"/>
+              <a:lumOff val="0"/>
+              <a:alphaOff val="0"/>
+            </a:schemeClr>
+          </a:lnRef>
+          <a:fillRef idx="1">
+            <a:schemeClr val="accent1">
+              <a:tint val="60000"/>
+              <a:hueOff val="0"/>
+              <a:satOff val="0"/>
+              <a:lumOff val="0"/>
+              <a:alphaOff val="0"/>
+            </a:schemeClr>
+          </a:fillRef>
+          <a:effectRef idx="0">
+            <a:schemeClr val="accent1">
+              <a:tint val="60000"/>
+              <a:hueOff val="0"/>
+              <a:satOff val="0"/>
+              <a:lumOff val="0"/>
+              <a:alphaOff val="0"/>
+            </a:schemeClr>
+          </a:effectRef>
+          <a:fontRef idx="minor">
+            <a:schemeClr val="lt1"/>
+          </a:fontRef>
+        </p:style>
+      </p:sp>
+      <p:sp>
+        <p:nvSpPr>
+          <p:cNvPr id="53" name="Arrow: Right 52">
+            <a:extLst>
+              <a:ext uri="{FF2B5EF4-FFF2-40B4-BE49-F238E27FC236}">
+                <a16:creationId xmlns:a16="http://schemas.microsoft.com/office/drawing/2014/main" id="{8E5853D8-AAC6-4797-99B8-D29921D9DA9C}"/>
+              </a:ext>
+            </a:extLst>
+          </p:cNvPr>
+          <p:cNvSpPr/>
+          <p:nvPr/>
+        </p:nvSpPr>
+        <p:spPr>
+          <a:xfrm>
+            <a:off x="8888748" y="4052072"/>
+            <a:ext cx="359850" cy="310145"/>
+          </a:xfrm>
+          <a:prstGeom prst="rightArrow">
+            <a:avLst>
+              <a:gd name="adj1" fmla="val 60000"/>
+              <a:gd name="adj2" fmla="val 50000"/>
+            </a:avLst>
+          </a:prstGeom>
+        </p:spPr>
+        <p:style>
+          <a:lnRef idx="0">
+            <a:schemeClr val="accent1">
+              <a:tint val="60000"/>
+              <a:hueOff val="0"/>
+              <a:satOff val="0"/>
+              <a:lumOff val="0"/>
+              <a:alphaOff val="0"/>
+            </a:schemeClr>
+          </a:lnRef>
+          <a:fillRef idx="1">
+            <a:schemeClr val="accent1">
+              <a:tint val="60000"/>
+              <a:hueOff val="0"/>
+              <a:satOff val="0"/>
+              <a:lumOff val="0"/>
+              <a:alphaOff val="0"/>
+            </a:schemeClr>
+          </a:fillRef>
+          <a:effectRef idx="0">
+            <a:schemeClr val="accent1">
+              <a:tint val="60000"/>
+              <a:hueOff val="0"/>
+              <a:satOff val="0"/>
+              <a:lumOff val="0"/>
+              <a:alphaOff val="0"/>
+            </a:schemeClr>
+          </a:effectRef>
+          <a:fontRef idx="minor">
+            <a:schemeClr val="lt1"/>
+          </a:fontRef>
+        </p:style>
+      </p:sp>
+      <p:sp>
+        <p:nvSpPr>
+          <p:cNvPr id="54" name="Rectangle: Rounded Corners 53">
+            <a:extLst>
+              <a:ext uri="{FF2B5EF4-FFF2-40B4-BE49-F238E27FC236}">
+                <a16:creationId xmlns:a16="http://schemas.microsoft.com/office/drawing/2014/main" id="{A0329F54-5D4E-4C15-BC09-E0AB2AAFD463}"/>
+              </a:ext>
+            </a:extLst>
+          </p:cNvPr>
+          <p:cNvSpPr/>
+          <p:nvPr/>
+        </p:nvSpPr>
+        <p:spPr>
+          <a:xfrm>
+            <a:off x="8080758" y="5006135"/>
+            <a:ext cx="1095588" cy="625526"/>
+          </a:xfrm>
+          <a:prstGeom prst="roundRect">
+            <a:avLst>
+              <a:gd name="adj" fmla="val 10000"/>
+            </a:avLst>
+          </a:prstGeom>
+        </p:spPr>
+        <p:style>
+          <a:lnRef idx="2">
+            <a:schemeClr val="lt1">
+              <a:hueOff val="0"/>
+              <a:satOff val="0"/>
+              <a:lumOff val="0"/>
+              <a:alphaOff val="0"/>
+            </a:schemeClr>
+          </a:lnRef>
+          <a:fillRef idx="1">
+            <a:schemeClr val="accent1">
+              <a:hueOff val="0"/>
+              <a:satOff val="0"/>
+              <a:lumOff val="0"/>
+              <a:alphaOff val="0"/>
+            </a:schemeClr>
+          </a:fillRef>
+          <a:effectRef idx="0">
+            <a:schemeClr val="accent1">
+              <a:hueOff val="0"/>
+              <a:satOff val="0"/>
+              <a:lumOff val="0"/>
+              <a:alphaOff val="0"/>
+            </a:schemeClr>
+          </a:effectRef>
+          <a:fontRef idx="minor">
+            <a:schemeClr val="lt1"/>
+          </a:fontRef>
+        </p:style>
+        <p:txBody>
+          <a:bodyPr/>
+          <a:lstStyle/>
+          <a:p>
+            <a:pPr algn="ctr"/>
+            <a:r>
+              <a:rPr lang="en-US" sz="1400" dirty="0">
+                <a:latin typeface="Arial" panose="020B0604020202020204" pitchFamily="34" charset="0"/>
+                <a:cs typeface="Arial" panose="020B0604020202020204" pitchFamily="34" charset="0"/>
+              </a:rPr>
+              <a:t>One hot encoder</a:t>
+            </a:r>
+            <a:endParaRPr lang="vi-VN" sz="1400" dirty="0">
+              <a:latin typeface="Arial" panose="020B0604020202020204" pitchFamily="34" charset="0"/>
+              <a:cs typeface="Arial" panose="020B0604020202020204" pitchFamily="34" charset="0"/>
+            </a:endParaRPr>
+          </a:p>
+          <a:p>
+            <a:pPr algn="ctr"/>
+            <a:endParaRPr lang="en-US" sz="1400" dirty="0">
+              <a:latin typeface="Arial" panose="020B0604020202020204" pitchFamily="34" charset="0"/>
+              <a:cs typeface="Arial" panose="020B0604020202020204" pitchFamily="34" charset="0"/>
+            </a:endParaRPr>
+          </a:p>
+        </p:txBody>
+      </p:sp>
+      <p:sp>
+        <p:nvSpPr>
+          <p:cNvPr id="55" name="Arrow: Right 54">
+            <a:extLst>
+              <a:ext uri="{FF2B5EF4-FFF2-40B4-BE49-F238E27FC236}">
+                <a16:creationId xmlns:a16="http://schemas.microsoft.com/office/drawing/2014/main" id="{31C2E6B6-F99B-4882-A29A-C762841C3446}"/>
+              </a:ext>
+            </a:extLst>
+          </p:cNvPr>
+          <p:cNvSpPr/>
+          <p:nvPr/>
+        </p:nvSpPr>
+        <p:spPr>
+          <a:xfrm>
+            <a:off x="9273332" y="5148877"/>
             <a:ext cx="475105" cy="345106"/>
           </a:xfrm>
           <a:prstGeom prst="rightArrow">
@@ -24368,48 +23832,6 @@
           </a:fontRef>
         </p:style>
       </p:sp>
-      <p:cxnSp>
-        <p:nvCxnSpPr>
-          <p:cNvPr id="141" name="Straight Arrow Connector 140">
-            <a:extLst>
-              <a:ext uri="{FF2B5EF4-FFF2-40B4-BE49-F238E27FC236}">
-                <a16:creationId xmlns:a16="http://schemas.microsoft.com/office/drawing/2014/main" id="{F1AB77D9-7148-4926-962B-4B87EE9E37F9}"/>
-              </a:ext>
-            </a:extLst>
-          </p:cNvPr>
-          <p:cNvCxnSpPr>
-            <a:cxnSpLocks/>
-            <a:endCxn id="125" idx="2"/>
-          </p:cNvCxnSpPr>
-          <p:nvPr/>
-        </p:nvCxnSpPr>
-        <p:spPr>
-          <a:xfrm flipV="1">
-            <a:off x="10604813" y="4612617"/>
-            <a:ext cx="667104" cy="683075"/>
-          </a:xfrm>
-          <a:prstGeom prst="straightConnector1">
-            <a:avLst/>
-          </a:prstGeom>
-          <a:ln>
-            <a:tailEnd type="triangle"/>
-          </a:ln>
-        </p:spPr>
-        <p:style>
-          <a:lnRef idx="3">
-            <a:schemeClr val="accent1"/>
-          </a:lnRef>
-          <a:fillRef idx="0">
-            <a:schemeClr val="accent1"/>
-          </a:fillRef>
-          <a:effectRef idx="2">
-            <a:schemeClr val="accent1"/>
-          </a:effectRef>
-          <a:fontRef idx="minor">
-            <a:schemeClr val="tx1"/>
-          </a:fontRef>
-        </p:style>
-      </p:cxnSp>
     </p:spTree>
     <p:extLst>
       <p:ext uri="{BB962C8B-B14F-4D97-AF65-F5344CB8AC3E}">
@@ -25340,8 +24762,8 @@
           </p:txBody>
         </p:sp>
       </p:grpSp>
-      <mc:AlternateContent xmlns:mc="http://schemas.openxmlformats.org/markup-compatibility/2006">
-        <mc:Choice xmlns:a14="http://schemas.microsoft.com/office/drawing/2010/main" Requires="a14">
+      <mc:AlternateContent xmlns:mc="http://schemas.openxmlformats.org/markup-compatibility/2006" xmlns:a14="http://schemas.microsoft.com/office/drawing/2010/main">
+        <mc:Choice Requires="a14">
           <p:sp>
             <p:nvSpPr>
               <p:cNvPr id="15" name="Rectangle 2">
@@ -26160,7 +25582,7 @@
             </p:txBody>
           </p:sp>
         </mc:Choice>
-        <mc:Fallback>
+        <mc:Fallback xmlns="">
           <p:sp>
             <p:nvSpPr>
               <p:cNvPr id="15" name="Rectangle 2">

--- a/Team3 ML Slides.pptx
+++ b/Team3 ML Slides.pptx
@@ -21,6 +21,7 @@
     <p:sldId id="271" r:id="rId15"/>
     <p:sldId id="274" r:id="rId16"/>
     <p:sldId id="273" r:id="rId17"/>
+    <p:sldId id="276" r:id="rId18"/>
   </p:sldIdLst>
   <p:sldSz cx="12192000" cy="6858000"/>
   <p:notesSz cx="6858000" cy="9144000"/>
@@ -14599,6 +14600,1527 @@
     <p:extLst>
       <p:ext uri="{BB962C8B-B14F-4D97-AF65-F5344CB8AC3E}">
         <p14:creationId xmlns:p14="http://schemas.microsoft.com/office/powerpoint/2010/main" val="641723251"/>
+      </p:ext>
+    </p:extLst>
+  </p:cSld>
+  <p:clrMapOvr>
+    <a:masterClrMapping/>
+  </p:clrMapOvr>
+</p:sld>
+</file>
+
+<file path=ppt/slides/slide17.xml><?xml version="1.0" encoding="utf-8"?>
+<p:sld xmlns:a="http://schemas.openxmlformats.org/drawingml/2006/main" xmlns:r="http://schemas.openxmlformats.org/officeDocument/2006/relationships" xmlns:p="http://schemas.openxmlformats.org/presentationml/2006/main">
+  <p:cSld>
+    <p:bg>
+      <p:bgPr>
+        <a:solidFill>
+          <a:schemeClr val="bg1"/>
+        </a:solidFill>
+        <a:effectLst/>
+      </p:bgPr>
+    </p:bg>
+    <p:spTree>
+      <p:nvGrpSpPr>
+        <p:cNvPr id="1" name=""/>
+        <p:cNvGrpSpPr/>
+        <p:nvPr/>
+      </p:nvGrpSpPr>
+      <p:grpSpPr>
+        <a:xfrm>
+          <a:off x="0" y="0"/>
+          <a:ext cx="0" cy="0"/>
+          <a:chOff x="0" y="0"/>
+          <a:chExt cx="0" cy="0"/>
+        </a:xfrm>
+      </p:grpSpPr>
+      <p:sp useBgFill="1">
+        <p:nvSpPr>
+          <p:cNvPr id="7" name="Rectangle 6">
+            <a:extLst>
+              <a:ext uri="{FF2B5EF4-FFF2-40B4-BE49-F238E27FC236}">
+                <a16:creationId xmlns:a16="http://schemas.microsoft.com/office/drawing/2014/main" id="{4A70F4F6-8761-4016-931A-4535464E4C26}"/>
+              </a:ext>
+              <a:ext uri="{C183D7F6-B498-43B3-948B-1728B52AA6E4}">
+                <adec:decorative xmlns:adec="http://schemas.microsoft.com/office/drawing/2017/decorative" val="1"/>
+              </a:ext>
+            </a:extLst>
+          </p:cNvPr>
+          <p:cNvSpPr>
+            <a:spLocks noGrp="1" noRot="1" noChangeAspect="1" noMove="1" noResize="1" noEditPoints="1" noAdjustHandles="1" noChangeArrowheads="1" noChangeShapeType="1" noTextEdit="1"/>
+          </p:cNvSpPr>
+          <p:nvPr>
+            <p:extLst>
+              <p:ext uri="{386F3935-93C4-4BCD-93E2-E3B085C9AB24}">
+                <p16:designElem xmlns:p16="http://schemas.microsoft.com/office/powerpoint/2015/main" val="1"/>
+              </p:ext>
+            </p:extLst>
+          </p:nvPr>
+        </p:nvSpPr>
+        <p:spPr>
+          <a:xfrm>
+            <a:off x="0" y="0"/>
+            <a:ext cx="12192001" cy="6858000"/>
+          </a:xfrm>
+          <a:prstGeom prst="rect">
+            <a:avLst/>
+          </a:prstGeom>
+          <a:ln>
+            <a:noFill/>
+          </a:ln>
+        </p:spPr>
+        <p:style>
+          <a:lnRef idx="2">
+            <a:schemeClr val="accent1">
+              <a:shade val="50000"/>
+            </a:schemeClr>
+          </a:lnRef>
+          <a:fillRef idx="1">
+            <a:schemeClr val="accent1"/>
+          </a:fillRef>
+          <a:effectRef idx="0">
+            <a:schemeClr val="accent1"/>
+          </a:effectRef>
+          <a:fontRef idx="minor">
+            <a:schemeClr val="lt1"/>
+          </a:fontRef>
+        </p:style>
+        <p:txBody>
+          <a:bodyPr rtlCol="0" anchor="ctr"/>
+          <a:lstStyle/>
+          <a:p>
+            <a:pPr algn="ctr"/>
+            <a:endParaRPr lang="en-US"/>
+          </a:p>
+        </p:txBody>
+      </p:sp>
+      <p:sp>
+        <p:nvSpPr>
+          <p:cNvPr id="2" name="Title 1">
+            <a:extLst>
+              <a:ext uri="{FF2B5EF4-FFF2-40B4-BE49-F238E27FC236}">
+                <a16:creationId xmlns:a16="http://schemas.microsoft.com/office/drawing/2014/main" id="{3282A571-2413-4E90-B0F8-2F8C695134D9}"/>
+              </a:ext>
+            </a:extLst>
+          </p:cNvPr>
+          <p:cNvSpPr>
+            <a:spLocks noGrp="1"/>
+          </p:cNvSpPr>
+          <p:nvPr>
+            <p:ph type="title"/>
+          </p:nvPr>
+        </p:nvSpPr>
+        <p:spPr>
+          <a:xfrm>
+            <a:off x="1033272" y="954284"/>
+            <a:ext cx="10513106" cy="2943432"/>
+          </a:xfrm>
+        </p:spPr>
+        <p:txBody>
+          <a:bodyPr vert="horz" lIns="91440" tIns="45720" rIns="91440" bIns="45720" rtlCol="0" anchor="b">
+            <a:normAutofit/>
+          </a:bodyPr>
+          <a:lstStyle/>
+          <a:p>
+            <a:r>
+              <a:rPr lang="en-US" sz="8000" kern="1200">
+                <a:solidFill>
+                  <a:schemeClr val="tx1"/>
+                </a:solidFill>
+                <a:latin typeface="+mj-lt"/>
+                <a:ea typeface="+mj-ea"/>
+                <a:cs typeface="+mj-cs"/>
+              </a:rPr>
+              <a:t>Thank you!</a:t>
+            </a:r>
+          </a:p>
+        </p:txBody>
+      </p:sp>
+      <p:sp>
+        <p:nvSpPr>
+          <p:cNvPr id="9" name="Rectangle 8">
+            <a:extLst>
+              <a:ext uri="{FF2B5EF4-FFF2-40B4-BE49-F238E27FC236}">
+                <a16:creationId xmlns:a16="http://schemas.microsoft.com/office/drawing/2014/main" id="{A5271697-90F1-4A23-8EF2-0179F2EAFACB}"/>
+              </a:ext>
+              <a:ext uri="{C183D7F6-B498-43B3-948B-1728B52AA6E4}">
+                <adec:decorative xmlns:adec="http://schemas.microsoft.com/office/drawing/2017/decorative" val="1"/>
+              </a:ext>
+            </a:extLst>
+          </p:cNvPr>
+          <p:cNvSpPr>
+            <a:spLocks noGrp="1" noRot="1" noChangeAspect="1" noMove="1" noResize="1" noEditPoints="1" noAdjustHandles="1" noChangeArrowheads="1" noChangeShapeType="1" noTextEdit="1"/>
+          </p:cNvSpPr>
+          <p:nvPr>
+            <p:extLst>
+              <p:ext uri="{386F3935-93C4-4BCD-93E2-E3B085C9AB24}">
+                <p16:designElem xmlns:p16="http://schemas.microsoft.com/office/powerpoint/2015/main" val="1"/>
+              </p:ext>
+            </p:extLst>
+          </p:nvPr>
+        </p:nvSpPr>
+        <p:spPr>
+          <a:xfrm>
+            <a:off x="-1" y="1"/>
+            <a:ext cx="606972" cy="3233984"/>
+          </a:xfrm>
+          <a:prstGeom prst="rect">
+            <a:avLst/>
+          </a:prstGeom>
+          <a:solidFill>
+            <a:schemeClr val="tx1">
+              <a:lumMod val="85000"/>
+              <a:lumOff val="15000"/>
+            </a:schemeClr>
+          </a:solidFill>
+          <a:ln>
+            <a:noFill/>
+          </a:ln>
+        </p:spPr>
+        <p:style>
+          <a:lnRef idx="2">
+            <a:schemeClr val="accent1">
+              <a:shade val="50000"/>
+            </a:schemeClr>
+          </a:lnRef>
+          <a:fillRef idx="1">
+            <a:schemeClr val="accent1"/>
+          </a:fillRef>
+          <a:effectRef idx="0">
+            <a:schemeClr val="accent1"/>
+          </a:effectRef>
+          <a:fontRef idx="minor">
+            <a:schemeClr val="lt1"/>
+          </a:fontRef>
+        </p:style>
+        <p:txBody>
+          <a:bodyPr rtlCol="0" anchor="ctr"/>
+          <a:lstStyle/>
+          <a:p>
+            <a:pPr algn="ctr"/>
+            <a:endParaRPr lang="en-US"/>
+          </a:p>
+        </p:txBody>
+      </p:sp>
+      <p:grpSp>
+        <p:nvGrpSpPr>
+          <p:cNvPr id="11" name="Group 10">
+            <a:extLst>
+              <a:ext uri="{FF2B5EF4-FFF2-40B4-BE49-F238E27FC236}">
+                <a16:creationId xmlns:a16="http://schemas.microsoft.com/office/drawing/2014/main" id="{B4C49FD3-CD95-4BA4-8BD3-B4A4C6844FCC}"/>
+              </a:ext>
+              <a:ext uri="{C183D7F6-B498-43B3-948B-1728B52AA6E4}">
+                <adec:decorative xmlns:adec="http://schemas.microsoft.com/office/drawing/2017/decorative" val="1"/>
+              </a:ext>
+            </a:extLst>
+          </p:cNvPr>
+          <p:cNvGrpSpPr>
+            <a:grpSpLocks noGrp="1" noUngrp="1" noRot="1" noChangeAspect="1" noMove="1" noResize="1"/>
+          </p:cNvGrpSpPr>
+          <p:nvPr>
+            <p:extLst>
+              <p:ext uri="{386F3935-93C4-4BCD-93E2-E3B085C9AB24}">
+                <p16:designElem xmlns:p16="http://schemas.microsoft.com/office/powerpoint/2015/main" val="1"/>
+              </p:ext>
+            </p:extLst>
+          </p:nvPr>
+        </p:nvGrpSpPr>
+        <p:grpSpPr>
+          <a:xfrm>
+            <a:off x="1188720" y="73152"/>
+            <a:ext cx="1178966" cy="232963"/>
+            <a:chOff x="5422392" y="64008"/>
+            <a:chExt cx="1178966" cy="232963"/>
+          </a:xfrm>
+        </p:grpSpPr>
+        <p:sp>
+          <p:nvSpPr>
+            <p:cNvPr id="12" name="Rectangle 64">
+              <a:extLst>
+                <a:ext uri="{FF2B5EF4-FFF2-40B4-BE49-F238E27FC236}">
+                  <a16:creationId xmlns:a16="http://schemas.microsoft.com/office/drawing/2014/main" id="{194125EE-68A0-44AF-9565-81EF0F31186F}"/>
+                </a:ext>
+                <a:ext uri="{C183D7F6-B498-43B3-948B-1728B52AA6E4}">
+                  <adec:decorative xmlns:adec="http://schemas.microsoft.com/office/drawing/2017/decorative" val="1"/>
+                </a:ext>
+              </a:extLst>
+            </p:cNvPr>
+            <p:cNvSpPr/>
+            <p:nvPr>
+              <p:extLst>
+                <p:ext uri="{386F3935-93C4-4BCD-93E2-E3B085C9AB24}">
+                  <p16:designElem xmlns:p16="http://schemas.microsoft.com/office/powerpoint/2015/main" val="1"/>
+                </p:ext>
+              </p:extLst>
+            </p:nvPr>
+          </p:nvSpPr>
+          <p:spPr>
+            <a:xfrm>
+              <a:off x="5922213" y="64008"/>
+              <a:ext cx="54368" cy="59227"/>
+            </a:xfrm>
+            <a:prstGeom prst="ellipse">
+              <a:avLst/>
+            </a:prstGeom>
+            <a:solidFill>
+              <a:schemeClr val="accent1"/>
+            </a:solidFill>
+            <a:ln>
+              <a:noFill/>
+            </a:ln>
+          </p:spPr>
+          <p:style>
+            <a:lnRef idx="2">
+              <a:schemeClr val="accent1">
+                <a:shade val="50000"/>
+              </a:schemeClr>
+            </a:lnRef>
+            <a:fillRef idx="1">
+              <a:schemeClr val="accent1"/>
+            </a:fillRef>
+            <a:effectRef idx="0">
+              <a:schemeClr val="accent1"/>
+            </a:effectRef>
+            <a:fontRef idx="minor">
+              <a:schemeClr val="lt1"/>
+            </a:fontRef>
+          </p:style>
+          <p:txBody>
+            <a:bodyPr rtlCol="0" anchor="ctr"/>
+            <a:lstStyle/>
+            <a:p>
+              <a:pPr algn="ctr"/>
+              <a:endParaRPr lang="en-US"/>
+            </a:p>
+          </p:txBody>
+        </p:sp>
+        <p:sp>
+          <p:nvSpPr>
+            <p:cNvPr id="13" name="Rectangle 66">
+              <a:extLst>
+                <a:ext uri="{FF2B5EF4-FFF2-40B4-BE49-F238E27FC236}">
+                  <a16:creationId xmlns:a16="http://schemas.microsoft.com/office/drawing/2014/main" id="{47D98E13-5DFC-4FC3-B217-18D7503F2DC3}"/>
+                </a:ext>
+                <a:ext uri="{C183D7F6-B498-43B3-948B-1728B52AA6E4}">
+                  <adec:decorative xmlns:adec="http://schemas.microsoft.com/office/drawing/2017/decorative" val="1"/>
+                </a:ext>
+              </a:extLst>
+            </p:cNvPr>
+            <p:cNvSpPr/>
+            <p:nvPr>
+              <p:extLst>
+                <p:ext uri="{386F3935-93C4-4BCD-93E2-E3B085C9AB24}">
+                  <p16:designElem xmlns:p16="http://schemas.microsoft.com/office/powerpoint/2015/main" val="1"/>
+                </p:ext>
+              </p:extLst>
+            </p:nvPr>
+          </p:nvSpPr>
+          <p:spPr>
+            <a:xfrm>
+              <a:off x="5922213" y="237744"/>
+              <a:ext cx="54368" cy="59227"/>
+            </a:xfrm>
+            <a:prstGeom prst="ellipse">
+              <a:avLst/>
+            </a:prstGeom>
+            <a:solidFill>
+              <a:schemeClr val="accent1"/>
+            </a:solidFill>
+            <a:ln>
+              <a:noFill/>
+            </a:ln>
+          </p:spPr>
+          <p:style>
+            <a:lnRef idx="2">
+              <a:schemeClr val="accent1">
+                <a:shade val="50000"/>
+              </a:schemeClr>
+            </a:lnRef>
+            <a:fillRef idx="1">
+              <a:schemeClr val="accent1"/>
+            </a:fillRef>
+            <a:effectRef idx="0">
+              <a:schemeClr val="accent1"/>
+            </a:effectRef>
+            <a:fontRef idx="minor">
+              <a:schemeClr val="lt1"/>
+            </a:fontRef>
+          </p:style>
+          <p:txBody>
+            <a:bodyPr rtlCol="0" anchor="ctr"/>
+            <a:lstStyle/>
+            <a:p>
+              <a:pPr algn="ctr"/>
+              <a:endParaRPr lang="en-US"/>
+            </a:p>
+          </p:txBody>
+        </p:sp>
+        <p:sp>
+          <p:nvSpPr>
+            <p:cNvPr id="14" name="Rectangle 64">
+              <a:extLst>
+                <a:ext uri="{FF2B5EF4-FFF2-40B4-BE49-F238E27FC236}">
+                  <a16:creationId xmlns:a16="http://schemas.microsoft.com/office/drawing/2014/main" id="{1208B249-52C1-45B2-94CA-7FCF767BD530}"/>
+                </a:ext>
+                <a:ext uri="{C183D7F6-B498-43B3-948B-1728B52AA6E4}">
+                  <adec:decorative xmlns:adec="http://schemas.microsoft.com/office/drawing/2017/decorative" val="1"/>
+                </a:ext>
+              </a:extLst>
+            </p:cNvPr>
+            <p:cNvSpPr/>
+            <p:nvPr>
+              <p:extLst>
+                <p:ext uri="{386F3935-93C4-4BCD-93E2-E3B085C9AB24}">
+                  <p16:designElem xmlns:p16="http://schemas.microsoft.com/office/powerpoint/2015/main" val="1"/>
+                </p:ext>
+              </p:extLst>
+            </p:nvPr>
+          </p:nvSpPr>
+          <p:spPr>
+            <a:xfrm>
+              <a:off x="5797258" y="64008"/>
+              <a:ext cx="54368" cy="59227"/>
+            </a:xfrm>
+            <a:prstGeom prst="ellipse">
+              <a:avLst/>
+            </a:prstGeom>
+            <a:solidFill>
+              <a:schemeClr val="accent1"/>
+            </a:solidFill>
+            <a:ln>
+              <a:noFill/>
+            </a:ln>
+          </p:spPr>
+          <p:style>
+            <a:lnRef idx="2">
+              <a:schemeClr val="accent1">
+                <a:shade val="50000"/>
+              </a:schemeClr>
+            </a:lnRef>
+            <a:fillRef idx="1">
+              <a:schemeClr val="accent1"/>
+            </a:fillRef>
+            <a:effectRef idx="0">
+              <a:schemeClr val="accent1"/>
+            </a:effectRef>
+            <a:fontRef idx="minor">
+              <a:schemeClr val="lt1"/>
+            </a:fontRef>
+          </p:style>
+          <p:txBody>
+            <a:bodyPr rtlCol="0" anchor="ctr"/>
+            <a:lstStyle/>
+            <a:p>
+              <a:pPr algn="ctr"/>
+              <a:endParaRPr lang="en-US"/>
+            </a:p>
+          </p:txBody>
+        </p:sp>
+        <p:sp>
+          <p:nvSpPr>
+            <p:cNvPr id="15" name="Rectangle 66">
+              <a:extLst>
+                <a:ext uri="{FF2B5EF4-FFF2-40B4-BE49-F238E27FC236}">
+                  <a16:creationId xmlns:a16="http://schemas.microsoft.com/office/drawing/2014/main" id="{8E8EC538-BB99-4192-A555-FD23D92C5C33}"/>
+                </a:ext>
+                <a:ext uri="{C183D7F6-B498-43B3-948B-1728B52AA6E4}">
+                  <adec:decorative xmlns:adec="http://schemas.microsoft.com/office/drawing/2017/decorative" val="1"/>
+                </a:ext>
+              </a:extLst>
+            </p:cNvPr>
+            <p:cNvSpPr/>
+            <p:nvPr>
+              <p:extLst>
+                <p:ext uri="{386F3935-93C4-4BCD-93E2-E3B085C9AB24}">
+                  <p16:designElem xmlns:p16="http://schemas.microsoft.com/office/powerpoint/2015/main" val="1"/>
+                </p:ext>
+              </p:extLst>
+            </p:nvPr>
+          </p:nvSpPr>
+          <p:spPr>
+            <a:xfrm>
+              <a:off x="5797258" y="237744"/>
+              <a:ext cx="54368" cy="59227"/>
+            </a:xfrm>
+            <a:prstGeom prst="ellipse">
+              <a:avLst/>
+            </a:prstGeom>
+            <a:solidFill>
+              <a:schemeClr val="accent1"/>
+            </a:solidFill>
+            <a:ln>
+              <a:noFill/>
+            </a:ln>
+          </p:spPr>
+          <p:style>
+            <a:lnRef idx="2">
+              <a:schemeClr val="accent1">
+                <a:shade val="50000"/>
+              </a:schemeClr>
+            </a:lnRef>
+            <a:fillRef idx="1">
+              <a:schemeClr val="accent1"/>
+            </a:fillRef>
+            <a:effectRef idx="0">
+              <a:schemeClr val="accent1"/>
+            </a:effectRef>
+            <a:fontRef idx="minor">
+              <a:schemeClr val="lt1"/>
+            </a:fontRef>
+          </p:style>
+          <p:txBody>
+            <a:bodyPr rtlCol="0" anchor="ctr"/>
+            <a:lstStyle/>
+            <a:p>
+              <a:pPr algn="ctr"/>
+              <a:endParaRPr lang="en-US"/>
+            </a:p>
+          </p:txBody>
+        </p:sp>
+        <p:sp>
+          <p:nvSpPr>
+            <p:cNvPr id="16" name="Rectangle 64">
+              <a:extLst>
+                <a:ext uri="{FF2B5EF4-FFF2-40B4-BE49-F238E27FC236}">
+                  <a16:creationId xmlns:a16="http://schemas.microsoft.com/office/drawing/2014/main" id="{C818F7CD-D8C3-4B0E-8332-5F5D23675C77}"/>
+                </a:ext>
+                <a:ext uri="{C183D7F6-B498-43B3-948B-1728B52AA6E4}">
+                  <adec:decorative xmlns:adec="http://schemas.microsoft.com/office/drawing/2017/decorative" val="1"/>
+                </a:ext>
+              </a:extLst>
+            </p:cNvPr>
+            <p:cNvSpPr/>
+            <p:nvPr>
+              <p:extLst>
+                <p:ext uri="{386F3935-93C4-4BCD-93E2-E3B085C9AB24}">
+                  <p16:designElem xmlns:p16="http://schemas.microsoft.com/office/powerpoint/2015/main" val="1"/>
+                </p:ext>
+              </p:extLst>
+            </p:nvPr>
+          </p:nvSpPr>
+          <p:spPr>
+            <a:xfrm>
+              <a:off x="5672303" y="64008"/>
+              <a:ext cx="54368" cy="59227"/>
+            </a:xfrm>
+            <a:prstGeom prst="ellipse">
+              <a:avLst/>
+            </a:prstGeom>
+            <a:solidFill>
+              <a:schemeClr val="accent1"/>
+            </a:solidFill>
+            <a:ln>
+              <a:noFill/>
+            </a:ln>
+          </p:spPr>
+          <p:style>
+            <a:lnRef idx="2">
+              <a:schemeClr val="accent1">
+                <a:shade val="50000"/>
+              </a:schemeClr>
+            </a:lnRef>
+            <a:fillRef idx="1">
+              <a:schemeClr val="accent1"/>
+            </a:fillRef>
+            <a:effectRef idx="0">
+              <a:schemeClr val="accent1"/>
+            </a:effectRef>
+            <a:fontRef idx="minor">
+              <a:schemeClr val="lt1"/>
+            </a:fontRef>
+          </p:style>
+          <p:txBody>
+            <a:bodyPr rtlCol="0" anchor="ctr"/>
+            <a:lstStyle/>
+            <a:p>
+              <a:pPr algn="ctr"/>
+              <a:endParaRPr lang="en-US"/>
+            </a:p>
+          </p:txBody>
+        </p:sp>
+        <p:sp>
+          <p:nvSpPr>
+            <p:cNvPr id="17" name="Rectangle 66">
+              <a:extLst>
+                <a:ext uri="{FF2B5EF4-FFF2-40B4-BE49-F238E27FC236}">
+                  <a16:creationId xmlns:a16="http://schemas.microsoft.com/office/drawing/2014/main" id="{BA3A1026-C945-44C7-95BC-3BF4551EF3F8}"/>
+                </a:ext>
+                <a:ext uri="{C183D7F6-B498-43B3-948B-1728B52AA6E4}">
+                  <adec:decorative xmlns:adec="http://schemas.microsoft.com/office/drawing/2017/decorative" val="1"/>
+                </a:ext>
+              </a:extLst>
+            </p:cNvPr>
+            <p:cNvSpPr/>
+            <p:nvPr>
+              <p:extLst>
+                <p:ext uri="{386F3935-93C4-4BCD-93E2-E3B085C9AB24}">
+                  <p16:designElem xmlns:p16="http://schemas.microsoft.com/office/powerpoint/2015/main" val="1"/>
+                </p:ext>
+              </p:extLst>
+            </p:nvPr>
+          </p:nvSpPr>
+          <p:spPr>
+            <a:xfrm>
+              <a:off x="5672303" y="237744"/>
+              <a:ext cx="54368" cy="59227"/>
+            </a:xfrm>
+            <a:prstGeom prst="ellipse">
+              <a:avLst/>
+            </a:prstGeom>
+            <a:solidFill>
+              <a:schemeClr val="accent1"/>
+            </a:solidFill>
+            <a:ln>
+              <a:noFill/>
+            </a:ln>
+          </p:spPr>
+          <p:style>
+            <a:lnRef idx="2">
+              <a:schemeClr val="accent1">
+                <a:shade val="50000"/>
+              </a:schemeClr>
+            </a:lnRef>
+            <a:fillRef idx="1">
+              <a:schemeClr val="accent1"/>
+            </a:fillRef>
+            <a:effectRef idx="0">
+              <a:schemeClr val="accent1"/>
+            </a:effectRef>
+            <a:fontRef idx="minor">
+              <a:schemeClr val="lt1"/>
+            </a:fontRef>
+          </p:style>
+          <p:txBody>
+            <a:bodyPr rtlCol="0" anchor="ctr"/>
+            <a:lstStyle/>
+            <a:p>
+              <a:pPr algn="ctr"/>
+              <a:endParaRPr lang="en-US"/>
+            </a:p>
+          </p:txBody>
+        </p:sp>
+        <p:sp>
+          <p:nvSpPr>
+            <p:cNvPr id="18" name="Rectangle 64">
+              <a:extLst>
+                <a:ext uri="{FF2B5EF4-FFF2-40B4-BE49-F238E27FC236}">
+                  <a16:creationId xmlns:a16="http://schemas.microsoft.com/office/drawing/2014/main" id="{E7A2271E-1BF0-4DBF-BDC5-8205DFE2B780}"/>
+                </a:ext>
+                <a:ext uri="{C183D7F6-B498-43B3-948B-1728B52AA6E4}">
+                  <adec:decorative xmlns:adec="http://schemas.microsoft.com/office/drawing/2017/decorative" val="1"/>
+                </a:ext>
+              </a:extLst>
+            </p:cNvPr>
+            <p:cNvSpPr/>
+            <p:nvPr>
+              <p:extLst>
+                <p:ext uri="{386F3935-93C4-4BCD-93E2-E3B085C9AB24}">
+                  <p16:designElem xmlns:p16="http://schemas.microsoft.com/office/powerpoint/2015/main" val="1"/>
+                </p:ext>
+              </p:extLst>
+            </p:nvPr>
+          </p:nvSpPr>
+          <p:spPr>
+            <a:xfrm>
+              <a:off x="5547347" y="64008"/>
+              <a:ext cx="54368" cy="59227"/>
+            </a:xfrm>
+            <a:prstGeom prst="ellipse">
+              <a:avLst/>
+            </a:prstGeom>
+            <a:solidFill>
+              <a:schemeClr val="accent1"/>
+            </a:solidFill>
+            <a:ln>
+              <a:noFill/>
+            </a:ln>
+          </p:spPr>
+          <p:style>
+            <a:lnRef idx="2">
+              <a:schemeClr val="accent1">
+                <a:shade val="50000"/>
+              </a:schemeClr>
+            </a:lnRef>
+            <a:fillRef idx="1">
+              <a:schemeClr val="accent1"/>
+            </a:fillRef>
+            <a:effectRef idx="0">
+              <a:schemeClr val="accent1"/>
+            </a:effectRef>
+            <a:fontRef idx="minor">
+              <a:schemeClr val="lt1"/>
+            </a:fontRef>
+          </p:style>
+          <p:txBody>
+            <a:bodyPr rtlCol="0" anchor="ctr"/>
+            <a:lstStyle/>
+            <a:p>
+              <a:pPr algn="ctr"/>
+              <a:endParaRPr lang="en-US"/>
+            </a:p>
+          </p:txBody>
+        </p:sp>
+        <p:sp>
+          <p:nvSpPr>
+            <p:cNvPr id="19" name="Rectangle 66">
+              <a:extLst>
+                <a:ext uri="{FF2B5EF4-FFF2-40B4-BE49-F238E27FC236}">
+                  <a16:creationId xmlns:a16="http://schemas.microsoft.com/office/drawing/2014/main" id="{FC359C9B-D7DB-4D67-BC20-0ED526C67E42}"/>
+                </a:ext>
+                <a:ext uri="{C183D7F6-B498-43B3-948B-1728B52AA6E4}">
+                  <adec:decorative xmlns:adec="http://schemas.microsoft.com/office/drawing/2017/decorative" val="1"/>
+                </a:ext>
+              </a:extLst>
+            </p:cNvPr>
+            <p:cNvSpPr/>
+            <p:nvPr>
+              <p:extLst>
+                <p:ext uri="{386F3935-93C4-4BCD-93E2-E3B085C9AB24}">
+                  <p16:designElem xmlns:p16="http://schemas.microsoft.com/office/powerpoint/2015/main" val="1"/>
+                </p:ext>
+              </p:extLst>
+            </p:nvPr>
+          </p:nvSpPr>
+          <p:spPr>
+            <a:xfrm>
+              <a:off x="5547347" y="237744"/>
+              <a:ext cx="54368" cy="59227"/>
+            </a:xfrm>
+            <a:prstGeom prst="ellipse">
+              <a:avLst/>
+            </a:prstGeom>
+            <a:solidFill>
+              <a:schemeClr val="accent1"/>
+            </a:solidFill>
+            <a:ln>
+              <a:noFill/>
+            </a:ln>
+          </p:spPr>
+          <p:style>
+            <a:lnRef idx="2">
+              <a:schemeClr val="accent1">
+                <a:shade val="50000"/>
+              </a:schemeClr>
+            </a:lnRef>
+            <a:fillRef idx="1">
+              <a:schemeClr val="accent1"/>
+            </a:fillRef>
+            <a:effectRef idx="0">
+              <a:schemeClr val="accent1"/>
+            </a:effectRef>
+            <a:fontRef idx="minor">
+              <a:schemeClr val="lt1"/>
+            </a:fontRef>
+          </p:style>
+          <p:txBody>
+            <a:bodyPr rtlCol="0" anchor="ctr"/>
+            <a:lstStyle/>
+            <a:p>
+              <a:pPr algn="ctr"/>
+              <a:endParaRPr lang="en-US"/>
+            </a:p>
+          </p:txBody>
+        </p:sp>
+        <p:sp>
+          <p:nvSpPr>
+            <p:cNvPr id="20" name="Rectangle 64">
+              <a:extLst>
+                <a:ext uri="{FF2B5EF4-FFF2-40B4-BE49-F238E27FC236}">
+                  <a16:creationId xmlns:a16="http://schemas.microsoft.com/office/drawing/2014/main" id="{5DA7CDCF-326D-40F3-9FA1-F6B696E8FF7A}"/>
+                </a:ext>
+                <a:ext uri="{C183D7F6-B498-43B3-948B-1728B52AA6E4}">
+                  <adec:decorative xmlns:adec="http://schemas.microsoft.com/office/drawing/2017/decorative" val="1"/>
+                </a:ext>
+              </a:extLst>
+            </p:cNvPr>
+            <p:cNvSpPr/>
+            <p:nvPr>
+              <p:extLst>
+                <p:ext uri="{386F3935-93C4-4BCD-93E2-E3B085C9AB24}">
+                  <p16:designElem xmlns:p16="http://schemas.microsoft.com/office/powerpoint/2015/main" val="1"/>
+                </p:ext>
+              </p:extLst>
+            </p:nvPr>
+          </p:nvSpPr>
+          <p:spPr>
+            <a:xfrm>
+              <a:off x="5422392" y="64008"/>
+              <a:ext cx="54368" cy="59227"/>
+            </a:xfrm>
+            <a:prstGeom prst="ellipse">
+              <a:avLst/>
+            </a:prstGeom>
+            <a:solidFill>
+              <a:schemeClr val="accent1"/>
+            </a:solidFill>
+            <a:ln>
+              <a:noFill/>
+            </a:ln>
+          </p:spPr>
+          <p:style>
+            <a:lnRef idx="2">
+              <a:schemeClr val="accent1">
+                <a:shade val="50000"/>
+              </a:schemeClr>
+            </a:lnRef>
+            <a:fillRef idx="1">
+              <a:schemeClr val="accent1"/>
+            </a:fillRef>
+            <a:effectRef idx="0">
+              <a:schemeClr val="accent1"/>
+            </a:effectRef>
+            <a:fontRef idx="minor">
+              <a:schemeClr val="lt1"/>
+            </a:fontRef>
+          </p:style>
+          <p:txBody>
+            <a:bodyPr rtlCol="0" anchor="ctr"/>
+            <a:lstStyle/>
+            <a:p>
+              <a:pPr algn="ctr"/>
+              <a:endParaRPr lang="en-US"/>
+            </a:p>
+          </p:txBody>
+        </p:sp>
+        <p:sp>
+          <p:nvSpPr>
+            <p:cNvPr id="21" name="Rectangle 66">
+              <a:extLst>
+                <a:ext uri="{FF2B5EF4-FFF2-40B4-BE49-F238E27FC236}">
+                  <a16:creationId xmlns:a16="http://schemas.microsoft.com/office/drawing/2014/main" id="{42EAB6A2-C79F-4E11-BA2B-823945037EF7}"/>
+                </a:ext>
+                <a:ext uri="{C183D7F6-B498-43B3-948B-1728B52AA6E4}">
+                  <adec:decorative xmlns:adec="http://schemas.microsoft.com/office/drawing/2017/decorative" val="1"/>
+                </a:ext>
+              </a:extLst>
+            </p:cNvPr>
+            <p:cNvSpPr/>
+            <p:nvPr>
+              <p:extLst>
+                <p:ext uri="{386F3935-93C4-4BCD-93E2-E3B085C9AB24}">
+                  <p16:designElem xmlns:p16="http://schemas.microsoft.com/office/powerpoint/2015/main" val="1"/>
+                </p:ext>
+              </p:extLst>
+            </p:nvPr>
+          </p:nvSpPr>
+          <p:spPr>
+            <a:xfrm>
+              <a:off x="5422392" y="237744"/>
+              <a:ext cx="54368" cy="59227"/>
+            </a:xfrm>
+            <a:prstGeom prst="ellipse">
+              <a:avLst/>
+            </a:prstGeom>
+            <a:solidFill>
+              <a:schemeClr val="accent1"/>
+            </a:solidFill>
+            <a:ln>
+              <a:noFill/>
+            </a:ln>
+          </p:spPr>
+          <p:style>
+            <a:lnRef idx="2">
+              <a:schemeClr val="accent1">
+                <a:shade val="50000"/>
+              </a:schemeClr>
+            </a:lnRef>
+            <a:fillRef idx="1">
+              <a:schemeClr val="accent1"/>
+            </a:fillRef>
+            <a:effectRef idx="0">
+              <a:schemeClr val="accent1"/>
+            </a:effectRef>
+            <a:fontRef idx="minor">
+              <a:schemeClr val="lt1"/>
+            </a:fontRef>
+          </p:style>
+          <p:txBody>
+            <a:bodyPr rtlCol="0" anchor="ctr"/>
+            <a:lstStyle/>
+            <a:p>
+              <a:pPr algn="ctr"/>
+              <a:endParaRPr lang="en-US"/>
+            </a:p>
+          </p:txBody>
+        </p:sp>
+        <p:sp>
+          <p:nvSpPr>
+            <p:cNvPr id="22" name="Rectangle 64">
+              <a:extLst>
+                <a:ext uri="{FF2B5EF4-FFF2-40B4-BE49-F238E27FC236}">
+                  <a16:creationId xmlns:a16="http://schemas.microsoft.com/office/drawing/2014/main" id="{0409AE1C-32E7-42F0-8174-D8EC28D1DD1C}"/>
+                </a:ext>
+                <a:ext uri="{C183D7F6-B498-43B3-948B-1728B52AA6E4}">
+                  <adec:decorative xmlns:adec="http://schemas.microsoft.com/office/drawing/2017/decorative" val="1"/>
+                </a:ext>
+              </a:extLst>
+            </p:cNvPr>
+            <p:cNvSpPr/>
+            <p:nvPr>
+              <p:extLst>
+                <p:ext uri="{386F3935-93C4-4BCD-93E2-E3B085C9AB24}">
+                  <p16:designElem xmlns:p16="http://schemas.microsoft.com/office/powerpoint/2015/main" val="1"/>
+                </p:ext>
+              </p:extLst>
+            </p:nvPr>
+          </p:nvSpPr>
+          <p:spPr>
+            <a:xfrm>
+              <a:off x="6546990" y="64008"/>
+              <a:ext cx="54368" cy="59227"/>
+            </a:xfrm>
+            <a:prstGeom prst="ellipse">
+              <a:avLst/>
+            </a:prstGeom>
+            <a:solidFill>
+              <a:schemeClr val="accent1"/>
+            </a:solidFill>
+            <a:ln>
+              <a:noFill/>
+            </a:ln>
+          </p:spPr>
+          <p:style>
+            <a:lnRef idx="2">
+              <a:schemeClr val="accent1">
+                <a:shade val="50000"/>
+              </a:schemeClr>
+            </a:lnRef>
+            <a:fillRef idx="1">
+              <a:schemeClr val="accent1"/>
+            </a:fillRef>
+            <a:effectRef idx="0">
+              <a:schemeClr val="accent1"/>
+            </a:effectRef>
+            <a:fontRef idx="minor">
+              <a:schemeClr val="lt1"/>
+            </a:fontRef>
+          </p:style>
+          <p:txBody>
+            <a:bodyPr rtlCol="0" anchor="ctr"/>
+            <a:lstStyle/>
+            <a:p>
+              <a:pPr algn="ctr"/>
+              <a:endParaRPr lang="en-US"/>
+            </a:p>
+          </p:txBody>
+        </p:sp>
+        <p:sp>
+          <p:nvSpPr>
+            <p:cNvPr id="23" name="Rectangle 66">
+              <a:extLst>
+                <a:ext uri="{FF2B5EF4-FFF2-40B4-BE49-F238E27FC236}">
+                  <a16:creationId xmlns:a16="http://schemas.microsoft.com/office/drawing/2014/main" id="{6D094018-4CC4-4507-BD21-223B12217DF7}"/>
+                </a:ext>
+                <a:ext uri="{C183D7F6-B498-43B3-948B-1728B52AA6E4}">
+                  <adec:decorative xmlns:adec="http://schemas.microsoft.com/office/drawing/2017/decorative" val="1"/>
+                </a:ext>
+              </a:extLst>
+            </p:cNvPr>
+            <p:cNvSpPr/>
+            <p:nvPr>
+              <p:extLst>
+                <p:ext uri="{386F3935-93C4-4BCD-93E2-E3B085C9AB24}">
+                  <p16:designElem xmlns:p16="http://schemas.microsoft.com/office/powerpoint/2015/main" val="1"/>
+                </p:ext>
+              </p:extLst>
+            </p:nvPr>
+          </p:nvSpPr>
+          <p:spPr>
+            <a:xfrm>
+              <a:off x="6546990" y="237744"/>
+              <a:ext cx="54368" cy="59227"/>
+            </a:xfrm>
+            <a:prstGeom prst="ellipse">
+              <a:avLst/>
+            </a:prstGeom>
+            <a:solidFill>
+              <a:schemeClr val="accent1"/>
+            </a:solidFill>
+            <a:ln>
+              <a:noFill/>
+            </a:ln>
+          </p:spPr>
+          <p:style>
+            <a:lnRef idx="2">
+              <a:schemeClr val="accent1">
+                <a:shade val="50000"/>
+              </a:schemeClr>
+            </a:lnRef>
+            <a:fillRef idx="1">
+              <a:schemeClr val="accent1"/>
+            </a:fillRef>
+            <a:effectRef idx="0">
+              <a:schemeClr val="accent1"/>
+            </a:effectRef>
+            <a:fontRef idx="minor">
+              <a:schemeClr val="lt1"/>
+            </a:fontRef>
+          </p:style>
+          <p:txBody>
+            <a:bodyPr rtlCol="0" anchor="ctr"/>
+            <a:lstStyle/>
+            <a:p>
+              <a:pPr algn="ctr"/>
+              <a:endParaRPr lang="en-US"/>
+            </a:p>
+          </p:txBody>
+        </p:sp>
+        <p:sp>
+          <p:nvSpPr>
+            <p:cNvPr id="24" name="Rectangle 64">
+              <a:extLst>
+                <a:ext uri="{FF2B5EF4-FFF2-40B4-BE49-F238E27FC236}">
+                  <a16:creationId xmlns:a16="http://schemas.microsoft.com/office/drawing/2014/main" id="{4971B5B3-87D2-49C1-9AD0-984AF7579CC0}"/>
+                </a:ext>
+                <a:ext uri="{C183D7F6-B498-43B3-948B-1728B52AA6E4}">
+                  <adec:decorative xmlns:adec="http://schemas.microsoft.com/office/drawing/2017/decorative" val="1"/>
+                </a:ext>
+              </a:extLst>
+            </p:cNvPr>
+            <p:cNvSpPr/>
+            <p:nvPr>
+              <p:extLst>
+                <p:ext uri="{386F3935-93C4-4BCD-93E2-E3B085C9AB24}">
+                  <p16:designElem xmlns:p16="http://schemas.microsoft.com/office/powerpoint/2015/main" val="1"/>
+                </p:ext>
+              </p:extLst>
+            </p:nvPr>
+          </p:nvSpPr>
+          <p:spPr>
+            <a:xfrm>
+              <a:off x="6422035" y="64008"/>
+              <a:ext cx="54368" cy="59227"/>
+            </a:xfrm>
+            <a:prstGeom prst="ellipse">
+              <a:avLst/>
+            </a:prstGeom>
+            <a:solidFill>
+              <a:schemeClr val="accent1"/>
+            </a:solidFill>
+            <a:ln>
+              <a:noFill/>
+            </a:ln>
+          </p:spPr>
+          <p:style>
+            <a:lnRef idx="2">
+              <a:schemeClr val="accent1">
+                <a:shade val="50000"/>
+              </a:schemeClr>
+            </a:lnRef>
+            <a:fillRef idx="1">
+              <a:schemeClr val="accent1"/>
+            </a:fillRef>
+            <a:effectRef idx="0">
+              <a:schemeClr val="accent1"/>
+            </a:effectRef>
+            <a:fontRef idx="minor">
+              <a:schemeClr val="lt1"/>
+            </a:fontRef>
+          </p:style>
+          <p:txBody>
+            <a:bodyPr rtlCol="0" anchor="ctr"/>
+            <a:lstStyle/>
+            <a:p>
+              <a:pPr algn="ctr"/>
+              <a:endParaRPr lang="en-US"/>
+            </a:p>
+          </p:txBody>
+        </p:sp>
+        <p:sp>
+          <p:nvSpPr>
+            <p:cNvPr id="25" name="Rectangle 66">
+              <a:extLst>
+                <a:ext uri="{FF2B5EF4-FFF2-40B4-BE49-F238E27FC236}">
+                  <a16:creationId xmlns:a16="http://schemas.microsoft.com/office/drawing/2014/main" id="{7F8CC77F-5D16-46D1-9E76-844D3D54B168}"/>
+                </a:ext>
+                <a:ext uri="{C183D7F6-B498-43B3-948B-1728B52AA6E4}">
+                  <adec:decorative xmlns:adec="http://schemas.microsoft.com/office/drawing/2017/decorative" val="1"/>
+                </a:ext>
+              </a:extLst>
+            </p:cNvPr>
+            <p:cNvSpPr/>
+            <p:nvPr>
+              <p:extLst>
+                <p:ext uri="{386F3935-93C4-4BCD-93E2-E3B085C9AB24}">
+                  <p16:designElem xmlns:p16="http://schemas.microsoft.com/office/powerpoint/2015/main" val="1"/>
+                </p:ext>
+              </p:extLst>
+            </p:nvPr>
+          </p:nvSpPr>
+          <p:spPr>
+            <a:xfrm>
+              <a:off x="6422035" y="237744"/>
+              <a:ext cx="54368" cy="59227"/>
+            </a:xfrm>
+            <a:prstGeom prst="ellipse">
+              <a:avLst/>
+            </a:prstGeom>
+            <a:solidFill>
+              <a:schemeClr val="accent1"/>
+            </a:solidFill>
+            <a:ln>
+              <a:noFill/>
+            </a:ln>
+          </p:spPr>
+          <p:style>
+            <a:lnRef idx="2">
+              <a:schemeClr val="accent1">
+                <a:shade val="50000"/>
+              </a:schemeClr>
+            </a:lnRef>
+            <a:fillRef idx="1">
+              <a:schemeClr val="accent1"/>
+            </a:fillRef>
+            <a:effectRef idx="0">
+              <a:schemeClr val="accent1"/>
+            </a:effectRef>
+            <a:fontRef idx="minor">
+              <a:schemeClr val="lt1"/>
+            </a:fontRef>
+          </p:style>
+          <p:txBody>
+            <a:bodyPr rtlCol="0" anchor="ctr"/>
+            <a:lstStyle/>
+            <a:p>
+              <a:pPr algn="ctr"/>
+              <a:endParaRPr lang="en-US"/>
+            </a:p>
+          </p:txBody>
+        </p:sp>
+        <p:sp>
+          <p:nvSpPr>
+            <p:cNvPr id="26" name="Rectangle 64">
+              <a:extLst>
+                <a:ext uri="{FF2B5EF4-FFF2-40B4-BE49-F238E27FC236}">
+                  <a16:creationId xmlns:a16="http://schemas.microsoft.com/office/drawing/2014/main" id="{3136B198-9314-404B-9B2A-B12F1C81E846}"/>
+                </a:ext>
+                <a:ext uri="{C183D7F6-B498-43B3-948B-1728B52AA6E4}">
+                  <adec:decorative xmlns:adec="http://schemas.microsoft.com/office/drawing/2017/decorative" val="1"/>
+                </a:ext>
+              </a:extLst>
+            </p:cNvPr>
+            <p:cNvSpPr/>
+            <p:nvPr>
+              <p:extLst>
+                <p:ext uri="{386F3935-93C4-4BCD-93E2-E3B085C9AB24}">
+                  <p16:designElem xmlns:p16="http://schemas.microsoft.com/office/powerpoint/2015/main" val="1"/>
+                </p:ext>
+              </p:extLst>
+            </p:nvPr>
+          </p:nvSpPr>
+          <p:spPr>
+            <a:xfrm>
+              <a:off x="6297080" y="64008"/>
+              <a:ext cx="54368" cy="59227"/>
+            </a:xfrm>
+            <a:prstGeom prst="ellipse">
+              <a:avLst/>
+            </a:prstGeom>
+            <a:solidFill>
+              <a:schemeClr val="accent1"/>
+            </a:solidFill>
+            <a:ln>
+              <a:noFill/>
+            </a:ln>
+          </p:spPr>
+          <p:style>
+            <a:lnRef idx="2">
+              <a:schemeClr val="accent1">
+                <a:shade val="50000"/>
+              </a:schemeClr>
+            </a:lnRef>
+            <a:fillRef idx="1">
+              <a:schemeClr val="accent1"/>
+            </a:fillRef>
+            <a:effectRef idx="0">
+              <a:schemeClr val="accent1"/>
+            </a:effectRef>
+            <a:fontRef idx="minor">
+              <a:schemeClr val="lt1"/>
+            </a:fontRef>
+          </p:style>
+          <p:txBody>
+            <a:bodyPr rtlCol="0" anchor="ctr"/>
+            <a:lstStyle/>
+            <a:p>
+              <a:pPr algn="ctr"/>
+              <a:endParaRPr lang="en-US"/>
+            </a:p>
+          </p:txBody>
+        </p:sp>
+        <p:sp>
+          <p:nvSpPr>
+            <p:cNvPr id="27" name="Rectangle 66">
+              <a:extLst>
+                <a:ext uri="{FF2B5EF4-FFF2-40B4-BE49-F238E27FC236}">
+                  <a16:creationId xmlns:a16="http://schemas.microsoft.com/office/drawing/2014/main" id="{3AD2B785-CD5F-4846-8278-FD202F836F0A}"/>
+                </a:ext>
+                <a:ext uri="{C183D7F6-B498-43B3-948B-1728B52AA6E4}">
+                  <adec:decorative xmlns:adec="http://schemas.microsoft.com/office/drawing/2017/decorative" val="1"/>
+                </a:ext>
+              </a:extLst>
+            </p:cNvPr>
+            <p:cNvSpPr/>
+            <p:nvPr>
+              <p:extLst>
+                <p:ext uri="{386F3935-93C4-4BCD-93E2-E3B085C9AB24}">
+                  <p16:designElem xmlns:p16="http://schemas.microsoft.com/office/powerpoint/2015/main" val="1"/>
+                </p:ext>
+              </p:extLst>
+            </p:nvPr>
+          </p:nvSpPr>
+          <p:spPr>
+            <a:xfrm>
+              <a:off x="6297080" y="237744"/>
+              <a:ext cx="54368" cy="59227"/>
+            </a:xfrm>
+            <a:prstGeom prst="ellipse">
+              <a:avLst/>
+            </a:prstGeom>
+            <a:solidFill>
+              <a:schemeClr val="accent1"/>
+            </a:solidFill>
+            <a:ln>
+              <a:noFill/>
+            </a:ln>
+          </p:spPr>
+          <p:style>
+            <a:lnRef idx="2">
+              <a:schemeClr val="accent1">
+                <a:shade val="50000"/>
+              </a:schemeClr>
+            </a:lnRef>
+            <a:fillRef idx="1">
+              <a:schemeClr val="accent1"/>
+            </a:fillRef>
+            <a:effectRef idx="0">
+              <a:schemeClr val="accent1"/>
+            </a:effectRef>
+            <a:fontRef idx="minor">
+              <a:schemeClr val="lt1"/>
+            </a:fontRef>
+          </p:style>
+          <p:txBody>
+            <a:bodyPr rtlCol="0" anchor="ctr"/>
+            <a:lstStyle/>
+            <a:p>
+              <a:pPr algn="ctr"/>
+              <a:endParaRPr lang="en-US"/>
+            </a:p>
+          </p:txBody>
+        </p:sp>
+        <p:sp>
+          <p:nvSpPr>
+            <p:cNvPr id="28" name="Rectangle 64">
+              <a:extLst>
+                <a:ext uri="{FF2B5EF4-FFF2-40B4-BE49-F238E27FC236}">
+                  <a16:creationId xmlns:a16="http://schemas.microsoft.com/office/drawing/2014/main" id="{3C6BD3BE-D8A5-4561-9641-5F579267C5D0}"/>
+                </a:ext>
+                <a:ext uri="{C183D7F6-B498-43B3-948B-1728B52AA6E4}">
+                  <adec:decorative xmlns:adec="http://schemas.microsoft.com/office/drawing/2017/decorative" val="1"/>
+                </a:ext>
+              </a:extLst>
+            </p:cNvPr>
+            <p:cNvSpPr/>
+            <p:nvPr>
+              <p:extLst>
+                <p:ext uri="{386F3935-93C4-4BCD-93E2-E3B085C9AB24}">
+                  <p16:designElem xmlns:p16="http://schemas.microsoft.com/office/powerpoint/2015/main" val="1"/>
+                </p:ext>
+              </p:extLst>
+            </p:nvPr>
+          </p:nvSpPr>
+          <p:spPr>
+            <a:xfrm>
+              <a:off x="6172124" y="64008"/>
+              <a:ext cx="54368" cy="59227"/>
+            </a:xfrm>
+            <a:prstGeom prst="ellipse">
+              <a:avLst/>
+            </a:prstGeom>
+            <a:solidFill>
+              <a:schemeClr val="accent1"/>
+            </a:solidFill>
+            <a:ln>
+              <a:noFill/>
+            </a:ln>
+          </p:spPr>
+          <p:style>
+            <a:lnRef idx="2">
+              <a:schemeClr val="accent1">
+                <a:shade val="50000"/>
+              </a:schemeClr>
+            </a:lnRef>
+            <a:fillRef idx="1">
+              <a:schemeClr val="accent1"/>
+            </a:fillRef>
+            <a:effectRef idx="0">
+              <a:schemeClr val="accent1"/>
+            </a:effectRef>
+            <a:fontRef idx="minor">
+              <a:schemeClr val="lt1"/>
+            </a:fontRef>
+          </p:style>
+          <p:txBody>
+            <a:bodyPr rtlCol="0" anchor="ctr"/>
+            <a:lstStyle/>
+            <a:p>
+              <a:pPr algn="ctr"/>
+              <a:endParaRPr lang="en-US"/>
+            </a:p>
+          </p:txBody>
+        </p:sp>
+        <p:sp>
+          <p:nvSpPr>
+            <p:cNvPr id="29" name="Rectangle 66">
+              <a:extLst>
+                <a:ext uri="{FF2B5EF4-FFF2-40B4-BE49-F238E27FC236}">
+                  <a16:creationId xmlns:a16="http://schemas.microsoft.com/office/drawing/2014/main" id="{883722C6-0687-4FBC-924C-022C334B3555}"/>
+                </a:ext>
+                <a:ext uri="{C183D7F6-B498-43B3-948B-1728B52AA6E4}">
+                  <adec:decorative xmlns:adec="http://schemas.microsoft.com/office/drawing/2017/decorative" val="1"/>
+                </a:ext>
+              </a:extLst>
+            </p:cNvPr>
+            <p:cNvSpPr/>
+            <p:nvPr>
+              <p:extLst>
+                <p:ext uri="{386F3935-93C4-4BCD-93E2-E3B085C9AB24}">
+                  <p16:designElem xmlns:p16="http://schemas.microsoft.com/office/powerpoint/2015/main" val="1"/>
+                </p:ext>
+              </p:extLst>
+            </p:nvPr>
+          </p:nvSpPr>
+          <p:spPr>
+            <a:xfrm>
+              <a:off x="6172124" y="237744"/>
+              <a:ext cx="54368" cy="59227"/>
+            </a:xfrm>
+            <a:prstGeom prst="ellipse">
+              <a:avLst/>
+            </a:prstGeom>
+            <a:solidFill>
+              <a:schemeClr val="accent1"/>
+            </a:solidFill>
+            <a:ln>
+              <a:noFill/>
+            </a:ln>
+          </p:spPr>
+          <p:style>
+            <a:lnRef idx="2">
+              <a:schemeClr val="accent1">
+                <a:shade val="50000"/>
+              </a:schemeClr>
+            </a:lnRef>
+            <a:fillRef idx="1">
+              <a:schemeClr val="accent1"/>
+            </a:fillRef>
+            <a:effectRef idx="0">
+              <a:schemeClr val="accent1"/>
+            </a:effectRef>
+            <a:fontRef idx="minor">
+              <a:schemeClr val="lt1"/>
+            </a:fontRef>
+          </p:style>
+          <p:txBody>
+            <a:bodyPr rtlCol="0" anchor="ctr"/>
+            <a:lstStyle/>
+            <a:p>
+              <a:pPr algn="ctr"/>
+              <a:endParaRPr lang="en-US"/>
+            </a:p>
+          </p:txBody>
+        </p:sp>
+        <p:sp>
+          <p:nvSpPr>
+            <p:cNvPr id="30" name="Rectangle 64">
+              <a:extLst>
+                <a:ext uri="{FF2B5EF4-FFF2-40B4-BE49-F238E27FC236}">
+                  <a16:creationId xmlns:a16="http://schemas.microsoft.com/office/drawing/2014/main" id="{50E3342E-EFDF-4EE7-A275-A46FE15FD9F8}"/>
+                </a:ext>
+                <a:ext uri="{C183D7F6-B498-43B3-948B-1728B52AA6E4}">
+                  <adec:decorative xmlns:adec="http://schemas.microsoft.com/office/drawing/2017/decorative" val="1"/>
+                </a:ext>
+              </a:extLst>
+            </p:cNvPr>
+            <p:cNvSpPr/>
+            <p:nvPr>
+              <p:extLst>
+                <p:ext uri="{386F3935-93C4-4BCD-93E2-E3B085C9AB24}">
+                  <p16:designElem xmlns:p16="http://schemas.microsoft.com/office/powerpoint/2015/main" val="1"/>
+                </p:ext>
+              </p:extLst>
+            </p:nvPr>
+          </p:nvSpPr>
+          <p:spPr>
+            <a:xfrm>
+              <a:off x="6047169" y="64008"/>
+              <a:ext cx="54368" cy="59227"/>
+            </a:xfrm>
+            <a:prstGeom prst="ellipse">
+              <a:avLst/>
+            </a:prstGeom>
+            <a:solidFill>
+              <a:schemeClr val="accent1"/>
+            </a:solidFill>
+            <a:ln>
+              <a:noFill/>
+            </a:ln>
+          </p:spPr>
+          <p:style>
+            <a:lnRef idx="2">
+              <a:schemeClr val="accent1">
+                <a:shade val="50000"/>
+              </a:schemeClr>
+            </a:lnRef>
+            <a:fillRef idx="1">
+              <a:schemeClr val="accent1"/>
+            </a:fillRef>
+            <a:effectRef idx="0">
+              <a:schemeClr val="accent1"/>
+            </a:effectRef>
+            <a:fontRef idx="minor">
+              <a:schemeClr val="lt1"/>
+            </a:fontRef>
+          </p:style>
+          <p:txBody>
+            <a:bodyPr rtlCol="0" anchor="ctr"/>
+            <a:lstStyle/>
+            <a:p>
+              <a:pPr algn="ctr"/>
+              <a:endParaRPr lang="en-US"/>
+            </a:p>
+          </p:txBody>
+        </p:sp>
+        <p:sp>
+          <p:nvSpPr>
+            <p:cNvPr id="31" name="Rectangle 66">
+              <a:extLst>
+                <a:ext uri="{FF2B5EF4-FFF2-40B4-BE49-F238E27FC236}">
+                  <a16:creationId xmlns:a16="http://schemas.microsoft.com/office/drawing/2014/main" id="{02A591D3-77C5-427A-84E7-5040F9C17B32}"/>
+                </a:ext>
+                <a:ext uri="{C183D7F6-B498-43B3-948B-1728B52AA6E4}">
+                  <adec:decorative xmlns:adec="http://schemas.microsoft.com/office/drawing/2017/decorative" val="1"/>
+                </a:ext>
+              </a:extLst>
+            </p:cNvPr>
+            <p:cNvSpPr/>
+            <p:nvPr>
+              <p:extLst>
+                <p:ext uri="{386F3935-93C4-4BCD-93E2-E3B085C9AB24}">
+                  <p16:designElem xmlns:p16="http://schemas.microsoft.com/office/powerpoint/2015/main" val="1"/>
+                </p:ext>
+              </p:extLst>
+            </p:nvPr>
+          </p:nvSpPr>
+          <p:spPr>
+            <a:xfrm>
+              <a:off x="6047169" y="237744"/>
+              <a:ext cx="54368" cy="59227"/>
+            </a:xfrm>
+            <a:prstGeom prst="ellipse">
+              <a:avLst/>
+            </a:prstGeom>
+            <a:solidFill>
+              <a:schemeClr val="accent1"/>
+            </a:solidFill>
+            <a:ln>
+              <a:noFill/>
+            </a:ln>
+          </p:spPr>
+          <p:style>
+            <a:lnRef idx="2">
+              <a:schemeClr val="accent1">
+                <a:shade val="50000"/>
+              </a:schemeClr>
+            </a:lnRef>
+            <a:fillRef idx="1">
+              <a:schemeClr val="accent1"/>
+            </a:fillRef>
+            <a:effectRef idx="0">
+              <a:schemeClr val="accent1"/>
+            </a:effectRef>
+            <a:fontRef idx="minor">
+              <a:schemeClr val="lt1"/>
+            </a:fontRef>
+          </p:style>
+          <p:txBody>
+            <a:bodyPr rtlCol="0" anchor="ctr"/>
+            <a:lstStyle/>
+            <a:p>
+              <a:pPr algn="ctr"/>
+              <a:endParaRPr lang="en-US"/>
+            </a:p>
+          </p:txBody>
+        </p:sp>
+      </p:grpSp>
+      <p:sp>
+        <p:nvSpPr>
+          <p:cNvPr id="33" name="Rectangle 32">
+            <a:extLst>
+              <a:ext uri="{FF2B5EF4-FFF2-40B4-BE49-F238E27FC236}">
+                <a16:creationId xmlns:a16="http://schemas.microsoft.com/office/drawing/2014/main" id="{D9F5512A-48E1-4C07-B75E-3CCC517B6804}"/>
+              </a:ext>
+              <a:ext uri="{C183D7F6-B498-43B3-948B-1728B52AA6E4}">
+                <adec:decorative xmlns:adec="http://schemas.microsoft.com/office/drawing/2017/decorative" val="1"/>
+              </a:ext>
+            </a:extLst>
+          </p:cNvPr>
+          <p:cNvSpPr>
+            <a:spLocks noGrp="1" noRot="1" noChangeAspect="1" noMove="1" noResize="1" noEditPoints="1" noAdjustHandles="1" noChangeArrowheads="1" noChangeShapeType="1" noTextEdit="1"/>
+          </p:cNvSpPr>
+          <p:nvPr>
+            <p:extLst>
+              <p:ext uri="{386F3935-93C4-4BCD-93E2-E3B085C9AB24}">
+                <p16:designElem xmlns:p16="http://schemas.microsoft.com/office/powerpoint/2015/main" val="1"/>
+              </p:ext>
+            </p:extLst>
+          </p:nvPr>
+        </p:nvSpPr>
+        <p:spPr>
+          <a:xfrm>
+            <a:off x="-1" y="3233984"/>
+            <a:ext cx="606972" cy="3624015"/>
+          </a:xfrm>
+          <a:prstGeom prst="rect">
+            <a:avLst/>
+          </a:prstGeom>
+          <a:solidFill>
+            <a:schemeClr val="accent1"/>
+          </a:solidFill>
+          <a:ln>
+            <a:noFill/>
+          </a:ln>
+        </p:spPr>
+        <p:style>
+          <a:lnRef idx="2">
+            <a:schemeClr val="accent1">
+              <a:shade val="50000"/>
+            </a:schemeClr>
+          </a:lnRef>
+          <a:fillRef idx="1">
+            <a:schemeClr val="accent1"/>
+          </a:fillRef>
+          <a:effectRef idx="0">
+            <a:schemeClr val="accent1"/>
+          </a:effectRef>
+          <a:fontRef idx="minor">
+            <a:schemeClr val="lt1"/>
+          </a:fontRef>
+        </p:style>
+        <p:txBody>
+          <a:bodyPr rtlCol="0" anchor="ctr"/>
+          <a:lstStyle/>
+          <a:p>
+            <a:pPr algn="ctr"/>
+            <a:endParaRPr lang="en-US"/>
+          </a:p>
+        </p:txBody>
+      </p:sp>
+    </p:spTree>
+    <p:extLst>
+      <p:ext uri="{BB962C8B-B14F-4D97-AF65-F5344CB8AC3E}">
+        <p14:creationId xmlns:p14="http://schemas.microsoft.com/office/powerpoint/2010/main" val="3678925562"/>
       </p:ext>
     </p:extLst>
   </p:cSld>
